--- a/SE401/Lectures/8-Integration, System and Regression Testing/2-System Testing.pptx
+++ b/SE401/Lectures/8-Integration, System and Regression Testing/2-System Testing.pptx
@@ -5,7 +5,7 @@
     <p:sldMasterId id="2147483648" r:id="rId1"/>
   </p:sldMasterIdLst>
   <p:notesMasterIdLst>
-    <p:notesMasterId r:id="rId80"/>
+    <p:notesMasterId r:id="rId68"/>
   </p:notesMasterIdLst>
   <p:sldIdLst>
     <p:sldId id="257" r:id="rId2"/>
@@ -39,53 +39,41 @@
     <p:sldId id="387" r:id="rId30"/>
     <p:sldId id="388" r:id="rId31"/>
     <p:sldId id="389" r:id="rId32"/>
-    <p:sldId id="390" r:id="rId33"/>
-    <p:sldId id="391" r:id="rId34"/>
-    <p:sldId id="392" r:id="rId35"/>
-    <p:sldId id="393" r:id="rId36"/>
-    <p:sldId id="394" r:id="rId37"/>
-    <p:sldId id="395" r:id="rId38"/>
-    <p:sldId id="396" r:id="rId39"/>
-    <p:sldId id="397" r:id="rId40"/>
-    <p:sldId id="398" r:id="rId41"/>
-    <p:sldId id="399" r:id="rId42"/>
-    <p:sldId id="400" r:id="rId43"/>
-    <p:sldId id="401" r:id="rId44"/>
-    <p:sldId id="402" r:id="rId45"/>
-    <p:sldId id="403" r:id="rId46"/>
-    <p:sldId id="404" r:id="rId47"/>
-    <p:sldId id="405" r:id="rId48"/>
-    <p:sldId id="406" r:id="rId49"/>
-    <p:sldId id="321" r:id="rId50"/>
-    <p:sldId id="322" r:id="rId51"/>
-    <p:sldId id="323" r:id="rId52"/>
-    <p:sldId id="324" r:id="rId53"/>
-    <p:sldId id="325" r:id="rId54"/>
-    <p:sldId id="326" r:id="rId55"/>
-    <p:sldId id="327" r:id="rId56"/>
-    <p:sldId id="328" r:id="rId57"/>
-    <p:sldId id="329" r:id="rId58"/>
-    <p:sldId id="330" r:id="rId59"/>
-    <p:sldId id="331" r:id="rId60"/>
-    <p:sldId id="332" r:id="rId61"/>
-    <p:sldId id="333" r:id="rId62"/>
-    <p:sldId id="334" r:id="rId63"/>
-    <p:sldId id="335" r:id="rId64"/>
-    <p:sldId id="336" r:id="rId65"/>
-    <p:sldId id="337" r:id="rId66"/>
-    <p:sldId id="338" r:id="rId67"/>
-    <p:sldId id="339" r:id="rId68"/>
-    <p:sldId id="340" r:id="rId69"/>
-    <p:sldId id="341" r:id="rId70"/>
-    <p:sldId id="342" r:id="rId71"/>
-    <p:sldId id="343" r:id="rId72"/>
-    <p:sldId id="344" r:id="rId73"/>
-    <p:sldId id="345" r:id="rId74"/>
-    <p:sldId id="346" r:id="rId75"/>
-    <p:sldId id="347" r:id="rId76"/>
-    <p:sldId id="348" r:id="rId77"/>
-    <p:sldId id="408" r:id="rId78"/>
-    <p:sldId id="358" r:id="rId79"/>
+    <p:sldId id="402" r:id="rId33"/>
+    <p:sldId id="403" r:id="rId34"/>
+    <p:sldId id="404" r:id="rId35"/>
+    <p:sldId id="405" r:id="rId36"/>
+    <p:sldId id="406" r:id="rId37"/>
+    <p:sldId id="321" r:id="rId38"/>
+    <p:sldId id="322" r:id="rId39"/>
+    <p:sldId id="323" r:id="rId40"/>
+    <p:sldId id="324" r:id="rId41"/>
+    <p:sldId id="325" r:id="rId42"/>
+    <p:sldId id="326" r:id="rId43"/>
+    <p:sldId id="327" r:id="rId44"/>
+    <p:sldId id="328" r:id="rId45"/>
+    <p:sldId id="329" r:id="rId46"/>
+    <p:sldId id="330" r:id="rId47"/>
+    <p:sldId id="331" r:id="rId48"/>
+    <p:sldId id="332" r:id="rId49"/>
+    <p:sldId id="333" r:id="rId50"/>
+    <p:sldId id="334" r:id="rId51"/>
+    <p:sldId id="335" r:id="rId52"/>
+    <p:sldId id="336" r:id="rId53"/>
+    <p:sldId id="337" r:id="rId54"/>
+    <p:sldId id="338" r:id="rId55"/>
+    <p:sldId id="339" r:id="rId56"/>
+    <p:sldId id="340" r:id="rId57"/>
+    <p:sldId id="341" r:id="rId58"/>
+    <p:sldId id="342" r:id="rId59"/>
+    <p:sldId id="343" r:id="rId60"/>
+    <p:sldId id="344" r:id="rId61"/>
+    <p:sldId id="345" r:id="rId62"/>
+    <p:sldId id="346" r:id="rId63"/>
+    <p:sldId id="347" r:id="rId64"/>
+    <p:sldId id="348" r:id="rId65"/>
+    <p:sldId id="408" r:id="rId66"/>
+    <p:sldId id="358" r:id="rId67"/>
   </p:sldIdLst>
   <p:sldSz cx="12192000" cy="6858000"/>
   <p:notesSz cx="6858000" cy="9144000"/>
@@ -867,7 +855,7 @@
               <a:pPr>
                 <a:defRPr/>
               </a:pPr>
-              <a:t>54</a:t>
+              <a:t>42</a:t>
             </a:fld>
             <a:r>
               <a:rPr lang="en-US" smtClean="0"/>
@@ -1043,7 +1031,7 @@
               <a:pPr>
                 <a:defRPr/>
               </a:pPr>
-              <a:t>55</a:t>
+              <a:t>43</a:t>
             </a:fld>
             <a:r>
               <a:rPr lang="en-US" smtClean="0"/>
@@ -1219,7 +1207,7 @@
               <a:pPr>
                 <a:defRPr/>
               </a:pPr>
-              <a:t>56</a:t>
+              <a:t>44</a:t>
             </a:fld>
             <a:r>
               <a:rPr lang="en-US" smtClean="0"/>
@@ -1391,7 +1379,7 @@
               <a:pPr>
                 <a:defRPr/>
               </a:pPr>
-              <a:t>57</a:t>
+              <a:t>45</a:t>
             </a:fld>
             <a:r>
               <a:rPr lang="en-US" smtClean="0"/>
@@ -1563,7 +1551,7 @@
               <a:pPr>
                 <a:defRPr/>
               </a:pPr>
-              <a:t>59</a:t>
+              <a:t>47</a:t>
             </a:fld>
             <a:r>
               <a:rPr lang="en-US" smtClean="0"/>
@@ -1735,7 +1723,7 @@
               <a:pPr>
                 <a:defRPr/>
               </a:pPr>
-              <a:t>60</a:t>
+              <a:t>48</a:t>
             </a:fld>
             <a:r>
               <a:rPr lang="en-US" smtClean="0"/>
@@ -1907,7 +1895,7 @@
               <a:pPr>
                 <a:defRPr/>
               </a:pPr>
-              <a:t>61</a:t>
+              <a:t>49</a:t>
             </a:fld>
             <a:r>
               <a:rPr lang="en-US" smtClean="0"/>
@@ -2079,7 +2067,7 @@
               <a:pPr>
                 <a:defRPr/>
               </a:pPr>
-              <a:t>62</a:t>
+              <a:t>50</a:t>
             </a:fld>
             <a:r>
               <a:rPr lang="en-US" smtClean="0"/>
@@ -2251,7 +2239,7 @@
               <a:pPr>
                 <a:defRPr/>
               </a:pPr>
-              <a:t>63</a:t>
+              <a:t>51</a:t>
             </a:fld>
             <a:r>
               <a:rPr lang="en-US" smtClean="0"/>
@@ -2423,7 +2411,7 @@
               <a:pPr>
                 <a:defRPr/>
               </a:pPr>
-              <a:t>64</a:t>
+              <a:t>52</a:t>
             </a:fld>
             <a:r>
               <a:rPr lang="en-US" smtClean="0"/>
@@ -2485,14 +2473,14 @@
           </a:ln>
           <a:extLst>
             <a:ext uri="{909E8E84-426E-40dd-AFC4-6F175D3DCCD1}">
-              <a14:hiddenFill xmlns:a14="http://schemas.microsoft.com/office/drawing/2010/main" xmlns="">
+              <a14:hiddenFill xmlns="" xmlns:a14="http://schemas.microsoft.com/office/drawing/2010/main">
                 <a:solidFill>
                   <a:srgbClr val="FFFFFF"/>
                 </a:solidFill>
               </a14:hiddenFill>
             </a:ext>
             <a:ext uri="{91240B29-F687-4f45-9708-019B960494DF}">
-              <a14:hiddenLine xmlns:a14="http://schemas.microsoft.com/office/drawing/2010/main" xmlns="" w="9525">
+              <a14:hiddenLine xmlns="" xmlns:a14="http://schemas.microsoft.com/office/drawing/2010/main" w="9525">
                 <a:solidFill>
                   <a:srgbClr val="000000"/>
                 </a:solidFill>
@@ -2668,14 +2656,14 @@
           </a:ln>
           <a:extLst>
             <a:ext uri="{909E8E84-426E-40dd-AFC4-6F175D3DCCD1}">
-              <a14:hiddenFill xmlns:a14="http://schemas.microsoft.com/office/drawing/2010/main" xmlns="">
+              <a14:hiddenFill xmlns="" xmlns:a14="http://schemas.microsoft.com/office/drawing/2010/main">
                 <a:solidFill>
                   <a:srgbClr val="FFFFFF"/>
                 </a:solidFill>
               </a14:hiddenFill>
             </a:ext>
             <a:ext uri="{FAA26D3D-D897-4be2-8F04-BA451C77F1D7}">
-              <ma14:placeholderFlag xmlns:ma14="http://schemas.microsoft.com/office/mac/drawingml/2011/main" xmlns="" val="1"/>
+              <ma14:placeholderFlag xmlns="" xmlns:ma14="http://schemas.microsoft.com/office/mac/drawingml/2011/main" val="1"/>
             </a:ext>
           </a:extLst>
         </p:spPr>
@@ -2963,7 +2951,7 @@
               <a:pPr>
                 <a:defRPr/>
               </a:pPr>
-              <a:t>65</a:t>
+              <a:t>53</a:t>
             </a:fld>
             <a:r>
               <a:rPr lang="en-US" smtClean="0"/>
@@ -3135,7 +3123,7 @@
               <a:pPr>
                 <a:defRPr/>
               </a:pPr>
-              <a:t>66</a:t>
+              <a:t>54</a:t>
             </a:fld>
             <a:r>
               <a:rPr lang="en-US" smtClean="0"/>
@@ -3307,7 +3295,7 @@
               <a:pPr>
                 <a:defRPr/>
               </a:pPr>
-              <a:t>67</a:t>
+              <a:t>55</a:t>
             </a:fld>
             <a:r>
               <a:rPr lang="en-US" smtClean="0"/>
@@ -3387,7 +3375,7 @@
           </a:ln>
           <a:extLst>
             <a:ext uri="{909E8E84-426E-40dd-AFC4-6F175D3DCCD1}">
-              <a14:hiddenFill xmlns:a14="http://schemas.microsoft.com/office/drawing/2010/main" xmlns="">
+              <a14:hiddenFill xmlns="" xmlns:a14="http://schemas.microsoft.com/office/drawing/2010/main">
                 <a:solidFill>
                   <a:srgbClr val="FFFFFF"/>
                 </a:solidFill>
@@ -3569,7 +3557,7 @@
               <a:pPr>
                 <a:defRPr/>
               </a:pPr>
-              <a:t>68</a:t>
+              <a:t>56</a:t>
             </a:fld>
             <a:r>
               <a:rPr lang="en-US" smtClean="0"/>
@@ -3741,7 +3729,7 @@
               <a:pPr>
                 <a:defRPr/>
               </a:pPr>
-              <a:t>69</a:t>
+              <a:t>57</a:t>
             </a:fld>
             <a:r>
               <a:rPr lang="en-US" smtClean="0"/>
@@ -3913,7 +3901,7 @@
               <a:pPr>
                 <a:defRPr/>
               </a:pPr>
-              <a:t>70</a:t>
+              <a:t>58</a:t>
             </a:fld>
             <a:r>
               <a:rPr lang="en-US" smtClean="0"/>
@@ -3993,7 +3981,7 @@
           </a:ln>
           <a:extLst>
             <a:ext uri="{909E8E84-426E-40dd-AFC4-6F175D3DCCD1}">
-              <a14:hiddenFill xmlns:a14="http://schemas.microsoft.com/office/drawing/2010/main" xmlns="">
+              <a14:hiddenFill xmlns="" xmlns:a14="http://schemas.microsoft.com/office/drawing/2010/main">
                 <a:solidFill>
                   <a:srgbClr val="FFFFFF"/>
                 </a:solidFill>
@@ -4208,7 +4196,7 @@
               <a:pPr>
                 <a:defRPr/>
               </a:pPr>
-              <a:t>71</a:t>
+              <a:t>59</a:t>
             </a:fld>
             <a:r>
               <a:rPr lang="en-US" smtClean="0"/>
@@ -4287,7 +4275,7 @@
           </a:ln>
           <a:extLst>
             <a:ext uri="{AF507438-7753-43e0-B8FC-AC1667EBCBE1}">
-              <a14:hiddenEffects xmlns:a14="http://schemas.microsoft.com/office/drawing/2010/main" xmlns="">
+              <a14:hiddenEffects xmlns="" xmlns:a14="http://schemas.microsoft.com/office/drawing/2010/main">
                 <a:effectLst>
                   <a:outerShdw blurRad="63500" dist="38099" dir="2700000" algn="ctr" rotWithShape="0">
                     <a:srgbClr val="000000">
@@ -4322,14 +4310,14 @@
           <a:ln/>
           <a:extLst>
             <a:ext uri="{909E8E84-426E-40dd-AFC4-6F175D3DCCD1}">
-              <a14:hiddenFill xmlns:a14="http://schemas.microsoft.com/office/drawing/2010/main" xmlns="">
+              <a14:hiddenFill xmlns="" xmlns:a14="http://schemas.microsoft.com/office/drawing/2010/main">
                 <a:solidFill>
                   <a:srgbClr val="FFFFFF"/>
                 </a:solidFill>
               </a14:hiddenFill>
             </a:ext>
             <a:ext uri="{91240B29-F687-4f45-9708-019B960494DF}">
-              <a14:hiddenLine xmlns:a14="http://schemas.microsoft.com/office/drawing/2010/main" xmlns="" w="9525">
+              <a14:hiddenLine xmlns="" xmlns:a14="http://schemas.microsoft.com/office/drawing/2010/main" w="9525">
                 <a:solidFill>
                   <a:srgbClr val="000000"/>
                 </a:solidFill>
@@ -4339,7 +4327,7 @@
               </a14:hiddenLine>
             </a:ext>
             <a:ext uri="{AF507438-7753-43e0-B8FC-AC1667EBCBE1}">
-              <a14:hiddenEffects xmlns:a14="http://schemas.microsoft.com/office/drawing/2010/main" xmlns="">
+              <a14:hiddenEffects xmlns="" xmlns:a14="http://schemas.microsoft.com/office/drawing/2010/main">
                 <a:effectLst>
                   <a:outerShdw blurRad="63500" dist="38099" dir="2700000" algn="ctr" rotWithShape="0">
                     <a:srgbClr val="000000">
@@ -4723,7 +4711,7 @@
               <a:pPr>
                 <a:defRPr/>
               </a:pPr>
-              <a:t>76</a:t>
+              <a:t>64</a:t>
             </a:fld>
             <a:r>
               <a:rPr lang="en-US" smtClean="0"/>
@@ -4785,14 +4773,14 @@
           </a:ln>
           <a:extLst>
             <a:ext uri="{909E8E84-426E-40dd-AFC4-6F175D3DCCD1}">
-              <a14:hiddenFill xmlns:a14="http://schemas.microsoft.com/office/drawing/2010/main" xmlns="">
+              <a14:hiddenFill xmlns="" xmlns:a14="http://schemas.microsoft.com/office/drawing/2010/main">
                 <a:solidFill>
                   <a:srgbClr val="FFFFFF"/>
                 </a:solidFill>
               </a14:hiddenFill>
             </a:ext>
             <a:ext uri="{91240B29-F687-4f45-9708-019B960494DF}">
-              <a14:hiddenLine xmlns:a14="http://schemas.microsoft.com/office/drawing/2010/main" xmlns="" w="9525">
+              <a14:hiddenLine xmlns="" xmlns:a14="http://schemas.microsoft.com/office/drawing/2010/main" w="9525">
                 <a:solidFill>
                   <a:srgbClr val="000000"/>
                 </a:solidFill>
@@ -4920,7 +4908,7 @@
                 <a:latin typeface="Verdana" charset="0"/>
               </a:rPr>
               <a:pPr algn="r" eaLnBrk="1" hangingPunct="1"/>
-              <a:t>78</a:t>
+              <a:t>66</a:t>
             </a:fld>
             <a:endParaRPr lang="en-US" sz="1200" dirty="0">
               <a:latin typeface="Verdana" charset="0"/>
@@ -4968,14 +4956,14 @@
           </a:ln>
           <a:extLst>
             <a:ext uri="{909E8E84-426E-40dd-AFC4-6F175D3DCCD1}">
-              <a14:hiddenFill xmlns:a14="http://schemas.microsoft.com/office/drawing/2010/main" xmlns="">
+              <a14:hiddenFill xmlns="" xmlns:a14="http://schemas.microsoft.com/office/drawing/2010/main">
                 <a:solidFill>
                   <a:srgbClr val="FFFFFF"/>
                 </a:solidFill>
               </a14:hiddenFill>
             </a:ext>
             <a:ext uri="{FAA26D3D-D897-4be2-8F04-BA451C77F1D7}">
-              <ma14:placeholderFlag xmlns:ma14="http://schemas.microsoft.com/office/mac/drawingml/2011/main" xmlns="" val="1"/>
+              <ma14:placeholderFlag xmlns="" xmlns:ma14="http://schemas.microsoft.com/office/mac/drawingml/2011/main" val="1"/>
             </a:ext>
           </a:extLst>
         </p:spPr>
@@ -5091,7 +5079,7 @@
               <a:pPr>
                 <a:defRPr/>
               </a:pPr>
-              <a:t>78</a:t>
+              <a:t>66</a:t>
             </a:fld>
             <a:r>
               <a:rPr lang="en-US" smtClean="0"/>
@@ -5854,7 +5842,7 @@
               <a:pPr>
                 <a:defRPr/>
               </a:pPr>
-              <a:t>49</a:t>
+              <a:t>37</a:t>
             </a:fld>
             <a:r>
               <a:rPr lang="en-US" smtClean="0"/>
@@ -6026,7 +6014,7 @@
               <a:pPr>
                 <a:defRPr/>
               </a:pPr>
-              <a:t>50</a:t>
+              <a:t>38</a:t>
             </a:fld>
             <a:r>
               <a:rPr lang="en-US" smtClean="0"/>
@@ -6198,7 +6186,7 @@
               <a:pPr>
                 <a:defRPr/>
               </a:pPr>
-              <a:t>51</a:t>
+              <a:t>39</a:t>
             </a:fld>
             <a:r>
               <a:rPr lang="en-US" smtClean="0"/>
@@ -6374,7 +6362,7 @@
               <a:pPr>
                 <a:defRPr/>
               </a:pPr>
-              <a:t>53</a:t>
+              <a:t>41</a:t>
             </a:fld>
             <a:r>
               <a:rPr lang="en-US" smtClean="0"/>
@@ -12583,48 +12571,80 @@
           <a:p>
             <a:r>
               <a:rPr lang="en-US" dirty="0" smtClean="0"/>
-              <a:t>Integration Version: </a:t>
-            </a:r>
-            <a:r>
-              <a:rPr lang="en-US" dirty="0" err="1" smtClean="0"/>
-              <a:t>NextDate</a:t>
-            </a:r>
-            <a:r>
-              <a:rPr lang="en-US" dirty="0" smtClean="0"/>
-              <a:t> Pseudo-Code</a:t>
-            </a:r>
-            <a:endParaRPr lang="en-US" dirty="0"/>
-          </a:p>
-        </p:txBody>
-      </p:sp>
-      <p:pic>
-        <p:nvPicPr>
-          <p:cNvPr id="4" name="Picture 3"/>
-          <p:cNvPicPr>
-            <a:picLocks noChangeAspect="1"/>
-          </p:cNvPicPr>
-          <p:nvPr/>
-        </p:nvPicPr>
-        <p:blipFill>
-          <a:blip r:embed="rId2"/>
-          <a:stretch>
-            <a:fillRect/>
-          </a:stretch>
-        </p:blipFill>
-        <p:spPr>
-          <a:xfrm>
-            <a:off x="2833232" y="2010291"/>
-            <a:ext cx="6525536" cy="3982006"/>
-          </a:xfrm>
-          <a:prstGeom prst="rect">
-            <a:avLst/>
-          </a:prstGeom>
-        </p:spPr>
-      </p:pic>
+              <a:t>Metrics for System Testing</a:t>
+            </a:r>
+            <a:endParaRPr lang="en-US" dirty="0"/>
+          </a:p>
+        </p:txBody>
+      </p:sp>
+      <p:sp>
+        <p:nvSpPr>
+          <p:cNvPr id="3" name="Content Placeholder 2"/>
+          <p:cNvSpPr>
+            <a:spLocks noGrp="1"/>
+          </p:cNvSpPr>
+          <p:nvPr>
+            <p:ph idx="1"/>
+          </p:nvPr>
+        </p:nvSpPr>
+        <p:spPr/>
+        <p:txBody>
+          <a:bodyPr>
+            <a:normAutofit/>
+          </a:bodyPr>
+          <a:lstStyle/>
+          <a:p>
+            <a:r>
+              <a:rPr lang="en-US" dirty="0" smtClean="0"/>
+              <a:t>In PIN Entry, for a given PIN, there are 156 distinct paths from the First PIN Try state to the two successor states.</a:t>
+            </a:r>
+          </a:p>
+          <a:p>
+            <a:r>
+              <a:rPr lang="en-US" dirty="0" smtClean="0"/>
+              <a:t>Of these, 31 correspond to eventually correct PIN entries.</a:t>
+            </a:r>
+          </a:p>
+          <a:p>
+            <a:pPr lvl="1"/>
+            <a:r>
+              <a:rPr lang="en-US" dirty="0" smtClean="0"/>
+              <a:t>1 on the first try</a:t>
+            </a:r>
+          </a:p>
+          <a:p>
+            <a:pPr lvl="1"/>
+            <a:r>
+              <a:rPr lang="en-US" dirty="0" smtClean="0"/>
+              <a:t>5 on the second try</a:t>
+            </a:r>
+          </a:p>
+          <a:p>
+            <a:pPr lvl="1"/>
+            <a:r>
+              <a:rPr lang="en-US" dirty="0" smtClean="0"/>
+              <a:t>25 on the third try</a:t>
+            </a:r>
+          </a:p>
+          <a:p>
+            <a:r>
+              <a:rPr lang="en-US" dirty="0" smtClean="0"/>
+              <a:t>The other 125 paths correspond to failed PIN attempts/</a:t>
+            </a:r>
+          </a:p>
+          <a:p>
+            <a:r>
+              <a:rPr lang="en-US" dirty="0" smtClean="0"/>
+              <a:t>Model-based coverage metrics can control this.</a:t>
+            </a:r>
+            <a:endParaRPr lang="en-US" dirty="0"/>
+          </a:p>
+        </p:txBody>
+      </p:sp>
     </p:spTree>
     <p:extLst>
       <p:ext uri="{BB962C8B-B14F-4D97-AF65-F5344CB8AC3E}">
-        <p14:creationId xmlns:p14="http://schemas.microsoft.com/office/powerpoint/2010/main" val="2821678388"/>
+        <p14:creationId xmlns:p14="http://schemas.microsoft.com/office/powerpoint/2010/main" val="3297381314"/>
       </p:ext>
     </p:extLst>
   </p:cSld>
@@ -12667,45 +12687,124 @@
           <a:lstStyle/>
           <a:p>
             <a:r>
-              <a:rPr lang="en-US" dirty="0" err="1" smtClean="0"/>
-              <a:t>NextDate</a:t>
-            </a:r>
-            <a:r>
-              <a:rPr lang="en-US" dirty="0" smtClean="0"/>
-              <a:t> Pseudo-Code (continued) </a:t>
-            </a:r>
-            <a:endParaRPr lang="en-US" dirty="0"/>
-          </a:p>
-        </p:txBody>
-      </p:sp>
-      <p:pic>
-        <p:nvPicPr>
-          <p:cNvPr id="4" name="Picture 3"/>
-          <p:cNvPicPr>
-            <a:picLocks noChangeAspect="1"/>
-          </p:cNvPicPr>
-          <p:nvPr/>
-        </p:nvPicPr>
-        <p:blipFill>
-          <a:blip r:embed="rId2"/>
-          <a:stretch>
-            <a:fillRect/>
-          </a:stretch>
-        </p:blipFill>
-        <p:spPr>
-          <a:xfrm>
-            <a:off x="3342273" y="2053159"/>
-            <a:ext cx="4058216" cy="3896269"/>
-          </a:xfrm>
-          <a:prstGeom prst="rect">
-            <a:avLst/>
-          </a:prstGeom>
-        </p:spPr>
-      </p:pic>
+              <a:rPr lang="en-US" dirty="0" smtClean="0"/>
+              <a:t>Model-Based Coverage Metrics</a:t>
+            </a:r>
+            <a:endParaRPr lang="en-US" dirty="0"/>
+          </a:p>
+        </p:txBody>
+      </p:sp>
+      <p:sp>
+        <p:nvSpPr>
+          <p:cNvPr id="3" name="Content Placeholder 2"/>
+          <p:cNvSpPr>
+            <a:spLocks noGrp="1"/>
+          </p:cNvSpPr>
+          <p:nvPr>
+            <p:ph idx="1"/>
+          </p:nvPr>
+        </p:nvSpPr>
+        <p:spPr/>
+        <p:txBody>
+          <a:bodyPr>
+            <a:normAutofit fontScale="92500" lnSpcReduction="20000"/>
+          </a:bodyPr>
+          <a:lstStyle/>
+          <a:p>
+            <a:r>
+              <a:rPr lang="en-US" dirty="0" smtClean="0"/>
+              <a:t>Decision table metrics</a:t>
+            </a:r>
+          </a:p>
+          <a:p>
+            <a:pPr lvl="1"/>
+            <a:r>
+              <a:rPr lang="en-US" dirty="0" smtClean="0"/>
+              <a:t>every condition</a:t>
+            </a:r>
+          </a:p>
+          <a:p>
+            <a:pPr lvl="1"/>
+            <a:r>
+              <a:rPr lang="en-US" dirty="0" smtClean="0"/>
+              <a:t>every action</a:t>
+            </a:r>
+          </a:p>
+          <a:p>
+            <a:pPr lvl="1"/>
+            <a:r>
+              <a:rPr lang="en-US" dirty="0" smtClean="0"/>
+              <a:t>every rule</a:t>
+            </a:r>
+          </a:p>
+          <a:p>
+            <a:r>
+              <a:rPr lang="en-US" dirty="0" smtClean="0"/>
+              <a:t>Finite state machine metrics</a:t>
+            </a:r>
+          </a:p>
+          <a:p>
+            <a:pPr lvl="1"/>
+            <a:r>
+              <a:rPr lang="en-US" dirty="0" smtClean="0"/>
+              <a:t>every state</a:t>
+            </a:r>
+          </a:p>
+          <a:p>
+            <a:pPr lvl="1"/>
+            <a:r>
+              <a:rPr lang="en-US" dirty="0" smtClean="0"/>
+              <a:t>every transition</a:t>
+            </a:r>
+          </a:p>
+          <a:p>
+            <a:pPr lvl="1"/>
+            <a:r>
+              <a:rPr lang="en-US" dirty="0" smtClean="0"/>
+              <a:t>every path (cycles need to be addressed as in code coverage metrics)</a:t>
+            </a:r>
+          </a:p>
+          <a:p>
+            <a:r>
+              <a:rPr lang="en-US" dirty="0" smtClean="0"/>
+              <a:t>Petri net metrics</a:t>
+            </a:r>
+          </a:p>
+          <a:p>
+            <a:pPr lvl="1"/>
+            <a:r>
+              <a:rPr lang="en-US" dirty="0" smtClean="0"/>
+              <a:t>every place</a:t>
+            </a:r>
+          </a:p>
+          <a:p>
+            <a:pPr lvl="1"/>
+            <a:r>
+              <a:rPr lang="en-US" dirty="0" smtClean="0"/>
+              <a:t>every port event</a:t>
+            </a:r>
+          </a:p>
+          <a:p>
+            <a:pPr lvl="1"/>
+            <a:r>
+              <a:rPr lang="en-US" dirty="0" smtClean="0"/>
+              <a:t>every transition</a:t>
+            </a:r>
+          </a:p>
+          <a:p>
+            <a:pPr lvl="1"/>
+            <a:r>
+              <a:rPr lang="en-US" dirty="0" smtClean="0"/>
+              <a:t>every marking </a:t>
+            </a:r>
+            <a:endParaRPr lang="en-US" dirty="0"/>
+          </a:p>
+        </p:txBody>
+      </p:sp>
     </p:spTree>
     <p:extLst>
       <p:ext uri="{BB962C8B-B14F-4D97-AF65-F5344CB8AC3E}">
-        <p14:creationId xmlns:p14="http://schemas.microsoft.com/office/powerpoint/2010/main" val="1785766770"/>
+        <p14:creationId xmlns:p14="http://schemas.microsoft.com/office/powerpoint/2010/main" val="1811685898"/>
       </p:ext>
     </p:extLst>
   </p:cSld>
@@ -12748,45 +12847,80 @@
           <a:lstStyle/>
           <a:p>
             <a:r>
-              <a:rPr lang="en-US" dirty="0" err="1" smtClean="0"/>
-              <a:t>NextDate</a:t>
-            </a:r>
-            <a:r>
-              <a:rPr lang="en-US" dirty="0" smtClean="0"/>
-              <a:t> Pseudo-Code (continued)</a:t>
-            </a:r>
-            <a:endParaRPr lang="en-US" dirty="0"/>
-          </a:p>
-        </p:txBody>
-      </p:sp>
-      <p:pic>
-        <p:nvPicPr>
-          <p:cNvPr id="4" name="Picture 3"/>
-          <p:cNvPicPr>
-            <a:picLocks noChangeAspect="1"/>
-          </p:cNvPicPr>
-          <p:nvPr/>
-        </p:nvPicPr>
-        <p:blipFill>
-          <a:blip r:embed="rId2"/>
-          <a:stretch>
-            <a:fillRect/>
-          </a:stretch>
-        </p:blipFill>
-        <p:spPr>
-          <a:xfrm>
-            <a:off x="3189787" y="2011049"/>
-            <a:ext cx="5277587" cy="3629532"/>
-          </a:xfrm>
-          <a:prstGeom prst="rect">
-            <a:avLst/>
-          </a:prstGeom>
-        </p:spPr>
-      </p:pic>
+              <a:rPr lang="en-US" dirty="0" smtClean="0"/>
+              <a:t>Risk-Based System Testing</a:t>
+            </a:r>
+            <a:endParaRPr lang="en-US" dirty="0"/>
+          </a:p>
+        </p:txBody>
+      </p:sp>
+      <p:sp>
+        <p:nvSpPr>
+          <p:cNvPr id="3" name="Content Placeholder 2"/>
+          <p:cNvSpPr>
+            <a:spLocks noGrp="1"/>
+          </p:cNvSpPr>
+          <p:nvPr>
+            <p:ph idx="1"/>
+          </p:nvPr>
+        </p:nvSpPr>
+        <p:spPr/>
+        <p:txBody>
+          <a:bodyPr/>
+          <a:lstStyle/>
+          <a:p>
+            <a:r>
+              <a:rPr lang="en-US" dirty="0" smtClean="0"/>
+              <a:t>Risk = Cost * (Probability of occurrence)</a:t>
+            </a:r>
+          </a:p>
+          <a:p>
+            <a:r>
+              <a:rPr lang="en-US" dirty="0" smtClean="0"/>
+              <a:t>Hans Schaefer’s risk categories</a:t>
+            </a:r>
+          </a:p>
+          <a:p>
+            <a:pPr lvl="1"/>
+            <a:r>
+              <a:rPr lang="en-US" dirty="0" smtClean="0"/>
+              <a:t>Catastrophic: deposits, invalid withdrawals</a:t>
+            </a:r>
+          </a:p>
+          <a:p>
+            <a:pPr lvl="1"/>
+            <a:r>
+              <a:rPr lang="en-US" dirty="0" smtClean="0"/>
+              <a:t>Damaging: normal withdrawals</a:t>
+            </a:r>
+          </a:p>
+          <a:p>
+            <a:pPr lvl="1"/>
+            <a:r>
+              <a:rPr lang="en-US" dirty="0" smtClean="0"/>
+              <a:t>Hindering: invalid ATM card, PIN entry failure</a:t>
+            </a:r>
+          </a:p>
+          <a:p>
+            <a:pPr lvl="1"/>
+            <a:r>
+              <a:rPr lang="en-US" dirty="0" smtClean="0"/>
+              <a:t>Annoying: balance inquiries</a:t>
+            </a:r>
+          </a:p>
+          <a:p>
+            <a:r>
+              <a:rPr lang="en-US" dirty="0" smtClean="0"/>
+              <a:t>Logarithmic weighting (low = 1, medium = 3, high = 10) </a:t>
+            </a:r>
+            <a:endParaRPr lang="en-US" dirty="0"/>
+          </a:p>
+        </p:txBody>
+      </p:sp>
     </p:spTree>
     <p:extLst>
       <p:ext uri="{BB962C8B-B14F-4D97-AF65-F5344CB8AC3E}">
-        <p14:creationId xmlns:p14="http://schemas.microsoft.com/office/powerpoint/2010/main" val="232429256"/>
+        <p14:creationId xmlns:p14="http://schemas.microsoft.com/office/powerpoint/2010/main" val="1090764920"/>
       </p:ext>
     </p:extLst>
   </p:cSld>
@@ -12829,14 +12963,29 @@
           <a:lstStyle/>
           <a:p>
             <a:r>
-              <a:rPr lang="en-US" dirty="0" err="1" smtClean="0"/>
-              <a:t>NextDate</a:t>
-            </a:r>
-            <a:r>
-              <a:rPr lang="en-US" dirty="0" smtClean="0"/>
-              <a:t> Pseudo-Code (continued)</a:t>
-            </a:r>
-            <a:endParaRPr lang="en-US" dirty="0"/>
+              <a:rPr lang="en-US" dirty="0" smtClean="0"/>
+              <a:t>Selected Path Risks</a:t>
+            </a:r>
+            <a:endParaRPr lang="en-US" dirty="0"/>
+          </a:p>
+        </p:txBody>
+      </p:sp>
+      <p:sp>
+        <p:nvSpPr>
+          <p:cNvPr id="3" name="Content Placeholder 2"/>
+          <p:cNvSpPr>
+            <a:spLocks noGrp="1"/>
+          </p:cNvSpPr>
+          <p:nvPr>
+            <p:ph idx="1"/>
+          </p:nvPr>
+        </p:nvSpPr>
+        <p:spPr/>
+        <p:txBody>
+          <a:bodyPr/>
+          <a:lstStyle/>
+          <a:p>
+            <a:endParaRPr lang="en-US"/>
           </a:p>
         </p:txBody>
       </p:sp>
@@ -12856,8 +13005,8 @@
         </p:blipFill>
         <p:spPr>
           <a:xfrm>
-            <a:off x="2591847" y="1825625"/>
-            <a:ext cx="6887536" cy="4677428"/>
+            <a:off x="2728442" y="1984007"/>
+            <a:ext cx="6735115" cy="3562847"/>
           </a:xfrm>
           <a:prstGeom prst="rect">
             <a:avLst/>
@@ -12867,7 +13016,7 @@
     </p:spTree>
     <p:extLst>
       <p:ext uri="{BB962C8B-B14F-4D97-AF65-F5344CB8AC3E}">
-        <p14:creationId xmlns:p14="http://schemas.microsoft.com/office/powerpoint/2010/main" val="2891469436"/>
+        <p14:creationId xmlns:p14="http://schemas.microsoft.com/office/powerpoint/2010/main" val="1010250176"/>
       </p:ext>
     </p:extLst>
   </p:cSld>
@@ -12910,45 +13059,66 @@
           <a:lstStyle/>
           <a:p>
             <a:r>
-              <a:rPr lang="en-US" dirty="0" err="1" smtClean="0"/>
-              <a:t>ValidDate</a:t>
-            </a:r>
-            <a:r>
-              <a:rPr lang="en-US" dirty="0" smtClean="0"/>
-              <a:t> Pseudo-Code </a:t>
-            </a:r>
-            <a:endParaRPr lang="en-US" dirty="0"/>
-          </a:p>
-        </p:txBody>
-      </p:sp>
-      <p:pic>
-        <p:nvPicPr>
-          <p:cNvPr id="4" name="Picture 3"/>
-          <p:cNvPicPr>
-            <a:picLocks noChangeAspect="1"/>
-          </p:cNvPicPr>
-          <p:nvPr/>
-        </p:nvPicPr>
-        <p:blipFill>
-          <a:blip r:embed="rId2"/>
-          <a:stretch>
-            <a:fillRect/>
-          </a:stretch>
-        </p:blipFill>
-        <p:spPr>
-          <a:xfrm>
-            <a:off x="2606137" y="1525484"/>
-            <a:ext cx="6701766" cy="5082173"/>
-          </a:xfrm>
-          <a:prstGeom prst="rect">
-            <a:avLst/>
-          </a:prstGeom>
-        </p:spPr>
-      </p:pic>
+              <a:rPr lang="en-US" dirty="0" smtClean="0"/>
+              <a:t>Conclusions and Observations</a:t>
+            </a:r>
+            <a:endParaRPr lang="en-US" dirty="0"/>
+          </a:p>
+        </p:txBody>
+      </p:sp>
+      <p:sp>
+        <p:nvSpPr>
+          <p:cNvPr id="3" name="Content Placeholder 2"/>
+          <p:cNvSpPr>
+            <a:spLocks noGrp="1"/>
+          </p:cNvSpPr>
+          <p:nvPr>
+            <p:ph idx="1"/>
+          </p:nvPr>
+        </p:nvSpPr>
+        <p:spPr/>
+        <p:txBody>
+          <a:bodyPr/>
+          <a:lstStyle/>
+          <a:p>
+            <a:r>
+              <a:rPr lang="en-US" dirty="0" smtClean="0"/>
+              <a:t>System testing is based on threads</a:t>
+            </a:r>
+          </a:p>
+          <a:p>
+            <a:pPr lvl="1"/>
+            <a:r>
+              <a:rPr lang="en-US" dirty="0" smtClean="0"/>
+              <a:t>thread identification is the hard part</a:t>
+            </a:r>
+          </a:p>
+          <a:p>
+            <a:pPr lvl="1"/>
+            <a:r>
+              <a:rPr lang="en-US" dirty="0" smtClean="0"/>
+              <a:t>automated thread execution is a good idea</a:t>
+            </a:r>
+          </a:p>
+          <a:p>
+            <a:r>
+              <a:rPr lang="en-US" dirty="0" smtClean="0"/>
+              <a:t>Model-Based system testing works well</a:t>
+            </a:r>
+          </a:p>
+          <a:p>
+            <a:r>
+              <a:rPr lang="en-US" dirty="0" smtClean="0"/>
+              <a:t>Helpful to have system level coverage metrics</a:t>
+            </a:r>
+            <a:endParaRPr lang="en-US" dirty="0"/>
+          </a:p>
+        </p:txBody>
+      </p:sp>
     </p:spTree>
     <p:extLst>
       <p:ext uri="{BB962C8B-B14F-4D97-AF65-F5344CB8AC3E}">
-        <p14:creationId xmlns:p14="http://schemas.microsoft.com/office/powerpoint/2010/main" val="20835638"/>
+        <p14:creationId xmlns:p14="http://schemas.microsoft.com/office/powerpoint/2010/main" val="3789418540"/>
       </p:ext>
     </p:extLst>
   </p:cSld>
@@ -12991,51 +13161,146 @@
           <a:lstStyle/>
           <a:p>
             <a:r>
-              <a:rPr lang="en-US" dirty="0" err="1" smtClean="0"/>
-              <a:t>ValidDate</a:t>
-            </a:r>
-            <a:r>
-              <a:rPr lang="en-US" dirty="0" smtClean="0"/>
-              <a:t> Pseudo-Code (continued)</a:t>
-            </a:r>
-            <a:endParaRPr lang="en-US" dirty="0"/>
-          </a:p>
-        </p:txBody>
-      </p:sp>
-      <p:pic>
-        <p:nvPicPr>
-          <p:cNvPr id="4" name="Picture 3"/>
-          <p:cNvPicPr>
-            <a:picLocks noChangeAspect="1"/>
-          </p:cNvPicPr>
-          <p:nvPr/>
-        </p:nvPicPr>
-        <p:blipFill>
-          <a:blip r:embed="rId2"/>
-          <a:stretch>
-            <a:fillRect/>
-          </a:stretch>
-        </p:blipFill>
-        <p:spPr>
-          <a:xfrm>
-            <a:off x="3161890" y="2084823"/>
-            <a:ext cx="5868219" cy="3620005"/>
-          </a:xfrm>
-          <a:prstGeom prst="rect">
-            <a:avLst/>
-          </a:prstGeom>
-        </p:spPr>
-      </p:pic>
+              <a:rPr lang="en-US" dirty="0" smtClean="0"/>
+              <a:t>Performance Testing </a:t>
+            </a:r>
+            <a:endParaRPr lang="en-US" dirty="0"/>
+          </a:p>
+        </p:txBody>
+      </p:sp>
+      <p:sp>
+        <p:nvSpPr>
+          <p:cNvPr id="3" name="Content Placeholder 2"/>
+          <p:cNvSpPr>
+            <a:spLocks noGrp="1"/>
+          </p:cNvSpPr>
+          <p:nvPr>
+            <p:ph idx="1"/>
+          </p:nvPr>
+        </p:nvSpPr>
+        <p:spPr/>
+        <p:txBody>
+          <a:bodyPr>
+            <a:normAutofit fontScale="92500" lnSpcReduction="10000"/>
+          </a:bodyPr>
+          <a:lstStyle/>
+          <a:p>
+            <a:r>
+              <a:rPr lang="en-US" dirty="0" smtClean="0"/>
+              <a:t>Stress Testing </a:t>
+            </a:r>
+          </a:p>
+          <a:p>
+            <a:pPr lvl="1"/>
+            <a:r>
+              <a:rPr lang="en-US" dirty="0" smtClean="0"/>
+              <a:t>Checks if the system can respond to many simultaneous requests</a:t>
+            </a:r>
+            <a:br>
+              <a:rPr lang="en-US" dirty="0" smtClean="0"/>
+            </a:br>
+            <a:r>
+              <a:rPr lang="en-US" dirty="0" smtClean="0"/>
+              <a:t>(maximum # of users, peak demands) </a:t>
+            </a:r>
+          </a:p>
+          <a:p>
+            <a:r>
+              <a:rPr lang="en-US" dirty="0" smtClean="0"/>
+              <a:t>Volume testing</a:t>
+            </a:r>
+          </a:p>
+          <a:p>
+            <a:pPr lvl="1"/>
+            <a:r>
+              <a:rPr lang="en-US" dirty="0" smtClean="0"/>
+              <a:t>Test what happens if large amounts of data are handled</a:t>
+            </a:r>
+          </a:p>
+          <a:p>
+            <a:r>
+              <a:rPr lang="en-US" dirty="0" smtClean="0"/>
+              <a:t>Configuration testing </a:t>
+            </a:r>
+          </a:p>
+          <a:p>
+            <a:pPr lvl="1"/>
+            <a:r>
+              <a:rPr lang="en-US" dirty="0" smtClean="0"/>
+              <a:t>Test the various software and hardware configurations </a:t>
+            </a:r>
+          </a:p>
+          <a:p>
+            <a:r>
+              <a:rPr lang="en-US" dirty="0" smtClean="0"/>
+              <a:t>Compatibility test</a:t>
+            </a:r>
+          </a:p>
+          <a:p>
+            <a:pPr lvl="1"/>
+            <a:r>
+              <a:rPr lang="en-US" dirty="0" smtClean="0"/>
+              <a:t>Test backward compatibility with existing systems </a:t>
+            </a:r>
+          </a:p>
+          <a:p>
+            <a:r>
+              <a:rPr lang="en-US" dirty="0" smtClean="0"/>
+              <a:t>Security testing </a:t>
+            </a:r>
+          </a:p>
+          <a:p>
+            <a:pPr lvl="1"/>
+            <a:r>
+              <a:rPr lang="en-US" dirty="0" smtClean="0"/>
+              <a:t>Try to violate security requirements </a:t>
+            </a:r>
+          </a:p>
+          <a:p>
+            <a:endParaRPr lang="en-US" dirty="0"/>
+          </a:p>
+        </p:txBody>
+      </p:sp>
+      <p:sp>
+        <p:nvSpPr>
+          <p:cNvPr id="4" name="Slide Number Placeholder 3"/>
+          <p:cNvSpPr>
+            <a:spLocks noGrp="1"/>
+          </p:cNvSpPr>
+          <p:nvPr>
+            <p:ph type="sldNum" sz="quarter" idx="12"/>
+          </p:nvPr>
+        </p:nvSpPr>
+        <p:spPr/>
+        <p:txBody>
+          <a:bodyPr/>
+          <a:lstStyle/>
+          <a:p>
+            <a:fld id="{B543A0FD-1CA6-4228-86A2-78061B4844C8}" type="slidenum">
+              <a:rPr lang="en-US" smtClean="0"/>
+              <a:t>37</a:t>
+            </a:fld>
+            <a:endParaRPr lang="en-US"/>
+          </a:p>
+        </p:txBody>
+      </p:sp>
     </p:spTree>
     <p:extLst>
       <p:ext uri="{BB962C8B-B14F-4D97-AF65-F5344CB8AC3E}">
-        <p14:creationId xmlns:p14="http://schemas.microsoft.com/office/powerpoint/2010/main" val="4223648508"/>
+        <p14:creationId xmlns:p14="http://schemas.microsoft.com/office/powerpoint/2010/main" val="4075370307"/>
       </p:ext>
     </p:extLst>
   </p:cSld>
   <p:clrMapOvr>
     <a:masterClrMapping/>
   </p:clrMapOvr>
+  <p:timing>
+    <p:tnLst>
+      <p:par>
+        <p:cTn id="1" dur="indefinite" restart="never" nodeType="tmRoot"/>
+      </p:par>
+    </p:tnLst>
+  </p:timing>
 </p:sld>
 </file>
 
@@ -13072,51 +13337,139 @@
           <a:lstStyle/>
           <a:p>
             <a:r>
-              <a:rPr lang="en-US" dirty="0" err="1" smtClean="0"/>
-              <a:t>NextDate</a:t>
-            </a:r>
-            <a:r>
-              <a:rPr lang="en-US" dirty="0" smtClean="0"/>
-              <a:t> Pseudo-Code (continued) </a:t>
-            </a:r>
-            <a:endParaRPr lang="en-US" dirty="0"/>
-          </a:p>
-        </p:txBody>
-      </p:sp>
-      <p:pic>
-        <p:nvPicPr>
-          <p:cNvPr id="4" name="Picture 3"/>
-          <p:cNvPicPr>
-            <a:picLocks noChangeAspect="1"/>
-          </p:cNvPicPr>
-          <p:nvPr/>
-        </p:nvPicPr>
-        <p:blipFill>
-          <a:blip r:embed="rId2"/>
-          <a:stretch>
-            <a:fillRect/>
-          </a:stretch>
-        </p:blipFill>
-        <p:spPr>
-          <a:xfrm>
-            <a:off x="2595074" y="1932403"/>
-            <a:ext cx="7001852" cy="3924848"/>
-          </a:xfrm>
-          <a:prstGeom prst="rect">
-            <a:avLst/>
-          </a:prstGeom>
-        </p:spPr>
-      </p:pic>
+              <a:rPr lang="en-US" dirty="0" smtClean="0"/>
+              <a:t>Performance Testing </a:t>
+            </a:r>
+            <a:endParaRPr lang="en-US" dirty="0"/>
+          </a:p>
+        </p:txBody>
+      </p:sp>
+      <p:sp>
+        <p:nvSpPr>
+          <p:cNvPr id="3" name="Content Placeholder 2"/>
+          <p:cNvSpPr>
+            <a:spLocks noGrp="1"/>
+          </p:cNvSpPr>
+          <p:nvPr>
+            <p:ph idx="1"/>
+          </p:nvPr>
+        </p:nvSpPr>
+        <p:spPr/>
+        <p:txBody>
+          <a:bodyPr>
+            <a:normAutofit lnSpcReduction="10000"/>
+          </a:bodyPr>
+          <a:lstStyle/>
+          <a:p>
+            <a:r>
+              <a:rPr lang="en-US" dirty="0" smtClean="0"/>
+              <a:t>Timing testing</a:t>
+            </a:r>
+          </a:p>
+          <a:p>
+            <a:pPr lvl="1"/>
+            <a:r>
+              <a:rPr lang="en-US" dirty="0" smtClean="0"/>
+              <a:t>Evaluate response times and time to perform a function </a:t>
+            </a:r>
+          </a:p>
+          <a:p>
+            <a:r>
+              <a:rPr lang="en-US" dirty="0" smtClean="0"/>
+              <a:t>Environmental test </a:t>
+            </a:r>
+          </a:p>
+          <a:p>
+            <a:pPr lvl="1"/>
+            <a:r>
+              <a:rPr lang="en-US" dirty="0" smtClean="0"/>
+              <a:t>Test tolerances for heat, humidity, motion, portability </a:t>
+            </a:r>
+          </a:p>
+          <a:p>
+            <a:r>
+              <a:rPr lang="en-US" dirty="0" smtClean="0"/>
+              <a:t>Quality testing</a:t>
+            </a:r>
+          </a:p>
+          <a:p>
+            <a:pPr lvl="1"/>
+            <a:r>
+              <a:rPr lang="en-US" dirty="0" smtClean="0"/>
+              <a:t>Test reliability, maintainability &amp; availability of the system</a:t>
+            </a:r>
+          </a:p>
+          <a:p>
+            <a:r>
+              <a:rPr lang="en-US" dirty="0" smtClean="0"/>
+              <a:t>Recovery testing </a:t>
+            </a:r>
+          </a:p>
+          <a:p>
+            <a:pPr lvl="1"/>
+            <a:r>
+              <a:rPr lang="en-US" dirty="0" smtClean="0"/>
+              <a:t>Tests system’s response to presence of errors or loss of data. </a:t>
+            </a:r>
+          </a:p>
+          <a:p>
+            <a:r>
+              <a:rPr lang="en-US" dirty="0" smtClean="0"/>
+              <a:t>Human factors testing</a:t>
+            </a:r>
+          </a:p>
+          <a:p>
+            <a:pPr lvl="1"/>
+            <a:r>
+              <a:rPr lang="en-US" dirty="0" smtClean="0"/>
+              <a:t>Tests user interface with user </a:t>
+            </a:r>
+          </a:p>
+          <a:p>
+            <a:endParaRPr lang="en-US" dirty="0"/>
+          </a:p>
+        </p:txBody>
+      </p:sp>
+      <p:sp>
+        <p:nvSpPr>
+          <p:cNvPr id="4" name="Slide Number Placeholder 3"/>
+          <p:cNvSpPr>
+            <a:spLocks noGrp="1"/>
+          </p:cNvSpPr>
+          <p:nvPr>
+            <p:ph type="sldNum" sz="quarter" idx="12"/>
+          </p:nvPr>
+        </p:nvSpPr>
+        <p:spPr/>
+        <p:txBody>
+          <a:bodyPr/>
+          <a:lstStyle/>
+          <a:p>
+            <a:fld id="{B543A0FD-1CA6-4228-86A2-78061B4844C8}" type="slidenum">
+              <a:rPr lang="en-US" smtClean="0"/>
+              <a:t>38</a:t>
+            </a:fld>
+            <a:endParaRPr lang="en-US"/>
+          </a:p>
+        </p:txBody>
+      </p:sp>
     </p:spTree>
     <p:extLst>
       <p:ext uri="{BB962C8B-B14F-4D97-AF65-F5344CB8AC3E}">
-        <p14:creationId xmlns:p14="http://schemas.microsoft.com/office/powerpoint/2010/main" val="2594847466"/>
+        <p14:creationId xmlns:p14="http://schemas.microsoft.com/office/powerpoint/2010/main" val="3190069384"/>
       </p:ext>
     </p:extLst>
   </p:cSld>
   <p:clrMapOvr>
     <a:masterClrMapping/>
   </p:clrMapOvr>
+  <p:timing>
+    <p:tnLst>
+      <p:par>
+        <p:cTn id="1" dur="indefinite" restart="never" nodeType="tmRoot"/>
+      </p:par>
+    </p:tnLst>
+  </p:timing>
 </p:sld>
 </file>
 
@@ -13153,51 +13506,221 @@
           <a:lstStyle/>
           <a:p>
             <a:r>
-              <a:rPr lang="en-US" dirty="0" err="1" smtClean="0"/>
-              <a:t>NextDate</a:t>
-            </a:r>
-            <a:r>
-              <a:rPr lang="en-US" dirty="0" smtClean="0"/>
-              <a:t> Input and Output Events </a:t>
-            </a:r>
-            <a:endParaRPr lang="en-US" dirty="0"/>
-          </a:p>
-        </p:txBody>
-      </p:sp>
-      <p:pic>
-        <p:nvPicPr>
-          <p:cNvPr id="4" name="Picture 3"/>
-          <p:cNvPicPr>
-            <a:picLocks noChangeAspect="1"/>
-          </p:cNvPicPr>
-          <p:nvPr/>
-        </p:nvPicPr>
-        <p:blipFill>
-          <a:blip r:embed="rId2"/>
-          <a:stretch>
-            <a:fillRect/>
-          </a:stretch>
-        </p:blipFill>
-        <p:spPr>
-          <a:xfrm>
-            <a:off x="3057101" y="1690688"/>
-            <a:ext cx="6077798" cy="5010849"/>
-          </a:xfrm>
-          <a:prstGeom prst="rect">
-            <a:avLst/>
-          </a:prstGeom>
-        </p:spPr>
-      </p:pic>
+              <a:rPr lang="en-US" sz="4000" dirty="0"/>
+              <a:t>Test Cases for Performance Testing </a:t>
+            </a:r>
+          </a:p>
+        </p:txBody>
+      </p:sp>
+      <p:sp>
+        <p:nvSpPr>
+          <p:cNvPr id="11" name="Content Placeholder 10"/>
+          <p:cNvSpPr>
+            <a:spLocks noGrp="1"/>
+          </p:cNvSpPr>
+          <p:nvPr>
+            <p:ph idx="1"/>
+          </p:nvPr>
+        </p:nvSpPr>
+        <p:spPr/>
+        <p:txBody>
+          <a:bodyPr>
+            <a:normAutofit fontScale="92500" lnSpcReduction="20000"/>
+          </a:bodyPr>
+          <a:lstStyle/>
+          <a:p>
+            <a:r>
+              <a:rPr lang="en-US" dirty="0"/>
+              <a:t>Goal: Try to violate non-functional </a:t>
+            </a:r>
+            <a:r>
+              <a:rPr lang="en-US" dirty="0" smtClean="0"/>
+              <a:t>requirements</a:t>
+            </a:r>
+          </a:p>
+          <a:p>
+            <a:r>
+              <a:rPr lang="en-US" dirty="0" smtClean="0"/>
+              <a:t>Push </a:t>
+            </a:r>
+            <a:r>
+              <a:rPr lang="en-US" dirty="0"/>
+              <a:t>the (integrated) system to its limits. </a:t>
+            </a:r>
+          </a:p>
+          <a:p>
+            <a:r>
+              <a:rPr lang="en-US" dirty="0" smtClean="0"/>
+              <a:t>Goal</a:t>
+            </a:r>
+            <a:r>
+              <a:rPr lang="en-US" dirty="0"/>
+              <a:t>: Try to break the subsystem </a:t>
+            </a:r>
+          </a:p>
+          <a:p>
+            <a:r>
+              <a:rPr lang="en-US" dirty="0" smtClean="0"/>
+              <a:t>Test </a:t>
+            </a:r>
+            <a:r>
+              <a:rPr lang="en-US" dirty="0"/>
+              <a:t>how the system behaves when overloaded</a:t>
+            </a:r>
+            <a:r>
+              <a:rPr lang="en-US" dirty="0" smtClean="0"/>
+              <a:t>.</a:t>
+            </a:r>
+          </a:p>
+          <a:p>
+            <a:pPr lvl="1"/>
+            <a:r>
+              <a:rPr lang="en-US" dirty="0" smtClean="0"/>
+              <a:t>Can </a:t>
+            </a:r>
+            <a:r>
+              <a:rPr lang="en-US" dirty="0"/>
+              <a:t>bottlenecks be identified? (First candidates for redesign in </a:t>
+            </a:r>
+            <a:r>
+              <a:rPr lang="en-US" dirty="0" smtClean="0"/>
+              <a:t>the </a:t>
+            </a:r>
+            <a:r>
+              <a:rPr lang="en-US" dirty="0"/>
+              <a:t>next </a:t>
+            </a:r>
+            <a:r>
+              <a:rPr lang="en-US" dirty="0" smtClean="0"/>
+              <a:t>iteration)</a:t>
+            </a:r>
+          </a:p>
+          <a:p>
+            <a:r>
+              <a:rPr lang="en-US" dirty="0" smtClean="0"/>
+              <a:t>Try </a:t>
+            </a:r>
+            <a:r>
+              <a:rPr lang="en-US" dirty="0"/>
+              <a:t>unusual orders of execution </a:t>
+            </a:r>
+          </a:p>
+          <a:p>
+            <a:pPr lvl="1"/>
+            <a:r>
+              <a:rPr lang="en-US" dirty="0" smtClean="0"/>
+              <a:t>Call a receive</a:t>
+            </a:r>
+            <a:r>
+              <a:rPr lang="en-US" dirty="0"/>
+              <a:t>() </a:t>
+            </a:r>
+            <a:r>
+              <a:rPr lang="en-US" dirty="0" smtClean="0"/>
+              <a:t>before send</a:t>
+            </a:r>
+            <a:r>
+              <a:rPr lang="en-US" dirty="0"/>
+              <a:t>(</a:t>
+            </a:r>
+            <a:r>
+              <a:rPr lang="en-US" dirty="0" smtClean="0"/>
+              <a:t>)</a:t>
+            </a:r>
+            <a:endParaRPr lang="en-US" dirty="0"/>
+          </a:p>
+          <a:p>
+            <a:r>
+              <a:rPr lang="en-US" dirty="0" smtClean="0"/>
+              <a:t>Check </a:t>
+            </a:r>
+            <a:r>
+              <a:rPr lang="en-US" dirty="0"/>
+              <a:t>the system’s response to large volumes of data </a:t>
+            </a:r>
+          </a:p>
+          <a:p>
+            <a:pPr lvl="1"/>
+            <a:r>
+              <a:rPr lang="en-US" dirty="0"/>
+              <a:t>If the system is supposed to handle 1000 items, try it with 1001 items. </a:t>
+            </a:r>
+          </a:p>
+          <a:p>
+            <a:r>
+              <a:rPr lang="en-US" dirty="0" smtClean="0"/>
+              <a:t>What </a:t>
+            </a:r>
+            <a:r>
+              <a:rPr lang="en-US" dirty="0"/>
+              <a:t>is the amount of time spent in different use cases? </a:t>
+            </a:r>
+            <a:endParaRPr lang="en-US" dirty="0" smtClean="0"/>
+          </a:p>
+          <a:p>
+            <a:pPr lvl="1"/>
+            <a:r>
+              <a:rPr lang="en-US" dirty="0" smtClean="0"/>
+              <a:t>Are </a:t>
+            </a:r>
+            <a:r>
+              <a:rPr lang="en-US" dirty="0"/>
+              <a:t>typical cases executed in a timely fashion? </a:t>
+            </a:r>
+          </a:p>
+          <a:p>
+            <a:endParaRPr lang="en-US" dirty="0"/>
+          </a:p>
+        </p:txBody>
+      </p:sp>
+      <p:sp>
+        <p:nvSpPr>
+          <p:cNvPr id="3" name="Slide Number Placeholder 2"/>
+          <p:cNvSpPr>
+            <a:spLocks noGrp="1"/>
+          </p:cNvSpPr>
+          <p:nvPr>
+            <p:ph type="sldNum" sz="quarter" idx="12"/>
+          </p:nvPr>
+        </p:nvSpPr>
+        <p:spPr/>
+        <p:txBody>
+          <a:bodyPr/>
+          <a:lstStyle/>
+          <a:p>
+            <a:fld id="{B543A0FD-1CA6-4228-86A2-78061B4844C8}" type="slidenum">
+              <a:rPr lang="en-US" smtClean="0"/>
+              <a:t>39</a:t>
+            </a:fld>
+            <a:endParaRPr lang="en-US"/>
+          </a:p>
+        </p:txBody>
+      </p:sp>
     </p:spTree>
     <p:extLst>
       <p:ext uri="{BB962C8B-B14F-4D97-AF65-F5344CB8AC3E}">
-        <p14:creationId xmlns:p14="http://schemas.microsoft.com/office/powerpoint/2010/main" val="2259671423"/>
+        <p14:creationId xmlns:p14="http://schemas.microsoft.com/office/powerpoint/2010/main" val="1309730181"/>
       </p:ext>
     </p:extLst>
   </p:cSld>
   <p:clrMapOvr>
     <a:masterClrMapping/>
   </p:clrMapOvr>
+  <mc:AlternateContent xmlns:mc="http://schemas.openxmlformats.org/markup-compatibility/2006" xmlns:p14="http://schemas.microsoft.com/office/powerpoint/2010/main">
+    <mc:Choice Requires="p14">
+      <p:transition spd="slow" p14:dur="2000"/>
+    </mc:Choice>
+    <mc:Fallback xmlns="">
+      <p:transition xmlns:p14="http://schemas.microsoft.com/office/powerpoint/2010/main" spd="slow"/>
+    </mc:Fallback>
+  </mc:AlternateContent>
+  <p:timing>
+    <p:tnLst>
+      <p:par>
+        <p:cTn id="1" dur="indefinite" restart="never" nodeType="tmRoot"/>
+      </p:par>
+    </p:tnLst>
+  </p:timing>
 </p:sld>
 </file>
 
@@ -13426,7 +13949,7 @@
       </p:grpSpPr>
       <p:sp>
         <p:nvSpPr>
-          <p:cNvPr id="2" name="Title 1"/>
+          <p:cNvPr id="4" name="Title 3"/>
           <p:cNvSpPr>
             <a:spLocks noGrp="1"/>
           </p:cNvSpPr>
@@ -13440,51 +13963,72 @@
           <a:lstStyle/>
           <a:p>
             <a:r>
-              <a:rPr lang="en-US" dirty="0" err="1" smtClean="0"/>
-              <a:t>NextDate</a:t>
-            </a:r>
-            <a:r>
-              <a:rPr lang="en-US" dirty="0" smtClean="0"/>
-              <a:t> ASFs (first attempt) </a:t>
-            </a:r>
-            <a:endParaRPr lang="en-US" dirty="0"/>
-          </a:p>
-        </p:txBody>
-      </p:sp>
-      <p:pic>
-        <p:nvPicPr>
-          <p:cNvPr id="4" name="Picture 3"/>
-          <p:cNvPicPr>
-            <a:picLocks noChangeAspect="1"/>
-          </p:cNvPicPr>
-          <p:nvPr/>
-        </p:nvPicPr>
-        <p:blipFill>
-          <a:blip r:embed="rId2"/>
-          <a:stretch>
-            <a:fillRect/>
-          </a:stretch>
-        </p:blipFill>
-        <p:spPr>
-          <a:xfrm>
-            <a:off x="3306321" y="1948370"/>
-            <a:ext cx="5458587" cy="4105848"/>
-          </a:xfrm>
-          <a:prstGeom prst="rect">
-            <a:avLst/>
-          </a:prstGeom>
-        </p:spPr>
-      </p:pic>
+              <a:rPr lang="en-US" dirty="0" smtClean="0"/>
+              <a:t>Acceptance Testing</a:t>
+            </a:r>
+            <a:endParaRPr lang="en-US" dirty="0"/>
+          </a:p>
+        </p:txBody>
+      </p:sp>
+      <p:sp>
+        <p:nvSpPr>
+          <p:cNvPr id="3" name="Text Placeholder 2"/>
+          <p:cNvSpPr>
+            <a:spLocks noGrp="1"/>
+          </p:cNvSpPr>
+          <p:nvPr>
+            <p:ph type="body" idx="1"/>
+          </p:nvPr>
+        </p:nvSpPr>
+        <p:spPr/>
+        <p:txBody>
+          <a:bodyPr/>
+          <a:lstStyle/>
+          <a:p>
+            <a:endParaRPr lang="en-US"/>
+          </a:p>
+        </p:txBody>
+      </p:sp>
+      <p:sp>
+        <p:nvSpPr>
+          <p:cNvPr id="2" name="Slide Number Placeholder 1"/>
+          <p:cNvSpPr>
+            <a:spLocks noGrp="1"/>
+          </p:cNvSpPr>
+          <p:nvPr>
+            <p:ph type="sldNum" sz="quarter" idx="12"/>
+          </p:nvPr>
+        </p:nvSpPr>
+        <p:spPr/>
+        <p:txBody>
+          <a:bodyPr/>
+          <a:lstStyle/>
+          <a:p>
+            <a:fld id="{B543A0FD-1CA6-4228-86A2-78061B4844C8}" type="slidenum">
+              <a:rPr lang="en-US" smtClean="0"/>
+              <a:t>40</a:t>
+            </a:fld>
+            <a:endParaRPr lang="en-US"/>
+          </a:p>
+        </p:txBody>
+      </p:sp>
     </p:spTree>
     <p:extLst>
       <p:ext uri="{BB962C8B-B14F-4D97-AF65-F5344CB8AC3E}">
-        <p14:creationId xmlns:p14="http://schemas.microsoft.com/office/powerpoint/2010/main" val="555480798"/>
+        <p14:creationId xmlns:p14="http://schemas.microsoft.com/office/powerpoint/2010/main" val="1167383902"/>
       </p:ext>
     </p:extLst>
   </p:cSld>
   <p:clrMapOvr>
     <a:masterClrMapping/>
   </p:clrMapOvr>
+  <p:timing>
+    <p:tnLst>
+      <p:par>
+        <p:cTn id="1" dur="indefinite" restart="never" nodeType="tmRoot"/>
+      </p:par>
+    </p:tnLst>
+  </p:timing>
 </p:sld>
 </file>
 
@@ -13507,9 +14051,9 @@
       </p:grpSpPr>
       <p:sp>
         <p:nvSpPr>
-          <p:cNvPr id="2" name="Title 1"/>
-          <p:cNvSpPr>
-            <a:spLocks noGrp="1"/>
+          <p:cNvPr id="239618" name="Rectangle 2"/>
+          <p:cNvSpPr>
+            <a:spLocks noGrp="1" noChangeArrowheads="1"/>
           </p:cNvSpPr>
           <p:nvPr>
             <p:ph type="title"/>
@@ -13521,281 +14065,18 @@
           <a:lstStyle/>
           <a:p>
             <a:r>
-              <a:rPr lang="en-US" dirty="0" err="1" smtClean="0"/>
-              <a:t>NextDate</a:t>
-            </a:r>
-            <a:r>
-              <a:rPr lang="en-US" dirty="0" smtClean="0"/>
-              <a:t> ASF Graph </a:t>
-            </a:r>
-            <a:br>
-              <a:rPr lang="en-US" dirty="0" smtClean="0"/>
-            </a:br>
-            <a:r>
-              <a:rPr lang="en-US" sz="2000" dirty="0" smtClean="0"/>
-              <a:t>(transitions to ASF-8 and ASF-10 require memory)</a:t>
-            </a:r>
-            <a:endParaRPr lang="en-US" dirty="0"/>
-          </a:p>
-        </p:txBody>
-      </p:sp>
-      <p:pic>
-        <p:nvPicPr>
-          <p:cNvPr id="4" name="Picture 3"/>
-          <p:cNvPicPr>
-            <a:picLocks noChangeAspect="1"/>
-          </p:cNvPicPr>
-          <p:nvPr/>
-        </p:nvPicPr>
-        <p:blipFill>
-          <a:blip r:embed="rId2"/>
-          <a:stretch>
-            <a:fillRect/>
-          </a:stretch>
-        </p:blipFill>
-        <p:spPr>
-          <a:xfrm>
-            <a:off x="4397723" y="1767369"/>
-            <a:ext cx="3172268" cy="4467849"/>
-          </a:xfrm>
-          <a:prstGeom prst="rect">
-            <a:avLst/>
-          </a:prstGeom>
-        </p:spPr>
-      </p:pic>
-    </p:spTree>
-    <p:extLst>
-      <p:ext uri="{BB962C8B-B14F-4D97-AF65-F5344CB8AC3E}">
-        <p14:creationId xmlns:p14="http://schemas.microsoft.com/office/powerpoint/2010/main" val="1775988502"/>
-      </p:ext>
-    </p:extLst>
-  </p:cSld>
-  <p:clrMapOvr>
-    <a:masterClrMapping/>
-  </p:clrMapOvr>
-</p:sld>
-</file>
-
-<file path=ppt/slides/slide42.xml><?xml version="1.0" encoding="utf-8"?>
-<p:sld xmlns:a="http://schemas.openxmlformats.org/drawingml/2006/main" xmlns:r="http://schemas.openxmlformats.org/officeDocument/2006/relationships" xmlns:p="http://schemas.openxmlformats.org/presentationml/2006/main">
-  <p:cSld>
-    <p:spTree>
-      <p:nvGrpSpPr>
-        <p:cNvPr id="1" name=""/>
-        <p:cNvGrpSpPr/>
-        <p:nvPr/>
-      </p:nvGrpSpPr>
-      <p:grpSpPr>
-        <a:xfrm>
-          <a:off x="0" y="0"/>
-          <a:ext cx="0" cy="0"/>
-          <a:chOff x="0" y="0"/>
-          <a:chExt cx="0" cy="0"/>
-        </a:xfrm>
-      </p:grpSpPr>
-      <p:sp>
-        <p:nvSpPr>
-          <p:cNvPr id="2" name="Title 1"/>
-          <p:cNvSpPr>
-            <a:spLocks noGrp="1"/>
-          </p:cNvSpPr>
-          <p:nvPr>
-            <p:ph type="title"/>
-          </p:nvPr>
-        </p:nvSpPr>
-        <p:spPr/>
-        <p:txBody>
-          <a:bodyPr/>
-          <a:lstStyle/>
-          <a:p>
-            <a:r>
-              <a:rPr lang="en-US" dirty="0" err="1" smtClean="0"/>
-              <a:t>NextDate</a:t>
-            </a:r>
-            <a:r>
-              <a:rPr lang="en-US" dirty="0" smtClean="0"/>
-              <a:t> ASFs (second attempt)</a:t>
-            </a:r>
-            <a:endParaRPr lang="en-US" dirty="0"/>
-          </a:p>
-        </p:txBody>
-      </p:sp>
-      <p:pic>
-        <p:nvPicPr>
-          <p:cNvPr id="4" name="Picture 3"/>
-          <p:cNvPicPr>
-            <a:picLocks noChangeAspect="1"/>
-          </p:cNvPicPr>
-          <p:nvPr/>
-        </p:nvPicPr>
-        <p:blipFill>
-          <a:blip r:embed="rId2"/>
-          <a:stretch>
-            <a:fillRect/>
-          </a:stretch>
-        </p:blipFill>
-        <p:spPr>
-          <a:xfrm>
-            <a:off x="2152099" y="1825625"/>
-            <a:ext cx="7887801" cy="4534533"/>
-          </a:xfrm>
-          <a:prstGeom prst="rect">
-            <a:avLst/>
-          </a:prstGeom>
-        </p:spPr>
-      </p:pic>
-    </p:spTree>
-    <p:extLst>
-      <p:ext uri="{BB962C8B-B14F-4D97-AF65-F5344CB8AC3E}">
-        <p14:creationId xmlns:p14="http://schemas.microsoft.com/office/powerpoint/2010/main" val="556614721"/>
-      </p:ext>
-    </p:extLst>
-  </p:cSld>
-  <p:clrMapOvr>
-    <a:masterClrMapping/>
-  </p:clrMapOvr>
-</p:sld>
-</file>
-
-<file path=ppt/slides/slide43.xml><?xml version="1.0" encoding="utf-8"?>
-<p:sld xmlns:a="http://schemas.openxmlformats.org/drawingml/2006/main" xmlns:r="http://schemas.openxmlformats.org/officeDocument/2006/relationships" xmlns:p="http://schemas.openxmlformats.org/presentationml/2006/main">
-  <p:cSld>
-    <p:spTree>
-      <p:nvGrpSpPr>
-        <p:cNvPr id="1" name=""/>
-        <p:cNvGrpSpPr/>
-        <p:nvPr/>
-      </p:nvGrpSpPr>
-      <p:grpSpPr>
-        <a:xfrm>
-          <a:off x="0" y="0"/>
-          <a:ext cx="0" cy="0"/>
-          <a:chOff x="0" y="0"/>
-          <a:chExt cx="0" cy="0"/>
-        </a:xfrm>
-      </p:grpSpPr>
-      <p:sp>
-        <p:nvSpPr>
-          <p:cNvPr id="2" name="Title 1"/>
-          <p:cNvSpPr>
-            <a:spLocks noGrp="1"/>
-          </p:cNvSpPr>
-          <p:nvPr>
-            <p:ph type="title"/>
-          </p:nvPr>
-        </p:nvSpPr>
-        <p:spPr/>
-        <p:txBody>
-          <a:bodyPr>
-            <a:normAutofit/>
-          </a:bodyPr>
-          <a:lstStyle/>
-          <a:p>
-            <a:r>
-              <a:rPr lang="en-US" dirty="0" smtClean="0"/>
-              <a:t>Improved </a:t>
-            </a:r>
-            <a:r>
-              <a:rPr lang="en-US" dirty="0" err="1" smtClean="0"/>
-              <a:t>NextDate</a:t>
-            </a:r>
-            <a:r>
-              <a:rPr lang="en-US" dirty="0" smtClean="0"/>
-              <a:t> ASF Graph</a:t>
-            </a:r>
-            <a:br>
-              <a:rPr lang="en-US" dirty="0" smtClean="0"/>
-            </a:br>
-            <a:r>
-              <a:rPr lang="en-US" sz="2400" dirty="0" smtClean="0"/>
-              <a:t>(Very incomplete: can transit from most ASFs to most other ASFs.)</a:t>
-            </a:r>
-            <a:endParaRPr lang="en-US" sz="2400" dirty="0"/>
-          </a:p>
-        </p:txBody>
-      </p:sp>
-      <p:pic>
-        <p:nvPicPr>
-          <p:cNvPr id="4" name="Picture 3"/>
-          <p:cNvPicPr>
-            <a:picLocks noChangeAspect="1"/>
-          </p:cNvPicPr>
-          <p:nvPr/>
-        </p:nvPicPr>
-        <p:blipFill>
-          <a:blip r:embed="rId2"/>
-          <a:stretch>
-            <a:fillRect/>
-          </a:stretch>
-        </p:blipFill>
-        <p:spPr>
-          <a:xfrm>
-            <a:off x="3614391" y="2099595"/>
-            <a:ext cx="4963218" cy="3124636"/>
-          </a:xfrm>
-          <a:prstGeom prst="rect">
-            <a:avLst/>
-          </a:prstGeom>
-        </p:spPr>
-      </p:pic>
-    </p:spTree>
-    <p:extLst>
-      <p:ext uri="{BB962C8B-B14F-4D97-AF65-F5344CB8AC3E}">
-        <p14:creationId xmlns:p14="http://schemas.microsoft.com/office/powerpoint/2010/main" val="2473009775"/>
-      </p:ext>
-    </p:extLst>
-  </p:cSld>
-  <p:clrMapOvr>
-    <a:masterClrMapping/>
-  </p:clrMapOvr>
-</p:sld>
-</file>
-
-<file path=ppt/slides/slide44.xml><?xml version="1.0" encoding="utf-8"?>
-<p:sld xmlns:a="http://schemas.openxmlformats.org/drawingml/2006/main" xmlns:r="http://schemas.openxmlformats.org/officeDocument/2006/relationships" xmlns:p="http://schemas.openxmlformats.org/presentationml/2006/main">
-  <p:cSld>
-    <p:spTree>
-      <p:nvGrpSpPr>
-        <p:cNvPr id="1" name=""/>
-        <p:cNvGrpSpPr/>
-        <p:nvPr/>
-      </p:nvGrpSpPr>
-      <p:grpSpPr>
-        <a:xfrm>
-          <a:off x="0" y="0"/>
-          <a:ext cx="0" cy="0"/>
-          <a:chOff x="0" y="0"/>
-          <a:chExt cx="0" cy="0"/>
-        </a:xfrm>
-      </p:grpSpPr>
-      <p:sp>
-        <p:nvSpPr>
-          <p:cNvPr id="2" name="Title 1"/>
-          <p:cNvSpPr>
-            <a:spLocks noGrp="1"/>
-          </p:cNvSpPr>
-          <p:nvPr>
-            <p:ph type="title"/>
-          </p:nvPr>
-        </p:nvSpPr>
-        <p:spPr/>
-        <p:txBody>
-          <a:bodyPr/>
-          <a:lstStyle/>
-          <a:p>
-            <a:r>
-              <a:rPr lang="en-US" dirty="0" smtClean="0"/>
-              <a:t>Metrics for System Testing</a:t>
-            </a:r>
-            <a:endParaRPr lang="en-US" dirty="0"/>
-          </a:p>
-        </p:txBody>
-      </p:sp>
-      <p:sp>
-        <p:nvSpPr>
-          <p:cNvPr id="3" name="Content Placeholder 2"/>
-          <p:cNvSpPr>
-            <a:spLocks noGrp="1"/>
+              <a:rPr lang="en-US" dirty="0" smtClean="0"/>
+              <a:t>Types of Acceptance Testing</a:t>
+            </a:r>
+            <a:endParaRPr lang="en-US" dirty="0"/>
+          </a:p>
+        </p:txBody>
+      </p:sp>
+      <p:sp>
+        <p:nvSpPr>
+          <p:cNvPr id="239619" name="Rectangle 3"/>
+          <p:cNvSpPr>
+            <a:spLocks noGrp="1" noChangeArrowheads="1"/>
           </p:cNvSpPr>
           <p:nvPr>
             <p:ph idx="1"/>
@@ -13803,681 +14084,63 @@
         </p:nvSpPr>
         <p:spPr/>
         <p:txBody>
-          <a:bodyPr>
-            <a:normAutofit/>
-          </a:bodyPr>
-          <a:lstStyle/>
-          <a:p>
-            <a:r>
-              <a:rPr lang="en-US" dirty="0" smtClean="0"/>
-              <a:t>In PIN Entry, for a given PIN, there are 156 distinct paths from the First PIN Try state to the two successor states.</a:t>
-            </a:r>
-          </a:p>
-          <a:p>
-            <a:r>
-              <a:rPr lang="en-US" dirty="0" smtClean="0"/>
-              <a:t>Of these, 31 correspond to eventually correct PIN entries.</a:t>
+          <a:bodyPr/>
+          <a:lstStyle/>
+          <a:p>
+            <a:r>
+              <a:rPr lang="en-US" dirty="0" smtClean="0"/>
+              <a:t>Acceptance testing is a formal testing conducted to determine whether a system satisfies its acceptance criteria</a:t>
+            </a:r>
+          </a:p>
+          <a:p>
+            <a:r>
+              <a:rPr lang="en-US" dirty="0" smtClean="0"/>
+              <a:t>There are two categories of acceptance testing:</a:t>
             </a:r>
           </a:p>
           <a:p>
             <a:pPr lvl="1"/>
             <a:r>
               <a:rPr lang="en-US" dirty="0" smtClean="0"/>
-              <a:t>1 on the first try</a:t>
+              <a:t>User Acceptance Testing (UAT)</a:t>
+            </a:r>
+          </a:p>
+          <a:p>
+            <a:pPr lvl="2"/>
+            <a:r>
+              <a:rPr lang="en-US" dirty="0" smtClean="0"/>
+              <a:t>It is conducted by the customer to ensure that system satisfies the contractual acceptance criteria before being signed-off as meeting user needs.</a:t>
             </a:r>
           </a:p>
           <a:p>
             <a:pPr lvl="1"/>
             <a:r>
               <a:rPr lang="en-US" dirty="0" smtClean="0"/>
-              <a:t>5 on the second try</a:t>
+              <a:t>Business Acceptance Testing (BAT)</a:t>
+            </a:r>
+          </a:p>
+          <a:p>
+            <a:pPr lvl="2"/>
+            <a:r>
+              <a:rPr lang="en-US" dirty="0" smtClean="0"/>
+              <a:t>It is undertaken within the development organization of the supplier to ensure that the system will eventually pass the user acceptance testing.</a:t>
             </a:r>
           </a:p>
           <a:p>
             <a:pPr lvl="1"/>
-            <a:r>
-              <a:rPr lang="en-US" dirty="0" smtClean="0"/>
-              <a:t>25 on the third try</a:t>
-            </a:r>
-          </a:p>
-          <a:p>
-            <a:r>
-              <a:rPr lang="en-US" dirty="0" smtClean="0"/>
-              <a:t>The other 125 paths correspond to failed PIN attempts/</a:t>
-            </a:r>
-          </a:p>
-          <a:p>
-            <a:r>
-              <a:rPr lang="en-US" dirty="0" smtClean="0"/>
-              <a:t>Model-based coverage metrics can control this.</a:t>
-            </a:r>
-            <a:endParaRPr lang="en-US" dirty="0"/>
-          </a:p>
-        </p:txBody>
-      </p:sp>
-    </p:spTree>
-    <p:extLst>
-      <p:ext uri="{BB962C8B-B14F-4D97-AF65-F5344CB8AC3E}">
-        <p14:creationId xmlns:p14="http://schemas.microsoft.com/office/powerpoint/2010/main" val="3297381314"/>
-      </p:ext>
-    </p:extLst>
-  </p:cSld>
-  <p:clrMapOvr>
-    <a:masterClrMapping/>
-  </p:clrMapOvr>
-</p:sld>
-</file>
-
-<file path=ppt/slides/slide45.xml><?xml version="1.0" encoding="utf-8"?>
-<p:sld xmlns:a="http://schemas.openxmlformats.org/drawingml/2006/main" xmlns:r="http://schemas.openxmlformats.org/officeDocument/2006/relationships" xmlns:p="http://schemas.openxmlformats.org/presentationml/2006/main">
-  <p:cSld>
-    <p:spTree>
-      <p:nvGrpSpPr>
-        <p:cNvPr id="1" name=""/>
-        <p:cNvGrpSpPr/>
-        <p:nvPr/>
-      </p:nvGrpSpPr>
-      <p:grpSpPr>
-        <a:xfrm>
-          <a:off x="0" y="0"/>
-          <a:ext cx="0" cy="0"/>
-          <a:chOff x="0" y="0"/>
-          <a:chExt cx="0" cy="0"/>
-        </a:xfrm>
-      </p:grpSpPr>
-      <p:sp>
-        <p:nvSpPr>
-          <p:cNvPr id="2" name="Title 1"/>
-          <p:cNvSpPr>
-            <a:spLocks noGrp="1"/>
-          </p:cNvSpPr>
-          <p:nvPr>
-            <p:ph type="title"/>
-          </p:nvPr>
-        </p:nvSpPr>
-        <p:spPr/>
-        <p:txBody>
-          <a:bodyPr/>
-          <a:lstStyle/>
-          <a:p>
-            <a:r>
-              <a:rPr lang="en-US" dirty="0" smtClean="0"/>
-              <a:t>Model-Based Coverage Metrics</a:t>
-            </a:r>
-            <a:endParaRPr lang="en-US" dirty="0"/>
-          </a:p>
-        </p:txBody>
-      </p:sp>
-      <p:sp>
-        <p:nvSpPr>
-          <p:cNvPr id="3" name="Content Placeholder 2"/>
-          <p:cNvSpPr>
-            <a:spLocks noGrp="1"/>
-          </p:cNvSpPr>
-          <p:nvPr>
-            <p:ph idx="1"/>
-          </p:nvPr>
-        </p:nvSpPr>
-        <p:spPr/>
-        <p:txBody>
-          <a:bodyPr>
-            <a:normAutofit fontScale="92500" lnSpcReduction="20000"/>
-          </a:bodyPr>
-          <a:lstStyle/>
-          <a:p>
-            <a:r>
-              <a:rPr lang="en-US" dirty="0" smtClean="0"/>
-              <a:t>Decision table metrics</a:t>
-            </a:r>
-          </a:p>
-          <a:p>
-            <a:pPr lvl="1"/>
-            <a:r>
-              <a:rPr lang="en-US" dirty="0" smtClean="0"/>
-              <a:t>every condition</a:t>
-            </a:r>
-          </a:p>
-          <a:p>
-            <a:pPr lvl="1"/>
-            <a:r>
-              <a:rPr lang="en-US" dirty="0" smtClean="0"/>
-              <a:t>every action</a:t>
-            </a:r>
-          </a:p>
-          <a:p>
-            <a:pPr lvl="1"/>
-            <a:r>
-              <a:rPr lang="en-US" dirty="0" smtClean="0"/>
-              <a:t>every rule</a:t>
-            </a:r>
-          </a:p>
-          <a:p>
-            <a:r>
-              <a:rPr lang="en-US" dirty="0" smtClean="0"/>
-              <a:t>Finite state machine metrics</a:t>
-            </a:r>
-          </a:p>
-          <a:p>
-            <a:pPr lvl="1"/>
-            <a:r>
-              <a:rPr lang="en-US" dirty="0" smtClean="0"/>
-              <a:t>every state</a:t>
-            </a:r>
-          </a:p>
-          <a:p>
-            <a:pPr lvl="1"/>
-            <a:r>
-              <a:rPr lang="en-US" dirty="0" smtClean="0"/>
-              <a:t>every transition</a:t>
-            </a:r>
-          </a:p>
-          <a:p>
-            <a:pPr lvl="1"/>
-            <a:r>
-              <a:rPr lang="en-US" dirty="0" smtClean="0"/>
-              <a:t>every path (cycles need to be addressed as in code coverage metrics)</a:t>
-            </a:r>
-          </a:p>
-          <a:p>
-            <a:r>
-              <a:rPr lang="en-US" dirty="0" smtClean="0"/>
-              <a:t>Petri net metrics</a:t>
-            </a:r>
-          </a:p>
-          <a:p>
-            <a:pPr lvl="1"/>
-            <a:r>
-              <a:rPr lang="en-US" dirty="0" smtClean="0"/>
-              <a:t>every place</a:t>
-            </a:r>
-          </a:p>
-          <a:p>
-            <a:pPr lvl="1"/>
-            <a:r>
-              <a:rPr lang="en-US" dirty="0" smtClean="0"/>
-              <a:t>every port event</a:t>
-            </a:r>
-          </a:p>
-          <a:p>
-            <a:pPr lvl="1"/>
-            <a:r>
-              <a:rPr lang="en-US" dirty="0" smtClean="0"/>
-              <a:t>every transition</a:t>
-            </a:r>
-          </a:p>
-          <a:p>
-            <a:pPr lvl="1"/>
-            <a:r>
-              <a:rPr lang="en-US" dirty="0" smtClean="0"/>
-              <a:t>every marking </a:t>
-            </a:r>
-            <a:endParaRPr lang="en-US" dirty="0"/>
-          </a:p>
-        </p:txBody>
-      </p:sp>
-    </p:spTree>
-    <p:extLst>
-      <p:ext uri="{BB962C8B-B14F-4D97-AF65-F5344CB8AC3E}">
-        <p14:creationId xmlns:p14="http://schemas.microsoft.com/office/powerpoint/2010/main" val="1811685898"/>
-      </p:ext>
-    </p:extLst>
-  </p:cSld>
-  <p:clrMapOvr>
-    <a:masterClrMapping/>
-  </p:clrMapOvr>
-</p:sld>
-</file>
-
-<file path=ppt/slides/slide46.xml><?xml version="1.0" encoding="utf-8"?>
-<p:sld xmlns:a="http://schemas.openxmlformats.org/drawingml/2006/main" xmlns:r="http://schemas.openxmlformats.org/officeDocument/2006/relationships" xmlns:p="http://schemas.openxmlformats.org/presentationml/2006/main">
-  <p:cSld>
-    <p:spTree>
-      <p:nvGrpSpPr>
-        <p:cNvPr id="1" name=""/>
-        <p:cNvGrpSpPr/>
-        <p:nvPr/>
-      </p:nvGrpSpPr>
-      <p:grpSpPr>
-        <a:xfrm>
-          <a:off x="0" y="0"/>
-          <a:ext cx="0" cy="0"/>
-          <a:chOff x="0" y="0"/>
-          <a:chExt cx="0" cy="0"/>
-        </a:xfrm>
-      </p:grpSpPr>
-      <p:sp>
-        <p:nvSpPr>
-          <p:cNvPr id="2" name="Title 1"/>
-          <p:cNvSpPr>
-            <a:spLocks noGrp="1"/>
-          </p:cNvSpPr>
-          <p:nvPr>
-            <p:ph type="title"/>
-          </p:nvPr>
-        </p:nvSpPr>
-        <p:spPr/>
-        <p:txBody>
-          <a:bodyPr/>
-          <a:lstStyle/>
-          <a:p>
-            <a:r>
-              <a:rPr lang="en-US" dirty="0" smtClean="0"/>
-              <a:t>Risk-Based System Testing</a:t>
-            </a:r>
-            <a:endParaRPr lang="en-US" dirty="0"/>
-          </a:p>
-        </p:txBody>
-      </p:sp>
-      <p:sp>
-        <p:nvSpPr>
-          <p:cNvPr id="3" name="Content Placeholder 2"/>
-          <p:cNvSpPr>
-            <a:spLocks noGrp="1"/>
-          </p:cNvSpPr>
-          <p:nvPr>
-            <p:ph idx="1"/>
-          </p:nvPr>
-        </p:nvSpPr>
-        <p:spPr/>
-        <p:txBody>
-          <a:bodyPr/>
-          <a:lstStyle/>
-          <a:p>
-            <a:r>
-              <a:rPr lang="en-US" dirty="0" smtClean="0"/>
-              <a:t>Risk = Cost * (Probability of occurrence)</a:t>
-            </a:r>
-          </a:p>
-          <a:p>
-            <a:r>
-              <a:rPr lang="en-US" dirty="0" smtClean="0"/>
-              <a:t>Hans Schaefer’s risk categories</a:t>
-            </a:r>
-          </a:p>
-          <a:p>
-            <a:pPr lvl="1"/>
-            <a:r>
-              <a:rPr lang="en-US" dirty="0" smtClean="0"/>
-              <a:t>Catastrophic: deposits, invalid withdrawals</a:t>
-            </a:r>
-          </a:p>
-          <a:p>
-            <a:pPr lvl="1"/>
-            <a:r>
-              <a:rPr lang="en-US" dirty="0" smtClean="0"/>
-              <a:t>Damaging: normal withdrawals</a:t>
-            </a:r>
-          </a:p>
-          <a:p>
-            <a:pPr lvl="1"/>
-            <a:r>
-              <a:rPr lang="en-US" dirty="0" smtClean="0"/>
-              <a:t>Hindering: invalid ATM card, PIN entry failure</a:t>
-            </a:r>
-          </a:p>
-          <a:p>
-            <a:pPr lvl="1"/>
-            <a:r>
-              <a:rPr lang="en-US" dirty="0" smtClean="0"/>
-              <a:t>Annoying: balance inquiries</a:t>
-            </a:r>
-          </a:p>
-          <a:p>
-            <a:r>
-              <a:rPr lang="en-US" dirty="0" smtClean="0"/>
-              <a:t>Logarithmic weighting (low = 1, medium = 3, high = 10) </a:t>
-            </a:r>
-            <a:endParaRPr lang="en-US" dirty="0"/>
-          </a:p>
-        </p:txBody>
-      </p:sp>
-    </p:spTree>
-    <p:extLst>
-      <p:ext uri="{BB962C8B-B14F-4D97-AF65-F5344CB8AC3E}">
-        <p14:creationId xmlns:p14="http://schemas.microsoft.com/office/powerpoint/2010/main" val="1090764920"/>
-      </p:ext>
-    </p:extLst>
-  </p:cSld>
-  <p:clrMapOvr>
-    <a:masterClrMapping/>
-  </p:clrMapOvr>
-</p:sld>
-</file>
-
-<file path=ppt/slides/slide47.xml><?xml version="1.0" encoding="utf-8"?>
-<p:sld xmlns:a="http://schemas.openxmlformats.org/drawingml/2006/main" xmlns:r="http://schemas.openxmlformats.org/officeDocument/2006/relationships" xmlns:p="http://schemas.openxmlformats.org/presentationml/2006/main">
-  <p:cSld>
-    <p:spTree>
-      <p:nvGrpSpPr>
-        <p:cNvPr id="1" name=""/>
-        <p:cNvGrpSpPr/>
-        <p:nvPr/>
-      </p:nvGrpSpPr>
-      <p:grpSpPr>
-        <a:xfrm>
-          <a:off x="0" y="0"/>
-          <a:ext cx="0" cy="0"/>
-          <a:chOff x="0" y="0"/>
-          <a:chExt cx="0" cy="0"/>
-        </a:xfrm>
-      </p:grpSpPr>
-      <p:sp>
-        <p:nvSpPr>
-          <p:cNvPr id="2" name="Title 1"/>
-          <p:cNvSpPr>
-            <a:spLocks noGrp="1"/>
-          </p:cNvSpPr>
-          <p:nvPr>
-            <p:ph type="title"/>
-          </p:nvPr>
-        </p:nvSpPr>
-        <p:spPr/>
-        <p:txBody>
-          <a:bodyPr/>
-          <a:lstStyle/>
-          <a:p>
-            <a:r>
-              <a:rPr lang="en-US" dirty="0" smtClean="0"/>
-              <a:t>Selected Path Risks</a:t>
-            </a:r>
-            <a:endParaRPr lang="en-US" dirty="0"/>
-          </a:p>
-        </p:txBody>
-      </p:sp>
-      <p:sp>
-        <p:nvSpPr>
-          <p:cNvPr id="3" name="Content Placeholder 2"/>
-          <p:cNvSpPr>
-            <a:spLocks noGrp="1"/>
-          </p:cNvSpPr>
-          <p:nvPr>
-            <p:ph idx="1"/>
-          </p:nvPr>
-        </p:nvSpPr>
-        <p:spPr/>
-        <p:txBody>
-          <a:bodyPr/>
-          <a:lstStyle/>
-          <a:p>
-            <a:endParaRPr lang="en-US"/>
-          </a:p>
-        </p:txBody>
-      </p:sp>
-      <p:pic>
-        <p:nvPicPr>
-          <p:cNvPr id="4" name="Picture 3"/>
-          <p:cNvPicPr>
-            <a:picLocks noChangeAspect="1"/>
-          </p:cNvPicPr>
-          <p:nvPr/>
-        </p:nvPicPr>
-        <p:blipFill>
-          <a:blip r:embed="rId2"/>
-          <a:stretch>
-            <a:fillRect/>
-          </a:stretch>
-        </p:blipFill>
-        <p:spPr>
-          <a:xfrm>
-            <a:off x="2728442" y="1984007"/>
-            <a:ext cx="6735115" cy="3562847"/>
-          </a:xfrm>
-          <a:prstGeom prst="rect">
-            <a:avLst/>
-          </a:prstGeom>
-        </p:spPr>
-      </p:pic>
-    </p:spTree>
-    <p:extLst>
-      <p:ext uri="{BB962C8B-B14F-4D97-AF65-F5344CB8AC3E}">
-        <p14:creationId xmlns:p14="http://schemas.microsoft.com/office/powerpoint/2010/main" val="1010250176"/>
-      </p:ext>
-    </p:extLst>
-  </p:cSld>
-  <p:clrMapOvr>
-    <a:masterClrMapping/>
-  </p:clrMapOvr>
-</p:sld>
-</file>
-
-<file path=ppt/slides/slide48.xml><?xml version="1.0" encoding="utf-8"?>
-<p:sld xmlns:a="http://schemas.openxmlformats.org/drawingml/2006/main" xmlns:r="http://schemas.openxmlformats.org/officeDocument/2006/relationships" xmlns:p="http://schemas.openxmlformats.org/presentationml/2006/main">
-  <p:cSld>
-    <p:spTree>
-      <p:nvGrpSpPr>
-        <p:cNvPr id="1" name=""/>
-        <p:cNvGrpSpPr/>
-        <p:nvPr/>
-      </p:nvGrpSpPr>
-      <p:grpSpPr>
-        <a:xfrm>
-          <a:off x="0" y="0"/>
-          <a:ext cx="0" cy="0"/>
-          <a:chOff x="0" y="0"/>
-          <a:chExt cx="0" cy="0"/>
-        </a:xfrm>
-      </p:grpSpPr>
-      <p:sp>
-        <p:nvSpPr>
-          <p:cNvPr id="2" name="Title 1"/>
-          <p:cNvSpPr>
-            <a:spLocks noGrp="1"/>
-          </p:cNvSpPr>
-          <p:nvPr>
-            <p:ph type="title"/>
-          </p:nvPr>
-        </p:nvSpPr>
-        <p:spPr/>
-        <p:txBody>
-          <a:bodyPr/>
-          <a:lstStyle/>
-          <a:p>
-            <a:r>
-              <a:rPr lang="en-US" dirty="0" smtClean="0"/>
-              <a:t>Conclusions and Observations</a:t>
-            </a:r>
-            <a:endParaRPr lang="en-US" dirty="0"/>
-          </a:p>
-        </p:txBody>
-      </p:sp>
-      <p:sp>
-        <p:nvSpPr>
-          <p:cNvPr id="3" name="Content Placeholder 2"/>
-          <p:cNvSpPr>
-            <a:spLocks noGrp="1"/>
-          </p:cNvSpPr>
-          <p:nvPr>
-            <p:ph idx="1"/>
-          </p:nvPr>
-        </p:nvSpPr>
-        <p:spPr/>
-        <p:txBody>
-          <a:bodyPr/>
-          <a:lstStyle/>
-          <a:p>
-            <a:r>
-              <a:rPr lang="en-US" dirty="0" smtClean="0"/>
-              <a:t>System testing is based on threads</a:t>
-            </a:r>
-          </a:p>
-          <a:p>
-            <a:pPr lvl="1"/>
-            <a:r>
-              <a:rPr lang="en-US" dirty="0" smtClean="0"/>
-              <a:t>thread identification is the hard part</a:t>
-            </a:r>
-          </a:p>
-          <a:p>
-            <a:pPr lvl="1"/>
-            <a:r>
-              <a:rPr lang="en-US" dirty="0" smtClean="0"/>
-              <a:t>automated thread execution is a good idea</a:t>
-            </a:r>
-          </a:p>
-          <a:p>
-            <a:r>
-              <a:rPr lang="en-US" dirty="0" smtClean="0"/>
-              <a:t>Model-Based system testing works well</a:t>
-            </a:r>
-          </a:p>
-          <a:p>
-            <a:r>
-              <a:rPr lang="en-US" dirty="0" smtClean="0"/>
-              <a:t>Helpful to have system level coverage metrics</a:t>
-            </a:r>
-            <a:endParaRPr lang="en-US" dirty="0"/>
-          </a:p>
-        </p:txBody>
-      </p:sp>
-    </p:spTree>
-    <p:extLst>
-      <p:ext uri="{BB962C8B-B14F-4D97-AF65-F5344CB8AC3E}">
-        <p14:creationId xmlns:p14="http://schemas.microsoft.com/office/powerpoint/2010/main" val="3789418540"/>
-      </p:ext>
-    </p:extLst>
-  </p:cSld>
-  <p:clrMapOvr>
-    <a:masterClrMapping/>
-  </p:clrMapOvr>
-</p:sld>
-</file>
-
-<file path=ppt/slides/slide49.xml><?xml version="1.0" encoding="utf-8"?>
-<p:sld xmlns:a="http://schemas.openxmlformats.org/drawingml/2006/main" xmlns:r="http://schemas.openxmlformats.org/officeDocument/2006/relationships" xmlns:p="http://schemas.openxmlformats.org/presentationml/2006/main">
-  <p:cSld>
-    <p:spTree>
-      <p:nvGrpSpPr>
-        <p:cNvPr id="1" name=""/>
-        <p:cNvGrpSpPr/>
-        <p:nvPr/>
-      </p:nvGrpSpPr>
-      <p:grpSpPr>
-        <a:xfrm>
-          <a:off x="0" y="0"/>
-          <a:ext cx="0" cy="0"/>
-          <a:chOff x="0" y="0"/>
-          <a:chExt cx="0" cy="0"/>
-        </a:xfrm>
-      </p:grpSpPr>
-      <p:sp>
-        <p:nvSpPr>
-          <p:cNvPr id="2" name="Title 1"/>
-          <p:cNvSpPr>
-            <a:spLocks noGrp="1"/>
-          </p:cNvSpPr>
-          <p:nvPr>
-            <p:ph type="title"/>
-          </p:nvPr>
-        </p:nvSpPr>
-        <p:spPr/>
-        <p:txBody>
-          <a:bodyPr/>
-          <a:lstStyle/>
-          <a:p>
-            <a:r>
-              <a:rPr lang="en-US" dirty="0" smtClean="0"/>
-              <a:t>Performance Testing </a:t>
-            </a:r>
-            <a:endParaRPr lang="en-US" dirty="0"/>
-          </a:p>
-        </p:txBody>
-      </p:sp>
-      <p:sp>
-        <p:nvSpPr>
-          <p:cNvPr id="3" name="Content Placeholder 2"/>
-          <p:cNvSpPr>
-            <a:spLocks noGrp="1"/>
-          </p:cNvSpPr>
-          <p:nvPr>
-            <p:ph idx="1"/>
-          </p:nvPr>
-        </p:nvSpPr>
-        <p:spPr/>
-        <p:txBody>
-          <a:bodyPr>
-            <a:normAutofit fontScale="92500" lnSpcReduction="10000"/>
-          </a:bodyPr>
-          <a:lstStyle/>
-          <a:p>
-            <a:r>
-              <a:rPr lang="en-US" dirty="0" smtClean="0"/>
-              <a:t>Stress Testing </a:t>
-            </a:r>
-          </a:p>
-          <a:p>
-            <a:pPr lvl="1"/>
-            <a:r>
-              <a:rPr lang="en-US" dirty="0" smtClean="0"/>
-              <a:t>Checks if the system can respond to many simultaneous requests</a:t>
-            </a:r>
-            <a:br>
-              <a:rPr lang="en-US" dirty="0" smtClean="0"/>
-            </a:br>
-            <a:r>
-              <a:rPr lang="en-US" dirty="0" smtClean="0"/>
-              <a:t>(maximum # of users, peak demands) </a:t>
-            </a:r>
-          </a:p>
-          <a:p>
-            <a:r>
-              <a:rPr lang="en-US" dirty="0" smtClean="0"/>
-              <a:t>Volume testing</a:t>
-            </a:r>
-          </a:p>
-          <a:p>
-            <a:pPr lvl="1"/>
-            <a:r>
-              <a:rPr lang="en-US" dirty="0" smtClean="0"/>
-              <a:t>Test what happens if large amounts of data are handled</a:t>
-            </a:r>
-          </a:p>
-          <a:p>
-            <a:r>
-              <a:rPr lang="en-US" dirty="0" smtClean="0"/>
-              <a:t>Configuration testing </a:t>
-            </a:r>
-          </a:p>
-          <a:p>
-            <a:pPr lvl="1"/>
-            <a:r>
-              <a:rPr lang="en-US" dirty="0" smtClean="0"/>
-              <a:t>Test the various software and hardware configurations </a:t>
-            </a:r>
-          </a:p>
-          <a:p>
-            <a:r>
-              <a:rPr lang="en-US" dirty="0" smtClean="0"/>
-              <a:t>Compatibility test</a:t>
-            </a:r>
-          </a:p>
-          <a:p>
-            <a:pPr lvl="1"/>
-            <a:r>
-              <a:rPr lang="en-US" dirty="0" smtClean="0"/>
-              <a:t>Test backward compatibility with existing systems </a:t>
-            </a:r>
-          </a:p>
-          <a:p>
-            <a:r>
-              <a:rPr lang="en-US" dirty="0" smtClean="0"/>
-              <a:t>Security testing </a:t>
-            </a:r>
-          </a:p>
-          <a:p>
-            <a:pPr lvl="1"/>
-            <a:r>
-              <a:rPr lang="en-US" dirty="0" smtClean="0"/>
-              <a:t>Try to violate security requirements </a:t>
-            </a:r>
-          </a:p>
-          <a:p>
-            <a:endParaRPr lang="en-US" dirty="0"/>
-          </a:p>
-        </p:txBody>
-      </p:sp>
-      <p:sp>
-        <p:nvSpPr>
-          <p:cNvPr id="4" name="Slide Number Placeholder 3"/>
+            <a:endParaRPr lang="en-US" dirty="0" smtClean="0"/>
+          </a:p>
+          <a:p>
+            <a:endParaRPr lang="en-US" dirty="0" smtClean="0"/>
+          </a:p>
+          <a:p>
+            <a:endParaRPr lang="en-US" dirty="0"/>
+          </a:p>
+        </p:txBody>
+      </p:sp>
+      <p:sp>
+        <p:nvSpPr>
+          <p:cNvPr id="2" name="Slide Number Placeholder 1"/>
           <p:cNvSpPr>
             <a:spLocks noGrp="1"/>
           </p:cNvSpPr>
@@ -14492,819 +14155,7 @@
           <a:p>
             <a:fld id="{B543A0FD-1CA6-4228-86A2-78061B4844C8}" type="slidenum">
               <a:rPr lang="en-US" smtClean="0"/>
-              <a:t>49</a:t>
-            </a:fld>
-            <a:endParaRPr lang="en-US"/>
-          </a:p>
-        </p:txBody>
-      </p:sp>
-    </p:spTree>
-    <p:extLst>
-      <p:ext uri="{BB962C8B-B14F-4D97-AF65-F5344CB8AC3E}">
-        <p14:creationId xmlns:p14="http://schemas.microsoft.com/office/powerpoint/2010/main" val="4075370307"/>
-      </p:ext>
-    </p:extLst>
-  </p:cSld>
-  <p:clrMapOvr>
-    <a:masterClrMapping/>
-  </p:clrMapOvr>
-  <p:timing>
-    <p:tnLst>
-      <p:par>
-        <p:cTn id="1" dur="indefinite" restart="never" nodeType="tmRoot"/>
-      </p:par>
-    </p:tnLst>
-  </p:timing>
-</p:sld>
-</file>
-
-<file path=ppt/slides/slide5.xml><?xml version="1.0" encoding="utf-8"?>
-<p:sld xmlns:a="http://schemas.openxmlformats.org/drawingml/2006/main" xmlns:r="http://schemas.openxmlformats.org/officeDocument/2006/relationships" xmlns:p="http://schemas.openxmlformats.org/presentationml/2006/main">
-  <p:cSld>
-    <p:spTree>
-      <p:nvGrpSpPr>
-        <p:cNvPr id="1" name=""/>
-        <p:cNvGrpSpPr/>
-        <p:nvPr/>
-      </p:nvGrpSpPr>
-      <p:grpSpPr>
-        <a:xfrm>
-          <a:off x="0" y="0"/>
-          <a:ext cx="0" cy="0"/>
-          <a:chOff x="0" y="0"/>
-          <a:chExt cx="0" cy="0"/>
-        </a:xfrm>
-      </p:grpSpPr>
-      <p:sp>
-        <p:nvSpPr>
-          <p:cNvPr id="2" name="Title 1"/>
-          <p:cNvSpPr>
-            <a:spLocks noGrp="1"/>
-          </p:cNvSpPr>
-          <p:nvPr>
-            <p:ph type="title"/>
-          </p:nvPr>
-        </p:nvSpPr>
-        <p:spPr/>
-        <p:txBody>
-          <a:bodyPr/>
-          <a:lstStyle/>
-          <a:p>
-            <a:r>
-              <a:rPr lang="en-US" dirty="0" smtClean="0"/>
-              <a:t>Functional Testing </a:t>
-            </a:r>
-            <a:endParaRPr lang="en-US" dirty="0"/>
-          </a:p>
-        </p:txBody>
-      </p:sp>
-      <p:sp>
-        <p:nvSpPr>
-          <p:cNvPr id="3" name="Content Placeholder 2"/>
-          <p:cNvSpPr>
-            <a:spLocks noGrp="1"/>
-          </p:cNvSpPr>
-          <p:nvPr>
-            <p:ph idx="1"/>
-          </p:nvPr>
-        </p:nvSpPr>
-        <p:spPr/>
-        <p:txBody>
-          <a:bodyPr>
-            <a:normAutofit lnSpcReduction="10000"/>
-          </a:bodyPr>
-          <a:lstStyle/>
-          <a:p>
-            <a:r>
-              <a:rPr lang="en-US" dirty="0" smtClean="0"/>
-              <a:t>Functional testing finds differences between functional requirements and the implemented system </a:t>
-            </a:r>
-          </a:p>
-          <a:p>
-            <a:r>
-              <a:rPr lang="en-US" dirty="0" smtClean="0"/>
-              <a:t>Essentially the same as black box testing </a:t>
-            </a:r>
-          </a:p>
-          <a:p>
-            <a:r>
-              <a:rPr lang="en-US" dirty="0" smtClean="0"/>
-              <a:t>Goal: Test functionality of system </a:t>
-            </a:r>
-          </a:p>
-          <a:p>
-            <a:r>
-              <a:rPr lang="en-US" dirty="0" smtClean="0"/>
-              <a:t>Test cases are designed from the requirements analysis document (better: user manual) and centered around requirements and key functions (use cases) </a:t>
-            </a:r>
-          </a:p>
-          <a:p>
-            <a:r>
-              <a:rPr lang="en-US" dirty="0" smtClean="0"/>
-              <a:t>Select tests that are relevant to the user and have a high probability of uncovering a failure </a:t>
-            </a:r>
-          </a:p>
-          <a:p>
-            <a:pPr lvl="1"/>
-            <a:r>
-              <a:rPr lang="en-US" dirty="0" smtClean="0"/>
-              <a:t>Use techniques like equivalence tests </a:t>
-            </a:r>
-          </a:p>
-          <a:p>
-            <a:endParaRPr lang="en-US" dirty="0"/>
-          </a:p>
-        </p:txBody>
-      </p:sp>
-      <p:sp>
-        <p:nvSpPr>
-          <p:cNvPr id="4" name="Slide Number Placeholder 3"/>
-          <p:cNvSpPr>
-            <a:spLocks noGrp="1"/>
-          </p:cNvSpPr>
-          <p:nvPr>
-            <p:ph type="sldNum" sz="quarter" idx="12"/>
-          </p:nvPr>
-        </p:nvSpPr>
-        <p:spPr/>
-        <p:txBody>
-          <a:bodyPr/>
-          <a:lstStyle/>
-          <a:p>
-            <a:fld id="{B543A0FD-1CA6-4228-86A2-78061B4844C8}" type="slidenum">
-              <a:rPr lang="en-US" smtClean="0"/>
-              <a:t>5</a:t>
-            </a:fld>
-            <a:endParaRPr lang="en-US"/>
-          </a:p>
-        </p:txBody>
-      </p:sp>
-    </p:spTree>
-    <p:extLst>
-      <p:ext uri="{BB962C8B-B14F-4D97-AF65-F5344CB8AC3E}">
-        <p14:creationId xmlns:p14="http://schemas.microsoft.com/office/powerpoint/2010/main" val="172728179"/>
-      </p:ext>
-    </p:extLst>
-  </p:cSld>
-  <p:clrMapOvr>
-    <a:masterClrMapping/>
-  </p:clrMapOvr>
-  <p:timing>
-    <p:tnLst>
-      <p:par>
-        <p:cTn id="1" dur="indefinite" restart="never" nodeType="tmRoot"/>
-      </p:par>
-    </p:tnLst>
-  </p:timing>
-</p:sld>
-</file>
-
-<file path=ppt/slides/slide50.xml><?xml version="1.0" encoding="utf-8"?>
-<p:sld xmlns:a="http://schemas.openxmlformats.org/drawingml/2006/main" xmlns:r="http://schemas.openxmlformats.org/officeDocument/2006/relationships" xmlns:p="http://schemas.openxmlformats.org/presentationml/2006/main">
-  <p:cSld>
-    <p:spTree>
-      <p:nvGrpSpPr>
-        <p:cNvPr id="1" name=""/>
-        <p:cNvGrpSpPr/>
-        <p:nvPr/>
-      </p:nvGrpSpPr>
-      <p:grpSpPr>
-        <a:xfrm>
-          <a:off x="0" y="0"/>
-          <a:ext cx="0" cy="0"/>
-          <a:chOff x="0" y="0"/>
-          <a:chExt cx="0" cy="0"/>
-        </a:xfrm>
-      </p:grpSpPr>
-      <p:sp>
-        <p:nvSpPr>
-          <p:cNvPr id="2" name="Title 1"/>
-          <p:cNvSpPr>
-            <a:spLocks noGrp="1"/>
-          </p:cNvSpPr>
-          <p:nvPr>
-            <p:ph type="title"/>
-          </p:nvPr>
-        </p:nvSpPr>
-        <p:spPr/>
-        <p:txBody>
-          <a:bodyPr/>
-          <a:lstStyle/>
-          <a:p>
-            <a:r>
-              <a:rPr lang="en-US" dirty="0" smtClean="0"/>
-              <a:t>Performance Testing </a:t>
-            </a:r>
-            <a:endParaRPr lang="en-US" dirty="0"/>
-          </a:p>
-        </p:txBody>
-      </p:sp>
-      <p:sp>
-        <p:nvSpPr>
-          <p:cNvPr id="3" name="Content Placeholder 2"/>
-          <p:cNvSpPr>
-            <a:spLocks noGrp="1"/>
-          </p:cNvSpPr>
-          <p:nvPr>
-            <p:ph idx="1"/>
-          </p:nvPr>
-        </p:nvSpPr>
-        <p:spPr/>
-        <p:txBody>
-          <a:bodyPr>
-            <a:normAutofit lnSpcReduction="10000"/>
-          </a:bodyPr>
-          <a:lstStyle/>
-          <a:p>
-            <a:r>
-              <a:rPr lang="en-US" dirty="0" smtClean="0"/>
-              <a:t>Timing testing</a:t>
-            </a:r>
-          </a:p>
-          <a:p>
-            <a:pPr lvl="1"/>
-            <a:r>
-              <a:rPr lang="en-US" dirty="0" smtClean="0"/>
-              <a:t>Evaluate response times and time to perform a function </a:t>
-            </a:r>
-          </a:p>
-          <a:p>
-            <a:r>
-              <a:rPr lang="en-US" dirty="0" smtClean="0"/>
-              <a:t>Environmental test </a:t>
-            </a:r>
-          </a:p>
-          <a:p>
-            <a:pPr lvl="1"/>
-            <a:r>
-              <a:rPr lang="en-US" dirty="0" smtClean="0"/>
-              <a:t>Test tolerances for heat, humidity, motion, portability </a:t>
-            </a:r>
-          </a:p>
-          <a:p>
-            <a:r>
-              <a:rPr lang="en-US" dirty="0" smtClean="0"/>
-              <a:t>Quality testing</a:t>
-            </a:r>
-          </a:p>
-          <a:p>
-            <a:pPr lvl="1"/>
-            <a:r>
-              <a:rPr lang="en-US" dirty="0" smtClean="0"/>
-              <a:t>Test reliability, maintainability &amp; availability of the system</a:t>
-            </a:r>
-          </a:p>
-          <a:p>
-            <a:r>
-              <a:rPr lang="en-US" dirty="0" smtClean="0"/>
-              <a:t>Recovery testing </a:t>
-            </a:r>
-          </a:p>
-          <a:p>
-            <a:pPr lvl="1"/>
-            <a:r>
-              <a:rPr lang="en-US" dirty="0" smtClean="0"/>
-              <a:t>Tests system’s response to presence of errors or loss of data. </a:t>
-            </a:r>
-          </a:p>
-          <a:p>
-            <a:r>
-              <a:rPr lang="en-US" dirty="0" smtClean="0"/>
-              <a:t>Human factors testing</a:t>
-            </a:r>
-          </a:p>
-          <a:p>
-            <a:pPr lvl="1"/>
-            <a:r>
-              <a:rPr lang="en-US" dirty="0" smtClean="0"/>
-              <a:t>Tests user interface with user </a:t>
-            </a:r>
-          </a:p>
-          <a:p>
-            <a:endParaRPr lang="en-US" dirty="0"/>
-          </a:p>
-        </p:txBody>
-      </p:sp>
-      <p:sp>
-        <p:nvSpPr>
-          <p:cNvPr id="4" name="Slide Number Placeholder 3"/>
-          <p:cNvSpPr>
-            <a:spLocks noGrp="1"/>
-          </p:cNvSpPr>
-          <p:nvPr>
-            <p:ph type="sldNum" sz="quarter" idx="12"/>
-          </p:nvPr>
-        </p:nvSpPr>
-        <p:spPr/>
-        <p:txBody>
-          <a:bodyPr/>
-          <a:lstStyle/>
-          <a:p>
-            <a:fld id="{B543A0FD-1CA6-4228-86A2-78061B4844C8}" type="slidenum">
-              <a:rPr lang="en-US" smtClean="0"/>
-              <a:t>50</a:t>
-            </a:fld>
-            <a:endParaRPr lang="en-US"/>
-          </a:p>
-        </p:txBody>
-      </p:sp>
-    </p:spTree>
-    <p:extLst>
-      <p:ext uri="{BB962C8B-B14F-4D97-AF65-F5344CB8AC3E}">
-        <p14:creationId xmlns:p14="http://schemas.microsoft.com/office/powerpoint/2010/main" val="3190069384"/>
-      </p:ext>
-    </p:extLst>
-  </p:cSld>
-  <p:clrMapOvr>
-    <a:masterClrMapping/>
-  </p:clrMapOvr>
-  <p:timing>
-    <p:tnLst>
-      <p:par>
-        <p:cTn id="1" dur="indefinite" restart="never" nodeType="tmRoot"/>
-      </p:par>
-    </p:tnLst>
-  </p:timing>
-</p:sld>
-</file>
-
-<file path=ppt/slides/slide51.xml><?xml version="1.0" encoding="utf-8"?>
-<p:sld xmlns:a="http://schemas.openxmlformats.org/drawingml/2006/main" xmlns:r="http://schemas.openxmlformats.org/officeDocument/2006/relationships" xmlns:p="http://schemas.openxmlformats.org/presentationml/2006/main">
-  <p:cSld>
-    <p:spTree>
-      <p:nvGrpSpPr>
-        <p:cNvPr id="1" name=""/>
-        <p:cNvGrpSpPr/>
-        <p:nvPr/>
-      </p:nvGrpSpPr>
-      <p:grpSpPr>
-        <a:xfrm>
-          <a:off x="0" y="0"/>
-          <a:ext cx="0" cy="0"/>
-          <a:chOff x="0" y="0"/>
-          <a:chExt cx="0" cy="0"/>
-        </a:xfrm>
-      </p:grpSpPr>
-      <p:sp>
-        <p:nvSpPr>
-          <p:cNvPr id="2" name="Title 1"/>
-          <p:cNvSpPr>
-            <a:spLocks noGrp="1"/>
-          </p:cNvSpPr>
-          <p:nvPr>
-            <p:ph type="title"/>
-          </p:nvPr>
-        </p:nvSpPr>
-        <p:spPr/>
-        <p:txBody>
-          <a:bodyPr/>
-          <a:lstStyle/>
-          <a:p>
-            <a:r>
-              <a:rPr lang="en-US" sz="4000" dirty="0"/>
-              <a:t>Test Cases for Performance Testing </a:t>
-            </a:r>
-          </a:p>
-        </p:txBody>
-      </p:sp>
-      <p:sp>
-        <p:nvSpPr>
-          <p:cNvPr id="11" name="Content Placeholder 10"/>
-          <p:cNvSpPr>
-            <a:spLocks noGrp="1"/>
-          </p:cNvSpPr>
-          <p:nvPr>
-            <p:ph idx="1"/>
-          </p:nvPr>
-        </p:nvSpPr>
-        <p:spPr/>
-        <p:txBody>
-          <a:bodyPr>
-            <a:normAutofit fontScale="92500" lnSpcReduction="20000"/>
-          </a:bodyPr>
-          <a:lstStyle/>
-          <a:p>
-            <a:r>
-              <a:rPr lang="en-US" dirty="0"/>
-              <a:t>Goal: Try to violate non-functional </a:t>
-            </a:r>
-            <a:r>
-              <a:rPr lang="en-US" dirty="0" smtClean="0"/>
-              <a:t>requirements</a:t>
-            </a:r>
-          </a:p>
-          <a:p>
-            <a:r>
-              <a:rPr lang="en-US" dirty="0" smtClean="0"/>
-              <a:t>Push </a:t>
-            </a:r>
-            <a:r>
-              <a:rPr lang="en-US" dirty="0"/>
-              <a:t>the (integrated) system to its limits. </a:t>
-            </a:r>
-          </a:p>
-          <a:p>
-            <a:r>
-              <a:rPr lang="en-US" dirty="0" smtClean="0"/>
-              <a:t>Goal</a:t>
-            </a:r>
-            <a:r>
-              <a:rPr lang="en-US" dirty="0"/>
-              <a:t>: Try to break the subsystem </a:t>
-            </a:r>
-          </a:p>
-          <a:p>
-            <a:r>
-              <a:rPr lang="en-US" dirty="0" smtClean="0"/>
-              <a:t>Test </a:t>
-            </a:r>
-            <a:r>
-              <a:rPr lang="en-US" dirty="0"/>
-              <a:t>how the system behaves when overloaded</a:t>
-            </a:r>
-            <a:r>
-              <a:rPr lang="en-US" dirty="0" smtClean="0"/>
-              <a:t>.</a:t>
-            </a:r>
-          </a:p>
-          <a:p>
-            <a:pPr lvl="1"/>
-            <a:r>
-              <a:rPr lang="en-US" dirty="0" smtClean="0"/>
-              <a:t>Can </a:t>
-            </a:r>
-            <a:r>
-              <a:rPr lang="en-US" dirty="0"/>
-              <a:t>bottlenecks be identified? (First candidates for redesign in </a:t>
-            </a:r>
-            <a:r>
-              <a:rPr lang="en-US" dirty="0" smtClean="0"/>
-              <a:t>the </a:t>
-            </a:r>
-            <a:r>
-              <a:rPr lang="en-US" dirty="0"/>
-              <a:t>next </a:t>
-            </a:r>
-            <a:r>
-              <a:rPr lang="en-US" dirty="0" smtClean="0"/>
-              <a:t>iteration)</a:t>
-            </a:r>
-          </a:p>
-          <a:p>
-            <a:r>
-              <a:rPr lang="en-US" dirty="0" smtClean="0"/>
-              <a:t>Try </a:t>
-            </a:r>
-            <a:r>
-              <a:rPr lang="en-US" dirty="0"/>
-              <a:t>unusual orders of execution </a:t>
-            </a:r>
-          </a:p>
-          <a:p>
-            <a:pPr lvl="1"/>
-            <a:r>
-              <a:rPr lang="en-US" dirty="0" smtClean="0"/>
-              <a:t>Call a receive</a:t>
-            </a:r>
-            <a:r>
-              <a:rPr lang="en-US" dirty="0"/>
-              <a:t>() </a:t>
-            </a:r>
-            <a:r>
-              <a:rPr lang="en-US" dirty="0" smtClean="0"/>
-              <a:t>before send</a:t>
-            </a:r>
-            <a:r>
-              <a:rPr lang="en-US" dirty="0"/>
-              <a:t>(</a:t>
-            </a:r>
-            <a:r>
-              <a:rPr lang="en-US" dirty="0" smtClean="0"/>
-              <a:t>)</a:t>
-            </a:r>
-            <a:endParaRPr lang="en-US" dirty="0"/>
-          </a:p>
-          <a:p>
-            <a:r>
-              <a:rPr lang="en-US" dirty="0" smtClean="0"/>
-              <a:t>Check </a:t>
-            </a:r>
-            <a:r>
-              <a:rPr lang="en-US" dirty="0"/>
-              <a:t>the system’s response to large volumes of data </a:t>
-            </a:r>
-          </a:p>
-          <a:p>
-            <a:pPr lvl="1"/>
-            <a:r>
-              <a:rPr lang="en-US" dirty="0"/>
-              <a:t>If the system is supposed to handle 1000 items, try it with 1001 items. </a:t>
-            </a:r>
-          </a:p>
-          <a:p>
-            <a:r>
-              <a:rPr lang="en-US" dirty="0" smtClean="0"/>
-              <a:t>What </a:t>
-            </a:r>
-            <a:r>
-              <a:rPr lang="en-US" dirty="0"/>
-              <a:t>is the amount of time spent in different use cases? </a:t>
-            </a:r>
-            <a:endParaRPr lang="en-US" dirty="0" smtClean="0"/>
-          </a:p>
-          <a:p>
-            <a:pPr lvl="1"/>
-            <a:r>
-              <a:rPr lang="en-US" dirty="0" smtClean="0"/>
-              <a:t>Are </a:t>
-            </a:r>
-            <a:r>
-              <a:rPr lang="en-US" dirty="0"/>
-              <a:t>typical cases executed in a timely fashion? </a:t>
-            </a:r>
-          </a:p>
-          <a:p>
-            <a:endParaRPr lang="en-US" dirty="0"/>
-          </a:p>
-        </p:txBody>
-      </p:sp>
-      <p:sp>
-        <p:nvSpPr>
-          <p:cNvPr id="3" name="Slide Number Placeholder 2"/>
-          <p:cNvSpPr>
-            <a:spLocks noGrp="1"/>
-          </p:cNvSpPr>
-          <p:nvPr>
-            <p:ph type="sldNum" sz="quarter" idx="12"/>
-          </p:nvPr>
-        </p:nvSpPr>
-        <p:spPr/>
-        <p:txBody>
-          <a:bodyPr/>
-          <a:lstStyle/>
-          <a:p>
-            <a:fld id="{B543A0FD-1CA6-4228-86A2-78061B4844C8}" type="slidenum">
-              <a:rPr lang="en-US" smtClean="0"/>
-              <a:t>51</a:t>
-            </a:fld>
-            <a:endParaRPr lang="en-US"/>
-          </a:p>
-        </p:txBody>
-      </p:sp>
-    </p:spTree>
-    <p:extLst>
-      <p:ext uri="{BB962C8B-B14F-4D97-AF65-F5344CB8AC3E}">
-        <p14:creationId xmlns:p14="http://schemas.microsoft.com/office/powerpoint/2010/main" val="1309730181"/>
-      </p:ext>
-    </p:extLst>
-  </p:cSld>
-  <p:clrMapOvr>
-    <a:masterClrMapping/>
-  </p:clrMapOvr>
-  <mc:AlternateContent xmlns:mc="http://schemas.openxmlformats.org/markup-compatibility/2006" xmlns:p14="http://schemas.microsoft.com/office/powerpoint/2010/main">
-    <mc:Choice Requires="p14">
-      <p:transition spd="slow" p14:dur="2000"/>
-    </mc:Choice>
-    <mc:Fallback xmlns="">
-      <p:transition xmlns:p14="http://schemas.microsoft.com/office/powerpoint/2010/main" spd="slow"/>
-    </mc:Fallback>
-  </mc:AlternateContent>
-  <p:timing>
-    <p:tnLst>
-      <p:par>
-        <p:cTn id="1" dur="indefinite" restart="never" nodeType="tmRoot"/>
-      </p:par>
-    </p:tnLst>
-  </p:timing>
-</p:sld>
-</file>
-
-<file path=ppt/slides/slide52.xml><?xml version="1.0" encoding="utf-8"?>
-<p:sld xmlns:a="http://schemas.openxmlformats.org/drawingml/2006/main" xmlns:r="http://schemas.openxmlformats.org/officeDocument/2006/relationships" xmlns:p="http://schemas.openxmlformats.org/presentationml/2006/main">
-  <p:cSld>
-    <p:spTree>
-      <p:nvGrpSpPr>
-        <p:cNvPr id="1" name=""/>
-        <p:cNvGrpSpPr/>
-        <p:nvPr/>
-      </p:nvGrpSpPr>
-      <p:grpSpPr>
-        <a:xfrm>
-          <a:off x="0" y="0"/>
-          <a:ext cx="0" cy="0"/>
-          <a:chOff x="0" y="0"/>
-          <a:chExt cx="0" cy="0"/>
-        </a:xfrm>
-      </p:grpSpPr>
-      <p:sp>
-        <p:nvSpPr>
-          <p:cNvPr id="4" name="Title 3"/>
-          <p:cNvSpPr>
-            <a:spLocks noGrp="1"/>
-          </p:cNvSpPr>
-          <p:nvPr>
-            <p:ph type="title"/>
-          </p:nvPr>
-        </p:nvSpPr>
-        <p:spPr/>
-        <p:txBody>
-          <a:bodyPr/>
-          <a:lstStyle/>
-          <a:p>
-            <a:r>
-              <a:rPr lang="en-US" dirty="0" smtClean="0"/>
-              <a:t>Acceptance Testing</a:t>
-            </a:r>
-            <a:endParaRPr lang="en-US" dirty="0"/>
-          </a:p>
-        </p:txBody>
-      </p:sp>
-      <p:sp>
-        <p:nvSpPr>
-          <p:cNvPr id="3" name="Text Placeholder 2"/>
-          <p:cNvSpPr>
-            <a:spLocks noGrp="1"/>
-          </p:cNvSpPr>
-          <p:nvPr>
-            <p:ph type="body" idx="1"/>
-          </p:nvPr>
-        </p:nvSpPr>
-        <p:spPr/>
-        <p:txBody>
-          <a:bodyPr/>
-          <a:lstStyle/>
-          <a:p>
-            <a:endParaRPr lang="en-US"/>
-          </a:p>
-        </p:txBody>
-      </p:sp>
-      <p:sp>
-        <p:nvSpPr>
-          <p:cNvPr id="2" name="Slide Number Placeholder 1"/>
-          <p:cNvSpPr>
-            <a:spLocks noGrp="1"/>
-          </p:cNvSpPr>
-          <p:nvPr>
-            <p:ph type="sldNum" sz="quarter" idx="12"/>
-          </p:nvPr>
-        </p:nvSpPr>
-        <p:spPr/>
-        <p:txBody>
-          <a:bodyPr/>
-          <a:lstStyle/>
-          <a:p>
-            <a:fld id="{B543A0FD-1CA6-4228-86A2-78061B4844C8}" type="slidenum">
-              <a:rPr lang="en-US" smtClean="0"/>
-              <a:t>52</a:t>
-            </a:fld>
-            <a:endParaRPr lang="en-US"/>
-          </a:p>
-        </p:txBody>
-      </p:sp>
-    </p:spTree>
-    <p:extLst>
-      <p:ext uri="{BB962C8B-B14F-4D97-AF65-F5344CB8AC3E}">
-        <p14:creationId xmlns:p14="http://schemas.microsoft.com/office/powerpoint/2010/main" val="1167383902"/>
-      </p:ext>
-    </p:extLst>
-  </p:cSld>
-  <p:clrMapOvr>
-    <a:masterClrMapping/>
-  </p:clrMapOvr>
-  <p:timing>
-    <p:tnLst>
-      <p:par>
-        <p:cTn id="1" dur="indefinite" restart="never" nodeType="tmRoot"/>
-      </p:par>
-    </p:tnLst>
-  </p:timing>
-</p:sld>
-</file>
-
-<file path=ppt/slides/slide53.xml><?xml version="1.0" encoding="utf-8"?>
-<p:sld xmlns:a="http://schemas.openxmlformats.org/drawingml/2006/main" xmlns:r="http://schemas.openxmlformats.org/officeDocument/2006/relationships" xmlns:p="http://schemas.openxmlformats.org/presentationml/2006/main">
-  <p:cSld>
-    <p:spTree>
-      <p:nvGrpSpPr>
-        <p:cNvPr id="1" name=""/>
-        <p:cNvGrpSpPr/>
-        <p:nvPr/>
-      </p:nvGrpSpPr>
-      <p:grpSpPr>
-        <a:xfrm>
-          <a:off x="0" y="0"/>
-          <a:ext cx="0" cy="0"/>
-          <a:chOff x="0" y="0"/>
-          <a:chExt cx="0" cy="0"/>
-        </a:xfrm>
-      </p:grpSpPr>
-      <p:sp>
-        <p:nvSpPr>
-          <p:cNvPr id="239618" name="Rectangle 2"/>
-          <p:cNvSpPr>
-            <a:spLocks noGrp="1" noChangeArrowheads="1"/>
-          </p:cNvSpPr>
-          <p:nvPr>
-            <p:ph type="title"/>
-          </p:nvPr>
-        </p:nvSpPr>
-        <p:spPr/>
-        <p:txBody>
-          <a:bodyPr/>
-          <a:lstStyle/>
-          <a:p>
-            <a:r>
-              <a:rPr lang="en-US" dirty="0" smtClean="0"/>
-              <a:t>Types of Acceptance Testing</a:t>
-            </a:r>
-            <a:endParaRPr lang="en-US" dirty="0"/>
-          </a:p>
-        </p:txBody>
-      </p:sp>
-      <p:sp>
-        <p:nvSpPr>
-          <p:cNvPr id="239619" name="Rectangle 3"/>
-          <p:cNvSpPr>
-            <a:spLocks noGrp="1" noChangeArrowheads="1"/>
-          </p:cNvSpPr>
-          <p:nvPr>
-            <p:ph idx="1"/>
-          </p:nvPr>
-        </p:nvSpPr>
-        <p:spPr/>
-        <p:txBody>
-          <a:bodyPr/>
-          <a:lstStyle/>
-          <a:p>
-            <a:r>
-              <a:rPr lang="en-US" dirty="0" smtClean="0"/>
-              <a:t>Acceptance testing is a formal testing conducted to determine whether a system satisfies its acceptance criteria</a:t>
-            </a:r>
-          </a:p>
-          <a:p>
-            <a:r>
-              <a:rPr lang="en-US" dirty="0" smtClean="0"/>
-              <a:t>There are two categories of acceptance testing:</a:t>
-            </a:r>
-          </a:p>
-          <a:p>
-            <a:pPr lvl="1"/>
-            <a:r>
-              <a:rPr lang="en-US" dirty="0" smtClean="0"/>
-              <a:t>User Acceptance Testing (UAT)</a:t>
-            </a:r>
-          </a:p>
-          <a:p>
-            <a:pPr lvl="2"/>
-            <a:r>
-              <a:rPr lang="en-US" dirty="0" smtClean="0"/>
-              <a:t>It is conducted by the customer to ensure that system satisfies the contractual acceptance criteria before being signed-off as meeting user needs.</a:t>
-            </a:r>
-          </a:p>
-          <a:p>
-            <a:pPr lvl="1"/>
-            <a:r>
-              <a:rPr lang="en-US" dirty="0" smtClean="0"/>
-              <a:t>Business Acceptance Testing (BAT)</a:t>
-            </a:r>
-          </a:p>
-          <a:p>
-            <a:pPr lvl="2"/>
-            <a:r>
-              <a:rPr lang="en-US" dirty="0" smtClean="0"/>
-              <a:t>It is undertaken within the development organization of the supplier to ensure that the system will eventually pass the user acceptance testing.</a:t>
-            </a:r>
-          </a:p>
-          <a:p>
-            <a:pPr lvl="1"/>
-            <a:endParaRPr lang="en-US" dirty="0" smtClean="0"/>
-          </a:p>
-          <a:p>
-            <a:endParaRPr lang="en-US" dirty="0" smtClean="0"/>
-          </a:p>
-          <a:p>
-            <a:endParaRPr lang="en-US" dirty="0"/>
-          </a:p>
-        </p:txBody>
-      </p:sp>
-      <p:sp>
-        <p:nvSpPr>
-          <p:cNvPr id="2" name="Slide Number Placeholder 1"/>
-          <p:cNvSpPr>
-            <a:spLocks noGrp="1"/>
-          </p:cNvSpPr>
-          <p:nvPr>
-            <p:ph type="sldNum" sz="quarter" idx="12"/>
-          </p:nvPr>
-        </p:nvSpPr>
-        <p:spPr/>
-        <p:txBody>
-          <a:bodyPr/>
-          <a:lstStyle/>
-          <a:p>
-            <a:fld id="{B543A0FD-1CA6-4228-86A2-78061B4844C8}" type="slidenum">
-              <a:rPr lang="en-US" smtClean="0"/>
-              <a:t>53</a:t>
+              <a:t>41</a:t>
             </a:fld>
             <a:endParaRPr lang="en-US"/>
           </a:p>
@@ -15338,7 +14189,7 @@
 </p:sld>
 </file>
 
-<file path=ppt/slides/slide54.xml><?xml version="1.0" encoding="utf-8"?>
+<file path=ppt/slides/slide42.xml><?xml version="1.0" encoding="utf-8"?>
 <p:sld xmlns:a="http://schemas.openxmlformats.org/drawingml/2006/main" xmlns:r="http://schemas.openxmlformats.org/officeDocument/2006/relationships" xmlns:p="http://schemas.openxmlformats.org/presentationml/2006/main">
   <p:cSld>
     <p:spTree>
@@ -15447,7 +14298,7 @@
           <a:p>
             <a:fld id="{B543A0FD-1CA6-4228-86A2-78061B4844C8}" type="slidenum">
               <a:rPr lang="en-US" smtClean="0"/>
-              <a:t>54</a:t>
+              <a:t>42</a:t>
             </a:fld>
             <a:endParaRPr lang="en-US"/>
           </a:p>
@@ -15481,7 +14332,7 @@
 </p:sld>
 </file>
 
-<file path=ppt/slides/slide55.xml><?xml version="1.0" encoding="utf-8"?>
+<file path=ppt/slides/slide43.xml><?xml version="1.0" encoding="utf-8"?>
 <p:sld xmlns:a="http://schemas.openxmlformats.org/drawingml/2006/main" xmlns:r="http://schemas.openxmlformats.org/officeDocument/2006/relationships" xmlns:p="http://schemas.openxmlformats.org/presentationml/2006/main">
   <p:cSld>
     <p:spTree>
@@ -15542,14 +14393,14 @@
           </a:ln>
           <a:extLst>
             <a:ext uri="{909E8E84-426E-40dd-AFC4-6F175D3DCCD1}">
-              <a14:hiddenFill xmlns:a14="http://schemas.microsoft.com/office/drawing/2010/main" xmlns="">
+              <a14:hiddenFill xmlns="" xmlns:a14="http://schemas.microsoft.com/office/drawing/2010/main">
                 <a:solidFill>
                   <a:srgbClr val="FFFFFF"/>
                 </a:solidFill>
               </a14:hiddenFill>
             </a:ext>
             <a:ext uri="{91240B29-F687-4f45-9708-019B960494DF}">
-              <a14:hiddenLine xmlns:a14="http://schemas.microsoft.com/office/drawing/2010/main" xmlns="" w="9525">
+              <a14:hiddenLine xmlns="" xmlns:a14="http://schemas.microsoft.com/office/drawing/2010/main" w="9525">
                 <a:solidFill>
                   <a:srgbClr val="000000"/>
                 </a:solidFill>
@@ -15559,7 +14410,7 @@
               </a14:hiddenLine>
             </a:ext>
             <a:ext uri="{FAA26D3D-D897-4be2-8F04-BA451C77F1D7}">
-              <ma14:placeholderFlag xmlns:ma14="http://schemas.microsoft.com/office/mac/drawingml/2011/main" xmlns="" val="1"/>
+              <ma14:placeholderFlag xmlns="" xmlns:ma14="http://schemas.microsoft.com/office/mac/drawingml/2011/main" val="1"/>
             </a:ext>
           </a:extLst>
         </p:spPr>
@@ -15930,14 +14781,14 @@
           </a:ln>
           <a:extLst>
             <a:ext uri="{909E8E84-426E-40dd-AFC4-6F175D3DCCD1}">
-              <a14:hiddenFill xmlns:a14="http://schemas.microsoft.com/office/drawing/2010/main" xmlns="">
+              <a14:hiddenFill xmlns="" xmlns:a14="http://schemas.microsoft.com/office/drawing/2010/main">
                 <a:solidFill>
                   <a:srgbClr val="FFFFFF"/>
                 </a:solidFill>
               </a14:hiddenFill>
             </a:ext>
             <a:ext uri="{91240B29-F687-4f45-9708-019B960494DF}">
-              <a14:hiddenLine xmlns:a14="http://schemas.microsoft.com/office/drawing/2010/main" xmlns="" w="9525">
+              <a14:hiddenLine xmlns="" xmlns:a14="http://schemas.microsoft.com/office/drawing/2010/main" w="9525">
                 <a:solidFill>
                   <a:srgbClr val="000000"/>
                 </a:solidFill>
@@ -15947,7 +14798,7 @@
               </a14:hiddenLine>
             </a:ext>
             <a:ext uri="{FAA26D3D-D897-4be2-8F04-BA451C77F1D7}">
-              <ma14:placeholderFlag xmlns:ma14="http://schemas.microsoft.com/office/mac/drawingml/2011/main" xmlns="" val="1"/>
+              <ma14:placeholderFlag xmlns="" xmlns:ma14="http://schemas.microsoft.com/office/mac/drawingml/2011/main" val="1"/>
             </a:ext>
           </a:extLst>
         </p:spPr>
@@ -16289,14 +15140,14 @@
           <a:effectLst/>
           <a:extLst>
             <a:ext uri="{909E8E84-426E-40dd-AFC4-6F175D3DCCD1}">
-              <a14:hiddenFill xmlns:a14="http://schemas.microsoft.com/office/drawing/2010/main" xmlns="">
+              <a14:hiddenFill xmlns="" xmlns:a14="http://schemas.microsoft.com/office/drawing/2010/main">
                 <a:solidFill>
                   <a:schemeClr val="accent1"/>
                 </a:solidFill>
               </a14:hiddenFill>
             </a:ext>
             <a:ext uri="{91240B29-F687-4f45-9708-019B960494DF}">
-              <a14:hiddenLine xmlns:a14="http://schemas.microsoft.com/office/drawing/2010/main" xmlns="" w="12700">
+              <a14:hiddenLine xmlns="" xmlns:a14="http://schemas.microsoft.com/office/drawing/2010/main" w="12700">
                 <a:solidFill>
                   <a:schemeClr val="tx1"/>
                 </a:solidFill>
@@ -16306,7 +15157,7 @@
               </a14:hiddenLine>
             </a:ext>
             <a:ext uri="{AF507438-7753-43e0-B8FC-AC1667EBCBE1}">
-              <a14:hiddenEffects xmlns:a14="http://schemas.microsoft.com/office/drawing/2010/main" xmlns="">
+              <a14:hiddenEffects xmlns="" xmlns:a14="http://schemas.microsoft.com/office/drawing/2010/main">
                 <a:effectLst>
                   <a:outerShdw dist="35921" dir="2700000" algn="ctr" rotWithShape="0">
                     <a:schemeClr val="bg2"/>
@@ -16358,7 +15209,7 @@
           <a:p>
             <a:fld id="{B543A0FD-1CA6-4228-86A2-78061B4844C8}" type="slidenum">
               <a:rPr lang="en-US" smtClean="0"/>
-              <a:t>55</a:t>
+              <a:t>43</a:t>
             </a:fld>
             <a:endParaRPr lang="en-US"/>
           </a:p>
@@ -16392,7 +15243,7 @@
 </p:sld>
 </file>
 
-<file path=ppt/slides/slide56.xml><?xml version="1.0" encoding="utf-8"?>
+<file path=ppt/slides/slide44.xml><?xml version="1.0" encoding="utf-8"?>
 <p:sld xmlns:a="http://schemas.openxmlformats.org/drawingml/2006/main" xmlns:r="http://schemas.openxmlformats.org/officeDocument/2006/relationships" xmlns:p="http://schemas.openxmlformats.org/presentationml/2006/main">
   <p:cSld>
     <p:spTree>
@@ -16453,14 +15304,14 @@
           </a:ln>
           <a:extLst>
             <a:ext uri="{909E8E84-426E-40dd-AFC4-6F175D3DCCD1}">
-              <a14:hiddenFill xmlns:a14="http://schemas.microsoft.com/office/drawing/2010/main" xmlns="">
+              <a14:hiddenFill xmlns="" xmlns:a14="http://schemas.microsoft.com/office/drawing/2010/main">
                 <a:solidFill>
                   <a:srgbClr val="FFFFFF"/>
                 </a:solidFill>
               </a14:hiddenFill>
             </a:ext>
             <a:ext uri="{91240B29-F687-4f45-9708-019B960494DF}">
-              <a14:hiddenLine xmlns:a14="http://schemas.microsoft.com/office/drawing/2010/main" xmlns="" w="9525">
+              <a14:hiddenLine xmlns="" xmlns:a14="http://schemas.microsoft.com/office/drawing/2010/main" w="9525">
                 <a:solidFill>
                   <a:srgbClr val="000000"/>
                 </a:solidFill>
@@ -16470,7 +15321,7 @@
               </a14:hiddenLine>
             </a:ext>
             <a:ext uri="{FAA26D3D-D897-4be2-8F04-BA451C77F1D7}">
-              <ma14:placeholderFlag xmlns:ma14="http://schemas.microsoft.com/office/mac/drawingml/2011/main" xmlns="" val="1"/>
+              <ma14:placeholderFlag xmlns="" xmlns:ma14="http://schemas.microsoft.com/office/mac/drawingml/2011/main" val="1"/>
             </a:ext>
           </a:extLst>
         </p:spPr>
@@ -16860,7 +15711,7 @@
           <a:p>
             <a:fld id="{B543A0FD-1CA6-4228-86A2-78061B4844C8}" type="slidenum">
               <a:rPr lang="en-US" smtClean="0"/>
-              <a:t>56</a:t>
+              <a:t>44</a:t>
             </a:fld>
             <a:endParaRPr lang="en-US"/>
           </a:p>
@@ -16894,7 +15745,7 @@
 </p:sld>
 </file>
 
-<file path=ppt/slides/slide57.xml><?xml version="1.0" encoding="utf-8"?>
+<file path=ppt/slides/slide45.xml><?xml version="1.0" encoding="utf-8"?>
 <p:sld xmlns:a="http://schemas.openxmlformats.org/drawingml/2006/main" xmlns:r="http://schemas.openxmlformats.org/officeDocument/2006/relationships" xmlns:p="http://schemas.openxmlformats.org/presentationml/2006/main">
   <p:cSld>
     <p:spTree>
@@ -17047,7 +15898,7 @@
           <a:p>
             <a:fld id="{B543A0FD-1CA6-4228-86A2-78061B4844C8}" type="slidenum">
               <a:rPr lang="en-US" smtClean="0"/>
-              <a:t>57</a:t>
+              <a:t>45</a:t>
             </a:fld>
             <a:endParaRPr lang="en-US"/>
           </a:p>
@@ -17073,7 +15924,7 @@
 </p:sld>
 </file>
 
-<file path=ppt/slides/slide58.xml><?xml version="1.0" encoding="utf-8"?>
+<file path=ppt/slides/slide46.xml><?xml version="1.0" encoding="utf-8"?>
 <p:sld xmlns:a="http://schemas.openxmlformats.org/drawingml/2006/main" xmlns:r="http://schemas.openxmlformats.org/officeDocument/2006/relationships" xmlns:p="http://schemas.openxmlformats.org/presentationml/2006/main">
   <p:cSld>
     <p:spTree>
@@ -17149,7 +16000,7 @@
           <a:p>
             <a:fld id="{B543A0FD-1CA6-4228-86A2-78061B4844C8}" type="slidenum">
               <a:rPr lang="en-US" smtClean="0"/>
-              <a:t>58</a:t>
+              <a:t>46</a:t>
             </a:fld>
             <a:endParaRPr lang="en-US"/>
           </a:p>
@@ -17175,7 +16026,7 @@
 </p:sld>
 </file>
 
-<file path=ppt/slides/slide59.xml><?xml version="1.0" encoding="utf-8"?>
+<file path=ppt/slides/slide47.xml><?xml version="1.0" encoding="utf-8"?>
 <p:sld xmlns:a="http://schemas.openxmlformats.org/drawingml/2006/main" xmlns:r="http://schemas.openxmlformats.org/officeDocument/2006/relationships" xmlns:p="http://schemas.openxmlformats.org/presentationml/2006/main">
   <p:cSld>
     <p:spTree>
@@ -17290,7 +16141,7 @@
           <a:p>
             <a:fld id="{B543A0FD-1CA6-4228-86A2-78061B4844C8}" type="slidenum">
               <a:rPr lang="en-US" smtClean="0"/>
-              <a:t>59</a:t>
+              <a:t>47</a:t>
             </a:fld>
             <a:endParaRPr lang="en-US"/>
           </a:p>
@@ -17316,145 +16167,7 @@
 </p:sld>
 </file>
 
-<file path=ppt/slides/slide6.xml><?xml version="1.0" encoding="utf-8"?>
-<p:sld xmlns:a="http://schemas.openxmlformats.org/drawingml/2006/main" xmlns:r="http://schemas.openxmlformats.org/officeDocument/2006/relationships" xmlns:p="http://schemas.openxmlformats.org/presentationml/2006/main">
-  <p:cSld>
-    <p:spTree>
-      <p:nvGrpSpPr>
-        <p:cNvPr id="1" name=""/>
-        <p:cNvGrpSpPr/>
-        <p:nvPr/>
-      </p:nvGrpSpPr>
-      <p:grpSpPr>
-        <a:xfrm>
-          <a:off x="0" y="0"/>
-          <a:ext cx="0" cy="0"/>
-          <a:chOff x="0" y="0"/>
-          <a:chExt cx="0" cy="0"/>
-        </a:xfrm>
-      </p:grpSpPr>
-      <p:sp>
-        <p:nvSpPr>
-          <p:cNvPr id="2" name="Title 1"/>
-          <p:cNvSpPr>
-            <a:spLocks noGrp="1"/>
-          </p:cNvSpPr>
-          <p:nvPr>
-            <p:ph type="title"/>
-          </p:nvPr>
-        </p:nvSpPr>
-        <p:spPr/>
-        <p:txBody>
-          <a:bodyPr/>
-          <a:lstStyle/>
-          <a:p>
-            <a:r>
-              <a:rPr lang="en-US" dirty="0" smtClean="0"/>
-              <a:t>System Testing</a:t>
-            </a:r>
-            <a:endParaRPr lang="en-US" dirty="0"/>
-          </a:p>
-        </p:txBody>
-      </p:sp>
-      <p:sp>
-        <p:nvSpPr>
-          <p:cNvPr id="3" name="Content Placeholder 2"/>
-          <p:cNvSpPr>
-            <a:spLocks noGrp="1"/>
-          </p:cNvSpPr>
-          <p:nvPr>
-            <p:ph idx="1"/>
-          </p:nvPr>
-        </p:nvSpPr>
-        <p:spPr/>
-        <p:txBody>
-          <a:bodyPr>
-            <a:normAutofit lnSpcReduction="10000"/>
-          </a:bodyPr>
-          <a:lstStyle/>
-          <a:p>
-            <a:r>
-              <a:rPr lang="en-US" dirty="0" smtClean="0"/>
-              <a:t>“Intuitively clear”</a:t>
-            </a:r>
-          </a:p>
-          <a:p>
-            <a:pPr lvl="1"/>
-            <a:r>
-              <a:rPr lang="en-US" dirty="0" smtClean="0"/>
-              <a:t>customer expectations</a:t>
-            </a:r>
-          </a:p>
-          <a:p>
-            <a:pPr lvl="1"/>
-            <a:r>
-              <a:rPr lang="en-US" dirty="0" smtClean="0"/>
-              <a:t>close to customer acceptance testing</a:t>
-            </a:r>
-          </a:p>
-          <a:p>
-            <a:r>
-              <a:rPr lang="en-US" dirty="0" smtClean="0"/>
-              <a:t>BUT we need a better basis for really understanding system testing</a:t>
-            </a:r>
-          </a:p>
-          <a:p>
-            <a:r>
-              <a:rPr lang="en-US" dirty="0" smtClean="0"/>
-              <a:t>Threads—the subject of system testing</a:t>
-            </a:r>
-          </a:p>
-          <a:p>
-            <a:r>
-              <a:rPr lang="en-US" dirty="0" smtClean="0"/>
-              <a:t>How are they identified?</a:t>
-            </a:r>
-          </a:p>
-          <a:p>
-            <a:pPr lvl="1"/>
-            <a:r>
-              <a:rPr lang="en-US" dirty="0" smtClean="0"/>
-              <a:t>ad hoc?</a:t>
-            </a:r>
-          </a:p>
-          <a:p>
-            <a:pPr lvl="1"/>
-            <a:r>
-              <a:rPr lang="en-US" dirty="0" smtClean="0"/>
-              <a:t>from experience?</a:t>
-            </a:r>
-          </a:p>
-          <a:p>
-            <a:pPr lvl="1"/>
-            <a:r>
-              <a:rPr lang="en-US" dirty="0" smtClean="0"/>
-              <a:t>from a possibly incomplete requirements specification?</a:t>
-            </a:r>
-          </a:p>
-          <a:p>
-            <a:pPr lvl="1"/>
-            <a:r>
-              <a:rPr lang="en-US" dirty="0" smtClean="0"/>
-              <a:t>from an executable model? (Model-Based Testing) </a:t>
-            </a:r>
-            <a:endParaRPr lang="en-US" dirty="0"/>
-          </a:p>
-        </p:txBody>
-      </p:sp>
-    </p:spTree>
-    <p:extLst>
-      <p:ext uri="{BB962C8B-B14F-4D97-AF65-F5344CB8AC3E}">
-        <p14:creationId xmlns:p14="http://schemas.microsoft.com/office/powerpoint/2010/main" val="709468704"/>
-      </p:ext>
-    </p:extLst>
-  </p:cSld>
-  <p:clrMapOvr>
-    <a:masterClrMapping/>
-  </p:clrMapOvr>
-</p:sld>
-</file>
-
-<file path=ppt/slides/slide60.xml><?xml version="1.0" encoding="utf-8"?>
+<file path=ppt/slides/slide48.xml><?xml version="1.0" encoding="utf-8"?>
 <p:sld xmlns:a="http://schemas.openxmlformats.org/drawingml/2006/main" xmlns:r="http://schemas.openxmlformats.org/officeDocument/2006/relationships" xmlns:p="http://schemas.openxmlformats.org/presentationml/2006/main">
   <p:cSld>
     <p:spTree>
@@ -18957,14 +17670,14 @@
           </a:ln>
           <a:extLst>
             <a:ext uri="{909E8E84-426E-40dd-AFC4-6F175D3DCCD1}">
-              <a14:hiddenFill xmlns:a14="http://schemas.microsoft.com/office/drawing/2010/main" xmlns="">
+              <a14:hiddenFill xmlns="" xmlns:a14="http://schemas.microsoft.com/office/drawing/2010/main">
                 <a:solidFill>
                   <a:srgbClr val="FFFFFF"/>
                 </a:solidFill>
               </a14:hiddenFill>
             </a:ext>
             <a:ext uri="{91240B29-F687-4f45-9708-019B960494DF}">
-              <a14:hiddenLine xmlns:a14="http://schemas.microsoft.com/office/drawing/2010/main" xmlns="" w="9525">
+              <a14:hiddenLine xmlns="" xmlns:a14="http://schemas.microsoft.com/office/drawing/2010/main" w="9525">
                 <a:solidFill>
                   <a:srgbClr val="000000"/>
                 </a:solidFill>
@@ -19005,7 +17718,7 @@
           <a:p>
             <a:fld id="{B543A0FD-1CA6-4228-86A2-78061B4844C8}" type="slidenum">
               <a:rPr lang="en-US" smtClean="0"/>
-              <a:t>60</a:t>
+              <a:t>48</a:t>
             </a:fld>
             <a:endParaRPr lang="en-US"/>
           </a:p>
@@ -19031,6 +17744,2296 @@
 </p:sld>
 </file>
 
+<file path=ppt/slides/slide49.xml><?xml version="1.0" encoding="utf-8"?>
+<p:sld xmlns:a="http://schemas.openxmlformats.org/drawingml/2006/main" xmlns:r="http://schemas.openxmlformats.org/officeDocument/2006/relationships" xmlns:p="http://schemas.openxmlformats.org/presentationml/2006/main">
+  <p:cSld>
+    <p:spTree>
+      <p:nvGrpSpPr>
+        <p:cNvPr id="1" name=""/>
+        <p:cNvGrpSpPr/>
+        <p:nvPr/>
+      </p:nvGrpSpPr>
+      <p:grpSpPr>
+        <a:xfrm>
+          <a:off x="0" y="0"/>
+          <a:ext cx="0" cy="0"/>
+          <a:chOff x="0" y="0"/>
+          <a:chExt cx="0" cy="0"/>
+        </a:xfrm>
+      </p:grpSpPr>
+      <p:sp>
+        <p:nvSpPr>
+          <p:cNvPr id="22532" name="Title 1"/>
+          <p:cNvSpPr>
+            <a:spLocks noGrp="1"/>
+          </p:cNvSpPr>
+          <p:nvPr>
+            <p:ph type="title"/>
+          </p:nvPr>
+        </p:nvSpPr>
+        <p:spPr/>
+        <p:txBody>
+          <a:bodyPr/>
+          <a:lstStyle/>
+          <a:p>
+            <a:r>
+              <a:rPr lang="en-US" dirty="0" smtClean="0"/>
+              <a:t>Independent V&amp;V</a:t>
+            </a:r>
+            <a:endParaRPr lang="en-US" dirty="0"/>
+          </a:p>
+        </p:txBody>
+      </p:sp>
+      <p:sp>
+        <p:nvSpPr>
+          <p:cNvPr id="22533" name="Content Placeholder 2"/>
+          <p:cNvSpPr>
+            <a:spLocks noGrp="1"/>
+          </p:cNvSpPr>
+          <p:nvPr>
+            <p:ph idx="1"/>
+          </p:nvPr>
+        </p:nvSpPr>
+        <p:spPr/>
+        <p:txBody>
+          <a:bodyPr>
+            <a:normAutofit lnSpcReduction="10000"/>
+          </a:bodyPr>
+          <a:lstStyle/>
+          <a:p>
+            <a:r>
+              <a:rPr lang="en-US" dirty="0" smtClean="0"/>
+              <a:t>One strategy for maximizing independence: </a:t>
+            </a:r>
+          </a:p>
+          <a:p>
+            <a:pPr lvl="1"/>
+            <a:r>
+              <a:rPr lang="en-US" dirty="0" smtClean="0"/>
+              <a:t>System (and acceptance) test performed by a different organization</a:t>
+            </a:r>
+          </a:p>
+          <a:p>
+            <a:r>
+              <a:rPr lang="en-US" dirty="0" smtClean="0"/>
+              <a:t>Organizationally isolated from developers </a:t>
+            </a:r>
+          </a:p>
+          <a:p>
+            <a:pPr lvl="1"/>
+            <a:r>
+              <a:rPr lang="en-US" dirty="0" smtClean="0"/>
+              <a:t>no pressure to say </a:t>
+            </a:r>
+            <a:r>
+              <a:rPr lang="ja-JP" altLang="en-US" smtClean="0"/>
+              <a:t>“</a:t>
+            </a:r>
+            <a:r>
+              <a:rPr lang="en-US" altLang="ja-JP" dirty="0" smtClean="0"/>
+              <a:t>ok</a:t>
+            </a:r>
+            <a:r>
+              <a:rPr lang="ja-JP" altLang="en-US" smtClean="0"/>
+              <a:t>”</a:t>
+            </a:r>
+            <a:endParaRPr lang="en-US" altLang="ja-JP" dirty="0" smtClean="0"/>
+          </a:p>
+          <a:p>
+            <a:r>
+              <a:rPr lang="en-US" dirty="0" smtClean="0"/>
+              <a:t>Sometimes outsourced to another company or agency</a:t>
+            </a:r>
+          </a:p>
+          <a:p>
+            <a:pPr lvl="1"/>
+            <a:r>
+              <a:rPr lang="en-US" dirty="0" smtClean="0"/>
+              <a:t>Especially for critical systems</a:t>
+            </a:r>
+          </a:p>
+          <a:p>
+            <a:pPr lvl="1"/>
+            <a:r>
+              <a:rPr lang="en-US" dirty="0" smtClean="0"/>
+              <a:t>Outsourcing for independent judgment, not to save money</a:t>
+            </a:r>
+          </a:p>
+          <a:p>
+            <a:pPr lvl="1"/>
+            <a:r>
+              <a:rPr lang="en-US" dirty="0" smtClean="0"/>
+              <a:t>May be additional system test, not replacing internal V&amp;V</a:t>
+            </a:r>
+          </a:p>
+          <a:p>
+            <a:r>
+              <a:rPr lang="en-US" dirty="0" smtClean="0"/>
+              <a:t>Not all outsourced testing is IV&amp;V</a:t>
+            </a:r>
+          </a:p>
+          <a:p>
+            <a:pPr lvl="1"/>
+            <a:r>
+              <a:rPr lang="en-US" dirty="0" smtClean="0"/>
+              <a:t>Not independent if controlled by development organization</a:t>
+            </a:r>
+            <a:endParaRPr lang="en-US" dirty="0"/>
+          </a:p>
+        </p:txBody>
+      </p:sp>
+      <p:sp>
+        <p:nvSpPr>
+          <p:cNvPr id="2" name="Slide Number Placeholder 1"/>
+          <p:cNvSpPr>
+            <a:spLocks noGrp="1"/>
+          </p:cNvSpPr>
+          <p:nvPr>
+            <p:ph type="sldNum" sz="quarter" idx="12"/>
+          </p:nvPr>
+        </p:nvSpPr>
+        <p:spPr/>
+        <p:txBody>
+          <a:bodyPr/>
+          <a:lstStyle/>
+          <a:p>
+            <a:fld id="{B543A0FD-1CA6-4228-86A2-78061B4844C8}" type="slidenum">
+              <a:rPr lang="en-US" smtClean="0"/>
+              <a:t>49</a:t>
+            </a:fld>
+            <a:endParaRPr lang="en-US"/>
+          </a:p>
+        </p:txBody>
+      </p:sp>
+    </p:spTree>
+    <p:extLst>
+      <p:ext uri="{BB962C8B-B14F-4D97-AF65-F5344CB8AC3E}">
+        <p14:creationId xmlns:p14="http://schemas.microsoft.com/office/powerpoint/2010/main" val="3275539735"/>
+      </p:ext>
+    </p:extLst>
+  </p:cSld>
+  <p:clrMapOvr>
+    <a:masterClrMapping/>
+  </p:clrMapOvr>
+  <mc:AlternateContent xmlns:mc="http://schemas.openxmlformats.org/markup-compatibility/2006" xmlns:p14="http://schemas.microsoft.com/office/powerpoint/2010/main">
+    <mc:Choice Requires="p14">
+      <p:transition spd="slow" p14:dur="2000"/>
+    </mc:Choice>
+    <mc:Fallback xmlns="">
+      <p:transition spd="slow"/>
+    </mc:Fallback>
+  </mc:AlternateContent>
+  <p:timing>
+    <p:tnLst>
+      <p:par>
+        <p:cTn id="1" dur="indefinite" restart="never" nodeType="tmRoot"/>
+      </p:par>
+    </p:tnLst>
+  </p:timing>
+</p:sld>
+</file>
+
+<file path=ppt/slides/slide5.xml><?xml version="1.0" encoding="utf-8"?>
+<p:sld xmlns:a="http://schemas.openxmlformats.org/drawingml/2006/main" xmlns:r="http://schemas.openxmlformats.org/officeDocument/2006/relationships" xmlns:p="http://schemas.openxmlformats.org/presentationml/2006/main">
+  <p:cSld>
+    <p:spTree>
+      <p:nvGrpSpPr>
+        <p:cNvPr id="1" name=""/>
+        <p:cNvGrpSpPr/>
+        <p:nvPr/>
+      </p:nvGrpSpPr>
+      <p:grpSpPr>
+        <a:xfrm>
+          <a:off x="0" y="0"/>
+          <a:ext cx="0" cy="0"/>
+          <a:chOff x="0" y="0"/>
+          <a:chExt cx="0" cy="0"/>
+        </a:xfrm>
+      </p:grpSpPr>
+      <p:sp>
+        <p:nvSpPr>
+          <p:cNvPr id="2" name="Title 1"/>
+          <p:cNvSpPr>
+            <a:spLocks noGrp="1"/>
+          </p:cNvSpPr>
+          <p:nvPr>
+            <p:ph type="title"/>
+          </p:nvPr>
+        </p:nvSpPr>
+        <p:spPr/>
+        <p:txBody>
+          <a:bodyPr/>
+          <a:lstStyle/>
+          <a:p>
+            <a:r>
+              <a:rPr lang="en-US" dirty="0" smtClean="0"/>
+              <a:t>Functional Testing </a:t>
+            </a:r>
+            <a:endParaRPr lang="en-US" dirty="0"/>
+          </a:p>
+        </p:txBody>
+      </p:sp>
+      <p:sp>
+        <p:nvSpPr>
+          <p:cNvPr id="3" name="Content Placeholder 2"/>
+          <p:cNvSpPr>
+            <a:spLocks noGrp="1"/>
+          </p:cNvSpPr>
+          <p:nvPr>
+            <p:ph idx="1"/>
+          </p:nvPr>
+        </p:nvSpPr>
+        <p:spPr/>
+        <p:txBody>
+          <a:bodyPr>
+            <a:normAutofit lnSpcReduction="10000"/>
+          </a:bodyPr>
+          <a:lstStyle/>
+          <a:p>
+            <a:r>
+              <a:rPr lang="en-US" dirty="0" smtClean="0"/>
+              <a:t>Functional testing finds differences between functional requirements and the implemented system </a:t>
+            </a:r>
+          </a:p>
+          <a:p>
+            <a:r>
+              <a:rPr lang="en-US" dirty="0" smtClean="0"/>
+              <a:t>Essentially the same as black box testing </a:t>
+            </a:r>
+          </a:p>
+          <a:p>
+            <a:r>
+              <a:rPr lang="en-US" dirty="0" smtClean="0"/>
+              <a:t>Goal: Test functionality of system </a:t>
+            </a:r>
+          </a:p>
+          <a:p>
+            <a:r>
+              <a:rPr lang="en-US" dirty="0" smtClean="0"/>
+              <a:t>Test cases are designed from the requirements analysis document (better: user manual) and centered around requirements and key functions (use cases) </a:t>
+            </a:r>
+          </a:p>
+          <a:p>
+            <a:r>
+              <a:rPr lang="en-US" dirty="0" smtClean="0"/>
+              <a:t>Select tests that are relevant to the user and have a high probability of uncovering a failure </a:t>
+            </a:r>
+          </a:p>
+          <a:p>
+            <a:pPr lvl="1"/>
+            <a:r>
+              <a:rPr lang="en-US" dirty="0" smtClean="0"/>
+              <a:t>Use techniques like equivalence tests </a:t>
+            </a:r>
+          </a:p>
+          <a:p>
+            <a:endParaRPr lang="en-US" dirty="0"/>
+          </a:p>
+        </p:txBody>
+      </p:sp>
+      <p:sp>
+        <p:nvSpPr>
+          <p:cNvPr id="4" name="Slide Number Placeholder 3"/>
+          <p:cNvSpPr>
+            <a:spLocks noGrp="1"/>
+          </p:cNvSpPr>
+          <p:nvPr>
+            <p:ph type="sldNum" sz="quarter" idx="12"/>
+          </p:nvPr>
+        </p:nvSpPr>
+        <p:spPr/>
+        <p:txBody>
+          <a:bodyPr/>
+          <a:lstStyle/>
+          <a:p>
+            <a:fld id="{B543A0FD-1CA6-4228-86A2-78061B4844C8}" type="slidenum">
+              <a:rPr lang="en-US" smtClean="0"/>
+              <a:t>5</a:t>
+            </a:fld>
+            <a:endParaRPr lang="en-US"/>
+          </a:p>
+        </p:txBody>
+      </p:sp>
+    </p:spTree>
+    <p:extLst>
+      <p:ext uri="{BB962C8B-B14F-4D97-AF65-F5344CB8AC3E}">
+        <p14:creationId xmlns:p14="http://schemas.microsoft.com/office/powerpoint/2010/main" val="172728179"/>
+      </p:ext>
+    </p:extLst>
+  </p:cSld>
+  <p:clrMapOvr>
+    <a:masterClrMapping/>
+  </p:clrMapOvr>
+  <p:timing>
+    <p:tnLst>
+      <p:par>
+        <p:cTn id="1" dur="indefinite" restart="never" nodeType="tmRoot"/>
+      </p:par>
+    </p:tnLst>
+  </p:timing>
+</p:sld>
+</file>
+
+<file path=ppt/slides/slide50.xml><?xml version="1.0" encoding="utf-8"?>
+<p:sld xmlns:a="http://schemas.openxmlformats.org/drawingml/2006/main" xmlns:r="http://schemas.openxmlformats.org/officeDocument/2006/relationships" xmlns:p="http://schemas.openxmlformats.org/presentationml/2006/main">
+  <p:cSld>
+    <p:spTree>
+      <p:nvGrpSpPr>
+        <p:cNvPr id="1" name=""/>
+        <p:cNvGrpSpPr/>
+        <p:nvPr/>
+      </p:nvGrpSpPr>
+      <p:grpSpPr>
+        <a:xfrm>
+          <a:off x="0" y="0"/>
+          <a:ext cx="0" cy="0"/>
+          <a:chOff x="0" y="0"/>
+          <a:chExt cx="0" cy="0"/>
+        </a:xfrm>
+      </p:grpSpPr>
+      <p:sp>
+        <p:nvSpPr>
+          <p:cNvPr id="23556" name="Title 1"/>
+          <p:cNvSpPr>
+            <a:spLocks noGrp="1"/>
+          </p:cNvSpPr>
+          <p:nvPr>
+            <p:ph type="title"/>
+          </p:nvPr>
+        </p:nvSpPr>
+        <p:spPr/>
+        <p:txBody>
+          <a:bodyPr anchor="ctr"/>
+          <a:lstStyle/>
+          <a:p>
+            <a:pPr eaLnBrk="1" hangingPunct="1"/>
+            <a:r>
+              <a:rPr lang="en-US" sz="3200" dirty="0"/>
+              <a:t>Achieving Independence Without Changing Staff</a:t>
+            </a:r>
+          </a:p>
+        </p:txBody>
+      </p:sp>
+      <p:sp>
+        <p:nvSpPr>
+          <p:cNvPr id="23557" name="Content Placeholder 2"/>
+          <p:cNvSpPr>
+            <a:spLocks noGrp="1"/>
+          </p:cNvSpPr>
+          <p:nvPr>
+            <p:ph idx="1"/>
+          </p:nvPr>
+        </p:nvSpPr>
+        <p:spPr/>
+        <p:txBody>
+          <a:bodyPr>
+            <a:normAutofit lnSpcReduction="10000"/>
+          </a:bodyPr>
+          <a:lstStyle/>
+          <a:p>
+            <a:pPr marL="342900" indent="-342900"/>
+            <a:r>
+              <a:rPr lang="en-US" sz="3200" dirty="0"/>
+              <a:t>If the development organization controls system testing ...</a:t>
+            </a:r>
+          </a:p>
+          <a:p>
+            <a:pPr marL="742950" lvl="1" indent="-285750"/>
+            <a:r>
+              <a:rPr lang="en-US" sz="2800" dirty="0"/>
+              <a:t>Perfect independence may be unattainable, but we can reduce undue influence</a:t>
+            </a:r>
+          </a:p>
+          <a:p>
+            <a:pPr marL="342900" indent="-342900"/>
+            <a:r>
+              <a:rPr lang="en-US" sz="3200" dirty="0"/>
+              <a:t>Develop system test cases early</a:t>
+            </a:r>
+          </a:p>
+          <a:p>
+            <a:pPr marL="742950" lvl="1" indent="-285750"/>
+            <a:r>
+              <a:rPr lang="en-US" sz="2800" dirty="0"/>
+              <a:t>As part of requirements specification, before major design decisions have been made</a:t>
+            </a:r>
+          </a:p>
+          <a:p>
+            <a:pPr lvl="2"/>
+            <a:r>
+              <a:rPr lang="en-US" sz="2400" dirty="0"/>
+              <a:t>Agile </a:t>
+            </a:r>
+            <a:r>
+              <a:rPr lang="ja-JP" altLang="en-US" sz="2400" dirty="0"/>
+              <a:t>“</a:t>
+            </a:r>
+            <a:r>
+              <a:rPr lang="en-US" altLang="ja-JP" sz="2400" dirty="0"/>
+              <a:t>test first</a:t>
+            </a:r>
+            <a:r>
+              <a:rPr lang="ja-JP" altLang="en-US" sz="2400" dirty="0"/>
+              <a:t>”</a:t>
+            </a:r>
+            <a:r>
+              <a:rPr lang="en-US" altLang="ja-JP" sz="2400" dirty="0"/>
+              <a:t> </a:t>
+            </a:r>
+          </a:p>
+          <a:p>
+            <a:pPr lvl="2"/>
+            <a:r>
+              <a:rPr lang="en-US" altLang="ja-JP" sz="2400" dirty="0"/>
+              <a:t>Conventional </a:t>
+            </a:r>
+            <a:r>
+              <a:rPr lang="ja-JP" altLang="en-US" sz="2400" dirty="0"/>
+              <a:t>“</a:t>
+            </a:r>
+            <a:r>
+              <a:rPr lang="en-US" altLang="ja-JP" sz="2400" dirty="0"/>
+              <a:t>V model</a:t>
+            </a:r>
+            <a:r>
+              <a:rPr lang="ja-JP" altLang="en-US" sz="2400" dirty="0"/>
+              <a:t>”</a:t>
+            </a:r>
+            <a:endParaRPr lang="en-US" altLang="ja-JP" sz="2400" dirty="0"/>
+          </a:p>
+          <a:p>
+            <a:pPr lvl="2"/>
+            <a:r>
+              <a:rPr lang="en-US" altLang="ja-JP" sz="2400" dirty="0"/>
+              <a:t>Critical system testing early in project</a:t>
+            </a:r>
+            <a:endParaRPr lang="en-US" sz="2400" dirty="0"/>
+          </a:p>
+        </p:txBody>
+      </p:sp>
+      <p:sp>
+        <p:nvSpPr>
+          <p:cNvPr id="2" name="Slide Number Placeholder 1"/>
+          <p:cNvSpPr>
+            <a:spLocks noGrp="1"/>
+          </p:cNvSpPr>
+          <p:nvPr>
+            <p:ph type="sldNum" sz="quarter" idx="12"/>
+          </p:nvPr>
+        </p:nvSpPr>
+        <p:spPr/>
+        <p:txBody>
+          <a:bodyPr/>
+          <a:lstStyle/>
+          <a:p>
+            <a:fld id="{B543A0FD-1CA6-4228-86A2-78061B4844C8}" type="slidenum">
+              <a:rPr lang="en-US" smtClean="0"/>
+              <a:t>50</a:t>
+            </a:fld>
+            <a:endParaRPr lang="en-US"/>
+          </a:p>
+        </p:txBody>
+      </p:sp>
+    </p:spTree>
+    <p:extLst>
+      <p:ext uri="{BB962C8B-B14F-4D97-AF65-F5344CB8AC3E}">
+        <p14:creationId xmlns:p14="http://schemas.microsoft.com/office/powerpoint/2010/main" val="882088098"/>
+      </p:ext>
+    </p:extLst>
+  </p:cSld>
+  <p:clrMapOvr>
+    <a:masterClrMapping/>
+  </p:clrMapOvr>
+  <mc:AlternateContent xmlns:mc="http://schemas.openxmlformats.org/markup-compatibility/2006" xmlns:p14="http://schemas.microsoft.com/office/powerpoint/2010/main">
+    <mc:Choice Requires="p14">
+      <p:transition spd="slow" p14:dur="2000"/>
+    </mc:Choice>
+    <mc:Fallback xmlns="">
+      <p:transition spd="slow"/>
+    </mc:Fallback>
+  </mc:AlternateContent>
+  <p:timing>
+    <p:tnLst>
+      <p:par>
+        <p:cTn id="1" dur="indefinite" restart="never" nodeType="tmRoot"/>
+      </p:par>
+    </p:tnLst>
+  </p:timing>
+</p:sld>
+</file>
+
+<file path=ppt/slides/slide51.xml><?xml version="1.0" encoding="utf-8"?>
+<p:sld xmlns:a="http://schemas.openxmlformats.org/drawingml/2006/main" xmlns:r="http://schemas.openxmlformats.org/officeDocument/2006/relationships" xmlns:p="http://schemas.openxmlformats.org/presentationml/2006/main">
+  <p:cSld>
+    <p:spTree>
+      <p:nvGrpSpPr>
+        <p:cNvPr id="1" name=""/>
+        <p:cNvGrpSpPr/>
+        <p:nvPr/>
+      </p:nvGrpSpPr>
+      <p:grpSpPr>
+        <a:xfrm>
+          <a:off x="0" y="0"/>
+          <a:ext cx="0" cy="0"/>
+          <a:chOff x="0" y="0"/>
+          <a:chExt cx="0" cy="0"/>
+        </a:xfrm>
+      </p:grpSpPr>
+      <p:sp>
+        <p:nvSpPr>
+          <p:cNvPr id="24580" name="Title 1"/>
+          <p:cNvSpPr>
+            <a:spLocks noGrp="1"/>
+          </p:cNvSpPr>
+          <p:nvPr>
+            <p:ph type="title"/>
+          </p:nvPr>
+        </p:nvSpPr>
+        <p:spPr/>
+        <p:txBody>
+          <a:bodyPr/>
+          <a:lstStyle/>
+          <a:p>
+            <a:r>
+              <a:rPr lang="en-US" dirty="0" smtClean="0"/>
+              <a:t>Incremental System Testing</a:t>
+            </a:r>
+            <a:endParaRPr lang="en-US" dirty="0"/>
+          </a:p>
+        </p:txBody>
+      </p:sp>
+      <p:sp>
+        <p:nvSpPr>
+          <p:cNvPr id="24581" name="Content Placeholder 2"/>
+          <p:cNvSpPr>
+            <a:spLocks noGrp="1"/>
+          </p:cNvSpPr>
+          <p:nvPr>
+            <p:ph type="body" idx="1"/>
+          </p:nvPr>
+        </p:nvSpPr>
+        <p:spPr/>
+        <p:txBody>
+          <a:bodyPr/>
+          <a:lstStyle/>
+          <a:p>
+            <a:r>
+              <a:rPr lang="en-US" dirty="0" smtClean="0"/>
+              <a:t>System tests are often used to measure progress</a:t>
+            </a:r>
+          </a:p>
+          <a:p>
+            <a:pPr lvl="1"/>
+            <a:r>
+              <a:rPr lang="en-US" dirty="0" smtClean="0"/>
+              <a:t>System test suite covers all features and scenarios of use</a:t>
+            </a:r>
+          </a:p>
+          <a:p>
+            <a:pPr lvl="1"/>
+            <a:r>
+              <a:rPr lang="en-US" dirty="0" smtClean="0"/>
+              <a:t>As project progresses, the system passes more and more system tests</a:t>
+            </a:r>
+          </a:p>
+          <a:p>
+            <a:r>
+              <a:rPr lang="en-US" dirty="0" smtClean="0"/>
+              <a:t>Assumes a </a:t>
+            </a:r>
+            <a:r>
+              <a:rPr lang="ja-JP" altLang="en-US" smtClean="0"/>
+              <a:t>“</a:t>
+            </a:r>
+            <a:r>
+              <a:rPr lang="en-US" altLang="ja-JP" dirty="0" smtClean="0"/>
+              <a:t>threaded</a:t>
+            </a:r>
+            <a:r>
+              <a:rPr lang="ja-JP" altLang="en-US" smtClean="0"/>
+              <a:t>”</a:t>
+            </a:r>
+            <a:r>
+              <a:rPr lang="en-US" altLang="ja-JP" dirty="0" smtClean="0"/>
+              <a:t> incremental build plan: </a:t>
+            </a:r>
+          </a:p>
+          <a:p>
+            <a:pPr lvl="1"/>
+            <a:r>
+              <a:rPr lang="en-US" dirty="0" smtClean="0"/>
+              <a:t>Features exposed at top level as they are developed</a:t>
+            </a:r>
+            <a:endParaRPr lang="en-US" dirty="0"/>
+          </a:p>
+        </p:txBody>
+      </p:sp>
+      <p:sp>
+        <p:nvSpPr>
+          <p:cNvPr id="2" name="Slide Number Placeholder 1"/>
+          <p:cNvSpPr>
+            <a:spLocks noGrp="1"/>
+          </p:cNvSpPr>
+          <p:nvPr>
+            <p:ph type="sldNum" sz="quarter" idx="12"/>
+          </p:nvPr>
+        </p:nvSpPr>
+        <p:spPr/>
+        <p:txBody>
+          <a:bodyPr/>
+          <a:lstStyle/>
+          <a:p>
+            <a:fld id="{B543A0FD-1CA6-4228-86A2-78061B4844C8}" type="slidenum">
+              <a:rPr lang="en-US" smtClean="0"/>
+              <a:t>51</a:t>
+            </a:fld>
+            <a:endParaRPr lang="en-US"/>
+          </a:p>
+        </p:txBody>
+      </p:sp>
+    </p:spTree>
+    <p:extLst>
+      <p:ext uri="{BB962C8B-B14F-4D97-AF65-F5344CB8AC3E}">
+        <p14:creationId xmlns:p14="http://schemas.microsoft.com/office/powerpoint/2010/main" val="610539682"/>
+      </p:ext>
+    </p:extLst>
+  </p:cSld>
+  <p:clrMapOvr>
+    <a:masterClrMapping/>
+  </p:clrMapOvr>
+  <mc:AlternateContent xmlns:mc="http://schemas.openxmlformats.org/markup-compatibility/2006" xmlns:p14="http://schemas.microsoft.com/office/powerpoint/2010/main">
+    <mc:Choice Requires="p14">
+      <p:transition spd="slow" p14:dur="2000"/>
+    </mc:Choice>
+    <mc:Fallback xmlns="">
+      <p:transition spd="slow"/>
+    </mc:Fallback>
+  </mc:AlternateContent>
+  <p:timing>
+    <p:tnLst>
+      <p:par>
+        <p:cTn id="1" dur="indefinite" restart="never" nodeType="tmRoot"/>
+      </p:par>
+    </p:tnLst>
+  </p:timing>
+</p:sld>
+</file>
+
+<file path=ppt/slides/slide52.xml><?xml version="1.0" encoding="utf-8"?>
+<p:sld xmlns:a="http://schemas.openxmlformats.org/drawingml/2006/main" xmlns:r="http://schemas.openxmlformats.org/officeDocument/2006/relationships" xmlns:p="http://schemas.openxmlformats.org/presentationml/2006/main">
+  <p:cSld>
+    <p:spTree>
+      <p:nvGrpSpPr>
+        <p:cNvPr id="1" name=""/>
+        <p:cNvGrpSpPr/>
+        <p:nvPr/>
+      </p:nvGrpSpPr>
+      <p:grpSpPr>
+        <a:xfrm>
+          <a:off x="0" y="0"/>
+          <a:ext cx="0" cy="0"/>
+          <a:chOff x="0" y="0"/>
+          <a:chExt cx="0" cy="0"/>
+        </a:xfrm>
+      </p:grpSpPr>
+      <p:sp>
+        <p:nvSpPr>
+          <p:cNvPr id="25604" name="Title 1"/>
+          <p:cNvSpPr>
+            <a:spLocks noGrp="1"/>
+          </p:cNvSpPr>
+          <p:nvPr>
+            <p:ph type="title"/>
+          </p:nvPr>
+        </p:nvSpPr>
+        <p:spPr/>
+        <p:txBody>
+          <a:bodyPr/>
+          <a:lstStyle/>
+          <a:p>
+            <a:r>
+              <a:rPr lang="en-US" dirty="0" smtClean="0"/>
+              <a:t>Global Properties</a:t>
+            </a:r>
+            <a:endParaRPr lang="en-US" dirty="0"/>
+          </a:p>
+        </p:txBody>
+      </p:sp>
+      <p:sp>
+        <p:nvSpPr>
+          <p:cNvPr id="25605" name="Content Placeholder 2"/>
+          <p:cNvSpPr>
+            <a:spLocks noGrp="1"/>
+          </p:cNvSpPr>
+          <p:nvPr>
+            <p:ph type="body" idx="1"/>
+          </p:nvPr>
+        </p:nvSpPr>
+        <p:spPr/>
+        <p:txBody>
+          <a:bodyPr/>
+          <a:lstStyle/>
+          <a:p>
+            <a:r>
+              <a:rPr lang="en-US" dirty="0" smtClean="0"/>
+              <a:t>Some system properties are inherently global</a:t>
+            </a:r>
+          </a:p>
+          <a:p>
+            <a:pPr lvl="1"/>
+            <a:r>
+              <a:rPr lang="en-US" dirty="0" smtClean="0"/>
+              <a:t>Performance, latency, reliability, ... </a:t>
+            </a:r>
+          </a:p>
+          <a:p>
+            <a:pPr lvl="1"/>
+            <a:r>
+              <a:rPr lang="en-US" dirty="0" smtClean="0"/>
+              <a:t>Early and incremental testing is still necessary, but provide only estimates</a:t>
+            </a:r>
+          </a:p>
+          <a:p>
+            <a:r>
+              <a:rPr lang="en-US" dirty="0" smtClean="0"/>
+              <a:t>A major focus of system testing</a:t>
+            </a:r>
+          </a:p>
+          <a:p>
+            <a:pPr lvl="1"/>
+            <a:r>
+              <a:rPr lang="en-US" dirty="0" smtClean="0"/>
+              <a:t>The only opportunity to verify global properties against actual system specifications</a:t>
+            </a:r>
+          </a:p>
+          <a:p>
+            <a:pPr lvl="1"/>
+            <a:r>
+              <a:rPr lang="en-US" dirty="0" smtClean="0"/>
+              <a:t>Especially to find unanticipated effects, e.g., an unexpected performance bottleneck</a:t>
+            </a:r>
+            <a:endParaRPr lang="en-US" dirty="0"/>
+          </a:p>
+        </p:txBody>
+      </p:sp>
+      <p:sp>
+        <p:nvSpPr>
+          <p:cNvPr id="2" name="Slide Number Placeholder 1"/>
+          <p:cNvSpPr>
+            <a:spLocks noGrp="1"/>
+          </p:cNvSpPr>
+          <p:nvPr>
+            <p:ph type="sldNum" sz="quarter" idx="12"/>
+          </p:nvPr>
+        </p:nvSpPr>
+        <p:spPr/>
+        <p:txBody>
+          <a:bodyPr/>
+          <a:lstStyle/>
+          <a:p>
+            <a:fld id="{B543A0FD-1CA6-4228-86A2-78061B4844C8}" type="slidenum">
+              <a:rPr lang="en-US" smtClean="0"/>
+              <a:t>52</a:t>
+            </a:fld>
+            <a:endParaRPr lang="en-US"/>
+          </a:p>
+        </p:txBody>
+      </p:sp>
+    </p:spTree>
+    <p:extLst>
+      <p:ext uri="{BB962C8B-B14F-4D97-AF65-F5344CB8AC3E}">
+        <p14:creationId xmlns:p14="http://schemas.microsoft.com/office/powerpoint/2010/main" val="3973466461"/>
+      </p:ext>
+    </p:extLst>
+  </p:cSld>
+  <p:clrMapOvr>
+    <a:masterClrMapping/>
+  </p:clrMapOvr>
+  <mc:AlternateContent xmlns:mc="http://schemas.openxmlformats.org/markup-compatibility/2006" xmlns:p14="http://schemas.microsoft.com/office/powerpoint/2010/main">
+    <mc:Choice Requires="p14">
+      <p:transition spd="slow" p14:dur="2000"/>
+    </mc:Choice>
+    <mc:Fallback xmlns="">
+      <p:transition spd="slow"/>
+    </mc:Fallback>
+  </mc:AlternateContent>
+  <p:timing>
+    <p:tnLst>
+      <p:par>
+        <p:cTn id="1" dur="indefinite" restart="never" nodeType="tmRoot"/>
+      </p:par>
+    </p:tnLst>
+  </p:timing>
+</p:sld>
+</file>
+
+<file path=ppt/slides/slide53.xml><?xml version="1.0" encoding="utf-8"?>
+<p:sld xmlns:a="http://schemas.openxmlformats.org/drawingml/2006/main" xmlns:r="http://schemas.openxmlformats.org/officeDocument/2006/relationships" xmlns:p="http://schemas.openxmlformats.org/presentationml/2006/main">
+  <p:cSld>
+    <p:spTree>
+      <p:nvGrpSpPr>
+        <p:cNvPr id="1" name=""/>
+        <p:cNvGrpSpPr/>
+        <p:nvPr/>
+      </p:nvGrpSpPr>
+      <p:grpSpPr>
+        <a:xfrm>
+          <a:off x="0" y="0"/>
+          <a:ext cx="0" cy="0"/>
+          <a:chOff x="0" y="0"/>
+          <a:chExt cx="0" cy="0"/>
+        </a:xfrm>
+      </p:grpSpPr>
+      <p:sp>
+        <p:nvSpPr>
+          <p:cNvPr id="26628" name="Title 1"/>
+          <p:cNvSpPr>
+            <a:spLocks noGrp="1"/>
+          </p:cNvSpPr>
+          <p:nvPr>
+            <p:ph type="title"/>
+          </p:nvPr>
+        </p:nvSpPr>
+        <p:spPr/>
+        <p:txBody>
+          <a:bodyPr/>
+          <a:lstStyle/>
+          <a:p>
+            <a:r>
+              <a:rPr lang="en-US" dirty="0" smtClean="0"/>
+              <a:t>Context-Dependent Properties</a:t>
+            </a:r>
+            <a:endParaRPr lang="en-US" dirty="0"/>
+          </a:p>
+        </p:txBody>
+      </p:sp>
+      <p:sp>
+        <p:nvSpPr>
+          <p:cNvPr id="26629" name="Content Placeholder 2"/>
+          <p:cNvSpPr>
+            <a:spLocks noGrp="1"/>
+          </p:cNvSpPr>
+          <p:nvPr>
+            <p:ph type="body" idx="1"/>
+          </p:nvPr>
+        </p:nvSpPr>
+        <p:spPr/>
+        <p:txBody>
+          <a:bodyPr/>
+          <a:lstStyle/>
+          <a:p>
+            <a:r>
+              <a:rPr lang="en-US" dirty="0" smtClean="0"/>
+              <a:t>Beyond system-global: Some properties depend on the system context and use</a:t>
+            </a:r>
+          </a:p>
+          <a:p>
+            <a:pPr lvl="1"/>
+            <a:r>
+              <a:rPr lang="en-US" dirty="0" smtClean="0"/>
+              <a:t>Example: Performance properties depend on environment and configuration </a:t>
+            </a:r>
+          </a:p>
+          <a:p>
+            <a:pPr lvl="1"/>
+            <a:r>
+              <a:rPr lang="en-US" dirty="0" smtClean="0"/>
+              <a:t>Example: Privacy depends both on system and how it is used</a:t>
+            </a:r>
+          </a:p>
+          <a:p>
+            <a:pPr lvl="2"/>
+            <a:r>
+              <a:rPr lang="en-US" dirty="0" smtClean="0"/>
+              <a:t>Medical records system must protect against unauthorized use, and authorization must be provided only as needed</a:t>
+            </a:r>
+          </a:p>
+          <a:p>
+            <a:pPr lvl="1"/>
+            <a:r>
+              <a:rPr lang="en-US" dirty="0" smtClean="0"/>
+              <a:t>Example: Security depends on threat profiles</a:t>
+            </a:r>
+          </a:p>
+          <a:p>
+            <a:pPr lvl="2"/>
+            <a:r>
+              <a:rPr lang="en-US" dirty="0" smtClean="0"/>
+              <a:t>And threats change! </a:t>
+            </a:r>
+          </a:p>
+          <a:p>
+            <a:r>
+              <a:rPr lang="en-US" dirty="0" smtClean="0"/>
+              <a:t>Testing is just one part of the approach </a:t>
+            </a:r>
+            <a:endParaRPr lang="en-US" dirty="0"/>
+          </a:p>
+        </p:txBody>
+      </p:sp>
+      <p:sp>
+        <p:nvSpPr>
+          <p:cNvPr id="2" name="Slide Number Placeholder 1"/>
+          <p:cNvSpPr>
+            <a:spLocks noGrp="1"/>
+          </p:cNvSpPr>
+          <p:nvPr>
+            <p:ph type="sldNum" sz="quarter" idx="12"/>
+          </p:nvPr>
+        </p:nvSpPr>
+        <p:spPr/>
+        <p:txBody>
+          <a:bodyPr/>
+          <a:lstStyle/>
+          <a:p>
+            <a:fld id="{B543A0FD-1CA6-4228-86A2-78061B4844C8}" type="slidenum">
+              <a:rPr lang="en-US" smtClean="0"/>
+              <a:t>53</a:t>
+            </a:fld>
+            <a:endParaRPr lang="en-US"/>
+          </a:p>
+        </p:txBody>
+      </p:sp>
+    </p:spTree>
+    <p:extLst>
+      <p:ext uri="{BB962C8B-B14F-4D97-AF65-F5344CB8AC3E}">
+        <p14:creationId xmlns:p14="http://schemas.microsoft.com/office/powerpoint/2010/main" val="3102467698"/>
+      </p:ext>
+    </p:extLst>
+  </p:cSld>
+  <p:clrMapOvr>
+    <a:masterClrMapping/>
+  </p:clrMapOvr>
+  <mc:AlternateContent xmlns:mc="http://schemas.openxmlformats.org/markup-compatibility/2006" xmlns:p14="http://schemas.microsoft.com/office/powerpoint/2010/main">
+    <mc:Choice Requires="p14">
+      <p:transition spd="slow" p14:dur="2000"/>
+    </mc:Choice>
+    <mc:Fallback xmlns="">
+      <p:transition spd="slow"/>
+    </mc:Fallback>
+  </mc:AlternateContent>
+  <p:timing>
+    <p:tnLst>
+      <p:par>
+        <p:cTn id="1" dur="indefinite" restart="never" nodeType="tmRoot"/>
+      </p:par>
+    </p:tnLst>
+  </p:timing>
+</p:sld>
+</file>
+
+<file path=ppt/slides/slide54.xml><?xml version="1.0" encoding="utf-8"?>
+<p:sld xmlns:a="http://schemas.openxmlformats.org/drawingml/2006/main" xmlns:r="http://schemas.openxmlformats.org/officeDocument/2006/relationships" xmlns:p="http://schemas.openxmlformats.org/presentationml/2006/main">
+  <p:cSld>
+    <p:spTree>
+      <p:nvGrpSpPr>
+        <p:cNvPr id="1" name=""/>
+        <p:cNvGrpSpPr/>
+        <p:nvPr/>
+      </p:nvGrpSpPr>
+      <p:grpSpPr>
+        <a:xfrm>
+          <a:off x="0" y="0"/>
+          <a:ext cx="0" cy="0"/>
+          <a:chOff x="0" y="0"/>
+          <a:chExt cx="0" cy="0"/>
+        </a:xfrm>
+      </p:grpSpPr>
+      <p:sp>
+        <p:nvSpPr>
+          <p:cNvPr id="27652" name="Title 1"/>
+          <p:cNvSpPr>
+            <a:spLocks noGrp="1"/>
+          </p:cNvSpPr>
+          <p:nvPr>
+            <p:ph type="title"/>
+          </p:nvPr>
+        </p:nvSpPr>
+        <p:spPr/>
+        <p:txBody>
+          <a:bodyPr anchor="ctr"/>
+          <a:lstStyle/>
+          <a:p>
+            <a:pPr eaLnBrk="1" hangingPunct="1"/>
+            <a:r>
+              <a:rPr lang="en-US" sz="4000" dirty="0"/>
+              <a:t>Establishing an Operational Envelope</a:t>
+            </a:r>
+          </a:p>
+        </p:txBody>
+      </p:sp>
+      <p:sp>
+        <p:nvSpPr>
+          <p:cNvPr id="27653" name="Content Placeholder 2"/>
+          <p:cNvSpPr>
+            <a:spLocks noGrp="1"/>
+          </p:cNvSpPr>
+          <p:nvPr>
+            <p:ph idx="1"/>
+          </p:nvPr>
+        </p:nvSpPr>
+        <p:spPr/>
+        <p:txBody>
+          <a:bodyPr/>
+          <a:lstStyle/>
+          <a:p>
+            <a:pPr marL="342900" indent="-342900"/>
+            <a:r>
+              <a:rPr lang="en-US" dirty="0"/>
+              <a:t>When a property (e.g., performance or real-time response) is parameterized by use ... </a:t>
+            </a:r>
+          </a:p>
+          <a:p>
+            <a:pPr marL="742950" lvl="1" indent="-285750"/>
+            <a:r>
+              <a:rPr lang="en-US" dirty="0"/>
+              <a:t>requests per second, size of database, ... </a:t>
+            </a:r>
+          </a:p>
+          <a:p>
+            <a:pPr marL="342900" indent="-342900"/>
+            <a:r>
+              <a:rPr lang="en-US" dirty="0"/>
+              <a:t>Extensive stress testing is required</a:t>
+            </a:r>
+          </a:p>
+          <a:p>
+            <a:pPr marL="742950" lvl="1" indent="-285750"/>
+            <a:r>
+              <a:rPr lang="en-US" dirty="0"/>
+              <a:t>varying parameters within the envelope, near the bounds, and beyond</a:t>
+            </a:r>
+          </a:p>
+          <a:p>
+            <a:pPr marL="342900" indent="-342900"/>
+            <a:r>
+              <a:rPr lang="en-US" dirty="0"/>
+              <a:t>Goal: A well-understood model of how the property varies with the parameter</a:t>
+            </a:r>
+          </a:p>
+          <a:p>
+            <a:pPr marL="742950" lvl="1" indent="-285750"/>
+            <a:r>
+              <a:rPr lang="en-US" dirty="0"/>
+              <a:t>How sensitive is the property to the parameter?</a:t>
+            </a:r>
+          </a:p>
+          <a:p>
+            <a:pPr marL="742950" lvl="1" indent="-285750"/>
+            <a:r>
+              <a:rPr lang="en-US" dirty="0"/>
+              <a:t>Where is the </a:t>
+            </a:r>
+            <a:r>
+              <a:rPr lang="ja-JP" altLang="en-US" dirty="0"/>
+              <a:t>“</a:t>
+            </a:r>
+            <a:r>
+              <a:rPr lang="en-US" altLang="ja-JP" dirty="0"/>
+              <a:t>edge of the envelope</a:t>
+            </a:r>
+            <a:r>
+              <a:rPr lang="ja-JP" altLang="en-US" dirty="0"/>
+              <a:t>”</a:t>
+            </a:r>
+            <a:r>
+              <a:rPr lang="en-US" altLang="ja-JP" dirty="0"/>
+              <a:t>? </a:t>
+            </a:r>
+          </a:p>
+          <a:p>
+            <a:pPr marL="742950" lvl="1" indent="-285750"/>
+            <a:r>
+              <a:rPr lang="en-US" dirty="0"/>
+              <a:t>What can we expect when the envelope is exceeded?</a:t>
+            </a:r>
+          </a:p>
+        </p:txBody>
+      </p:sp>
+      <p:sp>
+        <p:nvSpPr>
+          <p:cNvPr id="2" name="Slide Number Placeholder 1"/>
+          <p:cNvSpPr>
+            <a:spLocks noGrp="1"/>
+          </p:cNvSpPr>
+          <p:nvPr>
+            <p:ph type="sldNum" sz="quarter" idx="12"/>
+          </p:nvPr>
+        </p:nvSpPr>
+        <p:spPr/>
+        <p:txBody>
+          <a:bodyPr/>
+          <a:lstStyle/>
+          <a:p>
+            <a:fld id="{B543A0FD-1CA6-4228-86A2-78061B4844C8}" type="slidenum">
+              <a:rPr lang="en-US" smtClean="0"/>
+              <a:t>54</a:t>
+            </a:fld>
+            <a:endParaRPr lang="en-US"/>
+          </a:p>
+        </p:txBody>
+      </p:sp>
+    </p:spTree>
+    <p:extLst>
+      <p:ext uri="{BB962C8B-B14F-4D97-AF65-F5344CB8AC3E}">
+        <p14:creationId xmlns:p14="http://schemas.microsoft.com/office/powerpoint/2010/main" val="1334193548"/>
+      </p:ext>
+    </p:extLst>
+  </p:cSld>
+  <p:clrMapOvr>
+    <a:masterClrMapping/>
+  </p:clrMapOvr>
+  <mc:AlternateContent xmlns:mc="http://schemas.openxmlformats.org/markup-compatibility/2006" xmlns:p14="http://schemas.microsoft.com/office/powerpoint/2010/main">
+    <mc:Choice Requires="p14">
+      <p:transition spd="slow" p14:dur="2000"/>
+    </mc:Choice>
+    <mc:Fallback xmlns="">
+      <p:transition spd="slow"/>
+    </mc:Fallback>
+  </mc:AlternateContent>
+  <p:timing>
+    <p:tnLst>
+      <p:par>
+        <p:cTn id="1" dur="indefinite" restart="never" nodeType="tmRoot"/>
+      </p:par>
+    </p:tnLst>
+  </p:timing>
+</p:sld>
+</file>
+
+<file path=ppt/slides/slide55.xml><?xml version="1.0" encoding="utf-8"?>
+<p:sld xmlns:a="http://schemas.openxmlformats.org/drawingml/2006/main" xmlns:r="http://schemas.openxmlformats.org/officeDocument/2006/relationships" xmlns:p="http://schemas.openxmlformats.org/presentationml/2006/main">
+  <p:cSld>
+    <p:spTree>
+      <p:nvGrpSpPr>
+        <p:cNvPr id="1" name=""/>
+        <p:cNvGrpSpPr/>
+        <p:nvPr/>
+      </p:nvGrpSpPr>
+      <p:grpSpPr>
+        <a:xfrm>
+          <a:off x="0" y="0"/>
+          <a:ext cx="0" cy="0"/>
+          <a:chOff x="0" y="0"/>
+          <a:chExt cx="0" cy="0"/>
+        </a:xfrm>
+      </p:grpSpPr>
+      <p:sp>
+        <p:nvSpPr>
+          <p:cNvPr id="28676" name="Title 1"/>
+          <p:cNvSpPr>
+            <a:spLocks noGrp="1"/>
+          </p:cNvSpPr>
+          <p:nvPr>
+            <p:ph type="title"/>
+          </p:nvPr>
+        </p:nvSpPr>
+        <p:spPr/>
+        <p:txBody>
+          <a:bodyPr/>
+          <a:lstStyle/>
+          <a:p>
+            <a:r>
+              <a:rPr lang="en-US" dirty="0" smtClean="0"/>
+              <a:t>Stress Testing</a:t>
+            </a:r>
+            <a:endParaRPr lang="en-US" dirty="0"/>
+          </a:p>
+        </p:txBody>
+      </p:sp>
+      <p:sp>
+        <p:nvSpPr>
+          <p:cNvPr id="28677" name="Content Placeholder 2"/>
+          <p:cNvSpPr>
+            <a:spLocks noGrp="1"/>
+          </p:cNvSpPr>
+          <p:nvPr>
+            <p:ph type="body" idx="1"/>
+          </p:nvPr>
+        </p:nvSpPr>
+        <p:spPr/>
+        <p:txBody>
+          <a:bodyPr/>
+          <a:lstStyle/>
+          <a:p>
+            <a:r>
+              <a:rPr lang="en-US" dirty="0" smtClean="0"/>
+              <a:t>Often requires extensive simulation of the execution environment</a:t>
+            </a:r>
+          </a:p>
+          <a:p>
+            <a:pPr lvl="1"/>
+            <a:r>
+              <a:rPr lang="en-US" dirty="0" smtClean="0"/>
+              <a:t>With systematic variation:  What happens when we push the parameters?  What if the number of users or requests is 10 times more, or 1000 times more?</a:t>
+            </a:r>
+          </a:p>
+          <a:p>
+            <a:r>
+              <a:rPr lang="en-US" dirty="0" smtClean="0"/>
+              <a:t>Often requires more resources (human and machine) than typical test cases</a:t>
+            </a:r>
+          </a:p>
+          <a:p>
+            <a:pPr lvl="1"/>
+            <a:r>
+              <a:rPr lang="en-US" dirty="0" smtClean="0"/>
+              <a:t>Separate from regular feature tests</a:t>
+            </a:r>
+          </a:p>
+          <a:p>
+            <a:pPr lvl="1"/>
+            <a:r>
+              <a:rPr lang="en-US" dirty="0" smtClean="0"/>
+              <a:t>Run less often, with more manual control</a:t>
+            </a:r>
+          </a:p>
+          <a:p>
+            <a:pPr lvl="1"/>
+            <a:r>
+              <a:rPr lang="en-US" dirty="0" smtClean="0"/>
+              <a:t>Diagnose deviations from expectation</a:t>
+            </a:r>
+          </a:p>
+          <a:p>
+            <a:pPr lvl="2"/>
+            <a:r>
+              <a:rPr lang="en-US" dirty="0" smtClean="0"/>
+              <a:t>Which may include difficult debugging of latent faults! </a:t>
+            </a:r>
+            <a:endParaRPr lang="en-US" dirty="0"/>
+          </a:p>
+        </p:txBody>
+      </p:sp>
+      <p:sp>
+        <p:nvSpPr>
+          <p:cNvPr id="2" name="Slide Number Placeholder 1"/>
+          <p:cNvSpPr>
+            <a:spLocks noGrp="1"/>
+          </p:cNvSpPr>
+          <p:nvPr>
+            <p:ph type="sldNum" sz="quarter" idx="12"/>
+          </p:nvPr>
+        </p:nvSpPr>
+        <p:spPr/>
+        <p:txBody>
+          <a:bodyPr/>
+          <a:lstStyle/>
+          <a:p>
+            <a:fld id="{B543A0FD-1CA6-4228-86A2-78061B4844C8}" type="slidenum">
+              <a:rPr lang="en-US" smtClean="0"/>
+              <a:t>55</a:t>
+            </a:fld>
+            <a:endParaRPr lang="en-US"/>
+          </a:p>
+        </p:txBody>
+      </p:sp>
+    </p:spTree>
+    <p:extLst>
+      <p:ext uri="{BB962C8B-B14F-4D97-AF65-F5344CB8AC3E}">
+        <p14:creationId xmlns:p14="http://schemas.microsoft.com/office/powerpoint/2010/main" val="2157151813"/>
+      </p:ext>
+    </p:extLst>
+  </p:cSld>
+  <p:clrMapOvr>
+    <a:masterClrMapping/>
+  </p:clrMapOvr>
+  <mc:AlternateContent xmlns:mc="http://schemas.openxmlformats.org/markup-compatibility/2006" xmlns:p14="http://schemas.microsoft.com/office/powerpoint/2010/main">
+    <mc:Choice Requires="p14">
+      <p:transition spd="slow" p14:dur="2000"/>
+    </mc:Choice>
+    <mc:Fallback xmlns="">
+      <p:transition spd="slow"/>
+    </mc:Fallback>
+  </mc:AlternateContent>
+  <p:timing>
+    <p:tnLst>
+      <p:par>
+        <p:cTn id="1" dur="indefinite" restart="never" nodeType="tmRoot"/>
+      </p:par>
+    </p:tnLst>
+  </p:timing>
+</p:sld>
+</file>
+
+<file path=ppt/slides/slide56.xml><?xml version="1.0" encoding="utf-8"?>
+<p:sld xmlns:a="http://schemas.openxmlformats.org/drawingml/2006/main" xmlns:r="http://schemas.openxmlformats.org/officeDocument/2006/relationships" xmlns:p="http://schemas.openxmlformats.org/presentationml/2006/main">
+  <p:cSld>
+    <p:spTree>
+      <p:nvGrpSpPr>
+        <p:cNvPr id="1" name=""/>
+        <p:cNvGrpSpPr/>
+        <p:nvPr/>
+      </p:nvGrpSpPr>
+      <p:grpSpPr>
+        <a:xfrm>
+          <a:off x="0" y="0"/>
+          <a:ext cx="0" cy="0"/>
+          <a:chOff x="0" y="0"/>
+          <a:chExt cx="0" cy="0"/>
+        </a:xfrm>
+      </p:grpSpPr>
+      <p:sp>
+        <p:nvSpPr>
+          <p:cNvPr id="29700" name="Title 5"/>
+          <p:cNvSpPr>
+            <a:spLocks noGrp="1"/>
+          </p:cNvSpPr>
+          <p:nvPr>
+            <p:ph type="title"/>
+          </p:nvPr>
+        </p:nvSpPr>
+        <p:spPr/>
+        <p:txBody>
+          <a:bodyPr/>
+          <a:lstStyle/>
+          <a:p>
+            <a:r>
+              <a:rPr lang="en-US" dirty="0" smtClean="0"/>
+              <a:t>Acceptance Testing</a:t>
+            </a:r>
+            <a:endParaRPr lang="en-US" dirty="0"/>
+          </a:p>
+        </p:txBody>
+      </p:sp>
+      <p:sp>
+        <p:nvSpPr>
+          <p:cNvPr id="29701" name="Content Placeholder 6"/>
+          <p:cNvSpPr>
+            <a:spLocks noGrp="1"/>
+          </p:cNvSpPr>
+          <p:nvPr>
+            <p:ph type="body" idx="1"/>
+          </p:nvPr>
+        </p:nvSpPr>
+        <p:spPr/>
+        <p:txBody>
+          <a:bodyPr>
+            <a:normAutofit lnSpcReduction="10000"/>
+          </a:bodyPr>
+          <a:lstStyle/>
+          <a:p>
+            <a:r>
+              <a:rPr lang="en-US" dirty="0" smtClean="0"/>
+              <a:t>Estimating dependability</a:t>
+            </a:r>
+          </a:p>
+          <a:p>
+            <a:r>
+              <a:rPr lang="en-US" dirty="0" smtClean="0"/>
+              <a:t>Measuring quality, not searching for faults</a:t>
+            </a:r>
+          </a:p>
+          <a:p>
+            <a:pPr lvl="1"/>
+            <a:r>
+              <a:rPr lang="en-US" dirty="0" smtClean="0"/>
+              <a:t>Fundamentally different goal than systematic testing</a:t>
+            </a:r>
+          </a:p>
+          <a:p>
+            <a:r>
+              <a:rPr lang="en-US" dirty="0" smtClean="0"/>
+              <a:t>Quantitative dependability goals are statistical</a:t>
+            </a:r>
+          </a:p>
+          <a:p>
+            <a:pPr lvl="1"/>
+            <a:r>
+              <a:rPr lang="en-US" dirty="0" smtClean="0"/>
+              <a:t>Reliability</a:t>
+            </a:r>
+          </a:p>
+          <a:p>
+            <a:pPr lvl="1"/>
+            <a:r>
+              <a:rPr lang="en-US" dirty="0" smtClean="0"/>
+              <a:t>Availability</a:t>
+            </a:r>
+          </a:p>
+          <a:p>
+            <a:pPr lvl="1"/>
+            <a:r>
+              <a:rPr lang="en-US" dirty="0" smtClean="0"/>
+              <a:t>Mean time to failure</a:t>
+            </a:r>
+          </a:p>
+          <a:p>
+            <a:pPr lvl="1"/>
+            <a:r>
+              <a:rPr lang="en-US" dirty="0" smtClean="0"/>
+              <a:t>...</a:t>
+            </a:r>
+          </a:p>
+          <a:p>
+            <a:r>
+              <a:rPr lang="en-US" dirty="0" smtClean="0"/>
+              <a:t>Requires valid statistical samples from operational profile</a:t>
+            </a:r>
+          </a:p>
+          <a:p>
+            <a:pPr lvl="1"/>
+            <a:r>
+              <a:rPr lang="en-US" dirty="0" smtClean="0"/>
+              <a:t>Fundamentally different from systematic testing</a:t>
+            </a:r>
+            <a:endParaRPr lang="en-US" dirty="0"/>
+          </a:p>
+        </p:txBody>
+      </p:sp>
+      <p:sp>
+        <p:nvSpPr>
+          <p:cNvPr id="2" name="Slide Number Placeholder 1"/>
+          <p:cNvSpPr>
+            <a:spLocks noGrp="1"/>
+          </p:cNvSpPr>
+          <p:nvPr>
+            <p:ph type="sldNum" sz="quarter" idx="12"/>
+          </p:nvPr>
+        </p:nvSpPr>
+        <p:spPr/>
+        <p:txBody>
+          <a:bodyPr/>
+          <a:lstStyle/>
+          <a:p>
+            <a:fld id="{B543A0FD-1CA6-4228-86A2-78061B4844C8}" type="slidenum">
+              <a:rPr lang="en-US" smtClean="0"/>
+              <a:t>56</a:t>
+            </a:fld>
+            <a:endParaRPr lang="en-US"/>
+          </a:p>
+        </p:txBody>
+      </p:sp>
+    </p:spTree>
+    <p:extLst>
+      <p:ext uri="{BB962C8B-B14F-4D97-AF65-F5344CB8AC3E}">
+        <p14:creationId xmlns:p14="http://schemas.microsoft.com/office/powerpoint/2010/main" val="300985690"/>
+      </p:ext>
+    </p:extLst>
+  </p:cSld>
+  <p:clrMapOvr>
+    <a:masterClrMapping/>
+  </p:clrMapOvr>
+  <mc:AlternateContent xmlns:mc="http://schemas.openxmlformats.org/markup-compatibility/2006" xmlns:p14="http://schemas.microsoft.com/office/powerpoint/2010/main">
+    <mc:Choice Requires="p14">
+      <p:transition spd="slow" p14:dur="2000"/>
+    </mc:Choice>
+    <mc:Fallback xmlns="">
+      <p:transition spd="slow"/>
+    </mc:Fallback>
+  </mc:AlternateContent>
+  <p:timing>
+    <p:tnLst>
+      <p:par>
+        <p:cTn id="1" dur="indefinite" restart="never" nodeType="tmRoot"/>
+      </p:par>
+    </p:tnLst>
+  </p:timing>
+</p:sld>
+</file>
+
+<file path=ppt/slides/slide57.xml><?xml version="1.0" encoding="utf-8"?>
+<p:sld xmlns:a="http://schemas.openxmlformats.org/drawingml/2006/main" xmlns:r="http://schemas.openxmlformats.org/officeDocument/2006/relationships" xmlns:p="http://schemas.openxmlformats.org/presentationml/2006/main">
+  <p:cSld>
+    <p:spTree>
+      <p:nvGrpSpPr>
+        <p:cNvPr id="1" name=""/>
+        <p:cNvGrpSpPr/>
+        <p:nvPr/>
+      </p:nvGrpSpPr>
+      <p:grpSpPr>
+        <a:xfrm>
+          <a:off x="0" y="0"/>
+          <a:ext cx="0" cy="0"/>
+          <a:chOff x="0" y="0"/>
+          <a:chExt cx="0" cy="0"/>
+        </a:xfrm>
+      </p:grpSpPr>
+      <p:sp>
+        <p:nvSpPr>
+          <p:cNvPr id="31748" name="Title 1"/>
+          <p:cNvSpPr>
+            <a:spLocks noGrp="1"/>
+          </p:cNvSpPr>
+          <p:nvPr>
+            <p:ph type="title"/>
+          </p:nvPr>
+        </p:nvSpPr>
+        <p:spPr/>
+        <p:txBody>
+          <a:bodyPr/>
+          <a:lstStyle/>
+          <a:p>
+            <a:r>
+              <a:rPr lang="en-US" dirty="0" smtClean="0"/>
+              <a:t>Statistical Sampling</a:t>
+            </a:r>
+            <a:endParaRPr lang="en-US" dirty="0"/>
+          </a:p>
+        </p:txBody>
+      </p:sp>
+      <p:sp>
+        <p:nvSpPr>
+          <p:cNvPr id="31749" name="Content Placeholder 2"/>
+          <p:cNvSpPr>
+            <a:spLocks noGrp="1"/>
+          </p:cNvSpPr>
+          <p:nvPr>
+            <p:ph idx="1"/>
+          </p:nvPr>
+        </p:nvSpPr>
+        <p:spPr>
+          <a:xfrm>
+            <a:off x="838200" y="1825625"/>
+            <a:ext cx="10610088" cy="4351338"/>
+          </a:xfrm>
+        </p:spPr>
+        <p:txBody>
+          <a:bodyPr/>
+          <a:lstStyle/>
+          <a:p>
+            <a:r>
+              <a:rPr lang="en-US" dirty="0" smtClean="0"/>
+              <a:t>We need a valid operational profile (model)</a:t>
+            </a:r>
+          </a:p>
+          <a:p>
+            <a:pPr lvl="1"/>
+            <a:r>
+              <a:rPr lang="en-US" dirty="0" smtClean="0"/>
+              <a:t>Sometimes from an older version of the system</a:t>
+            </a:r>
+          </a:p>
+          <a:p>
+            <a:pPr lvl="1"/>
+            <a:r>
+              <a:rPr lang="en-US" dirty="0" smtClean="0"/>
+              <a:t>Sometimes from operational environment (e.g., for an embedded controller)</a:t>
+            </a:r>
+          </a:p>
+          <a:p>
+            <a:pPr lvl="1"/>
+            <a:r>
+              <a:rPr lang="en-US" dirty="0" smtClean="0"/>
+              <a:t>Sensitivity testing reveals which parameters are most important, and which can be rough guesses</a:t>
+            </a:r>
+          </a:p>
+          <a:p>
+            <a:r>
+              <a:rPr lang="en-US" dirty="0" smtClean="0"/>
+              <a:t>And a clear, precise definition of what is being measured</a:t>
+            </a:r>
+          </a:p>
+          <a:p>
+            <a:pPr lvl="1"/>
+            <a:r>
+              <a:rPr lang="en-US" dirty="0" smtClean="0"/>
+              <a:t>Failure rate?  Per session, per hour, per operation?</a:t>
+            </a:r>
+          </a:p>
+          <a:p>
+            <a:r>
+              <a:rPr lang="en-US" dirty="0" smtClean="0"/>
+              <a:t>And many, many random samples</a:t>
+            </a:r>
+          </a:p>
+          <a:p>
+            <a:pPr lvl="1"/>
+            <a:r>
+              <a:rPr lang="en-US" dirty="0" smtClean="0"/>
+              <a:t>Especially for high reliability measures</a:t>
+            </a:r>
+            <a:endParaRPr lang="en-US" dirty="0"/>
+          </a:p>
+        </p:txBody>
+      </p:sp>
+      <p:sp>
+        <p:nvSpPr>
+          <p:cNvPr id="2" name="Slide Number Placeholder 1"/>
+          <p:cNvSpPr>
+            <a:spLocks noGrp="1"/>
+          </p:cNvSpPr>
+          <p:nvPr>
+            <p:ph type="sldNum" sz="quarter" idx="12"/>
+          </p:nvPr>
+        </p:nvSpPr>
+        <p:spPr/>
+        <p:txBody>
+          <a:bodyPr/>
+          <a:lstStyle/>
+          <a:p>
+            <a:fld id="{B543A0FD-1CA6-4228-86A2-78061B4844C8}" type="slidenum">
+              <a:rPr lang="en-US" smtClean="0"/>
+              <a:t>57</a:t>
+            </a:fld>
+            <a:endParaRPr lang="en-US"/>
+          </a:p>
+        </p:txBody>
+      </p:sp>
+    </p:spTree>
+    <p:extLst>
+      <p:ext uri="{BB962C8B-B14F-4D97-AF65-F5344CB8AC3E}">
+        <p14:creationId xmlns:p14="http://schemas.microsoft.com/office/powerpoint/2010/main" val="3261212313"/>
+      </p:ext>
+    </p:extLst>
+  </p:cSld>
+  <p:clrMapOvr>
+    <a:masterClrMapping/>
+  </p:clrMapOvr>
+  <mc:AlternateContent xmlns:mc="http://schemas.openxmlformats.org/markup-compatibility/2006" xmlns:p14="http://schemas.microsoft.com/office/powerpoint/2010/main">
+    <mc:Choice Requires="p14">
+      <p:transition spd="slow" p14:dur="2000"/>
+    </mc:Choice>
+    <mc:Fallback xmlns="">
+      <p:transition spd="slow"/>
+    </mc:Fallback>
+  </mc:AlternateContent>
+  <p:timing>
+    <p:tnLst>
+      <p:par>
+        <p:cTn id="1" dur="indefinite" restart="never" nodeType="tmRoot"/>
+      </p:par>
+    </p:tnLst>
+  </p:timing>
+</p:sld>
+</file>
+
+<file path=ppt/slides/slide58.xml><?xml version="1.0" encoding="utf-8"?>
+<p:sld xmlns:a="http://schemas.openxmlformats.org/drawingml/2006/main" xmlns:r="http://schemas.openxmlformats.org/officeDocument/2006/relationships" xmlns:p="http://schemas.openxmlformats.org/presentationml/2006/main">
+  <p:cSld>
+    <p:spTree>
+      <p:nvGrpSpPr>
+        <p:cNvPr id="1" name=""/>
+        <p:cNvGrpSpPr/>
+        <p:nvPr/>
+      </p:nvGrpSpPr>
+      <p:grpSpPr>
+        <a:xfrm>
+          <a:off x="0" y="0"/>
+          <a:ext cx="0" cy="0"/>
+          <a:chOff x="0" y="0"/>
+          <a:chExt cx="0" cy="0"/>
+        </a:xfrm>
+      </p:grpSpPr>
+      <p:sp>
+        <p:nvSpPr>
+          <p:cNvPr id="32772" name="Title 1"/>
+          <p:cNvSpPr>
+            <a:spLocks noGrp="1"/>
+          </p:cNvSpPr>
+          <p:nvPr>
+            <p:ph type="title"/>
+          </p:nvPr>
+        </p:nvSpPr>
+        <p:spPr/>
+        <p:txBody>
+          <a:bodyPr/>
+          <a:lstStyle/>
+          <a:p>
+            <a:r>
+              <a:rPr lang="en-US" dirty="0" smtClean="0"/>
+              <a:t>Is Statistical Testing Worthwhile?</a:t>
+            </a:r>
+            <a:endParaRPr lang="en-US" dirty="0"/>
+          </a:p>
+        </p:txBody>
+      </p:sp>
+      <p:sp>
+        <p:nvSpPr>
+          <p:cNvPr id="32773" name="Content Placeholder 2"/>
+          <p:cNvSpPr>
+            <a:spLocks noGrp="1"/>
+          </p:cNvSpPr>
+          <p:nvPr>
+            <p:ph idx="1"/>
+          </p:nvPr>
+        </p:nvSpPr>
+        <p:spPr>
+          <a:xfrm>
+            <a:off x="838200" y="1690688"/>
+            <a:ext cx="10515600" cy="4665661"/>
+          </a:xfrm>
+        </p:spPr>
+        <p:txBody>
+          <a:bodyPr/>
+          <a:lstStyle/>
+          <a:p>
+            <a:r>
+              <a:rPr lang="en-US" dirty="0" smtClean="0"/>
+              <a:t>Necessary for ... </a:t>
+            </a:r>
+          </a:p>
+          <a:p>
+            <a:pPr lvl="1"/>
+            <a:r>
+              <a:rPr lang="en-US" dirty="0" smtClean="0"/>
+              <a:t>Critical systems (safety critical, infrastructure, ...)</a:t>
+            </a:r>
+          </a:p>
+          <a:p>
+            <a:r>
+              <a:rPr lang="en-US" dirty="0" smtClean="0"/>
+              <a:t>But difficult or impossible when ... </a:t>
+            </a:r>
+          </a:p>
+          <a:p>
+            <a:pPr lvl="1"/>
+            <a:r>
+              <a:rPr lang="en-US" dirty="0" smtClean="0"/>
+              <a:t>Operational profile is unavailable or just a guess</a:t>
+            </a:r>
+          </a:p>
+          <a:p>
+            <a:pPr lvl="2"/>
+            <a:r>
+              <a:rPr lang="en-US" dirty="0" smtClean="0"/>
+              <a:t>Often for new functionality involving human interaction</a:t>
+            </a:r>
+          </a:p>
+          <a:p>
+            <a:pPr lvl="3"/>
+            <a:r>
+              <a:rPr lang="en-US" dirty="0" smtClean="0"/>
+              <a:t>But we may factor critical functions from overall use to obtain a good model of only the critical properties</a:t>
+            </a:r>
+          </a:p>
+          <a:p>
+            <a:pPr lvl="1"/>
+            <a:r>
+              <a:rPr lang="en-US" dirty="0" smtClean="0"/>
+              <a:t>Reliability requirement is very high</a:t>
+            </a:r>
+          </a:p>
+          <a:p>
+            <a:pPr lvl="2"/>
+            <a:r>
+              <a:rPr lang="en-US" dirty="0" smtClean="0"/>
+              <a:t>Required sample size (number of test cases) might require years of test execution</a:t>
+            </a:r>
+          </a:p>
+          <a:p>
+            <a:pPr lvl="2"/>
+            <a:r>
+              <a:rPr lang="en-US" dirty="0" smtClean="0"/>
+              <a:t>Ultra-reliability can seldom be demonstrated by testing</a:t>
+            </a:r>
+            <a:endParaRPr lang="en-US" dirty="0"/>
+          </a:p>
+        </p:txBody>
+      </p:sp>
+      <p:sp>
+        <p:nvSpPr>
+          <p:cNvPr id="2" name="Slide Number Placeholder 1"/>
+          <p:cNvSpPr>
+            <a:spLocks noGrp="1"/>
+          </p:cNvSpPr>
+          <p:nvPr>
+            <p:ph type="sldNum" sz="quarter" idx="12"/>
+          </p:nvPr>
+        </p:nvSpPr>
+        <p:spPr/>
+        <p:txBody>
+          <a:bodyPr/>
+          <a:lstStyle/>
+          <a:p>
+            <a:fld id="{B543A0FD-1CA6-4228-86A2-78061B4844C8}" type="slidenum">
+              <a:rPr lang="en-US" smtClean="0"/>
+              <a:t>58</a:t>
+            </a:fld>
+            <a:endParaRPr lang="en-US"/>
+          </a:p>
+        </p:txBody>
+      </p:sp>
+    </p:spTree>
+    <p:extLst>
+      <p:ext uri="{BB962C8B-B14F-4D97-AF65-F5344CB8AC3E}">
+        <p14:creationId xmlns:p14="http://schemas.microsoft.com/office/powerpoint/2010/main" val="1697649804"/>
+      </p:ext>
+    </p:extLst>
+  </p:cSld>
+  <p:clrMapOvr>
+    <a:masterClrMapping/>
+  </p:clrMapOvr>
+  <mc:AlternateContent xmlns:mc="http://schemas.openxmlformats.org/markup-compatibility/2006" xmlns:p14="http://schemas.microsoft.com/office/powerpoint/2010/main">
+    <mc:Choice Requires="p14">
+      <p:transition spd="slow" p14:dur="2000"/>
+    </mc:Choice>
+    <mc:Fallback xmlns="">
+      <p:transition spd="slow"/>
+    </mc:Fallback>
+  </mc:AlternateContent>
+  <p:timing>
+    <p:tnLst>
+      <p:par>
+        <p:cTn id="1" dur="indefinite" restart="never" nodeType="tmRoot"/>
+      </p:par>
+    </p:tnLst>
+  </p:timing>
+</p:sld>
+</file>
+
+<file path=ppt/slides/slide59.xml><?xml version="1.0" encoding="utf-8"?>
+<p:sld xmlns:a="http://schemas.openxmlformats.org/drawingml/2006/main" xmlns:r="http://schemas.openxmlformats.org/officeDocument/2006/relationships" xmlns:p="http://schemas.openxmlformats.org/presentationml/2006/main">
+  <p:cSld>
+    <p:spTree>
+      <p:nvGrpSpPr>
+        <p:cNvPr id="1" name=""/>
+        <p:cNvGrpSpPr/>
+        <p:nvPr/>
+      </p:nvGrpSpPr>
+      <p:grpSpPr>
+        <a:xfrm>
+          <a:off x="0" y="0"/>
+          <a:ext cx="0" cy="0"/>
+          <a:chOff x="0" y="0"/>
+          <a:chExt cx="0" cy="0"/>
+        </a:xfrm>
+      </p:grpSpPr>
+      <p:sp>
+        <p:nvSpPr>
+          <p:cNvPr id="33796" name="Title 1"/>
+          <p:cNvSpPr>
+            <a:spLocks noGrp="1"/>
+          </p:cNvSpPr>
+          <p:nvPr>
+            <p:ph type="title"/>
+          </p:nvPr>
+        </p:nvSpPr>
+        <p:spPr/>
+        <p:txBody>
+          <a:bodyPr/>
+          <a:lstStyle/>
+          <a:p>
+            <a:r>
+              <a:rPr lang="en-US" dirty="0" smtClean="0"/>
+              <a:t>Process-Based Measures</a:t>
+            </a:r>
+            <a:endParaRPr lang="en-US" dirty="0"/>
+          </a:p>
+        </p:txBody>
+      </p:sp>
+      <p:sp>
+        <p:nvSpPr>
+          <p:cNvPr id="33797" name="Content Placeholder 2"/>
+          <p:cNvSpPr>
+            <a:spLocks noGrp="1"/>
+          </p:cNvSpPr>
+          <p:nvPr>
+            <p:ph idx="1"/>
+          </p:nvPr>
+        </p:nvSpPr>
+        <p:spPr/>
+        <p:txBody>
+          <a:bodyPr/>
+          <a:lstStyle/>
+          <a:p>
+            <a:r>
+              <a:rPr lang="en-US" dirty="0" smtClean="0"/>
+              <a:t>Less rigorous than statistical testing</a:t>
+            </a:r>
+          </a:p>
+          <a:p>
+            <a:pPr lvl="1"/>
+            <a:r>
+              <a:rPr lang="en-US" dirty="0" smtClean="0"/>
+              <a:t>Based on similarity with prior projects</a:t>
+            </a:r>
+          </a:p>
+          <a:p>
+            <a:r>
+              <a:rPr lang="en-US" dirty="0" smtClean="0"/>
+              <a:t>System testing process</a:t>
+            </a:r>
+          </a:p>
+          <a:p>
+            <a:pPr lvl="1"/>
+            <a:r>
+              <a:rPr lang="en-US" dirty="0" smtClean="0"/>
+              <a:t>Expected history of bugs found and resolved</a:t>
+            </a:r>
+          </a:p>
+          <a:p>
+            <a:r>
+              <a:rPr lang="en-US" dirty="0" smtClean="0"/>
+              <a:t>Alpha, beta testing</a:t>
+            </a:r>
+          </a:p>
+          <a:p>
+            <a:pPr lvl="1"/>
+            <a:r>
+              <a:rPr lang="en-US" dirty="0" smtClean="0"/>
+              <a:t>Alpha testing:  Real users, controlled environment</a:t>
+            </a:r>
+          </a:p>
+          <a:p>
+            <a:pPr lvl="1"/>
+            <a:r>
+              <a:rPr lang="en-US" dirty="0" smtClean="0"/>
+              <a:t>Beta testing: Real users, real (uncontrolled) environment</a:t>
+            </a:r>
+          </a:p>
+          <a:p>
+            <a:pPr lvl="1"/>
+            <a:r>
+              <a:rPr lang="en-US" dirty="0" smtClean="0"/>
+              <a:t>May statistically sample users rather than uses</a:t>
+            </a:r>
+          </a:p>
+          <a:p>
+            <a:pPr lvl="1"/>
+            <a:r>
+              <a:rPr lang="en-US" dirty="0" smtClean="0"/>
+              <a:t>Expected history of bug reports</a:t>
+            </a:r>
+            <a:endParaRPr lang="en-US" dirty="0"/>
+          </a:p>
+        </p:txBody>
+      </p:sp>
+      <p:sp>
+        <p:nvSpPr>
+          <p:cNvPr id="2" name="Slide Number Placeholder 1"/>
+          <p:cNvSpPr>
+            <a:spLocks noGrp="1"/>
+          </p:cNvSpPr>
+          <p:nvPr>
+            <p:ph type="sldNum" sz="quarter" idx="12"/>
+          </p:nvPr>
+        </p:nvSpPr>
+        <p:spPr/>
+        <p:txBody>
+          <a:bodyPr/>
+          <a:lstStyle/>
+          <a:p>
+            <a:fld id="{B543A0FD-1CA6-4228-86A2-78061B4844C8}" type="slidenum">
+              <a:rPr lang="en-US" smtClean="0"/>
+              <a:t>59</a:t>
+            </a:fld>
+            <a:endParaRPr lang="en-US"/>
+          </a:p>
+        </p:txBody>
+      </p:sp>
+    </p:spTree>
+    <p:extLst>
+      <p:ext uri="{BB962C8B-B14F-4D97-AF65-F5344CB8AC3E}">
+        <p14:creationId xmlns:p14="http://schemas.microsoft.com/office/powerpoint/2010/main" val="2239560198"/>
+      </p:ext>
+    </p:extLst>
+  </p:cSld>
+  <p:clrMapOvr>
+    <a:masterClrMapping/>
+  </p:clrMapOvr>
+  <mc:AlternateContent xmlns:mc="http://schemas.openxmlformats.org/markup-compatibility/2006" xmlns:p14="http://schemas.microsoft.com/office/powerpoint/2010/main">
+    <mc:Choice Requires="p14">
+      <p:transition spd="slow" p14:dur="2000"/>
+    </mc:Choice>
+    <mc:Fallback xmlns="">
+      <p:transition spd="slow"/>
+    </mc:Fallback>
+  </mc:AlternateContent>
+  <p:timing>
+    <p:tnLst>
+      <p:par>
+        <p:cTn id="1" dur="indefinite" restart="never" nodeType="tmRoot"/>
+      </p:par>
+    </p:tnLst>
+  </p:timing>
+</p:sld>
+</file>
+
+<file path=ppt/slides/slide6.xml><?xml version="1.0" encoding="utf-8"?>
+<p:sld xmlns:a="http://schemas.openxmlformats.org/drawingml/2006/main" xmlns:r="http://schemas.openxmlformats.org/officeDocument/2006/relationships" xmlns:p="http://schemas.openxmlformats.org/presentationml/2006/main">
+  <p:cSld>
+    <p:spTree>
+      <p:nvGrpSpPr>
+        <p:cNvPr id="1" name=""/>
+        <p:cNvGrpSpPr/>
+        <p:nvPr/>
+      </p:nvGrpSpPr>
+      <p:grpSpPr>
+        <a:xfrm>
+          <a:off x="0" y="0"/>
+          <a:ext cx="0" cy="0"/>
+          <a:chOff x="0" y="0"/>
+          <a:chExt cx="0" cy="0"/>
+        </a:xfrm>
+      </p:grpSpPr>
+      <p:sp>
+        <p:nvSpPr>
+          <p:cNvPr id="2" name="Title 1"/>
+          <p:cNvSpPr>
+            <a:spLocks noGrp="1"/>
+          </p:cNvSpPr>
+          <p:nvPr>
+            <p:ph type="title"/>
+          </p:nvPr>
+        </p:nvSpPr>
+        <p:spPr/>
+        <p:txBody>
+          <a:bodyPr/>
+          <a:lstStyle/>
+          <a:p>
+            <a:r>
+              <a:rPr lang="en-US" dirty="0" smtClean="0"/>
+              <a:t>System Testing</a:t>
+            </a:r>
+            <a:endParaRPr lang="en-US" dirty="0"/>
+          </a:p>
+        </p:txBody>
+      </p:sp>
+      <p:sp>
+        <p:nvSpPr>
+          <p:cNvPr id="3" name="Content Placeholder 2"/>
+          <p:cNvSpPr>
+            <a:spLocks noGrp="1"/>
+          </p:cNvSpPr>
+          <p:nvPr>
+            <p:ph idx="1"/>
+          </p:nvPr>
+        </p:nvSpPr>
+        <p:spPr/>
+        <p:txBody>
+          <a:bodyPr>
+            <a:normAutofit lnSpcReduction="10000"/>
+          </a:bodyPr>
+          <a:lstStyle/>
+          <a:p>
+            <a:r>
+              <a:rPr lang="en-US" dirty="0" smtClean="0"/>
+              <a:t>“Intuitively clear”</a:t>
+            </a:r>
+          </a:p>
+          <a:p>
+            <a:pPr lvl="1"/>
+            <a:r>
+              <a:rPr lang="en-US" dirty="0" smtClean="0"/>
+              <a:t>customer expectations</a:t>
+            </a:r>
+          </a:p>
+          <a:p>
+            <a:pPr lvl="1"/>
+            <a:r>
+              <a:rPr lang="en-US" dirty="0" smtClean="0"/>
+              <a:t>close to customer acceptance testing</a:t>
+            </a:r>
+          </a:p>
+          <a:p>
+            <a:r>
+              <a:rPr lang="en-US" dirty="0" smtClean="0"/>
+              <a:t>BUT we need a better basis for really understanding system testing</a:t>
+            </a:r>
+          </a:p>
+          <a:p>
+            <a:r>
+              <a:rPr lang="en-US" dirty="0" smtClean="0"/>
+              <a:t>Threads—the subject of system testing</a:t>
+            </a:r>
+          </a:p>
+          <a:p>
+            <a:r>
+              <a:rPr lang="en-US" dirty="0" smtClean="0"/>
+              <a:t>How are they identified?</a:t>
+            </a:r>
+          </a:p>
+          <a:p>
+            <a:pPr lvl="1"/>
+            <a:r>
+              <a:rPr lang="en-US" dirty="0" smtClean="0"/>
+              <a:t>ad hoc?</a:t>
+            </a:r>
+          </a:p>
+          <a:p>
+            <a:pPr lvl="1"/>
+            <a:r>
+              <a:rPr lang="en-US" dirty="0" smtClean="0"/>
+              <a:t>from experience?</a:t>
+            </a:r>
+          </a:p>
+          <a:p>
+            <a:pPr lvl="1"/>
+            <a:r>
+              <a:rPr lang="en-US" dirty="0" smtClean="0"/>
+              <a:t>from a possibly incomplete requirements specification?</a:t>
+            </a:r>
+          </a:p>
+          <a:p>
+            <a:pPr lvl="1"/>
+            <a:r>
+              <a:rPr lang="en-US" dirty="0" smtClean="0"/>
+              <a:t>from an executable model? (Model-Based Testing) </a:t>
+            </a:r>
+            <a:endParaRPr lang="en-US" dirty="0"/>
+          </a:p>
+        </p:txBody>
+      </p:sp>
+    </p:spTree>
+    <p:extLst>
+      <p:ext uri="{BB962C8B-B14F-4D97-AF65-F5344CB8AC3E}">
+        <p14:creationId xmlns:p14="http://schemas.microsoft.com/office/powerpoint/2010/main" val="709468704"/>
+      </p:ext>
+    </p:extLst>
+  </p:cSld>
+  <p:clrMapOvr>
+    <a:masterClrMapping/>
+  </p:clrMapOvr>
+</p:sld>
+</file>
+
+<file path=ppt/slides/slide60.xml><?xml version="1.0" encoding="utf-8"?>
+<p:sld xmlns:a="http://schemas.openxmlformats.org/drawingml/2006/main" xmlns:r="http://schemas.openxmlformats.org/officeDocument/2006/relationships" xmlns:p="http://schemas.openxmlformats.org/presentationml/2006/main">
+  <p:cSld>
+    <p:spTree>
+      <p:nvGrpSpPr>
+        <p:cNvPr id="1" name=""/>
+        <p:cNvGrpSpPr/>
+        <p:nvPr/>
+      </p:nvGrpSpPr>
+      <p:grpSpPr>
+        <a:xfrm>
+          <a:off x="0" y="0"/>
+          <a:ext cx="0" cy="0"/>
+          <a:chOff x="0" y="0"/>
+          <a:chExt cx="0" cy="0"/>
+        </a:xfrm>
+      </p:grpSpPr>
+      <p:sp>
+        <p:nvSpPr>
+          <p:cNvPr id="1608706" name="Rectangle 2"/>
+          <p:cNvSpPr>
+            <a:spLocks noGrp="1" noChangeArrowheads="1"/>
+          </p:cNvSpPr>
+          <p:nvPr>
+            <p:ph type="title"/>
+          </p:nvPr>
+        </p:nvSpPr>
+        <p:spPr/>
+        <p:txBody>
+          <a:bodyPr/>
+          <a:lstStyle/>
+          <a:p>
+            <a:r>
+              <a:rPr lang="en-US" dirty="0" smtClean="0"/>
+              <a:t>UI testing ("acceptance")</a:t>
+            </a:r>
+            <a:endParaRPr lang="en-US" dirty="0"/>
+          </a:p>
+        </p:txBody>
+      </p:sp>
+      <p:sp>
+        <p:nvSpPr>
+          <p:cNvPr id="1608707" name="Rectangle 3"/>
+          <p:cNvSpPr>
+            <a:spLocks noGrp="1" noChangeArrowheads="1"/>
+          </p:cNvSpPr>
+          <p:nvPr>
+            <p:ph idx="1"/>
+          </p:nvPr>
+        </p:nvSpPr>
+        <p:spPr/>
+        <p:txBody>
+          <a:bodyPr/>
+          <a:lstStyle/>
+          <a:p>
+            <a:r>
+              <a:rPr lang="en-US" dirty="0" smtClean="0"/>
+              <a:t>Automated UI testing ("automation")</a:t>
+            </a:r>
+          </a:p>
+          <a:p>
+            <a:pPr lvl="1"/>
+            <a:r>
+              <a:rPr lang="en-US" dirty="0" smtClean="0"/>
+              <a:t>Scripts and such that use your app and look for failures</a:t>
+            </a:r>
+          </a:p>
+          <a:p>
+            <a:pPr lvl="1"/>
+            <a:r>
+              <a:rPr lang="en-US" dirty="0" smtClean="0"/>
+              <a:t>A black-box system test</a:t>
+            </a:r>
+          </a:p>
+          <a:p>
+            <a:r>
+              <a:rPr lang="en-US" dirty="0" smtClean="0"/>
+              <a:t>Manual tests</a:t>
+            </a:r>
+          </a:p>
+          <a:p>
+            <a:pPr lvl="1"/>
+            <a:r>
+              <a:rPr lang="en-US" dirty="0" smtClean="0"/>
+              <a:t>Human beings click through predetermined paths</a:t>
+            </a:r>
+          </a:p>
+          <a:p>
+            <a:pPr lvl="1"/>
+            <a:r>
+              <a:rPr lang="en-US" dirty="0" smtClean="0"/>
+              <a:t>Need to write down the specific tests each time</a:t>
+            </a:r>
+          </a:p>
+          <a:p>
+            <a:r>
+              <a:rPr lang="en-US" dirty="0" smtClean="0"/>
+              <a:t>Ad-hoc tests</a:t>
+            </a:r>
+          </a:p>
+          <a:p>
+            <a:pPr lvl="1"/>
+            <a:r>
+              <a:rPr lang="en-US" dirty="0" smtClean="0"/>
+              <a:t>Human beings are "turned loose" on the app to see if they can break it</a:t>
+            </a:r>
+          </a:p>
+          <a:p>
+            <a:endParaRPr lang="en-US" dirty="0"/>
+          </a:p>
+        </p:txBody>
+      </p:sp>
+      <p:sp>
+        <p:nvSpPr>
+          <p:cNvPr id="2" name="Slide Number Placeholder 1"/>
+          <p:cNvSpPr>
+            <a:spLocks noGrp="1"/>
+          </p:cNvSpPr>
+          <p:nvPr>
+            <p:ph type="sldNum" sz="quarter" idx="12"/>
+          </p:nvPr>
+        </p:nvSpPr>
+        <p:spPr/>
+        <p:txBody>
+          <a:bodyPr/>
+          <a:lstStyle/>
+          <a:p>
+            <a:fld id="{B543A0FD-1CA6-4228-86A2-78061B4844C8}" type="slidenum">
+              <a:rPr lang="en-US" smtClean="0"/>
+              <a:t>60</a:t>
+            </a:fld>
+            <a:endParaRPr lang="en-US"/>
+          </a:p>
+        </p:txBody>
+      </p:sp>
+    </p:spTree>
+    <p:extLst>
+      <p:ext uri="{BB962C8B-B14F-4D97-AF65-F5344CB8AC3E}">
+        <p14:creationId xmlns:p14="http://schemas.microsoft.com/office/powerpoint/2010/main" val="194988878"/>
+      </p:ext>
+    </p:extLst>
+  </p:cSld>
+  <p:clrMapOvr>
+    <a:masterClrMapping/>
+  </p:clrMapOvr>
+  <mc:AlternateContent xmlns:mc="http://schemas.openxmlformats.org/markup-compatibility/2006" xmlns:p14="http://schemas.microsoft.com/office/powerpoint/2010/main">
+    <mc:Choice Requires="p14">
+      <p:transition spd="slow" p14:dur="2000"/>
+    </mc:Choice>
+    <mc:Fallback xmlns="">
+      <p:transition spd="slow"/>
+    </mc:Fallback>
+  </mc:AlternateContent>
+</p:sld>
+</file>
+
 <file path=ppt/slides/slide61.xml><?xml version="1.0" encoding="utf-8"?>
 <p:sld xmlns:a="http://schemas.openxmlformats.org/drawingml/2006/main" xmlns:r="http://schemas.openxmlformats.org/officeDocument/2006/relationships" xmlns:p="http://schemas.openxmlformats.org/presentationml/2006/main">
   <p:cSld>
@@ -19050,7 +20053,7 @@
       </p:grpSpPr>
       <p:sp>
         <p:nvSpPr>
-          <p:cNvPr id="22532" name="Title 1"/>
+          <p:cNvPr id="35844" name="Rectangle 6"/>
           <p:cNvSpPr>
             <a:spLocks noGrp="1"/>
           </p:cNvSpPr>
@@ -19065,15 +20068,15 @@
           <a:p>
             <a:r>
               <a:rPr lang="en-US" dirty="0" smtClean="0"/>
-              <a:t>Independent V&amp;V</a:t>
-            </a:r>
-            <a:endParaRPr lang="en-US" dirty="0"/>
-          </a:p>
-        </p:txBody>
-      </p:sp>
-      <p:sp>
-        <p:nvSpPr>
-          <p:cNvPr id="22533" name="Content Placeholder 2"/>
+              <a:t>Usability Test</a:t>
+            </a:r>
+            <a:endParaRPr lang="en-US" dirty="0"/>
+          </a:p>
+        </p:txBody>
+      </p:sp>
+      <p:sp>
+        <p:nvSpPr>
+          <p:cNvPr id="35845" name="Rectangle 7"/>
           <p:cNvSpPr>
             <a:spLocks noGrp="1"/>
           </p:cNvSpPr>
@@ -19083,87 +20086,59 @@
         </p:nvSpPr>
         <p:spPr/>
         <p:txBody>
-          <a:bodyPr>
-            <a:normAutofit lnSpcReduction="10000"/>
-          </a:bodyPr>
-          <a:lstStyle/>
-          <a:p>
-            <a:r>
-              <a:rPr lang="en-US" dirty="0" smtClean="0"/>
-              <a:t>One strategy for maximizing independence: </a:t>
+          <a:bodyPr/>
+          <a:lstStyle/>
+          <a:p>
+            <a:r>
+              <a:rPr lang="en-US" dirty="0" smtClean="0"/>
+              <a:t>A usable product </a:t>
             </a:r>
           </a:p>
           <a:p>
             <a:pPr lvl="1"/>
             <a:r>
               <a:rPr lang="en-US" dirty="0" smtClean="0"/>
-              <a:t>System (and acceptance) test performed by a different organization</a:t>
-            </a:r>
-          </a:p>
-          <a:p>
-            <a:r>
-              <a:rPr lang="en-US" dirty="0" smtClean="0"/>
-              <a:t>Organizationally isolated from developers </a:t>
+              <a:t>is quickly learned</a:t>
             </a:r>
           </a:p>
           <a:p>
             <a:pPr lvl="1"/>
             <a:r>
               <a:rPr lang="en-US" dirty="0" smtClean="0"/>
-              <a:t>no pressure to say </a:t>
-            </a:r>
-            <a:r>
-              <a:rPr lang="ja-JP" altLang="en-US" smtClean="0"/>
-              <a:t>“</a:t>
-            </a:r>
-            <a:r>
-              <a:rPr lang="en-US" altLang="ja-JP" dirty="0" smtClean="0"/>
-              <a:t>ok</a:t>
-            </a:r>
-            <a:r>
-              <a:rPr lang="ja-JP" altLang="en-US" smtClean="0"/>
-              <a:t>”</a:t>
-            </a:r>
-            <a:endParaRPr lang="en-US" altLang="ja-JP" dirty="0" smtClean="0"/>
-          </a:p>
-          <a:p>
-            <a:r>
-              <a:rPr lang="en-US" dirty="0" smtClean="0"/>
-              <a:t>Sometimes outsourced to another company or agency</a:t>
+              <a:t>allows users to work efficiently</a:t>
             </a:r>
           </a:p>
           <a:p>
             <a:pPr lvl="1"/>
             <a:r>
               <a:rPr lang="en-US" dirty="0" smtClean="0"/>
-              <a:t>Especially for critical systems</a:t>
+              <a:t>is pleasant to use </a:t>
+            </a:r>
+          </a:p>
+          <a:p>
+            <a:r>
+              <a:rPr lang="en-US" dirty="0" smtClean="0"/>
+              <a:t>Objective criteria</a:t>
             </a:r>
           </a:p>
           <a:p>
             <a:pPr lvl="1"/>
             <a:r>
               <a:rPr lang="en-US" dirty="0" smtClean="0"/>
-              <a:t>Outsourcing for independent judgment, not to save money</a:t>
+              <a:t>Time and number of operations to perform a task</a:t>
             </a:r>
           </a:p>
           <a:p>
             <a:pPr lvl="1"/>
             <a:r>
               <a:rPr lang="en-US" dirty="0" smtClean="0"/>
-              <a:t>May be additional system test, not replacing internal V&amp;V</a:t>
-            </a:r>
-          </a:p>
-          <a:p>
-            <a:r>
-              <a:rPr lang="en-US" dirty="0" smtClean="0"/>
-              <a:t>Not all outsourced testing is IV&amp;V</a:t>
-            </a:r>
-          </a:p>
-          <a:p>
-            <a:pPr lvl="1"/>
-            <a:r>
-              <a:rPr lang="en-US" dirty="0" smtClean="0"/>
-              <a:t>Not independent if controlled by development organization</a:t>
+              <a:t>Frequency of user error</a:t>
+            </a:r>
+          </a:p>
+          <a:p>
+            <a:r>
+              <a:rPr lang="en-US" dirty="0" smtClean="0"/>
+              <a:t>Plus overall, subjective satisfaction</a:t>
             </a:r>
             <a:endParaRPr lang="en-US" dirty="0"/>
           </a:p>
@@ -19195,7 +20170,7 @@
     </p:spTree>
     <p:extLst>
       <p:ext uri="{BB962C8B-B14F-4D97-AF65-F5344CB8AC3E}">
-        <p14:creationId xmlns:p14="http://schemas.microsoft.com/office/powerpoint/2010/main" val="3275539735"/>
+        <p14:creationId xmlns:p14="http://schemas.microsoft.com/office/powerpoint/2010/main" val="2207561207"/>
       </p:ext>
     </p:extLst>
   </p:cSld>
@@ -19239,9 +20214,9 @@
       </p:grpSpPr>
       <p:sp>
         <p:nvSpPr>
-          <p:cNvPr id="23556" name="Title 1"/>
-          <p:cNvSpPr>
-            <a:spLocks noGrp="1"/>
+          <p:cNvPr id="1605634" name="Rectangle 2"/>
+          <p:cNvSpPr>
+            <a:spLocks noGrp="1" noChangeArrowheads="1"/>
           </p:cNvSpPr>
           <p:nvPr>
             <p:ph type="title"/>
@@ -19249,111 +20224,54 @@
         </p:nvSpPr>
         <p:spPr/>
         <p:txBody>
-          <a:bodyPr anchor="ctr"/>
-          <a:lstStyle/>
-          <a:p>
-            <a:pPr eaLnBrk="1" hangingPunct="1"/>
-            <a:r>
-              <a:rPr lang="en-US" sz="3200" dirty="0"/>
-              <a:t>Achieving Independence Without Changing Staff</a:t>
-            </a:r>
-          </a:p>
-        </p:txBody>
-      </p:sp>
-      <p:sp>
-        <p:nvSpPr>
-          <p:cNvPr id="23557" name="Content Placeholder 2"/>
-          <p:cNvSpPr>
-            <a:spLocks noGrp="1"/>
-          </p:cNvSpPr>
-          <p:nvPr>
-            <p:ph idx="1"/>
-          </p:nvPr>
-        </p:nvSpPr>
-        <p:spPr/>
-        <p:txBody>
-          <a:bodyPr>
-            <a:normAutofit lnSpcReduction="10000"/>
-          </a:bodyPr>
-          <a:lstStyle/>
-          <a:p>
-            <a:pPr marL="342900" indent="-342900"/>
-            <a:r>
-              <a:rPr lang="en-US" sz="3200" dirty="0"/>
-              <a:t>If the development organization controls system testing ...</a:t>
-            </a:r>
-          </a:p>
-          <a:p>
-            <a:pPr marL="742950" lvl="1" indent="-285750"/>
-            <a:r>
-              <a:rPr lang="en-US" sz="2800" dirty="0"/>
-              <a:t>Perfect independence may be unattainable, but we can reduce undue influence</a:t>
-            </a:r>
-          </a:p>
-          <a:p>
-            <a:pPr marL="342900" indent="-342900"/>
-            <a:r>
-              <a:rPr lang="en-US" sz="3200" dirty="0"/>
-              <a:t>Develop system test cases early</a:t>
-            </a:r>
-          </a:p>
-          <a:p>
-            <a:pPr marL="742950" lvl="1" indent="-285750"/>
-            <a:r>
-              <a:rPr lang="en-US" sz="2800" dirty="0"/>
-              <a:t>As part of requirements specification, before major design decisions have been made</a:t>
-            </a:r>
-          </a:p>
-          <a:p>
-            <a:pPr lvl="2"/>
-            <a:r>
-              <a:rPr lang="en-US" sz="2400" dirty="0"/>
-              <a:t>Agile </a:t>
-            </a:r>
-            <a:r>
-              <a:rPr lang="ja-JP" altLang="en-US" sz="2400" dirty="0"/>
-              <a:t>“</a:t>
-            </a:r>
-            <a:r>
-              <a:rPr lang="en-US" altLang="ja-JP" sz="2400" dirty="0"/>
-              <a:t>test first</a:t>
-            </a:r>
-            <a:r>
-              <a:rPr lang="ja-JP" altLang="en-US" sz="2400" dirty="0"/>
-              <a:t>”</a:t>
-            </a:r>
-            <a:r>
-              <a:rPr lang="en-US" altLang="ja-JP" sz="2400" dirty="0"/>
-              <a:t> </a:t>
-            </a:r>
-          </a:p>
-          <a:p>
-            <a:pPr lvl="2"/>
-            <a:r>
-              <a:rPr lang="en-US" altLang="ja-JP" sz="2400" dirty="0"/>
-              <a:t>Conventional </a:t>
-            </a:r>
-            <a:r>
-              <a:rPr lang="ja-JP" altLang="en-US" sz="2400" dirty="0"/>
-              <a:t>“</a:t>
-            </a:r>
-            <a:r>
-              <a:rPr lang="en-US" altLang="ja-JP" sz="2400" dirty="0"/>
-              <a:t>V model</a:t>
-            </a:r>
-            <a:r>
-              <a:rPr lang="ja-JP" altLang="en-US" sz="2400" dirty="0"/>
-              <a:t>”</a:t>
-            </a:r>
-            <a:endParaRPr lang="en-US" altLang="ja-JP" sz="2400" dirty="0"/>
-          </a:p>
-          <a:p>
-            <a:pPr lvl="2"/>
-            <a:r>
-              <a:rPr lang="en-US" altLang="ja-JP" sz="2400" dirty="0"/>
-              <a:t>Critical system testing early in project</a:t>
-            </a:r>
-            <a:endParaRPr lang="en-US" sz="2400" dirty="0"/>
+          <a:bodyPr/>
+          <a:lstStyle/>
+          <a:p>
+            <a:r>
+              <a:rPr lang="en-US" dirty="0"/>
+              <a:t>Load testing</a:t>
+            </a:r>
+          </a:p>
+        </p:txBody>
+      </p:sp>
+      <p:sp>
+        <p:nvSpPr>
+          <p:cNvPr id="1605635" name="Rectangle 3"/>
+          <p:cNvSpPr>
+            <a:spLocks noGrp="1" noChangeArrowheads="1"/>
+          </p:cNvSpPr>
+          <p:nvPr>
+            <p:ph type="body" idx="1"/>
+          </p:nvPr>
+        </p:nvSpPr>
+        <p:spPr/>
+        <p:txBody>
+          <a:bodyPr/>
+          <a:lstStyle/>
+          <a:p>
+            <a:r>
+              <a:rPr lang="en-US" dirty="0"/>
+              <a:t>load testing</a:t>
+            </a:r>
+          </a:p>
+          <a:p>
+            <a:pPr lvl="1"/>
+            <a:r>
+              <a:rPr lang="en-US" dirty="0"/>
+              <a:t>How many hits/requests should the system be able to handle?</a:t>
+            </a:r>
+          </a:p>
+          <a:p>
+            <a:pPr lvl="1"/>
+            <a:r>
+              <a:rPr lang="en-US" dirty="0"/>
+              <a:t>What should be its performance under these circumstances</a:t>
+            </a:r>
+            <a:r>
+              <a:rPr lang="en-US" dirty="0" smtClean="0"/>
+              <a:t>?</a:t>
+            </a:r>
+            <a:endParaRPr lang="en-US" dirty="0"/>
           </a:p>
         </p:txBody>
       </p:sp>
@@ -19383,7 +20301,7 @@
     </p:spTree>
     <p:extLst>
       <p:ext uri="{BB962C8B-B14F-4D97-AF65-F5344CB8AC3E}">
-        <p14:creationId xmlns:p14="http://schemas.microsoft.com/office/powerpoint/2010/main" val="882088098"/>
+        <p14:creationId xmlns:p14="http://schemas.microsoft.com/office/powerpoint/2010/main" val="3253322863"/>
       </p:ext>
     </p:extLst>
   </p:cSld>
@@ -19398,13 +20316,6 @@
       <p:transition spd="slow"/>
     </mc:Fallback>
   </mc:AlternateContent>
-  <p:timing>
-    <p:tnLst>
-      <p:par>
-        <p:cTn id="1" dur="indefinite" restart="never" nodeType="tmRoot"/>
-      </p:par>
-    </p:tnLst>
-  </p:timing>
 </p:sld>
 </file>
 
@@ -19427,7 +20338,7 @@
       </p:grpSpPr>
       <p:sp>
         <p:nvSpPr>
-          <p:cNvPr id="24580" name="Title 1"/>
+          <p:cNvPr id="36868" name="Title 1"/>
           <p:cNvSpPr>
             <a:spLocks noGrp="1"/>
           </p:cNvSpPr>
@@ -19442,15 +20353,15 @@
           <a:p>
             <a:r>
               <a:rPr lang="en-US" dirty="0" smtClean="0"/>
-              <a:t>Incremental System Testing</a:t>
-            </a:r>
-            <a:endParaRPr lang="en-US" dirty="0"/>
-          </a:p>
-        </p:txBody>
-      </p:sp>
-      <p:sp>
-        <p:nvSpPr>
-          <p:cNvPr id="24581" name="Content Placeholder 2"/>
+              <a:t>Accessibility Testing</a:t>
+            </a:r>
+            <a:endParaRPr lang="en-US" dirty="0"/>
+          </a:p>
+        </p:txBody>
+      </p:sp>
+      <p:sp>
+        <p:nvSpPr>
+          <p:cNvPr id="36869" name="Content Placeholder 2"/>
           <p:cNvSpPr>
             <a:spLocks noGrp="1"/>
           </p:cNvSpPr>
@@ -19465,50 +20376,70 @@
           <a:p>
             <a:r>
               <a:rPr lang="en-US" dirty="0" smtClean="0"/>
-              <a:t>System tests are often used to measure progress</a:t>
+              <a:t>Check usability by people with disabilities</a:t>
             </a:r>
           </a:p>
           <a:p>
             <a:pPr lvl="1"/>
             <a:r>
               <a:rPr lang="en-US" dirty="0" smtClean="0"/>
-              <a:t>System test suite covers all features and scenarios of use</a:t>
+              <a:t>Blind and low vision, deaf, color-blind, ...</a:t>
+            </a:r>
+          </a:p>
+          <a:p>
+            <a:r>
+              <a:rPr lang="en-US" dirty="0" smtClean="0"/>
+              <a:t>Use accessibility guidelines</a:t>
             </a:r>
           </a:p>
           <a:p>
             <a:pPr lvl="1"/>
             <a:r>
               <a:rPr lang="en-US" dirty="0" smtClean="0"/>
-              <a:t>As project progresses, the system passes more and more system tests</a:t>
-            </a:r>
-          </a:p>
-          <a:p>
-            <a:r>
-              <a:rPr lang="en-US" dirty="0" smtClean="0"/>
-              <a:t>Assumes a </a:t>
-            </a:r>
-            <a:r>
-              <a:rPr lang="ja-JP" altLang="en-US" smtClean="0"/>
+              <a:t>Direct usability testing with all relevant groups is usually impractical; checking compliance to guidelines is practical and often reveals problems</a:t>
+            </a:r>
+          </a:p>
+          <a:p>
+            <a:r>
+              <a:rPr lang="en-US" dirty="0" smtClean="0"/>
+              <a:t>Example: W3C Web Content Accessibility Guidelines</a:t>
+            </a:r>
+          </a:p>
+          <a:p>
+            <a:pPr lvl="1"/>
+            <a:r>
+              <a:rPr lang="en-US" dirty="0" smtClean="0"/>
+              <a:t>Parts can be checked automatically</a:t>
+            </a:r>
+          </a:p>
+          <a:p>
+            <a:pPr lvl="1"/>
+            <a:r>
+              <a:rPr lang="en-US" dirty="0" smtClean="0"/>
+              <a:t>but manual check is still required</a:t>
+            </a:r>
+          </a:p>
+          <a:p>
+            <a:pPr lvl="2"/>
+            <a:r>
+              <a:rPr lang="en-US" dirty="0" smtClean="0"/>
+              <a:t>e.g., is the </a:t>
+            </a:r>
+            <a:r>
+              <a:rPr lang="ja-JP" altLang="en-US" dirty="0" smtClean="0"/>
               <a:t>“</a:t>
             </a:r>
             <a:r>
               <a:rPr lang="en-US" altLang="ja-JP" dirty="0" smtClean="0"/>
-              <a:t>threaded</a:t>
-            </a:r>
-            <a:r>
-              <a:rPr lang="ja-JP" altLang="en-US" smtClean="0"/>
+              <a:t>alt</a:t>
+            </a:r>
+            <a:r>
+              <a:rPr lang="ja-JP" altLang="en-US" dirty="0" smtClean="0"/>
               <a:t>”</a:t>
             </a:r>
             <a:r>
               <a:rPr lang="en-US" altLang="ja-JP" dirty="0" smtClean="0"/>
-              <a:t> incremental build plan: </a:t>
-            </a:r>
-          </a:p>
-          <a:p>
-            <a:pPr lvl="1"/>
-            <a:r>
-              <a:rPr lang="en-US" dirty="0" smtClean="0"/>
-              <a:t>Features exposed at top level as they are developed</a:t>
+              <a:t> tag of the image meaningful? </a:t>
             </a:r>
             <a:endParaRPr lang="en-US" dirty="0"/>
           </a:p>
@@ -19540,7 +20471,7 @@
     </p:spTree>
     <p:extLst>
       <p:ext uri="{BB962C8B-B14F-4D97-AF65-F5344CB8AC3E}">
-        <p14:creationId xmlns:p14="http://schemas.microsoft.com/office/powerpoint/2010/main" val="610539682"/>
+        <p14:creationId xmlns:p14="http://schemas.microsoft.com/office/powerpoint/2010/main" val="89117169"/>
       </p:ext>
     </p:extLst>
   </p:cSld>
@@ -19584,7 +20515,7 @@
       </p:grpSpPr>
       <p:sp>
         <p:nvSpPr>
-          <p:cNvPr id="25604" name="Title 1"/>
+          <p:cNvPr id="4" name="Title 3"/>
           <p:cNvSpPr>
             <a:spLocks noGrp="1"/>
           </p:cNvSpPr>
@@ -19599,65 +20530,67 @@
           <a:p>
             <a:r>
               <a:rPr lang="en-US" dirty="0" smtClean="0"/>
-              <a:t>Global Properties</a:t>
-            </a:r>
-            <a:endParaRPr lang="en-US" dirty="0"/>
-          </a:p>
-        </p:txBody>
-      </p:sp>
-      <p:sp>
-        <p:nvSpPr>
-          <p:cNvPr id="25605" name="Content Placeholder 2"/>
-          <p:cNvSpPr>
-            <a:spLocks noGrp="1"/>
-          </p:cNvSpPr>
-          <p:nvPr>
-            <p:ph type="body" idx="1"/>
-          </p:nvPr>
-        </p:nvSpPr>
-        <p:spPr/>
-        <p:txBody>
-          <a:bodyPr/>
-          <a:lstStyle/>
-          <a:p>
-            <a:r>
-              <a:rPr lang="en-US" dirty="0" smtClean="0"/>
-              <a:t>Some system properties are inherently global</a:t>
+              <a:t>Installation Testing</a:t>
+            </a:r>
+            <a:endParaRPr lang="en-US" dirty="0"/>
+          </a:p>
+        </p:txBody>
+      </p:sp>
+      <p:sp>
+        <p:nvSpPr>
+          <p:cNvPr id="5" name="Content Placeholder 4"/>
+          <p:cNvSpPr>
+            <a:spLocks noGrp="1"/>
+          </p:cNvSpPr>
+          <p:nvPr>
+            <p:ph idx="1"/>
+          </p:nvPr>
+        </p:nvSpPr>
+        <p:spPr/>
+        <p:txBody>
+          <a:bodyPr/>
+          <a:lstStyle/>
+          <a:p>
+            <a:r>
+              <a:rPr lang="en-US" dirty="0" smtClean="0"/>
+              <a:t>Before the testing</a:t>
             </a:r>
           </a:p>
           <a:p>
             <a:pPr lvl="1"/>
             <a:r>
               <a:rPr lang="en-US" dirty="0" smtClean="0"/>
-              <a:t>Performance, latency, reliability, ... </a:t>
+              <a:t>Configure the system</a:t>
             </a:r>
           </a:p>
           <a:p>
             <a:pPr lvl="1"/>
             <a:r>
               <a:rPr lang="en-US" dirty="0" smtClean="0"/>
-              <a:t>Early and incremental testing is still necessary, but provide only estimates</a:t>
-            </a:r>
-          </a:p>
-          <a:p>
-            <a:r>
-              <a:rPr lang="en-US" dirty="0" smtClean="0"/>
-              <a:t>A major focus of system testing</a:t>
+              <a:t>Attach proper number and kind of devices</a:t>
             </a:r>
           </a:p>
           <a:p>
             <a:pPr lvl="1"/>
             <a:r>
               <a:rPr lang="en-US" dirty="0" smtClean="0"/>
-              <a:t>The only opportunity to verify global properties against actual system specifications</a:t>
+              <a:t>Establish communication with other system</a:t>
+            </a:r>
+          </a:p>
+          <a:p>
+            <a:r>
+              <a:rPr lang="en-US" dirty="0" smtClean="0"/>
+              <a:t>The testing</a:t>
             </a:r>
           </a:p>
           <a:p>
             <a:pPr lvl="1"/>
             <a:r>
               <a:rPr lang="en-US" dirty="0" smtClean="0"/>
-              <a:t>Especially to find unanticipated effects, e.g., an unexpected performance bottleneck</a:t>
-            </a:r>
+              <a:t>Regression tests: to verify that the system has been installed properly and works</a:t>
+            </a:r>
+          </a:p>
+          <a:p>
             <a:endParaRPr lang="en-US" dirty="0"/>
           </a:p>
         </p:txBody>
@@ -19680,2063 +20613,6 @@
             <a:fld id="{B543A0FD-1CA6-4228-86A2-78061B4844C8}" type="slidenum">
               <a:rPr lang="en-US" smtClean="0"/>
               <a:t>64</a:t>
-            </a:fld>
-            <a:endParaRPr lang="en-US"/>
-          </a:p>
-        </p:txBody>
-      </p:sp>
-    </p:spTree>
-    <p:extLst>
-      <p:ext uri="{BB962C8B-B14F-4D97-AF65-F5344CB8AC3E}">
-        <p14:creationId xmlns:p14="http://schemas.microsoft.com/office/powerpoint/2010/main" val="3973466461"/>
-      </p:ext>
-    </p:extLst>
-  </p:cSld>
-  <p:clrMapOvr>
-    <a:masterClrMapping/>
-  </p:clrMapOvr>
-  <mc:AlternateContent xmlns:mc="http://schemas.openxmlformats.org/markup-compatibility/2006" xmlns:p14="http://schemas.microsoft.com/office/powerpoint/2010/main">
-    <mc:Choice Requires="p14">
-      <p:transition spd="slow" p14:dur="2000"/>
-    </mc:Choice>
-    <mc:Fallback xmlns="">
-      <p:transition spd="slow"/>
-    </mc:Fallback>
-  </mc:AlternateContent>
-  <p:timing>
-    <p:tnLst>
-      <p:par>
-        <p:cTn id="1" dur="indefinite" restart="never" nodeType="tmRoot"/>
-      </p:par>
-    </p:tnLst>
-  </p:timing>
-</p:sld>
-</file>
-
-<file path=ppt/slides/slide65.xml><?xml version="1.0" encoding="utf-8"?>
-<p:sld xmlns:a="http://schemas.openxmlformats.org/drawingml/2006/main" xmlns:r="http://schemas.openxmlformats.org/officeDocument/2006/relationships" xmlns:p="http://schemas.openxmlformats.org/presentationml/2006/main">
-  <p:cSld>
-    <p:spTree>
-      <p:nvGrpSpPr>
-        <p:cNvPr id="1" name=""/>
-        <p:cNvGrpSpPr/>
-        <p:nvPr/>
-      </p:nvGrpSpPr>
-      <p:grpSpPr>
-        <a:xfrm>
-          <a:off x="0" y="0"/>
-          <a:ext cx="0" cy="0"/>
-          <a:chOff x="0" y="0"/>
-          <a:chExt cx="0" cy="0"/>
-        </a:xfrm>
-      </p:grpSpPr>
-      <p:sp>
-        <p:nvSpPr>
-          <p:cNvPr id="26628" name="Title 1"/>
-          <p:cNvSpPr>
-            <a:spLocks noGrp="1"/>
-          </p:cNvSpPr>
-          <p:nvPr>
-            <p:ph type="title"/>
-          </p:nvPr>
-        </p:nvSpPr>
-        <p:spPr/>
-        <p:txBody>
-          <a:bodyPr/>
-          <a:lstStyle/>
-          <a:p>
-            <a:r>
-              <a:rPr lang="en-US" dirty="0" smtClean="0"/>
-              <a:t>Context-Dependent Properties</a:t>
-            </a:r>
-            <a:endParaRPr lang="en-US" dirty="0"/>
-          </a:p>
-        </p:txBody>
-      </p:sp>
-      <p:sp>
-        <p:nvSpPr>
-          <p:cNvPr id="26629" name="Content Placeholder 2"/>
-          <p:cNvSpPr>
-            <a:spLocks noGrp="1"/>
-          </p:cNvSpPr>
-          <p:nvPr>
-            <p:ph type="body" idx="1"/>
-          </p:nvPr>
-        </p:nvSpPr>
-        <p:spPr/>
-        <p:txBody>
-          <a:bodyPr/>
-          <a:lstStyle/>
-          <a:p>
-            <a:r>
-              <a:rPr lang="en-US" dirty="0" smtClean="0"/>
-              <a:t>Beyond system-global: Some properties depend on the system context and use</a:t>
-            </a:r>
-          </a:p>
-          <a:p>
-            <a:pPr lvl="1"/>
-            <a:r>
-              <a:rPr lang="en-US" dirty="0" smtClean="0"/>
-              <a:t>Example: Performance properties depend on environment and configuration </a:t>
-            </a:r>
-          </a:p>
-          <a:p>
-            <a:pPr lvl="1"/>
-            <a:r>
-              <a:rPr lang="en-US" dirty="0" smtClean="0"/>
-              <a:t>Example: Privacy depends both on system and how it is used</a:t>
-            </a:r>
-          </a:p>
-          <a:p>
-            <a:pPr lvl="2"/>
-            <a:r>
-              <a:rPr lang="en-US" dirty="0" smtClean="0"/>
-              <a:t>Medical records system must protect against unauthorized use, and authorization must be provided only as needed</a:t>
-            </a:r>
-          </a:p>
-          <a:p>
-            <a:pPr lvl="1"/>
-            <a:r>
-              <a:rPr lang="en-US" dirty="0" smtClean="0"/>
-              <a:t>Example: Security depends on threat profiles</a:t>
-            </a:r>
-          </a:p>
-          <a:p>
-            <a:pPr lvl="2"/>
-            <a:r>
-              <a:rPr lang="en-US" dirty="0" smtClean="0"/>
-              <a:t>And threats change! </a:t>
-            </a:r>
-          </a:p>
-          <a:p>
-            <a:r>
-              <a:rPr lang="en-US" dirty="0" smtClean="0"/>
-              <a:t>Testing is just one part of the approach </a:t>
-            </a:r>
-            <a:endParaRPr lang="en-US" dirty="0"/>
-          </a:p>
-        </p:txBody>
-      </p:sp>
-      <p:sp>
-        <p:nvSpPr>
-          <p:cNvPr id="2" name="Slide Number Placeholder 1"/>
-          <p:cNvSpPr>
-            <a:spLocks noGrp="1"/>
-          </p:cNvSpPr>
-          <p:nvPr>
-            <p:ph type="sldNum" sz="quarter" idx="12"/>
-          </p:nvPr>
-        </p:nvSpPr>
-        <p:spPr/>
-        <p:txBody>
-          <a:bodyPr/>
-          <a:lstStyle/>
-          <a:p>
-            <a:fld id="{B543A0FD-1CA6-4228-86A2-78061B4844C8}" type="slidenum">
-              <a:rPr lang="en-US" smtClean="0"/>
-              <a:t>65</a:t>
-            </a:fld>
-            <a:endParaRPr lang="en-US"/>
-          </a:p>
-        </p:txBody>
-      </p:sp>
-    </p:spTree>
-    <p:extLst>
-      <p:ext uri="{BB962C8B-B14F-4D97-AF65-F5344CB8AC3E}">
-        <p14:creationId xmlns:p14="http://schemas.microsoft.com/office/powerpoint/2010/main" val="3102467698"/>
-      </p:ext>
-    </p:extLst>
-  </p:cSld>
-  <p:clrMapOvr>
-    <a:masterClrMapping/>
-  </p:clrMapOvr>
-  <mc:AlternateContent xmlns:mc="http://schemas.openxmlformats.org/markup-compatibility/2006" xmlns:p14="http://schemas.microsoft.com/office/powerpoint/2010/main">
-    <mc:Choice Requires="p14">
-      <p:transition spd="slow" p14:dur="2000"/>
-    </mc:Choice>
-    <mc:Fallback xmlns="">
-      <p:transition spd="slow"/>
-    </mc:Fallback>
-  </mc:AlternateContent>
-  <p:timing>
-    <p:tnLst>
-      <p:par>
-        <p:cTn id="1" dur="indefinite" restart="never" nodeType="tmRoot"/>
-      </p:par>
-    </p:tnLst>
-  </p:timing>
-</p:sld>
-</file>
-
-<file path=ppt/slides/slide66.xml><?xml version="1.0" encoding="utf-8"?>
-<p:sld xmlns:a="http://schemas.openxmlformats.org/drawingml/2006/main" xmlns:r="http://schemas.openxmlformats.org/officeDocument/2006/relationships" xmlns:p="http://schemas.openxmlformats.org/presentationml/2006/main">
-  <p:cSld>
-    <p:spTree>
-      <p:nvGrpSpPr>
-        <p:cNvPr id="1" name=""/>
-        <p:cNvGrpSpPr/>
-        <p:nvPr/>
-      </p:nvGrpSpPr>
-      <p:grpSpPr>
-        <a:xfrm>
-          <a:off x="0" y="0"/>
-          <a:ext cx="0" cy="0"/>
-          <a:chOff x="0" y="0"/>
-          <a:chExt cx="0" cy="0"/>
-        </a:xfrm>
-      </p:grpSpPr>
-      <p:sp>
-        <p:nvSpPr>
-          <p:cNvPr id="27652" name="Title 1"/>
-          <p:cNvSpPr>
-            <a:spLocks noGrp="1"/>
-          </p:cNvSpPr>
-          <p:nvPr>
-            <p:ph type="title"/>
-          </p:nvPr>
-        </p:nvSpPr>
-        <p:spPr/>
-        <p:txBody>
-          <a:bodyPr anchor="ctr"/>
-          <a:lstStyle/>
-          <a:p>
-            <a:pPr eaLnBrk="1" hangingPunct="1"/>
-            <a:r>
-              <a:rPr lang="en-US" sz="4000" dirty="0"/>
-              <a:t>Establishing an Operational Envelope</a:t>
-            </a:r>
-          </a:p>
-        </p:txBody>
-      </p:sp>
-      <p:sp>
-        <p:nvSpPr>
-          <p:cNvPr id="27653" name="Content Placeholder 2"/>
-          <p:cNvSpPr>
-            <a:spLocks noGrp="1"/>
-          </p:cNvSpPr>
-          <p:nvPr>
-            <p:ph idx="1"/>
-          </p:nvPr>
-        </p:nvSpPr>
-        <p:spPr/>
-        <p:txBody>
-          <a:bodyPr/>
-          <a:lstStyle/>
-          <a:p>
-            <a:pPr marL="342900" indent="-342900"/>
-            <a:r>
-              <a:rPr lang="en-US" dirty="0"/>
-              <a:t>When a property (e.g., performance or real-time response) is parameterized by use ... </a:t>
-            </a:r>
-          </a:p>
-          <a:p>
-            <a:pPr marL="742950" lvl="1" indent="-285750"/>
-            <a:r>
-              <a:rPr lang="en-US" dirty="0"/>
-              <a:t>requests per second, size of database, ... </a:t>
-            </a:r>
-          </a:p>
-          <a:p>
-            <a:pPr marL="342900" indent="-342900"/>
-            <a:r>
-              <a:rPr lang="en-US" dirty="0"/>
-              <a:t>Extensive stress testing is required</a:t>
-            </a:r>
-          </a:p>
-          <a:p>
-            <a:pPr marL="742950" lvl="1" indent="-285750"/>
-            <a:r>
-              <a:rPr lang="en-US" dirty="0"/>
-              <a:t>varying parameters within the envelope, near the bounds, and beyond</a:t>
-            </a:r>
-          </a:p>
-          <a:p>
-            <a:pPr marL="342900" indent="-342900"/>
-            <a:r>
-              <a:rPr lang="en-US" dirty="0"/>
-              <a:t>Goal: A well-understood model of how the property varies with the parameter</a:t>
-            </a:r>
-          </a:p>
-          <a:p>
-            <a:pPr marL="742950" lvl="1" indent="-285750"/>
-            <a:r>
-              <a:rPr lang="en-US" dirty="0"/>
-              <a:t>How sensitive is the property to the parameter?</a:t>
-            </a:r>
-          </a:p>
-          <a:p>
-            <a:pPr marL="742950" lvl="1" indent="-285750"/>
-            <a:r>
-              <a:rPr lang="en-US" dirty="0"/>
-              <a:t>Where is the </a:t>
-            </a:r>
-            <a:r>
-              <a:rPr lang="ja-JP" altLang="en-US" dirty="0"/>
-              <a:t>“</a:t>
-            </a:r>
-            <a:r>
-              <a:rPr lang="en-US" altLang="ja-JP" dirty="0"/>
-              <a:t>edge of the envelope</a:t>
-            </a:r>
-            <a:r>
-              <a:rPr lang="ja-JP" altLang="en-US" dirty="0"/>
-              <a:t>”</a:t>
-            </a:r>
-            <a:r>
-              <a:rPr lang="en-US" altLang="ja-JP" dirty="0"/>
-              <a:t>? </a:t>
-            </a:r>
-          </a:p>
-          <a:p>
-            <a:pPr marL="742950" lvl="1" indent="-285750"/>
-            <a:r>
-              <a:rPr lang="en-US" dirty="0"/>
-              <a:t>What can we expect when the envelope is exceeded?</a:t>
-            </a:r>
-          </a:p>
-        </p:txBody>
-      </p:sp>
-      <p:sp>
-        <p:nvSpPr>
-          <p:cNvPr id="2" name="Slide Number Placeholder 1"/>
-          <p:cNvSpPr>
-            <a:spLocks noGrp="1"/>
-          </p:cNvSpPr>
-          <p:nvPr>
-            <p:ph type="sldNum" sz="quarter" idx="12"/>
-          </p:nvPr>
-        </p:nvSpPr>
-        <p:spPr/>
-        <p:txBody>
-          <a:bodyPr/>
-          <a:lstStyle/>
-          <a:p>
-            <a:fld id="{B543A0FD-1CA6-4228-86A2-78061B4844C8}" type="slidenum">
-              <a:rPr lang="en-US" smtClean="0"/>
-              <a:t>66</a:t>
-            </a:fld>
-            <a:endParaRPr lang="en-US"/>
-          </a:p>
-        </p:txBody>
-      </p:sp>
-    </p:spTree>
-    <p:extLst>
-      <p:ext uri="{BB962C8B-B14F-4D97-AF65-F5344CB8AC3E}">
-        <p14:creationId xmlns:p14="http://schemas.microsoft.com/office/powerpoint/2010/main" val="1334193548"/>
-      </p:ext>
-    </p:extLst>
-  </p:cSld>
-  <p:clrMapOvr>
-    <a:masterClrMapping/>
-  </p:clrMapOvr>
-  <mc:AlternateContent xmlns:mc="http://schemas.openxmlformats.org/markup-compatibility/2006" xmlns:p14="http://schemas.microsoft.com/office/powerpoint/2010/main">
-    <mc:Choice Requires="p14">
-      <p:transition spd="slow" p14:dur="2000"/>
-    </mc:Choice>
-    <mc:Fallback xmlns="">
-      <p:transition spd="slow"/>
-    </mc:Fallback>
-  </mc:AlternateContent>
-  <p:timing>
-    <p:tnLst>
-      <p:par>
-        <p:cTn id="1" dur="indefinite" restart="never" nodeType="tmRoot"/>
-      </p:par>
-    </p:tnLst>
-  </p:timing>
-</p:sld>
-</file>
-
-<file path=ppt/slides/slide67.xml><?xml version="1.0" encoding="utf-8"?>
-<p:sld xmlns:a="http://schemas.openxmlformats.org/drawingml/2006/main" xmlns:r="http://schemas.openxmlformats.org/officeDocument/2006/relationships" xmlns:p="http://schemas.openxmlformats.org/presentationml/2006/main">
-  <p:cSld>
-    <p:spTree>
-      <p:nvGrpSpPr>
-        <p:cNvPr id="1" name=""/>
-        <p:cNvGrpSpPr/>
-        <p:nvPr/>
-      </p:nvGrpSpPr>
-      <p:grpSpPr>
-        <a:xfrm>
-          <a:off x="0" y="0"/>
-          <a:ext cx="0" cy="0"/>
-          <a:chOff x="0" y="0"/>
-          <a:chExt cx="0" cy="0"/>
-        </a:xfrm>
-      </p:grpSpPr>
-      <p:sp>
-        <p:nvSpPr>
-          <p:cNvPr id="28676" name="Title 1"/>
-          <p:cNvSpPr>
-            <a:spLocks noGrp="1"/>
-          </p:cNvSpPr>
-          <p:nvPr>
-            <p:ph type="title"/>
-          </p:nvPr>
-        </p:nvSpPr>
-        <p:spPr/>
-        <p:txBody>
-          <a:bodyPr/>
-          <a:lstStyle/>
-          <a:p>
-            <a:r>
-              <a:rPr lang="en-US" dirty="0" smtClean="0"/>
-              <a:t>Stress Testing</a:t>
-            </a:r>
-            <a:endParaRPr lang="en-US" dirty="0"/>
-          </a:p>
-        </p:txBody>
-      </p:sp>
-      <p:sp>
-        <p:nvSpPr>
-          <p:cNvPr id="28677" name="Content Placeholder 2"/>
-          <p:cNvSpPr>
-            <a:spLocks noGrp="1"/>
-          </p:cNvSpPr>
-          <p:nvPr>
-            <p:ph type="body" idx="1"/>
-          </p:nvPr>
-        </p:nvSpPr>
-        <p:spPr/>
-        <p:txBody>
-          <a:bodyPr/>
-          <a:lstStyle/>
-          <a:p>
-            <a:r>
-              <a:rPr lang="en-US" dirty="0" smtClean="0"/>
-              <a:t>Often requires extensive simulation of the execution environment</a:t>
-            </a:r>
-          </a:p>
-          <a:p>
-            <a:pPr lvl="1"/>
-            <a:r>
-              <a:rPr lang="en-US" dirty="0" smtClean="0"/>
-              <a:t>With systematic variation:  What happens when we push the parameters?  What if the number of users or requests is 10 times more, or 1000 times more?</a:t>
-            </a:r>
-          </a:p>
-          <a:p>
-            <a:r>
-              <a:rPr lang="en-US" dirty="0" smtClean="0"/>
-              <a:t>Often requires more resources (human and machine) than typical test cases</a:t>
-            </a:r>
-          </a:p>
-          <a:p>
-            <a:pPr lvl="1"/>
-            <a:r>
-              <a:rPr lang="en-US" dirty="0" smtClean="0"/>
-              <a:t>Separate from regular feature tests</a:t>
-            </a:r>
-          </a:p>
-          <a:p>
-            <a:pPr lvl="1"/>
-            <a:r>
-              <a:rPr lang="en-US" dirty="0" smtClean="0"/>
-              <a:t>Run less often, with more manual control</a:t>
-            </a:r>
-          </a:p>
-          <a:p>
-            <a:pPr lvl="1"/>
-            <a:r>
-              <a:rPr lang="en-US" dirty="0" smtClean="0"/>
-              <a:t>Diagnose deviations from expectation</a:t>
-            </a:r>
-          </a:p>
-          <a:p>
-            <a:pPr lvl="2"/>
-            <a:r>
-              <a:rPr lang="en-US" dirty="0" smtClean="0"/>
-              <a:t>Which may include difficult debugging of latent faults! </a:t>
-            </a:r>
-            <a:endParaRPr lang="en-US" dirty="0"/>
-          </a:p>
-        </p:txBody>
-      </p:sp>
-      <p:sp>
-        <p:nvSpPr>
-          <p:cNvPr id="2" name="Slide Number Placeholder 1"/>
-          <p:cNvSpPr>
-            <a:spLocks noGrp="1"/>
-          </p:cNvSpPr>
-          <p:nvPr>
-            <p:ph type="sldNum" sz="quarter" idx="12"/>
-          </p:nvPr>
-        </p:nvSpPr>
-        <p:spPr/>
-        <p:txBody>
-          <a:bodyPr/>
-          <a:lstStyle/>
-          <a:p>
-            <a:fld id="{B543A0FD-1CA6-4228-86A2-78061B4844C8}" type="slidenum">
-              <a:rPr lang="en-US" smtClean="0"/>
-              <a:t>67</a:t>
-            </a:fld>
-            <a:endParaRPr lang="en-US"/>
-          </a:p>
-        </p:txBody>
-      </p:sp>
-    </p:spTree>
-    <p:extLst>
-      <p:ext uri="{BB962C8B-B14F-4D97-AF65-F5344CB8AC3E}">
-        <p14:creationId xmlns:p14="http://schemas.microsoft.com/office/powerpoint/2010/main" val="2157151813"/>
-      </p:ext>
-    </p:extLst>
-  </p:cSld>
-  <p:clrMapOvr>
-    <a:masterClrMapping/>
-  </p:clrMapOvr>
-  <mc:AlternateContent xmlns:mc="http://schemas.openxmlformats.org/markup-compatibility/2006" xmlns:p14="http://schemas.microsoft.com/office/powerpoint/2010/main">
-    <mc:Choice Requires="p14">
-      <p:transition spd="slow" p14:dur="2000"/>
-    </mc:Choice>
-    <mc:Fallback xmlns="">
-      <p:transition spd="slow"/>
-    </mc:Fallback>
-  </mc:AlternateContent>
-  <p:timing>
-    <p:tnLst>
-      <p:par>
-        <p:cTn id="1" dur="indefinite" restart="never" nodeType="tmRoot"/>
-      </p:par>
-    </p:tnLst>
-  </p:timing>
-</p:sld>
-</file>
-
-<file path=ppt/slides/slide68.xml><?xml version="1.0" encoding="utf-8"?>
-<p:sld xmlns:a="http://schemas.openxmlformats.org/drawingml/2006/main" xmlns:r="http://schemas.openxmlformats.org/officeDocument/2006/relationships" xmlns:p="http://schemas.openxmlformats.org/presentationml/2006/main">
-  <p:cSld>
-    <p:spTree>
-      <p:nvGrpSpPr>
-        <p:cNvPr id="1" name=""/>
-        <p:cNvGrpSpPr/>
-        <p:nvPr/>
-      </p:nvGrpSpPr>
-      <p:grpSpPr>
-        <a:xfrm>
-          <a:off x="0" y="0"/>
-          <a:ext cx="0" cy="0"/>
-          <a:chOff x="0" y="0"/>
-          <a:chExt cx="0" cy="0"/>
-        </a:xfrm>
-      </p:grpSpPr>
-      <p:sp>
-        <p:nvSpPr>
-          <p:cNvPr id="29700" name="Title 5"/>
-          <p:cNvSpPr>
-            <a:spLocks noGrp="1"/>
-          </p:cNvSpPr>
-          <p:nvPr>
-            <p:ph type="title"/>
-          </p:nvPr>
-        </p:nvSpPr>
-        <p:spPr/>
-        <p:txBody>
-          <a:bodyPr/>
-          <a:lstStyle/>
-          <a:p>
-            <a:r>
-              <a:rPr lang="en-US" dirty="0" smtClean="0"/>
-              <a:t>Acceptance Testing</a:t>
-            </a:r>
-            <a:endParaRPr lang="en-US" dirty="0"/>
-          </a:p>
-        </p:txBody>
-      </p:sp>
-      <p:sp>
-        <p:nvSpPr>
-          <p:cNvPr id="29701" name="Content Placeholder 6"/>
-          <p:cNvSpPr>
-            <a:spLocks noGrp="1"/>
-          </p:cNvSpPr>
-          <p:nvPr>
-            <p:ph type="body" idx="1"/>
-          </p:nvPr>
-        </p:nvSpPr>
-        <p:spPr/>
-        <p:txBody>
-          <a:bodyPr>
-            <a:normAutofit lnSpcReduction="10000"/>
-          </a:bodyPr>
-          <a:lstStyle/>
-          <a:p>
-            <a:r>
-              <a:rPr lang="en-US" dirty="0" smtClean="0"/>
-              <a:t>Estimating dependability</a:t>
-            </a:r>
-          </a:p>
-          <a:p>
-            <a:r>
-              <a:rPr lang="en-US" dirty="0" smtClean="0"/>
-              <a:t>Measuring quality, not searching for faults</a:t>
-            </a:r>
-          </a:p>
-          <a:p>
-            <a:pPr lvl="1"/>
-            <a:r>
-              <a:rPr lang="en-US" dirty="0" smtClean="0"/>
-              <a:t>Fundamentally different goal than systematic testing</a:t>
-            </a:r>
-          </a:p>
-          <a:p>
-            <a:r>
-              <a:rPr lang="en-US" dirty="0" smtClean="0"/>
-              <a:t>Quantitative dependability goals are statistical</a:t>
-            </a:r>
-          </a:p>
-          <a:p>
-            <a:pPr lvl="1"/>
-            <a:r>
-              <a:rPr lang="en-US" dirty="0" smtClean="0"/>
-              <a:t>Reliability</a:t>
-            </a:r>
-          </a:p>
-          <a:p>
-            <a:pPr lvl="1"/>
-            <a:r>
-              <a:rPr lang="en-US" dirty="0" smtClean="0"/>
-              <a:t>Availability</a:t>
-            </a:r>
-          </a:p>
-          <a:p>
-            <a:pPr lvl="1"/>
-            <a:r>
-              <a:rPr lang="en-US" dirty="0" smtClean="0"/>
-              <a:t>Mean time to failure</a:t>
-            </a:r>
-          </a:p>
-          <a:p>
-            <a:pPr lvl="1"/>
-            <a:r>
-              <a:rPr lang="en-US" dirty="0" smtClean="0"/>
-              <a:t>...</a:t>
-            </a:r>
-          </a:p>
-          <a:p>
-            <a:r>
-              <a:rPr lang="en-US" dirty="0" smtClean="0"/>
-              <a:t>Requires valid statistical samples from operational profile</a:t>
-            </a:r>
-          </a:p>
-          <a:p>
-            <a:pPr lvl="1"/>
-            <a:r>
-              <a:rPr lang="en-US" dirty="0" smtClean="0"/>
-              <a:t>Fundamentally different from systematic testing</a:t>
-            </a:r>
-            <a:endParaRPr lang="en-US" dirty="0"/>
-          </a:p>
-        </p:txBody>
-      </p:sp>
-      <p:sp>
-        <p:nvSpPr>
-          <p:cNvPr id="2" name="Slide Number Placeholder 1"/>
-          <p:cNvSpPr>
-            <a:spLocks noGrp="1"/>
-          </p:cNvSpPr>
-          <p:nvPr>
-            <p:ph type="sldNum" sz="quarter" idx="12"/>
-          </p:nvPr>
-        </p:nvSpPr>
-        <p:spPr/>
-        <p:txBody>
-          <a:bodyPr/>
-          <a:lstStyle/>
-          <a:p>
-            <a:fld id="{B543A0FD-1CA6-4228-86A2-78061B4844C8}" type="slidenum">
-              <a:rPr lang="en-US" smtClean="0"/>
-              <a:t>68</a:t>
-            </a:fld>
-            <a:endParaRPr lang="en-US"/>
-          </a:p>
-        </p:txBody>
-      </p:sp>
-    </p:spTree>
-    <p:extLst>
-      <p:ext uri="{BB962C8B-B14F-4D97-AF65-F5344CB8AC3E}">
-        <p14:creationId xmlns:p14="http://schemas.microsoft.com/office/powerpoint/2010/main" val="300985690"/>
-      </p:ext>
-    </p:extLst>
-  </p:cSld>
-  <p:clrMapOvr>
-    <a:masterClrMapping/>
-  </p:clrMapOvr>
-  <mc:AlternateContent xmlns:mc="http://schemas.openxmlformats.org/markup-compatibility/2006" xmlns:p14="http://schemas.microsoft.com/office/powerpoint/2010/main">
-    <mc:Choice Requires="p14">
-      <p:transition spd="slow" p14:dur="2000"/>
-    </mc:Choice>
-    <mc:Fallback xmlns="">
-      <p:transition spd="slow"/>
-    </mc:Fallback>
-  </mc:AlternateContent>
-  <p:timing>
-    <p:tnLst>
-      <p:par>
-        <p:cTn id="1" dur="indefinite" restart="never" nodeType="tmRoot"/>
-      </p:par>
-    </p:tnLst>
-  </p:timing>
-</p:sld>
-</file>
-
-<file path=ppt/slides/slide69.xml><?xml version="1.0" encoding="utf-8"?>
-<p:sld xmlns:a="http://schemas.openxmlformats.org/drawingml/2006/main" xmlns:r="http://schemas.openxmlformats.org/officeDocument/2006/relationships" xmlns:p="http://schemas.openxmlformats.org/presentationml/2006/main">
-  <p:cSld>
-    <p:spTree>
-      <p:nvGrpSpPr>
-        <p:cNvPr id="1" name=""/>
-        <p:cNvGrpSpPr/>
-        <p:nvPr/>
-      </p:nvGrpSpPr>
-      <p:grpSpPr>
-        <a:xfrm>
-          <a:off x="0" y="0"/>
-          <a:ext cx="0" cy="0"/>
-          <a:chOff x="0" y="0"/>
-          <a:chExt cx="0" cy="0"/>
-        </a:xfrm>
-      </p:grpSpPr>
-      <p:sp>
-        <p:nvSpPr>
-          <p:cNvPr id="31748" name="Title 1"/>
-          <p:cNvSpPr>
-            <a:spLocks noGrp="1"/>
-          </p:cNvSpPr>
-          <p:nvPr>
-            <p:ph type="title"/>
-          </p:nvPr>
-        </p:nvSpPr>
-        <p:spPr/>
-        <p:txBody>
-          <a:bodyPr/>
-          <a:lstStyle/>
-          <a:p>
-            <a:r>
-              <a:rPr lang="en-US" dirty="0" smtClean="0"/>
-              <a:t>Statistical Sampling</a:t>
-            </a:r>
-            <a:endParaRPr lang="en-US" dirty="0"/>
-          </a:p>
-        </p:txBody>
-      </p:sp>
-      <p:sp>
-        <p:nvSpPr>
-          <p:cNvPr id="31749" name="Content Placeholder 2"/>
-          <p:cNvSpPr>
-            <a:spLocks noGrp="1"/>
-          </p:cNvSpPr>
-          <p:nvPr>
-            <p:ph idx="1"/>
-          </p:nvPr>
-        </p:nvSpPr>
-        <p:spPr>
-          <a:xfrm>
-            <a:off x="838200" y="1825625"/>
-            <a:ext cx="10610088" cy="4351338"/>
-          </a:xfrm>
-        </p:spPr>
-        <p:txBody>
-          <a:bodyPr/>
-          <a:lstStyle/>
-          <a:p>
-            <a:r>
-              <a:rPr lang="en-US" dirty="0" smtClean="0"/>
-              <a:t>We need a valid operational profile (model)</a:t>
-            </a:r>
-          </a:p>
-          <a:p>
-            <a:pPr lvl="1"/>
-            <a:r>
-              <a:rPr lang="en-US" dirty="0" smtClean="0"/>
-              <a:t>Sometimes from an older version of the system</a:t>
-            </a:r>
-          </a:p>
-          <a:p>
-            <a:pPr lvl="1"/>
-            <a:r>
-              <a:rPr lang="en-US" dirty="0" smtClean="0"/>
-              <a:t>Sometimes from operational environment (e.g., for an embedded controller)</a:t>
-            </a:r>
-          </a:p>
-          <a:p>
-            <a:pPr lvl="1"/>
-            <a:r>
-              <a:rPr lang="en-US" dirty="0" smtClean="0"/>
-              <a:t>Sensitivity testing reveals which parameters are most important, and which can be rough guesses</a:t>
-            </a:r>
-          </a:p>
-          <a:p>
-            <a:r>
-              <a:rPr lang="en-US" dirty="0" smtClean="0"/>
-              <a:t>And a clear, precise definition of what is being measured</a:t>
-            </a:r>
-          </a:p>
-          <a:p>
-            <a:pPr lvl="1"/>
-            <a:r>
-              <a:rPr lang="en-US" dirty="0" smtClean="0"/>
-              <a:t>Failure rate?  Per session, per hour, per operation?</a:t>
-            </a:r>
-          </a:p>
-          <a:p>
-            <a:r>
-              <a:rPr lang="en-US" dirty="0" smtClean="0"/>
-              <a:t>And many, many random samples</a:t>
-            </a:r>
-          </a:p>
-          <a:p>
-            <a:pPr lvl="1"/>
-            <a:r>
-              <a:rPr lang="en-US" dirty="0" smtClean="0"/>
-              <a:t>Especially for high reliability measures</a:t>
-            </a:r>
-            <a:endParaRPr lang="en-US" dirty="0"/>
-          </a:p>
-        </p:txBody>
-      </p:sp>
-      <p:sp>
-        <p:nvSpPr>
-          <p:cNvPr id="2" name="Slide Number Placeholder 1"/>
-          <p:cNvSpPr>
-            <a:spLocks noGrp="1"/>
-          </p:cNvSpPr>
-          <p:nvPr>
-            <p:ph type="sldNum" sz="quarter" idx="12"/>
-          </p:nvPr>
-        </p:nvSpPr>
-        <p:spPr/>
-        <p:txBody>
-          <a:bodyPr/>
-          <a:lstStyle/>
-          <a:p>
-            <a:fld id="{B543A0FD-1CA6-4228-86A2-78061B4844C8}" type="slidenum">
-              <a:rPr lang="en-US" smtClean="0"/>
-              <a:t>69</a:t>
-            </a:fld>
-            <a:endParaRPr lang="en-US"/>
-          </a:p>
-        </p:txBody>
-      </p:sp>
-    </p:spTree>
-    <p:extLst>
-      <p:ext uri="{BB962C8B-B14F-4D97-AF65-F5344CB8AC3E}">
-        <p14:creationId xmlns:p14="http://schemas.microsoft.com/office/powerpoint/2010/main" val="3261212313"/>
-      </p:ext>
-    </p:extLst>
-  </p:cSld>
-  <p:clrMapOvr>
-    <a:masterClrMapping/>
-  </p:clrMapOvr>
-  <mc:AlternateContent xmlns:mc="http://schemas.openxmlformats.org/markup-compatibility/2006" xmlns:p14="http://schemas.microsoft.com/office/powerpoint/2010/main">
-    <mc:Choice Requires="p14">
-      <p:transition spd="slow" p14:dur="2000"/>
-    </mc:Choice>
-    <mc:Fallback xmlns="">
-      <p:transition spd="slow"/>
-    </mc:Fallback>
-  </mc:AlternateContent>
-  <p:timing>
-    <p:tnLst>
-      <p:par>
-        <p:cTn id="1" dur="indefinite" restart="never" nodeType="tmRoot"/>
-      </p:par>
-    </p:tnLst>
-  </p:timing>
-</p:sld>
-</file>
-
-<file path=ppt/slides/slide7.xml><?xml version="1.0" encoding="utf-8"?>
-<p:sld xmlns:a="http://schemas.openxmlformats.org/drawingml/2006/main" xmlns:r="http://schemas.openxmlformats.org/officeDocument/2006/relationships" xmlns:p="http://schemas.openxmlformats.org/presentationml/2006/main">
-  <p:cSld>
-    <p:spTree>
-      <p:nvGrpSpPr>
-        <p:cNvPr id="1" name=""/>
-        <p:cNvGrpSpPr/>
-        <p:nvPr/>
-      </p:nvGrpSpPr>
-      <p:grpSpPr>
-        <a:xfrm>
-          <a:off x="0" y="0"/>
-          <a:ext cx="0" cy="0"/>
-          <a:chOff x="0" y="0"/>
-          <a:chExt cx="0" cy="0"/>
-        </a:xfrm>
-      </p:grpSpPr>
-      <p:sp>
-        <p:nvSpPr>
-          <p:cNvPr id="2" name="Title 1"/>
-          <p:cNvSpPr>
-            <a:spLocks noGrp="1"/>
-          </p:cNvSpPr>
-          <p:nvPr>
-            <p:ph type="title"/>
-          </p:nvPr>
-        </p:nvSpPr>
-        <p:spPr/>
-        <p:txBody>
-          <a:bodyPr/>
-          <a:lstStyle/>
-          <a:p>
-            <a:r>
-              <a:rPr lang="en-US" dirty="0" smtClean="0"/>
-              <a:t>Threads...</a:t>
-            </a:r>
-            <a:endParaRPr lang="en-US" dirty="0"/>
-          </a:p>
-        </p:txBody>
-      </p:sp>
-      <p:sp>
-        <p:nvSpPr>
-          <p:cNvPr id="3" name="Content Placeholder 2"/>
-          <p:cNvSpPr>
-            <a:spLocks noGrp="1"/>
-          </p:cNvSpPr>
-          <p:nvPr>
-            <p:ph idx="1"/>
-          </p:nvPr>
-        </p:nvSpPr>
-        <p:spPr/>
-        <p:txBody>
-          <a:bodyPr>
-            <a:normAutofit/>
-          </a:bodyPr>
-          <a:lstStyle/>
-          <a:p>
-            <a:r>
-              <a:rPr lang="en-US" dirty="0" smtClean="0"/>
-              <a:t>An execution time concept</a:t>
-            </a:r>
-          </a:p>
-          <a:p>
-            <a:r>
-              <a:rPr lang="en-US" dirty="0" smtClean="0"/>
-              <a:t>Per the definition, a thread can be understood as a sequence of atomic system functions.</a:t>
-            </a:r>
-          </a:p>
-          <a:p>
-            <a:r>
-              <a:rPr lang="en-US" dirty="0" smtClean="0"/>
-              <a:t>When a system test case executes</a:t>
-            </a:r>
-          </a:p>
-          <a:p>
-            <a:pPr lvl="1"/>
-            <a:r>
-              <a:rPr lang="en-US" dirty="0" smtClean="0"/>
-              <a:t>a thread occurs, and</a:t>
-            </a:r>
-          </a:p>
-          <a:p>
-            <a:pPr lvl="1"/>
-            <a:r>
-              <a:rPr lang="en-US" dirty="0" smtClean="0"/>
-              <a:t>can be observed at the port boundary of the system</a:t>
-            </a:r>
-          </a:p>
-          <a:p>
-            <a:r>
-              <a:rPr lang="en-US" dirty="0" smtClean="0"/>
-              <a:t>The BIG Question: where do we find (or how do we identify) threads?</a:t>
-            </a:r>
-          </a:p>
-          <a:p>
-            <a:r>
-              <a:rPr lang="en-US" dirty="0" smtClean="0"/>
-              <a:t>Our approach—Model-Based Testing</a:t>
-            </a:r>
-            <a:endParaRPr lang="en-US" dirty="0"/>
-          </a:p>
-        </p:txBody>
-      </p:sp>
-    </p:spTree>
-    <p:extLst>
-      <p:ext uri="{BB962C8B-B14F-4D97-AF65-F5344CB8AC3E}">
-        <p14:creationId xmlns:p14="http://schemas.microsoft.com/office/powerpoint/2010/main" val="1315087610"/>
-      </p:ext>
-    </p:extLst>
-  </p:cSld>
-  <p:clrMapOvr>
-    <a:masterClrMapping/>
-  </p:clrMapOvr>
-</p:sld>
-</file>
-
-<file path=ppt/slides/slide70.xml><?xml version="1.0" encoding="utf-8"?>
-<p:sld xmlns:a="http://schemas.openxmlformats.org/drawingml/2006/main" xmlns:r="http://schemas.openxmlformats.org/officeDocument/2006/relationships" xmlns:p="http://schemas.openxmlformats.org/presentationml/2006/main">
-  <p:cSld>
-    <p:spTree>
-      <p:nvGrpSpPr>
-        <p:cNvPr id="1" name=""/>
-        <p:cNvGrpSpPr/>
-        <p:nvPr/>
-      </p:nvGrpSpPr>
-      <p:grpSpPr>
-        <a:xfrm>
-          <a:off x="0" y="0"/>
-          <a:ext cx="0" cy="0"/>
-          <a:chOff x="0" y="0"/>
-          <a:chExt cx="0" cy="0"/>
-        </a:xfrm>
-      </p:grpSpPr>
-      <p:sp>
-        <p:nvSpPr>
-          <p:cNvPr id="32772" name="Title 1"/>
-          <p:cNvSpPr>
-            <a:spLocks noGrp="1"/>
-          </p:cNvSpPr>
-          <p:nvPr>
-            <p:ph type="title"/>
-          </p:nvPr>
-        </p:nvSpPr>
-        <p:spPr/>
-        <p:txBody>
-          <a:bodyPr/>
-          <a:lstStyle/>
-          <a:p>
-            <a:r>
-              <a:rPr lang="en-US" dirty="0" smtClean="0"/>
-              <a:t>Is Statistical Testing Worthwhile?</a:t>
-            </a:r>
-            <a:endParaRPr lang="en-US" dirty="0"/>
-          </a:p>
-        </p:txBody>
-      </p:sp>
-      <p:sp>
-        <p:nvSpPr>
-          <p:cNvPr id="32773" name="Content Placeholder 2"/>
-          <p:cNvSpPr>
-            <a:spLocks noGrp="1"/>
-          </p:cNvSpPr>
-          <p:nvPr>
-            <p:ph idx="1"/>
-          </p:nvPr>
-        </p:nvSpPr>
-        <p:spPr>
-          <a:xfrm>
-            <a:off x="838200" y="1690688"/>
-            <a:ext cx="10515600" cy="4665661"/>
-          </a:xfrm>
-        </p:spPr>
-        <p:txBody>
-          <a:bodyPr/>
-          <a:lstStyle/>
-          <a:p>
-            <a:r>
-              <a:rPr lang="en-US" dirty="0" smtClean="0"/>
-              <a:t>Necessary for ... </a:t>
-            </a:r>
-          </a:p>
-          <a:p>
-            <a:pPr lvl="1"/>
-            <a:r>
-              <a:rPr lang="en-US" dirty="0" smtClean="0"/>
-              <a:t>Critical systems (safety critical, infrastructure, ...)</a:t>
-            </a:r>
-          </a:p>
-          <a:p>
-            <a:r>
-              <a:rPr lang="en-US" dirty="0" smtClean="0"/>
-              <a:t>But difficult or impossible when ... </a:t>
-            </a:r>
-          </a:p>
-          <a:p>
-            <a:pPr lvl="1"/>
-            <a:r>
-              <a:rPr lang="en-US" dirty="0" smtClean="0"/>
-              <a:t>Operational profile is unavailable or just a guess</a:t>
-            </a:r>
-          </a:p>
-          <a:p>
-            <a:pPr lvl="2"/>
-            <a:r>
-              <a:rPr lang="en-US" dirty="0" smtClean="0"/>
-              <a:t>Often for new functionality involving human interaction</a:t>
-            </a:r>
-          </a:p>
-          <a:p>
-            <a:pPr lvl="3"/>
-            <a:r>
-              <a:rPr lang="en-US" dirty="0" smtClean="0"/>
-              <a:t>But we may factor critical functions from overall use to obtain a good model of only the critical properties</a:t>
-            </a:r>
-          </a:p>
-          <a:p>
-            <a:pPr lvl="1"/>
-            <a:r>
-              <a:rPr lang="en-US" dirty="0" smtClean="0"/>
-              <a:t>Reliability requirement is very high</a:t>
-            </a:r>
-          </a:p>
-          <a:p>
-            <a:pPr lvl="2"/>
-            <a:r>
-              <a:rPr lang="en-US" dirty="0" smtClean="0"/>
-              <a:t>Required sample size (number of test cases) might require years of test execution</a:t>
-            </a:r>
-          </a:p>
-          <a:p>
-            <a:pPr lvl="2"/>
-            <a:r>
-              <a:rPr lang="en-US" dirty="0" smtClean="0"/>
-              <a:t>Ultra-reliability can seldom be demonstrated by testing</a:t>
-            </a:r>
-            <a:endParaRPr lang="en-US" dirty="0"/>
-          </a:p>
-        </p:txBody>
-      </p:sp>
-      <p:sp>
-        <p:nvSpPr>
-          <p:cNvPr id="2" name="Slide Number Placeholder 1"/>
-          <p:cNvSpPr>
-            <a:spLocks noGrp="1"/>
-          </p:cNvSpPr>
-          <p:nvPr>
-            <p:ph type="sldNum" sz="quarter" idx="12"/>
-          </p:nvPr>
-        </p:nvSpPr>
-        <p:spPr/>
-        <p:txBody>
-          <a:bodyPr/>
-          <a:lstStyle/>
-          <a:p>
-            <a:fld id="{B543A0FD-1CA6-4228-86A2-78061B4844C8}" type="slidenum">
-              <a:rPr lang="en-US" smtClean="0"/>
-              <a:t>70</a:t>
-            </a:fld>
-            <a:endParaRPr lang="en-US"/>
-          </a:p>
-        </p:txBody>
-      </p:sp>
-    </p:spTree>
-    <p:extLst>
-      <p:ext uri="{BB962C8B-B14F-4D97-AF65-F5344CB8AC3E}">
-        <p14:creationId xmlns:p14="http://schemas.microsoft.com/office/powerpoint/2010/main" val="1697649804"/>
-      </p:ext>
-    </p:extLst>
-  </p:cSld>
-  <p:clrMapOvr>
-    <a:masterClrMapping/>
-  </p:clrMapOvr>
-  <mc:AlternateContent xmlns:mc="http://schemas.openxmlformats.org/markup-compatibility/2006" xmlns:p14="http://schemas.microsoft.com/office/powerpoint/2010/main">
-    <mc:Choice Requires="p14">
-      <p:transition spd="slow" p14:dur="2000"/>
-    </mc:Choice>
-    <mc:Fallback xmlns="">
-      <p:transition spd="slow"/>
-    </mc:Fallback>
-  </mc:AlternateContent>
-  <p:timing>
-    <p:tnLst>
-      <p:par>
-        <p:cTn id="1" dur="indefinite" restart="never" nodeType="tmRoot"/>
-      </p:par>
-    </p:tnLst>
-  </p:timing>
-</p:sld>
-</file>
-
-<file path=ppt/slides/slide71.xml><?xml version="1.0" encoding="utf-8"?>
-<p:sld xmlns:a="http://schemas.openxmlformats.org/drawingml/2006/main" xmlns:r="http://schemas.openxmlformats.org/officeDocument/2006/relationships" xmlns:p="http://schemas.openxmlformats.org/presentationml/2006/main">
-  <p:cSld>
-    <p:spTree>
-      <p:nvGrpSpPr>
-        <p:cNvPr id="1" name=""/>
-        <p:cNvGrpSpPr/>
-        <p:nvPr/>
-      </p:nvGrpSpPr>
-      <p:grpSpPr>
-        <a:xfrm>
-          <a:off x="0" y="0"/>
-          <a:ext cx="0" cy="0"/>
-          <a:chOff x="0" y="0"/>
-          <a:chExt cx="0" cy="0"/>
-        </a:xfrm>
-      </p:grpSpPr>
-      <p:sp>
-        <p:nvSpPr>
-          <p:cNvPr id="33796" name="Title 1"/>
-          <p:cNvSpPr>
-            <a:spLocks noGrp="1"/>
-          </p:cNvSpPr>
-          <p:nvPr>
-            <p:ph type="title"/>
-          </p:nvPr>
-        </p:nvSpPr>
-        <p:spPr/>
-        <p:txBody>
-          <a:bodyPr/>
-          <a:lstStyle/>
-          <a:p>
-            <a:r>
-              <a:rPr lang="en-US" dirty="0" smtClean="0"/>
-              <a:t>Process-Based Measures</a:t>
-            </a:r>
-            <a:endParaRPr lang="en-US" dirty="0"/>
-          </a:p>
-        </p:txBody>
-      </p:sp>
-      <p:sp>
-        <p:nvSpPr>
-          <p:cNvPr id="33797" name="Content Placeholder 2"/>
-          <p:cNvSpPr>
-            <a:spLocks noGrp="1"/>
-          </p:cNvSpPr>
-          <p:nvPr>
-            <p:ph idx="1"/>
-          </p:nvPr>
-        </p:nvSpPr>
-        <p:spPr/>
-        <p:txBody>
-          <a:bodyPr/>
-          <a:lstStyle/>
-          <a:p>
-            <a:r>
-              <a:rPr lang="en-US" dirty="0" smtClean="0"/>
-              <a:t>Less rigorous than statistical testing</a:t>
-            </a:r>
-          </a:p>
-          <a:p>
-            <a:pPr lvl="1"/>
-            <a:r>
-              <a:rPr lang="en-US" dirty="0" smtClean="0"/>
-              <a:t>Based on similarity with prior projects</a:t>
-            </a:r>
-          </a:p>
-          <a:p>
-            <a:r>
-              <a:rPr lang="en-US" dirty="0" smtClean="0"/>
-              <a:t>System testing process</a:t>
-            </a:r>
-          </a:p>
-          <a:p>
-            <a:pPr lvl="1"/>
-            <a:r>
-              <a:rPr lang="en-US" dirty="0" smtClean="0"/>
-              <a:t>Expected history of bugs found and resolved</a:t>
-            </a:r>
-          </a:p>
-          <a:p>
-            <a:r>
-              <a:rPr lang="en-US" dirty="0" smtClean="0"/>
-              <a:t>Alpha, beta testing</a:t>
-            </a:r>
-          </a:p>
-          <a:p>
-            <a:pPr lvl="1"/>
-            <a:r>
-              <a:rPr lang="en-US" dirty="0" smtClean="0"/>
-              <a:t>Alpha testing:  Real users, controlled environment</a:t>
-            </a:r>
-          </a:p>
-          <a:p>
-            <a:pPr lvl="1"/>
-            <a:r>
-              <a:rPr lang="en-US" dirty="0" smtClean="0"/>
-              <a:t>Beta testing: Real users, real (uncontrolled) environment</a:t>
-            </a:r>
-          </a:p>
-          <a:p>
-            <a:pPr lvl="1"/>
-            <a:r>
-              <a:rPr lang="en-US" dirty="0" smtClean="0"/>
-              <a:t>May statistically sample users rather than uses</a:t>
-            </a:r>
-          </a:p>
-          <a:p>
-            <a:pPr lvl="1"/>
-            <a:r>
-              <a:rPr lang="en-US" dirty="0" smtClean="0"/>
-              <a:t>Expected history of bug reports</a:t>
-            </a:r>
-            <a:endParaRPr lang="en-US" dirty="0"/>
-          </a:p>
-        </p:txBody>
-      </p:sp>
-      <p:sp>
-        <p:nvSpPr>
-          <p:cNvPr id="2" name="Slide Number Placeholder 1"/>
-          <p:cNvSpPr>
-            <a:spLocks noGrp="1"/>
-          </p:cNvSpPr>
-          <p:nvPr>
-            <p:ph type="sldNum" sz="quarter" idx="12"/>
-          </p:nvPr>
-        </p:nvSpPr>
-        <p:spPr/>
-        <p:txBody>
-          <a:bodyPr/>
-          <a:lstStyle/>
-          <a:p>
-            <a:fld id="{B543A0FD-1CA6-4228-86A2-78061B4844C8}" type="slidenum">
-              <a:rPr lang="en-US" smtClean="0"/>
-              <a:t>71</a:t>
-            </a:fld>
-            <a:endParaRPr lang="en-US"/>
-          </a:p>
-        </p:txBody>
-      </p:sp>
-    </p:spTree>
-    <p:extLst>
-      <p:ext uri="{BB962C8B-B14F-4D97-AF65-F5344CB8AC3E}">
-        <p14:creationId xmlns:p14="http://schemas.microsoft.com/office/powerpoint/2010/main" val="2239560198"/>
-      </p:ext>
-    </p:extLst>
-  </p:cSld>
-  <p:clrMapOvr>
-    <a:masterClrMapping/>
-  </p:clrMapOvr>
-  <mc:AlternateContent xmlns:mc="http://schemas.openxmlformats.org/markup-compatibility/2006" xmlns:p14="http://schemas.microsoft.com/office/powerpoint/2010/main">
-    <mc:Choice Requires="p14">
-      <p:transition spd="slow" p14:dur="2000"/>
-    </mc:Choice>
-    <mc:Fallback xmlns="">
-      <p:transition spd="slow"/>
-    </mc:Fallback>
-  </mc:AlternateContent>
-  <p:timing>
-    <p:tnLst>
-      <p:par>
-        <p:cTn id="1" dur="indefinite" restart="never" nodeType="tmRoot"/>
-      </p:par>
-    </p:tnLst>
-  </p:timing>
-</p:sld>
-</file>
-
-<file path=ppt/slides/slide72.xml><?xml version="1.0" encoding="utf-8"?>
-<p:sld xmlns:a="http://schemas.openxmlformats.org/drawingml/2006/main" xmlns:r="http://schemas.openxmlformats.org/officeDocument/2006/relationships" xmlns:p="http://schemas.openxmlformats.org/presentationml/2006/main">
-  <p:cSld>
-    <p:spTree>
-      <p:nvGrpSpPr>
-        <p:cNvPr id="1" name=""/>
-        <p:cNvGrpSpPr/>
-        <p:nvPr/>
-      </p:nvGrpSpPr>
-      <p:grpSpPr>
-        <a:xfrm>
-          <a:off x="0" y="0"/>
-          <a:ext cx="0" cy="0"/>
-          <a:chOff x="0" y="0"/>
-          <a:chExt cx="0" cy="0"/>
-        </a:xfrm>
-      </p:grpSpPr>
-      <p:sp>
-        <p:nvSpPr>
-          <p:cNvPr id="1608706" name="Rectangle 2"/>
-          <p:cNvSpPr>
-            <a:spLocks noGrp="1" noChangeArrowheads="1"/>
-          </p:cNvSpPr>
-          <p:nvPr>
-            <p:ph type="title"/>
-          </p:nvPr>
-        </p:nvSpPr>
-        <p:spPr/>
-        <p:txBody>
-          <a:bodyPr/>
-          <a:lstStyle/>
-          <a:p>
-            <a:r>
-              <a:rPr lang="en-US" dirty="0" smtClean="0"/>
-              <a:t>UI testing ("acceptance")</a:t>
-            </a:r>
-            <a:endParaRPr lang="en-US" dirty="0"/>
-          </a:p>
-        </p:txBody>
-      </p:sp>
-      <p:sp>
-        <p:nvSpPr>
-          <p:cNvPr id="1608707" name="Rectangle 3"/>
-          <p:cNvSpPr>
-            <a:spLocks noGrp="1" noChangeArrowheads="1"/>
-          </p:cNvSpPr>
-          <p:nvPr>
-            <p:ph idx="1"/>
-          </p:nvPr>
-        </p:nvSpPr>
-        <p:spPr/>
-        <p:txBody>
-          <a:bodyPr/>
-          <a:lstStyle/>
-          <a:p>
-            <a:r>
-              <a:rPr lang="en-US" dirty="0" smtClean="0"/>
-              <a:t>Automated UI testing ("automation")</a:t>
-            </a:r>
-          </a:p>
-          <a:p>
-            <a:pPr lvl="1"/>
-            <a:r>
-              <a:rPr lang="en-US" dirty="0" smtClean="0"/>
-              <a:t>Scripts and such that use your app and look for failures</a:t>
-            </a:r>
-          </a:p>
-          <a:p>
-            <a:pPr lvl="1"/>
-            <a:r>
-              <a:rPr lang="en-US" dirty="0" smtClean="0"/>
-              <a:t>A black-box system test</a:t>
-            </a:r>
-          </a:p>
-          <a:p>
-            <a:r>
-              <a:rPr lang="en-US" dirty="0" smtClean="0"/>
-              <a:t>Manual tests</a:t>
-            </a:r>
-          </a:p>
-          <a:p>
-            <a:pPr lvl="1"/>
-            <a:r>
-              <a:rPr lang="en-US" dirty="0" smtClean="0"/>
-              <a:t>Human beings click through predetermined paths</a:t>
-            </a:r>
-          </a:p>
-          <a:p>
-            <a:pPr lvl="1"/>
-            <a:r>
-              <a:rPr lang="en-US" dirty="0" smtClean="0"/>
-              <a:t>Need to write down the specific tests each time</a:t>
-            </a:r>
-          </a:p>
-          <a:p>
-            <a:r>
-              <a:rPr lang="en-US" dirty="0" smtClean="0"/>
-              <a:t>Ad-hoc tests</a:t>
-            </a:r>
-          </a:p>
-          <a:p>
-            <a:pPr lvl="1"/>
-            <a:r>
-              <a:rPr lang="en-US" dirty="0" smtClean="0"/>
-              <a:t>Human beings are "turned loose" on the app to see if they can break it</a:t>
-            </a:r>
-          </a:p>
-          <a:p>
-            <a:endParaRPr lang="en-US" dirty="0"/>
-          </a:p>
-        </p:txBody>
-      </p:sp>
-      <p:sp>
-        <p:nvSpPr>
-          <p:cNvPr id="2" name="Slide Number Placeholder 1"/>
-          <p:cNvSpPr>
-            <a:spLocks noGrp="1"/>
-          </p:cNvSpPr>
-          <p:nvPr>
-            <p:ph type="sldNum" sz="quarter" idx="12"/>
-          </p:nvPr>
-        </p:nvSpPr>
-        <p:spPr/>
-        <p:txBody>
-          <a:bodyPr/>
-          <a:lstStyle/>
-          <a:p>
-            <a:fld id="{B543A0FD-1CA6-4228-86A2-78061B4844C8}" type="slidenum">
-              <a:rPr lang="en-US" smtClean="0"/>
-              <a:t>72</a:t>
-            </a:fld>
-            <a:endParaRPr lang="en-US"/>
-          </a:p>
-        </p:txBody>
-      </p:sp>
-    </p:spTree>
-    <p:extLst>
-      <p:ext uri="{BB962C8B-B14F-4D97-AF65-F5344CB8AC3E}">
-        <p14:creationId xmlns:p14="http://schemas.microsoft.com/office/powerpoint/2010/main" val="194988878"/>
-      </p:ext>
-    </p:extLst>
-  </p:cSld>
-  <p:clrMapOvr>
-    <a:masterClrMapping/>
-  </p:clrMapOvr>
-  <mc:AlternateContent xmlns:mc="http://schemas.openxmlformats.org/markup-compatibility/2006" xmlns:p14="http://schemas.microsoft.com/office/powerpoint/2010/main">
-    <mc:Choice Requires="p14">
-      <p:transition spd="slow" p14:dur="2000"/>
-    </mc:Choice>
-    <mc:Fallback xmlns="">
-      <p:transition spd="slow"/>
-    </mc:Fallback>
-  </mc:AlternateContent>
-</p:sld>
-</file>
-
-<file path=ppt/slides/slide73.xml><?xml version="1.0" encoding="utf-8"?>
-<p:sld xmlns:a="http://schemas.openxmlformats.org/drawingml/2006/main" xmlns:r="http://schemas.openxmlformats.org/officeDocument/2006/relationships" xmlns:p="http://schemas.openxmlformats.org/presentationml/2006/main">
-  <p:cSld>
-    <p:spTree>
-      <p:nvGrpSpPr>
-        <p:cNvPr id="1" name=""/>
-        <p:cNvGrpSpPr/>
-        <p:nvPr/>
-      </p:nvGrpSpPr>
-      <p:grpSpPr>
-        <a:xfrm>
-          <a:off x="0" y="0"/>
-          <a:ext cx="0" cy="0"/>
-          <a:chOff x="0" y="0"/>
-          <a:chExt cx="0" cy="0"/>
-        </a:xfrm>
-      </p:grpSpPr>
-      <p:sp>
-        <p:nvSpPr>
-          <p:cNvPr id="35844" name="Rectangle 6"/>
-          <p:cNvSpPr>
-            <a:spLocks noGrp="1"/>
-          </p:cNvSpPr>
-          <p:nvPr>
-            <p:ph type="title"/>
-          </p:nvPr>
-        </p:nvSpPr>
-        <p:spPr/>
-        <p:txBody>
-          <a:bodyPr/>
-          <a:lstStyle/>
-          <a:p>
-            <a:r>
-              <a:rPr lang="en-US" dirty="0" smtClean="0"/>
-              <a:t>Usability Test</a:t>
-            </a:r>
-            <a:endParaRPr lang="en-US" dirty="0"/>
-          </a:p>
-        </p:txBody>
-      </p:sp>
-      <p:sp>
-        <p:nvSpPr>
-          <p:cNvPr id="35845" name="Rectangle 7"/>
-          <p:cNvSpPr>
-            <a:spLocks noGrp="1"/>
-          </p:cNvSpPr>
-          <p:nvPr>
-            <p:ph idx="1"/>
-          </p:nvPr>
-        </p:nvSpPr>
-        <p:spPr/>
-        <p:txBody>
-          <a:bodyPr/>
-          <a:lstStyle/>
-          <a:p>
-            <a:r>
-              <a:rPr lang="en-US" dirty="0" smtClean="0"/>
-              <a:t>A usable product </a:t>
-            </a:r>
-          </a:p>
-          <a:p>
-            <a:pPr lvl="1"/>
-            <a:r>
-              <a:rPr lang="en-US" dirty="0" smtClean="0"/>
-              <a:t>is quickly learned</a:t>
-            </a:r>
-          </a:p>
-          <a:p>
-            <a:pPr lvl="1"/>
-            <a:r>
-              <a:rPr lang="en-US" dirty="0" smtClean="0"/>
-              <a:t>allows users to work efficiently</a:t>
-            </a:r>
-          </a:p>
-          <a:p>
-            <a:pPr lvl="1"/>
-            <a:r>
-              <a:rPr lang="en-US" dirty="0" smtClean="0"/>
-              <a:t>is pleasant to use </a:t>
-            </a:r>
-          </a:p>
-          <a:p>
-            <a:r>
-              <a:rPr lang="en-US" dirty="0" smtClean="0"/>
-              <a:t>Objective criteria</a:t>
-            </a:r>
-          </a:p>
-          <a:p>
-            <a:pPr lvl="1"/>
-            <a:r>
-              <a:rPr lang="en-US" dirty="0" smtClean="0"/>
-              <a:t>Time and number of operations to perform a task</a:t>
-            </a:r>
-          </a:p>
-          <a:p>
-            <a:pPr lvl="1"/>
-            <a:r>
-              <a:rPr lang="en-US" dirty="0" smtClean="0"/>
-              <a:t>Frequency of user error</a:t>
-            </a:r>
-          </a:p>
-          <a:p>
-            <a:r>
-              <a:rPr lang="en-US" dirty="0" smtClean="0"/>
-              <a:t>Plus overall, subjective satisfaction</a:t>
-            </a:r>
-            <a:endParaRPr lang="en-US" dirty="0"/>
-          </a:p>
-        </p:txBody>
-      </p:sp>
-      <p:sp>
-        <p:nvSpPr>
-          <p:cNvPr id="2" name="Slide Number Placeholder 1"/>
-          <p:cNvSpPr>
-            <a:spLocks noGrp="1"/>
-          </p:cNvSpPr>
-          <p:nvPr>
-            <p:ph type="sldNum" sz="quarter" idx="12"/>
-          </p:nvPr>
-        </p:nvSpPr>
-        <p:spPr/>
-        <p:txBody>
-          <a:bodyPr/>
-          <a:lstStyle/>
-          <a:p>
-            <a:fld id="{B543A0FD-1CA6-4228-86A2-78061B4844C8}" type="slidenum">
-              <a:rPr lang="en-US" smtClean="0"/>
-              <a:t>73</a:t>
-            </a:fld>
-            <a:endParaRPr lang="en-US"/>
-          </a:p>
-        </p:txBody>
-      </p:sp>
-    </p:spTree>
-    <p:extLst>
-      <p:ext uri="{BB962C8B-B14F-4D97-AF65-F5344CB8AC3E}">
-        <p14:creationId xmlns:p14="http://schemas.microsoft.com/office/powerpoint/2010/main" val="2207561207"/>
-      </p:ext>
-    </p:extLst>
-  </p:cSld>
-  <p:clrMapOvr>
-    <a:masterClrMapping/>
-  </p:clrMapOvr>
-  <mc:AlternateContent xmlns:mc="http://schemas.openxmlformats.org/markup-compatibility/2006" xmlns:p14="http://schemas.microsoft.com/office/powerpoint/2010/main">
-    <mc:Choice Requires="p14">
-      <p:transition spd="slow" p14:dur="2000"/>
-    </mc:Choice>
-    <mc:Fallback xmlns="">
-      <p:transition spd="slow"/>
-    </mc:Fallback>
-  </mc:AlternateContent>
-  <p:timing>
-    <p:tnLst>
-      <p:par>
-        <p:cTn id="1" dur="indefinite" restart="never" nodeType="tmRoot"/>
-      </p:par>
-    </p:tnLst>
-  </p:timing>
-</p:sld>
-</file>
-
-<file path=ppt/slides/slide74.xml><?xml version="1.0" encoding="utf-8"?>
-<p:sld xmlns:a="http://schemas.openxmlformats.org/drawingml/2006/main" xmlns:r="http://schemas.openxmlformats.org/officeDocument/2006/relationships" xmlns:p="http://schemas.openxmlformats.org/presentationml/2006/main">
-  <p:cSld>
-    <p:spTree>
-      <p:nvGrpSpPr>
-        <p:cNvPr id="1" name=""/>
-        <p:cNvGrpSpPr/>
-        <p:nvPr/>
-      </p:nvGrpSpPr>
-      <p:grpSpPr>
-        <a:xfrm>
-          <a:off x="0" y="0"/>
-          <a:ext cx="0" cy="0"/>
-          <a:chOff x="0" y="0"/>
-          <a:chExt cx="0" cy="0"/>
-        </a:xfrm>
-      </p:grpSpPr>
-      <p:sp>
-        <p:nvSpPr>
-          <p:cNvPr id="1605634" name="Rectangle 2"/>
-          <p:cNvSpPr>
-            <a:spLocks noGrp="1" noChangeArrowheads="1"/>
-          </p:cNvSpPr>
-          <p:nvPr>
-            <p:ph type="title"/>
-          </p:nvPr>
-        </p:nvSpPr>
-        <p:spPr/>
-        <p:txBody>
-          <a:bodyPr/>
-          <a:lstStyle/>
-          <a:p>
-            <a:r>
-              <a:rPr lang="en-US" dirty="0"/>
-              <a:t>Load testing</a:t>
-            </a:r>
-          </a:p>
-        </p:txBody>
-      </p:sp>
-      <p:sp>
-        <p:nvSpPr>
-          <p:cNvPr id="1605635" name="Rectangle 3"/>
-          <p:cNvSpPr>
-            <a:spLocks noGrp="1" noChangeArrowheads="1"/>
-          </p:cNvSpPr>
-          <p:nvPr>
-            <p:ph type="body" idx="1"/>
-          </p:nvPr>
-        </p:nvSpPr>
-        <p:spPr/>
-        <p:txBody>
-          <a:bodyPr/>
-          <a:lstStyle/>
-          <a:p>
-            <a:r>
-              <a:rPr lang="en-US" dirty="0"/>
-              <a:t>load testing</a:t>
-            </a:r>
-          </a:p>
-          <a:p>
-            <a:pPr lvl="1"/>
-            <a:r>
-              <a:rPr lang="en-US" dirty="0"/>
-              <a:t>How many hits/requests should the system be able to handle?</a:t>
-            </a:r>
-          </a:p>
-          <a:p>
-            <a:pPr lvl="1"/>
-            <a:r>
-              <a:rPr lang="en-US" dirty="0"/>
-              <a:t>What should be its performance under these circumstances</a:t>
-            </a:r>
-            <a:r>
-              <a:rPr lang="en-US" dirty="0" smtClean="0"/>
-              <a:t>?</a:t>
-            </a:r>
-            <a:endParaRPr lang="en-US" dirty="0"/>
-          </a:p>
-        </p:txBody>
-      </p:sp>
-      <p:sp>
-        <p:nvSpPr>
-          <p:cNvPr id="2" name="Slide Number Placeholder 1"/>
-          <p:cNvSpPr>
-            <a:spLocks noGrp="1"/>
-          </p:cNvSpPr>
-          <p:nvPr>
-            <p:ph type="sldNum" sz="quarter" idx="12"/>
-          </p:nvPr>
-        </p:nvSpPr>
-        <p:spPr/>
-        <p:txBody>
-          <a:bodyPr/>
-          <a:lstStyle/>
-          <a:p>
-            <a:fld id="{B543A0FD-1CA6-4228-86A2-78061B4844C8}" type="slidenum">
-              <a:rPr lang="en-US" smtClean="0"/>
-              <a:t>74</a:t>
-            </a:fld>
-            <a:endParaRPr lang="en-US"/>
-          </a:p>
-        </p:txBody>
-      </p:sp>
-    </p:spTree>
-    <p:extLst>
-      <p:ext uri="{BB962C8B-B14F-4D97-AF65-F5344CB8AC3E}">
-        <p14:creationId xmlns:p14="http://schemas.microsoft.com/office/powerpoint/2010/main" val="3253322863"/>
-      </p:ext>
-    </p:extLst>
-  </p:cSld>
-  <p:clrMapOvr>
-    <a:masterClrMapping/>
-  </p:clrMapOvr>
-  <mc:AlternateContent xmlns:mc="http://schemas.openxmlformats.org/markup-compatibility/2006" xmlns:p14="http://schemas.microsoft.com/office/powerpoint/2010/main">
-    <mc:Choice Requires="p14">
-      <p:transition spd="slow" p14:dur="2000"/>
-    </mc:Choice>
-    <mc:Fallback xmlns="">
-      <p:transition spd="slow"/>
-    </mc:Fallback>
-  </mc:AlternateContent>
-</p:sld>
-</file>
-
-<file path=ppt/slides/slide75.xml><?xml version="1.0" encoding="utf-8"?>
-<p:sld xmlns:a="http://schemas.openxmlformats.org/drawingml/2006/main" xmlns:r="http://schemas.openxmlformats.org/officeDocument/2006/relationships" xmlns:p="http://schemas.openxmlformats.org/presentationml/2006/main">
-  <p:cSld>
-    <p:spTree>
-      <p:nvGrpSpPr>
-        <p:cNvPr id="1" name=""/>
-        <p:cNvGrpSpPr/>
-        <p:nvPr/>
-      </p:nvGrpSpPr>
-      <p:grpSpPr>
-        <a:xfrm>
-          <a:off x="0" y="0"/>
-          <a:ext cx="0" cy="0"/>
-          <a:chOff x="0" y="0"/>
-          <a:chExt cx="0" cy="0"/>
-        </a:xfrm>
-      </p:grpSpPr>
-      <p:sp>
-        <p:nvSpPr>
-          <p:cNvPr id="36868" name="Title 1"/>
-          <p:cNvSpPr>
-            <a:spLocks noGrp="1"/>
-          </p:cNvSpPr>
-          <p:nvPr>
-            <p:ph type="title"/>
-          </p:nvPr>
-        </p:nvSpPr>
-        <p:spPr/>
-        <p:txBody>
-          <a:bodyPr/>
-          <a:lstStyle/>
-          <a:p>
-            <a:r>
-              <a:rPr lang="en-US" dirty="0" smtClean="0"/>
-              <a:t>Accessibility Testing</a:t>
-            </a:r>
-            <a:endParaRPr lang="en-US" dirty="0"/>
-          </a:p>
-        </p:txBody>
-      </p:sp>
-      <p:sp>
-        <p:nvSpPr>
-          <p:cNvPr id="36869" name="Content Placeholder 2"/>
-          <p:cNvSpPr>
-            <a:spLocks noGrp="1"/>
-          </p:cNvSpPr>
-          <p:nvPr>
-            <p:ph type="body" idx="1"/>
-          </p:nvPr>
-        </p:nvSpPr>
-        <p:spPr/>
-        <p:txBody>
-          <a:bodyPr/>
-          <a:lstStyle/>
-          <a:p>
-            <a:r>
-              <a:rPr lang="en-US" dirty="0" smtClean="0"/>
-              <a:t>Check usability by people with disabilities</a:t>
-            </a:r>
-          </a:p>
-          <a:p>
-            <a:pPr lvl="1"/>
-            <a:r>
-              <a:rPr lang="en-US" dirty="0" smtClean="0"/>
-              <a:t>Blind and low vision, deaf, color-blind, ...</a:t>
-            </a:r>
-          </a:p>
-          <a:p>
-            <a:r>
-              <a:rPr lang="en-US" dirty="0" smtClean="0"/>
-              <a:t>Use accessibility guidelines</a:t>
-            </a:r>
-          </a:p>
-          <a:p>
-            <a:pPr lvl="1"/>
-            <a:r>
-              <a:rPr lang="en-US" dirty="0" smtClean="0"/>
-              <a:t>Direct usability testing with all relevant groups is usually impractical; checking compliance to guidelines is practical and often reveals problems</a:t>
-            </a:r>
-          </a:p>
-          <a:p>
-            <a:r>
-              <a:rPr lang="en-US" dirty="0" smtClean="0"/>
-              <a:t>Example: W3C Web Content Accessibility Guidelines</a:t>
-            </a:r>
-          </a:p>
-          <a:p>
-            <a:pPr lvl="1"/>
-            <a:r>
-              <a:rPr lang="en-US" dirty="0" smtClean="0"/>
-              <a:t>Parts can be checked automatically</a:t>
-            </a:r>
-          </a:p>
-          <a:p>
-            <a:pPr lvl="1"/>
-            <a:r>
-              <a:rPr lang="en-US" dirty="0" smtClean="0"/>
-              <a:t>but manual check is still required</a:t>
-            </a:r>
-          </a:p>
-          <a:p>
-            <a:pPr lvl="2"/>
-            <a:r>
-              <a:rPr lang="en-US" dirty="0" smtClean="0"/>
-              <a:t>e.g., is the </a:t>
-            </a:r>
-            <a:r>
-              <a:rPr lang="ja-JP" altLang="en-US" dirty="0" smtClean="0"/>
-              <a:t>“</a:t>
-            </a:r>
-            <a:r>
-              <a:rPr lang="en-US" altLang="ja-JP" dirty="0" smtClean="0"/>
-              <a:t>alt</a:t>
-            </a:r>
-            <a:r>
-              <a:rPr lang="ja-JP" altLang="en-US" dirty="0" smtClean="0"/>
-              <a:t>”</a:t>
-            </a:r>
-            <a:r>
-              <a:rPr lang="en-US" altLang="ja-JP" dirty="0" smtClean="0"/>
-              <a:t> tag of the image meaningful? </a:t>
-            </a:r>
-            <a:endParaRPr lang="en-US" dirty="0"/>
-          </a:p>
-        </p:txBody>
-      </p:sp>
-      <p:sp>
-        <p:nvSpPr>
-          <p:cNvPr id="2" name="Slide Number Placeholder 1"/>
-          <p:cNvSpPr>
-            <a:spLocks noGrp="1"/>
-          </p:cNvSpPr>
-          <p:nvPr>
-            <p:ph type="sldNum" sz="quarter" idx="12"/>
-          </p:nvPr>
-        </p:nvSpPr>
-        <p:spPr/>
-        <p:txBody>
-          <a:bodyPr/>
-          <a:lstStyle/>
-          <a:p>
-            <a:fld id="{B543A0FD-1CA6-4228-86A2-78061B4844C8}" type="slidenum">
-              <a:rPr lang="en-US" smtClean="0"/>
-              <a:t>75</a:t>
-            </a:fld>
-            <a:endParaRPr lang="en-US"/>
-          </a:p>
-        </p:txBody>
-      </p:sp>
-    </p:spTree>
-    <p:extLst>
-      <p:ext uri="{BB962C8B-B14F-4D97-AF65-F5344CB8AC3E}">
-        <p14:creationId xmlns:p14="http://schemas.microsoft.com/office/powerpoint/2010/main" val="89117169"/>
-      </p:ext>
-    </p:extLst>
-  </p:cSld>
-  <p:clrMapOvr>
-    <a:masterClrMapping/>
-  </p:clrMapOvr>
-  <mc:AlternateContent xmlns:mc="http://schemas.openxmlformats.org/markup-compatibility/2006" xmlns:p14="http://schemas.microsoft.com/office/powerpoint/2010/main">
-    <mc:Choice Requires="p14">
-      <p:transition spd="slow" p14:dur="2000"/>
-    </mc:Choice>
-    <mc:Fallback xmlns="">
-      <p:transition spd="slow"/>
-    </mc:Fallback>
-  </mc:AlternateContent>
-  <p:timing>
-    <p:tnLst>
-      <p:par>
-        <p:cTn id="1" dur="indefinite" restart="never" nodeType="tmRoot"/>
-      </p:par>
-    </p:tnLst>
-  </p:timing>
-</p:sld>
-</file>
-
-<file path=ppt/slides/slide76.xml><?xml version="1.0" encoding="utf-8"?>
-<p:sld xmlns:a="http://schemas.openxmlformats.org/drawingml/2006/main" xmlns:r="http://schemas.openxmlformats.org/officeDocument/2006/relationships" xmlns:p="http://schemas.openxmlformats.org/presentationml/2006/main">
-  <p:cSld>
-    <p:spTree>
-      <p:nvGrpSpPr>
-        <p:cNvPr id="1" name=""/>
-        <p:cNvGrpSpPr/>
-        <p:nvPr/>
-      </p:nvGrpSpPr>
-      <p:grpSpPr>
-        <a:xfrm>
-          <a:off x="0" y="0"/>
-          <a:ext cx="0" cy="0"/>
-          <a:chOff x="0" y="0"/>
-          <a:chExt cx="0" cy="0"/>
-        </a:xfrm>
-      </p:grpSpPr>
-      <p:sp>
-        <p:nvSpPr>
-          <p:cNvPr id="4" name="Title 3"/>
-          <p:cNvSpPr>
-            <a:spLocks noGrp="1"/>
-          </p:cNvSpPr>
-          <p:nvPr>
-            <p:ph type="title"/>
-          </p:nvPr>
-        </p:nvSpPr>
-        <p:spPr/>
-        <p:txBody>
-          <a:bodyPr/>
-          <a:lstStyle/>
-          <a:p>
-            <a:r>
-              <a:rPr lang="en-US" dirty="0" smtClean="0"/>
-              <a:t>Installation Testing</a:t>
-            </a:r>
-            <a:endParaRPr lang="en-US" dirty="0"/>
-          </a:p>
-        </p:txBody>
-      </p:sp>
-      <p:sp>
-        <p:nvSpPr>
-          <p:cNvPr id="5" name="Content Placeholder 4"/>
-          <p:cNvSpPr>
-            <a:spLocks noGrp="1"/>
-          </p:cNvSpPr>
-          <p:nvPr>
-            <p:ph idx="1"/>
-          </p:nvPr>
-        </p:nvSpPr>
-        <p:spPr/>
-        <p:txBody>
-          <a:bodyPr/>
-          <a:lstStyle/>
-          <a:p>
-            <a:r>
-              <a:rPr lang="en-US" dirty="0" smtClean="0"/>
-              <a:t>Before the testing</a:t>
-            </a:r>
-          </a:p>
-          <a:p>
-            <a:pPr lvl="1"/>
-            <a:r>
-              <a:rPr lang="en-US" dirty="0" smtClean="0"/>
-              <a:t>Configure the system</a:t>
-            </a:r>
-          </a:p>
-          <a:p>
-            <a:pPr lvl="1"/>
-            <a:r>
-              <a:rPr lang="en-US" dirty="0" smtClean="0"/>
-              <a:t>Attach proper number and kind of devices</a:t>
-            </a:r>
-          </a:p>
-          <a:p>
-            <a:pPr lvl="1"/>
-            <a:r>
-              <a:rPr lang="en-US" dirty="0" smtClean="0"/>
-              <a:t>Establish communication with other system</a:t>
-            </a:r>
-          </a:p>
-          <a:p>
-            <a:r>
-              <a:rPr lang="en-US" dirty="0" smtClean="0"/>
-              <a:t>The testing</a:t>
-            </a:r>
-          </a:p>
-          <a:p>
-            <a:pPr lvl="1"/>
-            <a:r>
-              <a:rPr lang="en-US" dirty="0" smtClean="0"/>
-              <a:t>Regression tests: to verify that the system has been installed properly and works</a:t>
-            </a:r>
-          </a:p>
-          <a:p>
-            <a:endParaRPr lang="en-US" dirty="0"/>
-          </a:p>
-        </p:txBody>
-      </p:sp>
-      <p:sp>
-        <p:nvSpPr>
-          <p:cNvPr id="2" name="Slide Number Placeholder 1"/>
-          <p:cNvSpPr>
-            <a:spLocks noGrp="1"/>
-          </p:cNvSpPr>
-          <p:nvPr>
-            <p:ph type="sldNum" sz="quarter" idx="12"/>
-          </p:nvPr>
-        </p:nvSpPr>
-        <p:spPr/>
-        <p:txBody>
-          <a:bodyPr/>
-          <a:lstStyle/>
-          <a:p>
-            <a:fld id="{B543A0FD-1CA6-4228-86A2-78061B4844C8}" type="slidenum">
-              <a:rPr lang="en-US" smtClean="0"/>
-              <a:t>76</a:t>
             </a:fld>
             <a:endParaRPr lang="en-US"/>
           </a:p>
@@ -21783,7 +20659,7 @@
 </p:sld>
 </file>
 
-<file path=ppt/slides/slide77.xml><?xml version="1.0" encoding="utf-8"?>
+<file path=ppt/slides/slide65.xml><?xml version="1.0" encoding="utf-8"?>
 <p:sld xmlns:a="http://schemas.openxmlformats.org/drawingml/2006/main" xmlns:r="http://schemas.openxmlformats.org/officeDocument/2006/relationships" xmlns:p="http://schemas.openxmlformats.org/presentationml/2006/main">
   <p:cSld>
     <p:spTree>
@@ -21817,7 +20693,7 @@
           <a:p>
             <a:fld id="{B543A0FD-1CA6-4228-86A2-78061B4844C8}" type="slidenum">
               <a:rPr lang="en-US" smtClean="0"/>
-              <a:t>77</a:t>
+              <a:t>65</a:t>
             </a:fld>
             <a:endParaRPr lang="en-US"/>
           </a:p>
@@ -21860,7 +20736,7 @@
 </p:sld>
 </file>
 
-<file path=ppt/slides/slide78.xml><?xml version="1.0" encoding="utf-8"?>
+<file path=ppt/slides/slide66.xml><?xml version="1.0" encoding="utf-8"?>
 <p:sld xmlns:a="http://schemas.openxmlformats.org/drawingml/2006/main" xmlns:r="http://schemas.openxmlformats.org/officeDocument/2006/relationships" xmlns:p="http://schemas.openxmlformats.org/presentationml/2006/main">
   <p:cSld>
     <p:spTree>
@@ -21984,7 +20860,7 @@
           <a:p>
             <a:fld id="{B543A0FD-1CA6-4228-86A2-78061B4844C8}" type="slidenum">
               <a:rPr lang="en-US" smtClean="0"/>
-              <a:t>78</a:t>
+              <a:t>66</a:t>
             </a:fld>
             <a:endParaRPr lang="en-US"/>
           </a:p>
@@ -22007,6 +20883,122 @@
       </p:par>
     </p:tnLst>
   </p:timing>
+</p:sld>
+</file>
+
+<file path=ppt/slides/slide7.xml><?xml version="1.0" encoding="utf-8"?>
+<p:sld xmlns:a="http://schemas.openxmlformats.org/drawingml/2006/main" xmlns:r="http://schemas.openxmlformats.org/officeDocument/2006/relationships" xmlns:p="http://schemas.openxmlformats.org/presentationml/2006/main">
+  <p:cSld>
+    <p:spTree>
+      <p:nvGrpSpPr>
+        <p:cNvPr id="1" name=""/>
+        <p:cNvGrpSpPr/>
+        <p:nvPr/>
+      </p:nvGrpSpPr>
+      <p:grpSpPr>
+        <a:xfrm>
+          <a:off x="0" y="0"/>
+          <a:ext cx="0" cy="0"/>
+          <a:chOff x="0" y="0"/>
+          <a:chExt cx="0" cy="0"/>
+        </a:xfrm>
+      </p:grpSpPr>
+      <p:sp>
+        <p:nvSpPr>
+          <p:cNvPr id="2" name="Title 1"/>
+          <p:cNvSpPr>
+            <a:spLocks noGrp="1"/>
+          </p:cNvSpPr>
+          <p:nvPr>
+            <p:ph type="title"/>
+          </p:nvPr>
+        </p:nvSpPr>
+        <p:spPr/>
+        <p:txBody>
+          <a:bodyPr/>
+          <a:lstStyle/>
+          <a:p>
+            <a:r>
+              <a:rPr lang="en-US" dirty="0" smtClean="0"/>
+              <a:t>Threads...</a:t>
+            </a:r>
+            <a:endParaRPr lang="en-US" dirty="0"/>
+          </a:p>
+        </p:txBody>
+      </p:sp>
+      <p:sp>
+        <p:nvSpPr>
+          <p:cNvPr id="3" name="Content Placeholder 2"/>
+          <p:cNvSpPr>
+            <a:spLocks noGrp="1"/>
+          </p:cNvSpPr>
+          <p:nvPr>
+            <p:ph idx="1"/>
+          </p:nvPr>
+        </p:nvSpPr>
+        <p:spPr/>
+        <p:txBody>
+          <a:bodyPr>
+            <a:normAutofit/>
+          </a:bodyPr>
+          <a:lstStyle/>
+          <a:p>
+            <a:r>
+              <a:rPr lang="en-US" dirty="0" smtClean="0"/>
+              <a:t>An execution time concept</a:t>
+            </a:r>
+          </a:p>
+          <a:p>
+            <a:r>
+              <a:rPr lang="en-US" dirty="0" smtClean="0"/>
+              <a:t>Per the definition, a thread can be understood as a sequence of atomic system functions.</a:t>
+            </a:r>
+          </a:p>
+          <a:p>
+            <a:r>
+              <a:rPr lang="en-US" dirty="0" smtClean="0"/>
+              <a:t>When a system test case executes</a:t>
+            </a:r>
+          </a:p>
+          <a:p>
+            <a:pPr lvl="1"/>
+            <a:r>
+              <a:rPr lang="en-US" dirty="0" smtClean="0"/>
+              <a:t>a thread occurs, and</a:t>
+            </a:r>
+          </a:p>
+          <a:p>
+            <a:pPr lvl="1"/>
+            <a:r>
+              <a:rPr lang="en-US" dirty="0" smtClean="0"/>
+              <a:t>can be observed at the port boundary of the system</a:t>
+            </a:r>
+          </a:p>
+          <a:p>
+            <a:r>
+              <a:rPr lang="en-US" dirty="0" smtClean="0"/>
+              <a:t>The BIG Question: where do we find (or how do we identify) threads?</a:t>
+            </a:r>
+          </a:p>
+          <a:p>
+            <a:r>
+              <a:rPr lang="en-US" dirty="0" smtClean="0"/>
+              <a:t>Our approach—Model-Based Testing</a:t>
+            </a:r>
+            <a:endParaRPr lang="en-US" dirty="0"/>
+          </a:p>
+        </p:txBody>
+      </p:sp>
+    </p:spTree>
+    <p:extLst>
+      <p:ext uri="{BB962C8B-B14F-4D97-AF65-F5344CB8AC3E}">
+        <p14:creationId xmlns:p14="http://schemas.microsoft.com/office/powerpoint/2010/main" val="1315087610"/>
+      </p:ext>
+    </p:extLst>
+  </p:cSld>
+  <p:clrMapOvr>
+    <a:masterClrMapping/>
+  </p:clrMapOvr>
 </p:sld>
 </file>
 
@@ -22062,14 +21054,14 @@
           </a:ln>
           <a:extLst>
             <a:ext uri="{909E8E84-426E-40dd-AFC4-6F175D3DCCD1}">
-              <a14:hiddenFill xmlns:a14="http://schemas.microsoft.com/office/drawing/2010/main" xmlns="">
+              <a14:hiddenFill xmlns="" xmlns:a14="http://schemas.microsoft.com/office/drawing/2010/main">
                 <a:solidFill>
                   <a:srgbClr val="FFFFFF"/>
                 </a:solidFill>
               </a14:hiddenFill>
             </a:ext>
             <a:ext uri="{91240B29-F687-4f45-9708-019B960494DF}">
-              <a14:hiddenLine xmlns:a14="http://schemas.microsoft.com/office/drawing/2010/main" xmlns="" w="9525">
+              <a14:hiddenLine xmlns="" xmlns:a14="http://schemas.microsoft.com/office/drawing/2010/main" w="9525">
                 <a:solidFill>
                   <a:srgbClr val="000000"/>
                 </a:solidFill>
@@ -22127,14 +21119,14 @@
           </a:ln>
           <a:extLst>
             <a:ext uri="{909E8E84-426E-40dd-AFC4-6F175D3DCCD1}">
-              <a14:hiddenFill xmlns:a14="http://schemas.microsoft.com/office/drawing/2010/main" xmlns="">
+              <a14:hiddenFill xmlns="" xmlns:a14="http://schemas.microsoft.com/office/drawing/2010/main">
                 <a:solidFill>
                   <a:srgbClr val="FFFFFF"/>
                 </a:solidFill>
               </a14:hiddenFill>
             </a:ext>
             <a:ext uri="{91240B29-F687-4f45-9708-019B960494DF}">
-              <a14:hiddenLine xmlns:a14="http://schemas.microsoft.com/office/drawing/2010/main" xmlns="" w="9525">
+              <a14:hiddenLine xmlns="" xmlns:a14="http://schemas.microsoft.com/office/drawing/2010/main" w="9525">
                 <a:solidFill>
                   <a:srgbClr val="000000"/>
                 </a:solidFill>

--- a/SE401/Lectures/8-Integration, System and Regression Testing/2-System Testing.pptx
+++ b/SE401/Lectures/8-Integration, System and Regression Testing/2-System Testing.pptx
@@ -5,7 +5,7 @@
     <p:sldMasterId id="2147483648" r:id="rId1"/>
   </p:sldMasterIdLst>
   <p:notesMasterIdLst>
-    <p:notesMasterId r:id="rId68"/>
+    <p:notesMasterId r:id="rId72"/>
   </p:notesMasterIdLst>
   <p:sldIdLst>
     <p:sldId id="257" r:id="rId2"/>
@@ -27,53 +27,57 @@
     <p:sldId id="370" r:id="rId18"/>
     <p:sldId id="371" r:id="rId19"/>
     <p:sldId id="372" r:id="rId20"/>
-    <p:sldId id="378" r:id="rId21"/>
-    <p:sldId id="379" r:id="rId22"/>
-    <p:sldId id="380" r:id="rId23"/>
-    <p:sldId id="381" r:id="rId24"/>
-    <p:sldId id="382" r:id="rId25"/>
-    <p:sldId id="383" r:id="rId26"/>
-    <p:sldId id="384" r:id="rId27"/>
-    <p:sldId id="385" r:id="rId28"/>
-    <p:sldId id="386" r:id="rId29"/>
-    <p:sldId id="387" r:id="rId30"/>
-    <p:sldId id="388" r:id="rId31"/>
-    <p:sldId id="389" r:id="rId32"/>
-    <p:sldId id="402" r:id="rId33"/>
-    <p:sldId id="403" r:id="rId34"/>
-    <p:sldId id="404" r:id="rId35"/>
-    <p:sldId id="405" r:id="rId36"/>
-    <p:sldId id="406" r:id="rId37"/>
-    <p:sldId id="321" r:id="rId38"/>
-    <p:sldId id="322" r:id="rId39"/>
-    <p:sldId id="323" r:id="rId40"/>
-    <p:sldId id="324" r:id="rId41"/>
-    <p:sldId id="325" r:id="rId42"/>
-    <p:sldId id="326" r:id="rId43"/>
-    <p:sldId id="327" r:id="rId44"/>
-    <p:sldId id="328" r:id="rId45"/>
-    <p:sldId id="329" r:id="rId46"/>
-    <p:sldId id="330" r:id="rId47"/>
-    <p:sldId id="331" r:id="rId48"/>
-    <p:sldId id="332" r:id="rId49"/>
-    <p:sldId id="333" r:id="rId50"/>
-    <p:sldId id="334" r:id="rId51"/>
-    <p:sldId id="335" r:id="rId52"/>
-    <p:sldId id="336" r:id="rId53"/>
-    <p:sldId id="337" r:id="rId54"/>
-    <p:sldId id="338" r:id="rId55"/>
-    <p:sldId id="339" r:id="rId56"/>
-    <p:sldId id="340" r:id="rId57"/>
-    <p:sldId id="341" r:id="rId58"/>
-    <p:sldId id="342" r:id="rId59"/>
-    <p:sldId id="343" r:id="rId60"/>
-    <p:sldId id="344" r:id="rId61"/>
-    <p:sldId id="345" r:id="rId62"/>
-    <p:sldId id="346" r:id="rId63"/>
-    <p:sldId id="347" r:id="rId64"/>
-    <p:sldId id="348" r:id="rId65"/>
-    <p:sldId id="408" r:id="rId66"/>
-    <p:sldId id="358" r:id="rId67"/>
+    <p:sldId id="409" r:id="rId21"/>
+    <p:sldId id="410" r:id="rId22"/>
+    <p:sldId id="411" r:id="rId23"/>
+    <p:sldId id="412" r:id="rId24"/>
+    <p:sldId id="413" r:id="rId25"/>
+    <p:sldId id="378" r:id="rId26"/>
+    <p:sldId id="414" r:id="rId27"/>
+    <p:sldId id="379" r:id="rId28"/>
+    <p:sldId id="381" r:id="rId29"/>
+    <p:sldId id="382" r:id="rId30"/>
+    <p:sldId id="383" r:id="rId31"/>
+    <p:sldId id="384" r:id="rId32"/>
+    <p:sldId id="385" r:id="rId33"/>
+    <p:sldId id="386" r:id="rId34"/>
+    <p:sldId id="387" r:id="rId35"/>
+    <p:sldId id="388" r:id="rId36"/>
+    <p:sldId id="389" r:id="rId37"/>
+    <p:sldId id="403" r:id="rId38"/>
+    <p:sldId id="404" r:id="rId39"/>
+    <p:sldId id="405" r:id="rId40"/>
+    <p:sldId id="406" r:id="rId41"/>
+    <p:sldId id="321" r:id="rId42"/>
+    <p:sldId id="322" r:id="rId43"/>
+    <p:sldId id="323" r:id="rId44"/>
+    <p:sldId id="324" r:id="rId45"/>
+    <p:sldId id="325" r:id="rId46"/>
+    <p:sldId id="326" r:id="rId47"/>
+    <p:sldId id="327" r:id="rId48"/>
+    <p:sldId id="328" r:id="rId49"/>
+    <p:sldId id="329" r:id="rId50"/>
+    <p:sldId id="330" r:id="rId51"/>
+    <p:sldId id="331" r:id="rId52"/>
+    <p:sldId id="332" r:id="rId53"/>
+    <p:sldId id="333" r:id="rId54"/>
+    <p:sldId id="334" r:id="rId55"/>
+    <p:sldId id="335" r:id="rId56"/>
+    <p:sldId id="336" r:id="rId57"/>
+    <p:sldId id="337" r:id="rId58"/>
+    <p:sldId id="338" r:id="rId59"/>
+    <p:sldId id="339" r:id="rId60"/>
+    <p:sldId id="340" r:id="rId61"/>
+    <p:sldId id="341" r:id="rId62"/>
+    <p:sldId id="342" r:id="rId63"/>
+    <p:sldId id="343" r:id="rId64"/>
+    <p:sldId id="344" r:id="rId65"/>
+    <p:sldId id="345" r:id="rId66"/>
+    <p:sldId id="346" r:id="rId67"/>
+    <p:sldId id="347" r:id="rId68"/>
+    <p:sldId id="348" r:id="rId69"/>
+    <p:sldId id="408" r:id="rId70"/>
+    <p:sldId id="358" r:id="rId71"/>
   </p:sldIdLst>
   <p:sldSz cx="12192000" cy="6858000"/>
   <p:notesSz cx="6858000" cy="9144000"/>
@@ -262,7 +266,7 @@
           <a:p>
             <a:fld id="{29DC965F-4EE6-424F-87B9-6E4E065EFA1D}" type="datetimeFigureOut">
               <a:rPr lang="en-US" smtClean="0"/>
-              <a:t>11/14/2021</a:t>
+              <a:t>11/15/2021</a:t>
             </a:fld>
             <a:endParaRPr lang="en-US"/>
           </a:p>
@@ -855,7 +859,7 @@
               <a:pPr>
                 <a:defRPr/>
               </a:pPr>
-              <a:t>42</a:t>
+              <a:t>46</a:t>
             </a:fld>
             <a:r>
               <a:rPr lang="en-US" smtClean="0"/>
@@ -1031,7 +1035,7 @@
               <a:pPr>
                 <a:defRPr/>
               </a:pPr>
-              <a:t>43</a:t>
+              <a:t>47</a:t>
             </a:fld>
             <a:r>
               <a:rPr lang="en-US" smtClean="0"/>
@@ -1207,7 +1211,7 @@
               <a:pPr>
                 <a:defRPr/>
               </a:pPr>
-              <a:t>44</a:t>
+              <a:t>48</a:t>
             </a:fld>
             <a:r>
               <a:rPr lang="en-US" smtClean="0"/>
@@ -1379,7 +1383,7 @@
               <a:pPr>
                 <a:defRPr/>
               </a:pPr>
-              <a:t>45</a:t>
+              <a:t>49</a:t>
             </a:fld>
             <a:r>
               <a:rPr lang="en-US" smtClean="0"/>
@@ -1551,7 +1555,7 @@
               <a:pPr>
                 <a:defRPr/>
               </a:pPr>
-              <a:t>47</a:t>
+              <a:t>51</a:t>
             </a:fld>
             <a:r>
               <a:rPr lang="en-US" smtClean="0"/>
@@ -1723,7 +1727,7 @@
               <a:pPr>
                 <a:defRPr/>
               </a:pPr>
-              <a:t>48</a:t>
+              <a:t>52</a:t>
             </a:fld>
             <a:r>
               <a:rPr lang="en-US" smtClean="0"/>
@@ -1895,7 +1899,7 @@
               <a:pPr>
                 <a:defRPr/>
               </a:pPr>
-              <a:t>49</a:t>
+              <a:t>53</a:t>
             </a:fld>
             <a:r>
               <a:rPr lang="en-US" smtClean="0"/>
@@ -2067,7 +2071,7 @@
               <a:pPr>
                 <a:defRPr/>
               </a:pPr>
-              <a:t>50</a:t>
+              <a:t>54</a:t>
             </a:fld>
             <a:r>
               <a:rPr lang="en-US" smtClean="0"/>
@@ -2239,7 +2243,7 @@
               <a:pPr>
                 <a:defRPr/>
               </a:pPr>
-              <a:t>51</a:t>
+              <a:t>55</a:t>
             </a:fld>
             <a:r>
               <a:rPr lang="en-US" smtClean="0"/>
@@ -2411,7 +2415,7 @@
               <a:pPr>
                 <a:defRPr/>
               </a:pPr>
-              <a:t>52</a:t>
+              <a:t>56</a:t>
             </a:fld>
             <a:r>
               <a:rPr lang="en-US" smtClean="0"/>
@@ -2473,14 +2477,14 @@
           </a:ln>
           <a:extLst>
             <a:ext uri="{909E8E84-426E-40dd-AFC4-6F175D3DCCD1}">
-              <a14:hiddenFill xmlns="" xmlns:a14="http://schemas.microsoft.com/office/drawing/2010/main">
+              <a14:hiddenFill xmlns:a14="http://schemas.microsoft.com/office/drawing/2010/main" xmlns="">
                 <a:solidFill>
                   <a:srgbClr val="FFFFFF"/>
                 </a:solidFill>
               </a14:hiddenFill>
             </a:ext>
             <a:ext uri="{91240B29-F687-4f45-9708-019B960494DF}">
-              <a14:hiddenLine xmlns="" xmlns:a14="http://schemas.microsoft.com/office/drawing/2010/main" w="9525">
+              <a14:hiddenLine xmlns:a14="http://schemas.microsoft.com/office/drawing/2010/main" xmlns="" w="9525">
                 <a:solidFill>
                   <a:srgbClr val="000000"/>
                 </a:solidFill>
@@ -2656,14 +2660,14 @@
           </a:ln>
           <a:extLst>
             <a:ext uri="{909E8E84-426E-40dd-AFC4-6F175D3DCCD1}">
-              <a14:hiddenFill xmlns="" xmlns:a14="http://schemas.microsoft.com/office/drawing/2010/main">
+              <a14:hiddenFill xmlns:a14="http://schemas.microsoft.com/office/drawing/2010/main" xmlns="">
                 <a:solidFill>
                   <a:srgbClr val="FFFFFF"/>
                 </a:solidFill>
               </a14:hiddenFill>
             </a:ext>
             <a:ext uri="{FAA26D3D-D897-4be2-8F04-BA451C77F1D7}">
-              <ma14:placeholderFlag xmlns="" xmlns:ma14="http://schemas.microsoft.com/office/mac/drawingml/2011/main" val="1"/>
+              <ma14:placeholderFlag xmlns:ma14="http://schemas.microsoft.com/office/mac/drawingml/2011/main" xmlns="" val="1"/>
             </a:ext>
           </a:extLst>
         </p:spPr>
@@ -2951,7 +2955,7 @@
               <a:pPr>
                 <a:defRPr/>
               </a:pPr>
-              <a:t>53</a:t>
+              <a:t>57</a:t>
             </a:fld>
             <a:r>
               <a:rPr lang="en-US" smtClean="0"/>
@@ -3123,7 +3127,7 @@
               <a:pPr>
                 <a:defRPr/>
               </a:pPr>
-              <a:t>54</a:t>
+              <a:t>58</a:t>
             </a:fld>
             <a:r>
               <a:rPr lang="en-US" smtClean="0"/>
@@ -3295,7 +3299,7 @@
               <a:pPr>
                 <a:defRPr/>
               </a:pPr>
-              <a:t>55</a:t>
+              <a:t>59</a:t>
             </a:fld>
             <a:r>
               <a:rPr lang="en-US" smtClean="0"/>
@@ -3375,7 +3379,7 @@
           </a:ln>
           <a:extLst>
             <a:ext uri="{909E8E84-426E-40dd-AFC4-6F175D3DCCD1}">
-              <a14:hiddenFill xmlns="" xmlns:a14="http://schemas.microsoft.com/office/drawing/2010/main">
+              <a14:hiddenFill xmlns:a14="http://schemas.microsoft.com/office/drawing/2010/main" xmlns="">
                 <a:solidFill>
                   <a:srgbClr val="FFFFFF"/>
                 </a:solidFill>
@@ -3557,7 +3561,7 @@
               <a:pPr>
                 <a:defRPr/>
               </a:pPr>
-              <a:t>56</a:t>
+              <a:t>60</a:t>
             </a:fld>
             <a:r>
               <a:rPr lang="en-US" smtClean="0"/>
@@ -3729,7 +3733,7 @@
               <a:pPr>
                 <a:defRPr/>
               </a:pPr>
-              <a:t>57</a:t>
+              <a:t>61</a:t>
             </a:fld>
             <a:r>
               <a:rPr lang="en-US" smtClean="0"/>
@@ -3901,7 +3905,7 @@
               <a:pPr>
                 <a:defRPr/>
               </a:pPr>
-              <a:t>58</a:t>
+              <a:t>62</a:t>
             </a:fld>
             <a:r>
               <a:rPr lang="en-US" smtClean="0"/>
@@ -3981,7 +3985,7 @@
           </a:ln>
           <a:extLst>
             <a:ext uri="{909E8E84-426E-40dd-AFC4-6F175D3DCCD1}">
-              <a14:hiddenFill xmlns="" xmlns:a14="http://schemas.microsoft.com/office/drawing/2010/main">
+              <a14:hiddenFill xmlns:a14="http://schemas.microsoft.com/office/drawing/2010/main" xmlns="">
                 <a:solidFill>
                   <a:srgbClr val="FFFFFF"/>
                 </a:solidFill>
@@ -4196,7 +4200,7 @@
               <a:pPr>
                 <a:defRPr/>
               </a:pPr>
-              <a:t>59</a:t>
+              <a:t>63</a:t>
             </a:fld>
             <a:r>
               <a:rPr lang="en-US" smtClean="0"/>
@@ -4275,7 +4279,7 @@
           </a:ln>
           <a:extLst>
             <a:ext uri="{AF507438-7753-43e0-B8FC-AC1667EBCBE1}">
-              <a14:hiddenEffects xmlns="" xmlns:a14="http://schemas.microsoft.com/office/drawing/2010/main">
+              <a14:hiddenEffects xmlns:a14="http://schemas.microsoft.com/office/drawing/2010/main" xmlns="">
                 <a:effectLst>
                   <a:outerShdw blurRad="63500" dist="38099" dir="2700000" algn="ctr" rotWithShape="0">
                     <a:srgbClr val="000000">
@@ -4310,14 +4314,14 @@
           <a:ln/>
           <a:extLst>
             <a:ext uri="{909E8E84-426E-40dd-AFC4-6F175D3DCCD1}">
-              <a14:hiddenFill xmlns="" xmlns:a14="http://schemas.microsoft.com/office/drawing/2010/main">
+              <a14:hiddenFill xmlns:a14="http://schemas.microsoft.com/office/drawing/2010/main" xmlns="">
                 <a:solidFill>
                   <a:srgbClr val="FFFFFF"/>
                 </a:solidFill>
               </a14:hiddenFill>
             </a:ext>
             <a:ext uri="{91240B29-F687-4f45-9708-019B960494DF}">
-              <a14:hiddenLine xmlns="" xmlns:a14="http://schemas.microsoft.com/office/drawing/2010/main" w="9525">
+              <a14:hiddenLine xmlns:a14="http://schemas.microsoft.com/office/drawing/2010/main" xmlns="" w="9525">
                 <a:solidFill>
                   <a:srgbClr val="000000"/>
                 </a:solidFill>
@@ -4327,7 +4331,7 @@
               </a14:hiddenLine>
             </a:ext>
             <a:ext uri="{AF507438-7753-43e0-B8FC-AC1667EBCBE1}">
-              <a14:hiddenEffects xmlns="" xmlns:a14="http://schemas.microsoft.com/office/drawing/2010/main">
+              <a14:hiddenEffects xmlns:a14="http://schemas.microsoft.com/office/drawing/2010/main" xmlns="">
                 <a:effectLst>
                   <a:outerShdw blurRad="63500" dist="38099" dir="2700000" algn="ctr" rotWithShape="0">
                     <a:srgbClr val="000000">
@@ -4711,7 +4715,7 @@
               <a:pPr>
                 <a:defRPr/>
               </a:pPr>
-              <a:t>64</a:t>
+              <a:t>68</a:t>
             </a:fld>
             <a:r>
               <a:rPr lang="en-US" smtClean="0"/>
@@ -4773,14 +4777,14 @@
           </a:ln>
           <a:extLst>
             <a:ext uri="{909E8E84-426E-40dd-AFC4-6F175D3DCCD1}">
-              <a14:hiddenFill xmlns="" xmlns:a14="http://schemas.microsoft.com/office/drawing/2010/main">
+              <a14:hiddenFill xmlns:a14="http://schemas.microsoft.com/office/drawing/2010/main" xmlns="">
                 <a:solidFill>
                   <a:srgbClr val="FFFFFF"/>
                 </a:solidFill>
               </a14:hiddenFill>
             </a:ext>
             <a:ext uri="{91240B29-F687-4f45-9708-019B960494DF}">
-              <a14:hiddenLine xmlns="" xmlns:a14="http://schemas.microsoft.com/office/drawing/2010/main" w="9525">
+              <a14:hiddenLine xmlns:a14="http://schemas.microsoft.com/office/drawing/2010/main" xmlns="" w="9525">
                 <a:solidFill>
                   <a:srgbClr val="000000"/>
                 </a:solidFill>
@@ -4908,7 +4912,7 @@
                 <a:latin typeface="Verdana" charset="0"/>
               </a:rPr>
               <a:pPr algn="r" eaLnBrk="1" hangingPunct="1"/>
-              <a:t>66</a:t>
+              <a:t>70</a:t>
             </a:fld>
             <a:endParaRPr lang="en-US" sz="1200" dirty="0">
               <a:latin typeface="Verdana" charset="0"/>
@@ -4956,14 +4960,14 @@
           </a:ln>
           <a:extLst>
             <a:ext uri="{909E8E84-426E-40dd-AFC4-6F175D3DCCD1}">
-              <a14:hiddenFill xmlns="" xmlns:a14="http://schemas.microsoft.com/office/drawing/2010/main">
+              <a14:hiddenFill xmlns:a14="http://schemas.microsoft.com/office/drawing/2010/main" xmlns="">
                 <a:solidFill>
                   <a:srgbClr val="FFFFFF"/>
                 </a:solidFill>
               </a14:hiddenFill>
             </a:ext>
             <a:ext uri="{FAA26D3D-D897-4be2-8F04-BA451C77F1D7}">
-              <ma14:placeholderFlag xmlns="" xmlns:ma14="http://schemas.microsoft.com/office/mac/drawingml/2011/main" val="1"/>
+              <ma14:placeholderFlag xmlns:ma14="http://schemas.microsoft.com/office/mac/drawingml/2011/main" xmlns="" val="1"/>
             </a:ext>
           </a:extLst>
         </p:spPr>
@@ -5079,7 +5083,7 @@
               <a:pPr>
                 <a:defRPr/>
               </a:pPr>
-              <a:t>66</a:t>
+              <a:t>70</a:t>
             </a:fld>
             <a:r>
               <a:rPr lang="en-US" smtClean="0"/>
@@ -5842,7 +5846,7 @@
               <a:pPr>
                 <a:defRPr/>
               </a:pPr>
-              <a:t>37</a:t>
+              <a:t>41</a:t>
             </a:fld>
             <a:r>
               <a:rPr lang="en-US" smtClean="0"/>
@@ -6014,7 +6018,7 @@
               <a:pPr>
                 <a:defRPr/>
               </a:pPr>
-              <a:t>38</a:t>
+              <a:t>42</a:t>
             </a:fld>
             <a:r>
               <a:rPr lang="en-US" smtClean="0"/>
@@ -6186,7 +6190,7 @@
               <a:pPr>
                 <a:defRPr/>
               </a:pPr>
-              <a:t>39</a:t>
+              <a:t>43</a:t>
             </a:fld>
             <a:r>
               <a:rPr lang="en-US" smtClean="0"/>
@@ -6362,7 +6366,7 @@
               <a:pPr>
                 <a:defRPr/>
               </a:pPr>
-              <a:t>41</a:t>
+              <a:t>45</a:t>
             </a:fld>
             <a:r>
               <a:rPr lang="en-US" smtClean="0"/>
@@ -6530,7 +6534,7 @@
           <a:p>
             <a:fld id="{37F25EE3-3670-48A1-BD38-BCF07B338F77}" type="datetime1">
               <a:rPr lang="en-US" smtClean="0"/>
-              <a:t>11/14/2021</a:t>
+              <a:t>11/15/2021</a:t>
             </a:fld>
             <a:endParaRPr lang="en-US"/>
           </a:p>
@@ -6781,7 +6785,7 @@
           <a:p>
             <a:fld id="{BD3F448D-36D0-425B-A768-748E58DED954}" type="datetime1">
               <a:rPr lang="en-US" smtClean="0"/>
-              <a:t>11/14/2021</a:t>
+              <a:t>11/15/2021</a:t>
             </a:fld>
             <a:endParaRPr lang="en-US"/>
           </a:p>
@@ -6961,7 +6965,7 @@
           <a:p>
             <a:fld id="{518D97EF-B8A1-4C50-8FE1-7FFDFF5821BA}" type="datetime1">
               <a:rPr lang="en-US" smtClean="0"/>
-              <a:t>11/14/2021</a:t>
+              <a:t>11/15/2021</a:t>
             </a:fld>
             <a:endParaRPr lang="en-US"/>
           </a:p>
@@ -7131,7 +7135,7 @@
           <a:p>
             <a:fld id="{4DC2A4DD-90EF-49ED-B7E8-A04E775244AF}" type="datetime1">
               <a:rPr lang="en-US" smtClean="0"/>
-              <a:t>11/14/2021</a:t>
+              <a:t>11/15/2021</a:t>
             </a:fld>
             <a:endParaRPr lang="en-US"/>
           </a:p>
@@ -7377,7 +7381,7 @@
           <a:p>
             <a:fld id="{C49C64D8-BE90-47C2-AB4E-17E7A8E25C0F}" type="datetime1">
               <a:rPr lang="en-US" smtClean="0"/>
-              <a:t>11/14/2021</a:t>
+              <a:t>11/15/2021</a:t>
             </a:fld>
             <a:endParaRPr lang="en-US"/>
           </a:p>
@@ -7609,7 +7613,7 @@
           <a:p>
             <a:fld id="{05213E12-4916-4425-9F48-0C7B001002A2}" type="datetime1">
               <a:rPr lang="en-US" smtClean="0"/>
-              <a:t>11/14/2021</a:t>
+              <a:t>11/15/2021</a:t>
             </a:fld>
             <a:endParaRPr lang="en-US"/>
           </a:p>
@@ -7976,7 +7980,7 @@
           <a:p>
             <a:fld id="{57750A7D-6440-471E-9A62-EE9D52F00272}" type="datetime1">
               <a:rPr lang="en-US" smtClean="0"/>
-              <a:t>11/14/2021</a:t>
+              <a:t>11/15/2021</a:t>
             </a:fld>
             <a:endParaRPr lang="en-US"/>
           </a:p>
@@ -8094,7 +8098,7 @@
           <a:p>
             <a:fld id="{29AB0C40-7BF5-441B-959D-CAA8EAEC1D8F}" type="datetime1">
               <a:rPr lang="en-US" smtClean="0"/>
-              <a:t>11/14/2021</a:t>
+              <a:t>11/15/2021</a:t>
             </a:fld>
             <a:endParaRPr lang="en-US"/>
           </a:p>
@@ -8189,7 +8193,7 @@
           <a:p>
             <a:fld id="{56CB15C1-50CD-4D8E-87FD-09A53995B887}" type="datetime1">
               <a:rPr lang="en-US" smtClean="0"/>
-              <a:t>11/14/2021</a:t>
+              <a:t>11/15/2021</a:t>
             </a:fld>
             <a:endParaRPr lang="en-US"/>
           </a:p>
@@ -8466,7 +8470,7 @@
           <a:p>
             <a:fld id="{2D6BD592-F12F-46F8-9E79-6E07B872F689}" type="datetime1">
               <a:rPr lang="en-US" smtClean="0"/>
-              <a:t>11/14/2021</a:t>
+              <a:t>11/15/2021</a:t>
             </a:fld>
             <a:endParaRPr lang="en-US"/>
           </a:p>
@@ -8719,7 +8723,7 @@
           <a:p>
             <a:fld id="{D4AED46E-27F9-446C-A84F-62508097E734}" type="datetime1">
               <a:rPr lang="en-US" smtClean="0"/>
-              <a:t>11/14/2021</a:t>
+              <a:t>11/15/2021</a:t>
             </a:fld>
             <a:endParaRPr lang="en-US"/>
           </a:p>
@@ -8933,7 +8937,7 @@
           <a:p>
             <a:fld id="{8DDD7842-5CB9-4704-8601-0697C48BE99A}" type="datetime1">
               <a:rPr lang="en-US" smtClean="0"/>
-              <a:t>11/14/2021</a:t>
+              <a:t>11/15/2021</a:t>
             </a:fld>
             <a:endParaRPr lang="en-US"/>
           </a:p>
@@ -11148,6 +11152,1008 @@
             <p:ph type="title"/>
           </p:nvPr>
         </p:nvSpPr>
+        <p:spPr>
+          <a:xfrm>
+            <a:off x="7589520" y="365125"/>
+            <a:ext cx="3764280" cy="5340731"/>
+          </a:xfrm>
+        </p:spPr>
+        <p:txBody>
+          <a:bodyPr>
+            <a:normAutofit/>
+          </a:bodyPr>
+          <a:lstStyle/>
+          <a:p>
+            <a:r>
+              <a:rPr lang="en-US" dirty="0"/>
+              <a:t>Uppermost level SAT M finite state machine.</a:t>
+            </a:r>
+            <a:endParaRPr lang="en-US" dirty="0"/>
+          </a:p>
+        </p:txBody>
+      </p:sp>
+      <p:sp>
+        <p:nvSpPr>
+          <p:cNvPr id="4" name="Slide Number Placeholder 3"/>
+          <p:cNvSpPr>
+            <a:spLocks noGrp="1"/>
+          </p:cNvSpPr>
+          <p:nvPr>
+            <p:ph type="sldNum" sz="quarter" idx="12"/>
+          </p:nvPr>
+        </p:nvSpPr>
+        <p:spPr/>
+        <p:txBody>
+          <a:bodyPr/>
+          <a:lstStyle/>
+          <a:p>
+            <a:fld id="{B543A0FD-1CA6-4228-86A2-78061B4844C8}" type="slidenum">
+              <a:rPr lang="en-US" smtClean="0"/>
+              <a:t>20</a:t>
+            </a:fld>
+            <a:endParaRPr lang="en-US"/>
+          </a:p>
+        </p:txBody>
+      </p:sp>
+      <p:pic>
+        <p:nvPicPr>
+          <p:cNvPr id="5" name="Picture 4"/>
+          <p:cNvPicPr>
+            <a:picLocks noChangeAspect="1"/>
+          </p:cNvPicPr>
+          <p:nvPr/>
+        </p:nvPicPr>
+        <p:blipFill>
+          <a:blip r:embed="rId2"/>
+          <a:stretch>
+            <a:fillRect/>
+          </a:stretch>
+        </p:blipFill>
+        <p:spPr>
+          <a:xfrm>
+            <a:off x="838200" y="275144"/>
+            <a:ext cx="5609159" cy="6354256"/>
+          </a:xfrm>
+          <a:prstGeom prst="rect">
+            <a:avLst/>
+          </a:prstGeom>
+        </p:spPr>
+      </p:pic>
+    </p:spTree>
+    <p:extLst>
+      <p:ext uri="{BB962C8B-B14F-4D97-AF65-F5344CB8AC3E}">
+        <p14:creationId xmlns:p14="http://schemas.microsoft.com/office/powerpoint/2010/main" val="2411582361"/>
+      </p:ext>
+    </p:extLst>
+  </p:cSld>
+  <p:clrMapOvr>
+    <a:masterClrMapping/>
+  </p:clrMapOvr>
+</p:sld>
+</file>
+
+<file path=ppt/slides/slide21.xml><?xml version="1.0" encoding="utf-8"?>
+<p:sld xmlns:a="http://schemas.openxmlformats.org/drawingml/2006/main" xmlns:r="http://schemas.openxmlformats.org/officeDocument/2006/relationships" xmlns:p="http://schemas.openxmlformats.org/presentationml/2006/main">
+  <p:cSld>
+    <p:spTree>
+      <p:nvGrpSpPr>
+        <p:cNvPr id="1" name=""/>
+        <p:cNvGrpSpPr/>
+        <p:nvPr/>
+      </p:nvGrpSpPr>
+      <p:grpSpPr>
+        <a:xfrm>
+          <a:off x="0" y="0"/>
+          <a:ext cx="0" cy="0"/>
+          <a:chOff x="0" y="0"/>
+          <a:chExt cx="0" cy="0"/>
+        </a:xfrm>
+      </p:grpSpPr>
+      <p:sp>
+        <p:nvSpPr>
+          <p:cNvPr id="2" name="Title 1"/>
+          <p:cNvSpPr>
+            <a:spLocks noGrp="1"/>
+          </p:cNvSpPr>
+          <p:nvPr>
+            <p:ph type="title"/>
+          </p:nvPr>
+        </p:nvSpPr>
+        <p:spPr>
+          <a:xfrm>
+            <a:off x="6775704" y="365125"/>
+            <a:ext cx="4578095" cy="5811838"/>
+          </a:xfrm>
+        </p:spPr>
+        <p:txBody>
+          <a:bodyPr/>
+          <a:lstStyle/>
+          <a:p>
+            <a:r>
+              <a:rPr lang="en-US" dirty="0"/>
+              <a:t>Decomposition of PIN entry state.</a:t>
+            </a:r>
+            <a:endParaRPr lang="en-US" dirty="0"/>
+          </a:p>
+        </p:txBody>
+      </p:sp>
+      <p:sp>
+        <p:nvSpPr>
+          <p:cNvPr id="4" name="Slide Number Placeholder 3"/>
+          <p:cNvSpPr>
+            <a:spLocks noGrp="1"/>
+          </p:cNvSpPr>
+          <p:nvPr>
+            <p:ph type="sldNum" sz="quarter" idx="12"/>
+          </p:nvPr>
+        </p:nvSpPr>
+        <p:spPr/>
+        <p:txBody>
+          <a:bodyPr/>
+          <a:lstStyle/>
+          <a:p>
+            <a:fld id="{B543A0FD-1CA6-4228-86A2-78061B4844C8}" type="slidenum">
+              <a:rPr lang="en-US" smtClean="0"/>
+              <a:t>21</a:t>
+            </a:fld>
+            <a:endParaRPr lang="en-US"/>
+          </a:p>
+        </p:txBody>
+      </p:sp>
+      <p:pic>
+        <p:nvPicPr>
+          <p:cNvPr id="5" name="Picture 4"/>
+          <p:cNvPicPr>
+            <a:picLocks noChangeAspect="1"/>
+          </p:cNvPicPr>
+          <p:nvPr/>
+        </p:nvPicPr>
+        <p:blipFill>
+          <a:blip r:embed="rId2"/>
+          <a:stretch>
+            <a:fillRect/>
+          </a:stretch>
+        </p:blipFill>
+        <p:spPr>
+          <a:xfrm>
+            <a:off x="1073681" y="365125"/>
+            <a:ext cx="5125165" cy="5439534"/>
+          </a:xfrm>
+          <a:prstGeom prst="rect">
+            <a:avLst/>
+          </a:prstGeom>
+        </p:spPr>
+      </p:pic>
+    </p:spTree>
+    <p:extLst>
+      <p:ext uri="{BB962C8B-B14F-4D97-AF65-F5344CB8AC3E}">
+        <p14:creationId xmlns:p14="http://schemas.microsoft.com/office/powerpoint/2010/main" val="1000671439"/>
+      </p:ext>
+    </p:extLst>
+  </p:cSld>
+  <p:clrMapOvr>
+    <a:masterClrMapping/>
+  </p:clrMapOvr>
+</p:sld>
+</file>
+
+<file path=ppt/slides/slide22.xml><?xml version="1.0" encoding="utf-8"?>
+<p:sld xmlns:a="http://schemas.openxmlformats.org/drawingml/2006/main" xmlns:r="http://schemas.openxmlformats.org/officeDocument/2006/relationships" xmlns:p="http://schemas.openxmlformats.org/presentationml/2006/main">
+  <p:cSld>
+    <p:spTree>
+      <p:nvGrpSpPr>
+        <p:cNvPr id="1" name=""/>
+        <p:cNvGrpSpPr/>
+        <p:nvPr/>
+      </p:nvGrpSpPr>
+      <p:grpSpPr>
+        <a:xfrm>
+          <a:off x="0" y="0"/>
+          <a:ext cx="0" cy="0"/>
+          <a:chOff x="0" y="0"/>
+          <a:chExt cx="0" cy="0"/>
+        </a:xfrm>
+      </p:grpSpPr>
+      <p:sp>
+        <p:nvSpPr>
+          <p:cNvPr id="2" name="Title 1"/>
+          <p:cNvSpPr>
+            <a:spLocks noGrp="1"/>
+          </p:cNvSpPr>
+          <p:nvPr>
+            <p:ph type="title"/>
+          </p:nvPr>
+        </p:nvSpPr>
+        <p:spPr>
+          <a:xfrm>
+            <a:off x="7561573" y="438277"/>
+            <a:ext cx="4029456" cy="5423027"/>
+          </a:xfrm>
+        </p:spPr>
+        <p:txBody>
+          <a:bodyPr>
+            <a:normAutofit/>
+          </a:bodyPr>
+          <a:lstStyle/>
+          <a:p>
+            <a:r>
+              <a:rPr lang="en-US" dirty="0"/>
+              <a:t>Decomposition of transaction processing state</a:t>
+            </a:r>
+            <a:endParaRPr lang="en-US" dirty="0"/>
+          </a:p>
+        </p:txBody>
+      </p:sp>
+      <p:sp>
+        <p:nvSpPr>
+          <p:cNvPr id="4" name="Slide Number Placeholder 3"/>
+          <p:cNvSpPr>
+            <a:spLocks noGrp="1"/>
+          </p:cNvSpPr>
+          <p:nvPr>
+            <p:ph type="sldNum" sz="quarter" idx="12"/>
+          </p:nvPr>
+        </p:nvSpPr>
+        <p:spPr/>
+        <p:txBody>
+          <a:bodyPr/>
+          <a:lstStyle/>
+          <a:p>
+            <a:fld id="{B543A0FD-1CA6-4228-86A2-78061B4844C8}" type="slidenum">
+              <a:rPr lang="en-US" smtClean="0"/>
+              <a:t>22</a:t>
+            </a:fld>
+            <a:endParaRPr lang="en-US"/>
+          </a:p>
+        </p:txBody>
+      </p:sp>
+      <p:pic>
+        <p:nvPicPr>
+          <p:cNvPr id="5" name="Picture 4"/>
+          <p:cNvPicPr>
+            <a:picLocks noChangeAspect="1"/>
+          </p:cNvPicPr>
+          <p:nvPr/>
+        </p:nvPicPr>
+        <p:blipFill>
+          <a:blip r:embed="rId2"/>
+          <a:stretch>
+            <a:fillRect/>
+          </a:stretch>
+        </p:blipFill>
+        <p:spPr>
+          <a:xfrm>
+            <a:off x="1283722" y="116131"/>
+            <a:ext cx="6277851" cy="6516009"/>
+          </a:xfrm>
+          <a:prstGeom prst="rect">
+            <a:avLst/>
+          </a:prstGeom>
+        </p:spPr>
+      </p:pic>
+    </p:spTree>
+    <p:extLst>
+      <p:ext uri="{BB962C8B-B14F-4D97-AF65-F5344CB8AC3E}">
+        <p14:creationId xmlns:p14="http://schemas.microsoft.com/office/powerpoint/2010/main" val="3862110845"/>
+      </p:ext>
+    </p:extLst>
+  </p:cSld>
+  <p:clrMapOvr>
+    <a:masterClrMapping/>
+  </p:clrMapOvr>
+</p:sld>
+</file>
+
+<file path=ppt/slides/slide23.xml><?xml version="1.0" encoding="utf-8"?>
+<p:sld xmlns:a="http://schemas.openxmlformats.org/drawingml/2006/main" xmlns:r="http://schemas.openxmlformats.org/officeDocument/2006/relationships" xmlns:p="http://schemas.openxmlformats.org/presentationml/2006/main">
+  <p:cSld>
+    <p:bg>
+      <p:bgRef idx="1001">
+        <a:schemeClr val="bg1"/>
+      </p:bgRef>
+    </p:bg>
+    <p:spTree>
+      <p:nvGrpSpPr>
+        <p:cNvPr id="1" name=""/>
+        <p:cNvGrpSpPr/>
+        <p:nvPr/>
+      </p:nvGrpSpPr>
+      <p:grpSpPr>
+        <a:xfrm>
+          <a:off x="0" y="0"/>
+          <a:ext cx="0" cy="0"/>
+          <a:chOff x="0" y="0"/>
+          <a:chExt cx="0" cy="0"/>
+        </a:xfrm>
+      </p:grpSpPr>
+      <p:sp>
+        <p:nvSpPr>
+          <p:cNvPr id="14343" name="Rectangle 7"/>
+          <p:cNvSpPr>
+            <a:spLocks noGrp="1" noChangeArrowheads="1"/>
+          </p:cNvSpPr>
+          <p:nvPr>
+            <p:ph type="title" idx="4294967295"/>
+          </p:nvPr>
+        </p:nvSpPr>
+        <p:spPr>
+          <a:xfrm>
+            <a:off x="530352" y="338646"/>
+            <a:ext cx="10140696" cy="792162"/>
+          </a:xfrm>
+          <a:extLst>
+            <a:ext uri="{AF507438-7753-43E0-B8FC-AC1667EBCBE1}">
+              <a14:hiddenEffects xmlns:a14="http://schemas.microsoft.com/office/drawing/2010/main">
+                <a:effectLst>
+                  <a:outerShdw blurRad="63500" dist="38099" dir="2700000" algn="ctr" rotWithShape="0">
+                    <a:schemeClr val="bg2">
+                      <a:alpha val="74997"/>
+                    </a:schemeClr>
+                  </a:outerShdw>
+                </a:effectLst>
+              </a14:hiddenEffects>
+            </a:ext>
+          </a:extLst>
+        </p:spPr>
+        <p:txBody>
+          <a:bodyPr>
+            <a:normAutofit/>
+          </a:bodyPr>
+          <a:lstStyle/>
+          <a:p>
+            <a:pPr>
+              <a:defRPr/>
+            </a:pPr>
+            <a:r>
+              <a:rPr lang="en-US" altLang="en-US" dirty="0"/>
+              <a:t>Paths in the SATM PIN Try State</a:t>
+            </a:r>
+          </a:p>
+        </p:txBody>
+      </p:sp>
+      <p:sp>
+        <p:nvSpPr>
+          <p:cNvPr id="14344" name="Rectangle 8"/>
+          <p:cNvSpPr>
+            <a:spLocks noGrp="1" noChangeArrowheads="1"/>
+          </p:cNvSpPr>
+          <p:nvPr>
+            <p:ph type="body" idx="4294967295"/>
+          </p:nvPr>
+        </p:nvSpPr>
+        <p:spPr>
+          <a:xfrm>
+            <a:off x="640080" y="1267968"/>
+            <a:ext cx="10908792" cy="5215128"/>
+          </a:xfrm>
+          <a:extLst>
+            <a:ext uri="{AF507438-7753-43E0-B8FC-AC1667EBCBE1}">
+              <a14:hiddenEffects xmlns:a14="http://schemas.microsoft.com/office/drawing/2010/main">
+                <a:effectLst>
+                  <a:outerShdw blurRad="63500" dist="38099" dir="2700000" algn="ctr" rotWithShape="0">
+                    <a:schemeClr val="bg2">
+                      <a:alpha val="74997"/>
+                    </a:schemeClr>
+                  </a:outerShdw>
+                </a:effectLst>
+              </a14:hiddenEffects>
+            </a:ext>
+          </a:extLst>
+        </p:spPr>
+        <p:txBody>
+          <a:bodyPr>
+            <a:noAutofit/>
+          </a:bodyPr>
+          <a:lstStyle/>
+          <a:p>
+            <a:pPr>
+              <a:defRPr/>
+            </a:pPr>
+            <a:r>
+              <a:rPr lang="en-US" altLang="en-US" sz="2400" dirty="0">
+                <a:cs typeface="ＭＳ Ｐゴシック" panose="020B0600070205080204" pitchFamily="34" charset="-128"/>
+              </a:rPr>
+              <a:t>Correct PIN on first try state sequence</a:t>
+            </a:r>
+          </a:p>
+          <a:p>
+            <a:pPr lvl="1">
+              <a:defRPr/>
+            </a:pPr>
+            <a:r>
+              <a:rPr lang="en-US" altLang="en-US" sz="2000" dirty="0">
+                <a:ea typeface="ＭＳ Ｐゴシック" panose="020B0600070205080204" pitchFamily="34" charset="-128"/>
+              </a:rPr>
+              <a:t>&lt;S2.n.0, S2.n.1, S2.n.2, S2.n.3, S2.n.4, S3&gt;</a:t>
+            </a:r>
+          </a:p>
+          <a:p>
+            <a:pPr>
+              <a:defRPr/>
+            </a:pPr>
+            <a:r>
+              <a:rPr lang="en-US" altLang="en-US" sz="2400" dirty="0">
+                <a:cs typeface="ＭＳ Ｐゴシック" panose="020B0600070205080204" pitchFamily="34" charset="-128"/>
+              </a:rPr>
+              <a:t>Port Event Sequence </a:t>
+            </a:r>
+          </a:p>
+          <a:p>
+            <a:pPr lvl="1">
+              <a:defRPr/>
+            </a:pPr>
+            <a:r>
+              <a:rPr lang="en-US" altLang="en-US" sz="2000" dirty="0">
+                <a:ea typeface="ＭＳ Ｐゴシック" panose="020B0600070205080204" pitchFamily="34" charset="-128"/>
+              </a:rPr>
+              <a:t>1</a:t>
+            </a:r>
+            <a:r>
+              <a:rPr lang="en-US" altLang="en-US" sz="2000" baseline="30000" dirty="0">
+                <a:ea typeface="ＭＳ Ｐゴシック" panose="020B0600070205080204" pitchFamily="34" charset="-128"/>
+              </a:rPr>
+              <a:t>st</a:t>
+            </a:r>
+            <a:r>
+              <a:rPr lang="en-US" altLang="en-US" sz="2000" dirty="0">
+                <a:ea typeface="ＭＳ Ｐゴシック" panose="020B0600070205080204" pitchFamily="34" charset="-128"/>
+              </a:rPr>
+              <a:t> digit, echo </a:t>
+            </a:r>
+            <a:r>
+              <a:rPr lang="ja-JP" altLang="en-US" sz="2000" dirty="0">
+                <a:ea typeface="ＭＳ Ｐゴシック" panose="020B0600070205080204" pitchFamily="34" charset="-128"/>
+              </a:rPr>
+              <a:t>“</a:t>
+            </a:r>
+            <a:r>
+              <a:rPr lang="en-US" altLang="ja-JP" sz="2000" dirty="0">
+                <a:ea typeface="ＭＳ Ｐゴシック" panose="020B0600070205080204" pitchFamily="34" charset="-128"/>
+              </a:rPr>
+              <a:t>- - - *</a:t>
+            </a:r>
+            <a:r>
+              <a:rPr lang="ja-JP" altLang="en-US" sz="2000" dirty="0">
+                <a:ea typeface="ＭＳ Ｐゴシック" panose="020B0600070205080204" pitchFamily="34" charset="-128"/>
+              </a:rPr>
+              <a:t>”</a:t>
+            </a:r>
+            <a:endParaRPr lang="en-US" altLang="ja-JP" sz="2000" dirty="0">
+              <a:ea typeface="ＭＳ Ｐゴシック" panose="020B0600070205080204" pitchFamily="34" charset="-128"/>
+            </a:endParaRPr>
+          </a:p>
+          <a:p>
+            <a:pPr lvl="1">
+              <a:defRPr/>
+            </a:pPr>
+            <a:r>
+              <a:rPr lang="en-US" altLang="en-US" sz="2000" dirty="0">
+                <a:ea typeface="ＭＳ Ｐゴシック" panose="020B0600070205080204" pitchFamily="34" charset="-128"/>
+              </a:rPr>
+              <a:t>2</a:t>
+            </a:r>
+            <a:r>
+              <a:rPr lang="en-US" altLang="en-US" sz="2000" baseline="30000" dirty="0">
+                <a:ea typeface="ＭＳ Ｐゴシック" panose="020B0600070205080204" pitchFamily="34" charset="-128"/>
+              </a:rPr>
+              <a:t>nd </a:t>
+            </a:r>
+            <a:r>
+              <a:rPr lang="en-US" altLang="en-US" sz="2000" dirty="0">
+                <a:ea typeface="ＭＳ Ｐゴシック" panose="020B0600070205080204" pitchFamily="34" charset="-128"/>
+              </a:rPr>
+              <a:t>digit, echo </a:t>
+            </a:r>
+            <a:r>
+              <a:rPr lang="ja-JP" altLang="en-US" sz="2000" dirty="0">
+                <a:ea typeface="ＭＳ Ｐゴシック" panose="020B0600070205080204" pitchFamily="34" charset="-128"/>
+              </a:rPr>
+              <a:t>“</a:t>
+            </a:r>
+            <a:r>
+              <a:rPr lang="en-US" altLang="ja-JP" sz="2000" dirty="0">
+                <a:ea typeface="ＭＳ Ｐゴシック" panose="020B0600070205080204" pitchFamily="34" charset="-128"/>
+              </a:rPr>
+              <a:t>- - * *</a:t>
+            </a:r>
+            <a:r>
+              <a:rPr lang="ja-JP" altLang="en-US" sz="2000" dirty="0">
+                <a:ea typeface="ＭＳ Ｐゴシック" panose="020B0600070205080204" pitchFamily="34" charset="-128"/>
+              </a:rPr>
+              <a:t>”</a:t>
+            </a:r>
+            <a:endParaRPr lang="en-US" altLang="ja-JP" sz="2000" baseline="30000" dirty="0">
+              <a:ea typeface="ＭＳ Ｐゴシック" panose="020B0600070205080204" pitchFamily="34" charset="-128"/>
+            </a:endParaRPr>
+          </a:p>
+          <a:p>
+            <a:pPr lvl="1">
+              <a:defRPr/>
+            </a:pPr>
+            <a:r>
+              <a:rPr lang="en-US" altLang="en-US" sz="2000" dirty="0">
+                <a:ea typeface="ＭＳ Ｐゴシック" panose="020B0600070205080204" pitchFamily="34" charset="-128"/>
+              </a:rPr>
+              <a:t>3</a:t>
+            </a:r>
+            <a:r>
+              <a:rPr lang="en-US" altLang="en-US" sz="2000" baseline="30000" dirty="0">
+                <a:ea typeface="ＭＳ Ｐゴシック" panose="020B0600070205080204" pitchFamily="34" charset="-128"/>
+              </a:rPr>
+              <a:t>rd </a:t>
+            </a:r>
+            <a:r>
+              <a:rPr lang="en-US" altLang="en-US" sz="2000" dirty="0">
+                <a:ea typeface="ＭＳ Ｐゴシック" panose="020B0600070205080204" pitchFamily="34" charset="-128"/>
+              </a:rPr>
+              <a:t>digit, echo </a:t>
+            </a:r>
+            <a:r>
+              <a:rPr lang="ja-JP" altLang="en-US" sz="2000" dirty="0">
+                <a:ea typeface="ＭＳ Ｐゴシック" panose="020B0600070205080204" pitchFamily="34" charset="-128"/>
+              </a:rPr>
+              <a:t>“</a:t>
+            </a:r>
+            <a:r>
+              <a:rPr lang="en-US" altLang="ja-JP" sz="2000" dirty="0">
+                <a:ea typeface="ＭＳ Ｐゴシック" panose="020B0600070205080204" pitchFamily="34" charset="-128"/>
+              </a:rPr>
+              <a:t>- * * *</a:t>
+            </a:r>
+            <a:r>
+              <a:rPr lang="ja-JP" altLang="en-US" sz="2000" dirty="0">
+                <a:ea typeface="ＭＳ Ｐゴシック" panose="020B0600070205080204" pitchFamily="34" charset="-128"/>
+              </a:rPr>
+              <a:t>”</a:t>
+            </a:r>
+            <a:endParaRPr lang="en-US" altLang="ja-JP" sz="2000" baseline="30000" dirty="0">
+              <a:ea typeface="ＭＳ Ｐゴシック" panose="020B0600070205080204" pitchFamily="34" charset="-128"/>
+            </a:endParaRPr>
+          </a:p>
+          <a:p>
+            <a:pPr lvl="1">
+              <a:defRPr/>
+            </a:pPr>
+            <a:r>
+              <a:rPr lang="en-US" altLang="en-US" sz="2000" dirty="0">
+                <a:ea typeface="ＭＳ Ｐゴシック" panose="020B0600070205080204" pitchFamily="34" charset="-128"/>
+              </a:rPr>
+              <a:t>4</a:t>
+            </a:r>
+            <a:r>
+              <a:rPr lang="en-US" altLang="en-US" sz="2000" baseline="30000" dirty="0">
+                <a:ea typeface="ＭＳ Ｐゴシック" panose="020B0600070205080204" pitchFamily="34" charset="-128"/>
+              </a:rPr>
+              <a:t>th </a:t>
+            </a:r>
+            <a:r>
+              <a:rPr lang="en-US" altLang="en-US" sz="2000" dirty="0">
+                <a:ea typeface="ＭＳ Ｐゴシック" panose="020B0600070205080204" pitchFamily="34" charset="-128"/>
+              </a:rPr>
+              <a:t>digit, echo </a:t>
+            </a:r>
+            <a:r>
+              <a:rPr lang="ja-JP" altLang="en-US" sz="2000" dirty="0">
+                <a:ea typeface="ＭＳ Ｐゴシック" panose="020B0600070205080204" pitchFamily="34" charset="-128"/>
+              </a:rPr>
+              <a:t>“</a:t>
+            </a:r>
+            <a:r>
+              <a:rPr lang="en-US" altLang="ja-JP" sz="2000" dirty="0">
+                <a:ea typeface="ＭＳ Ｐゴシック" panose="020B0600070205080204" pitchFamily="34" charset="-128"/>
+              </a:rPr>
+              <a:t>* * * *</a:t>
+            </a:r>
+            <a:r>
+              <a:rPr lang="ja-JP" altLang="en-US" sz="2000" dirty="0">
+                <a:ea typeface="ＭＳ Ｐゴシック" panose="020B0600070205080204" pitchFamily="34" charset="-128"/>
+              </a:rPr>
+              <a:t>”</a:t>
+            </a:r>
+            <a:endParaRPr lang="en-US" altLang="ja-JP" sz="2000" dirty="0">
+              <a:ea typeface="ＭＳ Ｐゴシック" panose="020B0600070205080204" pitchFamily="34" charset="-128"/>
+            </a:endParaRPr>
+          </a:p>
+          <a:p>
+            <a:pPr lvl="1">
+              <a:defRPr/>
+            </a:pPr>
+            <a:r>
+              <a:rPr lang="en-US" altLang="en-US" sz="2000" dirty="0">
+                <a:ea typeface="ＭＳ Ｐゴシック" panose="020B0600070205080204" pitchFamily="34" charset="-128"/>
+              </a:rPr>
+              <a:t>Enter</a:t>
+            </a:r>
+          </a:p>
+          <a:p>
+            <a:pPr>
+              <a:defRPr/>
+            </a:pPr>
+            <a:r>
+              <a:rPr lang="en-US" altLang="en-US" sz="2400" dirty="0">
+                <a:cs typeface="ＭＳ Ｐゴシック" panose="020B0600070205080204" pitchFamily="34" charset="-128"/>
+              </a:rPr>
+              <a:t>Failed PIN on first try state Sequences</a:t>
+            </a:r>
+          </a:p>
+          <a:p>
+            <a:pPr lvl="1">
+              <a:defRPr/>
+            </a:pPr>
+            <a:r>
+              <a:rPr lang="en-US" altLang="en-US" sz="2000" dirty="0">
+                <a:ea typeface="ＭＳ Ｐゴシック" panose="020B0600070205080204" pitchFamily="34" charset="-128"/>
+              </a:rPr>
+              <a:t>&lt;S2.n.0, S2.n.6&gt;</a:t>
+            </a:r>
+          </a:p>
+          <a:p>
+            <a:pPr lvl="1">
+              <a:defRPr/>
+            </a:pPr>
+            <a:r>
+              <a:rPr lang="en-US" altLang="en-US" sz="2000" dirty="0">
+                <a:ea typeface="ＭＳ Ｐゴシック" panose="020B0600070205080204" pitchFamily="34" charset="-128"/>
+              </a:rPr>
+              <a:t>&lt;S2.n.0, S2.n.1, S2.n.6&gt;</a:t>
+            </a:r>
+          </a:p>
+          <a:p>
+            <a:pPr lvl="1">
+              <a:defRPr/>
+            </a:pPr>
+            <a:r>
+              <a:rPr lang="en-US" altLang="en-US" sz="2000" dirty="0">
+                <a:ea typeface="ＭＳ Ｐゴシック" panose="020B0600070205080204" pitchFamily="34" charset="-128"/>
+              </a:rPr>
+              <a:t>&lt;S2.n.0, S2.n.1, S2.n.2, S2.n.6&gt;</a:t>
+            </a:r>
+          </a:p>
+          <a:p>
+            <a:pPr lvl="1">
+              <a:defRPr/>
+            </a:pPr>
+            <a:r>
+              <a:rPr lang="en-US" altLang="en-US" sz="2000" dirty="0">
+                <a:ea typeface="ＭＳ Ｐゴシック" panose="020B0600070205080204" pitchFamily="34" charset="-128"/>
+              </a:rPr>
+              <a:t>&lt;S2.n.0, S2.n.1, S2.n.2, S2.n.3, S2.n.6&gt;</a:t>
+            </a:r>
+          </a:p>
+          <a:p>
+            <a:pPr lvl="1">
+              <a:defRPr/>
+            </a:pPr>
+            <a:r>
+              <a:rPr lang="en-US" altLang="en-US" sz="2000" dirty="0">
+                <a:ea typeface="ＭＳ Ｐゴシック" panose="020B0600070205080204" pitchFamily="34" charset="-128"/>
+              </a:rPr>
+              <a:t>&lt;S2.n.0, S2.n.1, S2.n.2, S2.n.3, S2.n.4, S2.n.6&gt;</a:t>
+            </a:r>
+          </a:p>
+        </p:txBody>
+      </p:sp>
+    </p:spTree>
+    <p:extLst>
+      <p:ext uri="{BB962C8B-B14F-4D97-AF65-F5344CB8AC3E}">
+        <p14:creationId xmlns:p14="http://schemas.microsoft.com/office/powerpoint/2010/main" val="1495113278"/>
+      </p:ext>
+    </p:extLst>
+  </p:cSld>
+  <p:clrMapOvr>
+    <a:overrideClrMapping bg1="lt1" tx1="dk1" bg2="lt2" tx2="dk2" accent1="accent1" accent2="accent2" accent3="accent3" accent4="accent4" accent5="accent5" accent6="accent6" hlink="hlink" folHlink="folHlink"/>
+  </p:clrMapOvr>
+</p:sld>
+</file>
+
+<file path=ppt/slides/slide24.xml><?xml version="1.0" encoding="utf-8"?>
+<p:sld xmlns:a="http://schemas.openxmlformats.org/drawingml/2006/main" xmlns:r="http://schemas.openxmlformats.org/officeDocument/2006/relationships" xmlns:p="http://schemas.openxmlformats.org/presentationml/2006/main">
+  <p:cSld>
+    <p:spTree>
+      <p:nvGrpSpPr>
+        <p:cNvPr id="1" name=""/>
+        <p:cNvGrpSpPr/>
+        <p:nvPr/>
+      </p:nvGrpSpPr>
+      <p:grpSpPr>
+        <a:xfrm>
+          <a:off x="0" y="0"/>
+          <a:ext cx="0" cy="0"/>
+          <a:chOff x="0" y="0"/>
+          <a:chExt cx="0" cy="0"/>
+        </a:xfrm>
+      </p:grpSpPr>
+      <p:sp>
+        <p:nvSpPr>
+          <p:cNvPr id="61447" name="Rectangle 7"/>
+          <p:cNvSpPr>
+            <a:spLocks noGrp="1" noChangeArrowheads="1"/>
+          </p:cNvSpPr>
+          <p:nvPr>
+            <p:ph type="title"/>
+          </p:nvPr>
+        </p:nvSpPr>
+        <p:spPr>
+          <a:xfrm>
+            <a:off x="768096" y="274638"/>
+            <a:ext cx="9442704" cy="792162"/>
+          </a:xfrm>
+          <a:extLst>
+            <a:ext uri="{AF507438-7753-43E0-B8FC-AC1667EBCBE1}">
+              <a14:hiddenEffects xmlns:a14="http://schemas.microsoft.com/office/drawing/2010/main">
+                <a:effectLst>
+                  <a:outerShdw blurRad="63500" dist="38099" dir="2700000" algn="ctr" rotWithShape="0">
+                    <a:schemeClr val="bg2">
+                      <a:alpha val="74997"/>
+                    </a:schemeClr>
+                  </a:outerShdw>
+                </a:effectLst>
+              </a14:hiddenEffects>
+            </a:ext>
+          </a:extLst>
+        </p:spPr>
+        <p:txBody>
+          <a:bodyPr vert="horz" lIns="91440" tIns="45720" rIns="91440" bIns="45720" rtlCol="0" anchor="ctr">
+            <a:normAutofit/>
+          </a:bodyPr>
+          <a:lstStyle/>
+          <a:p>
+            <a:r>
+              <a:rPr lang="en-US" altLang="en-US" dirty="0"/>
+              <a:t>How Many Paths in the PIN Try State?</a:t>
+            </a:r>
+          </a:p>
+        </p:txBody>
+      </p:sp>
+      <p:sp>
+        <p:nvSpPr>
+          <p:cNvPr id="61448" name="Rectangle 8"/>
+          <p:cNvSpPr>
+            <a:spLocks noGrp="1" noChangeArrowheads="1"/>
+          </p:cNvSpPr>
+          <p:nvPr>
+            <p:ph type="body" idx="1"/>
+          </p:nvPr>
+        </p:nvSpPr>
+        <p:spPr>
+          <a:xfrm>
+            <a:off x="859536" y="1295400"/>
+            <a:ext cx="10369296" cy="4800600"/>
+          </a:xfrm>
+          <a:extLst>
+            <a:ext uri="{AF507438-7753-43E0-B8FC-AC1667EBCBE1}">
+              <a14:hiddenEffects xmlns:a14="http://schemas.microsoft.com/office/drawing/2010/main">
+                <a:effectLst>
+                  <a:outerShdw blurRad="63500" dist="38099" dir="2700000" algn="ctr" rotWithShape="0">
+                    <a:schemeClr val="bg2">
+                      <a:alpha val="74997"/>
+                    </a:schemeClr>
+                  </a:outerShdw>
+                </a:effectLst>
+              </a14:hiddenEffects>
+            </a:ext>
+          </a:extLst>
+        </p:spPr>
+        <p:txBody>
+          <a:bodyPr>
+            <a:normAutofit/>
+          </a:bodyPr>
+          <a:lstStyle/>
+          <a:p>
+            <a:pPr>
+              <a:defRPr/>
+            </a:pPr>
+            <a:r>
+              <a:rPr lang="en-US" altLang="en-US" dirty="0">
+                <a:ea typeface="ＭＳ Ｐゴシック" pitchFamily="34" charset="-128"/>
+              </a:rPr>
+              <a:t>1</a:t>
+            </a:r>
+            <a:r>
+              <a:rPr lang="en-US" altLang="en-US" baseline="30000" dirty="0">
+                <a:ea typeface="ＭＳ Ｐゴシック" pitchFamily="34" charset="-128"/>
+              </a:rPr>
+              <a:t>st</a:t>
+            </a:r>
+            <a:r>
+              <a:rPr lang="en-US" altLang="en-US" dirty="0">
+                <a:ea typeface="ＭＳ Ｐゴシック" pitchFamily="34" charset="-128"/>
+              </a:rPr>
+              <a:t> try: 1 correct + 5 failed attempts</a:t>
+            </a:r>
+          </a:p>
+          <a:p>
+            <a:pPr>
+              <a:defRPr/>
+            </a:pPr>
+            <a:r>
+              <a:rPr lang="en-US" altLang="en-US" dirty="0">
+                <a:ea typeface="ＭＳ Ｐゴシック" pitchFamily="34" charset="-128"/>
+              </a:rPr>
+              <a:t>2</a:t>
+            </a:r>
+            <a:r>
+              <a:rPr lang="en-US" altLang="en-US" baseline="30000" dirty="0">
+                <a:ea typeface="ＭＳ Ｐゴシック" pitchFamily="34" charset="-128"/>
+              </a:rPr>
+              <a:t>nd</a:t>
+            </a:r>
+            <a:r>
+              <a:rPr lang="en-US" altLang="en-US" dirty="0">
+                <a:ea typeface="ＭＳ Ｐゴシック" pitchFamily="34" charset="-128"/>
+              </a:rPr>
+              <a:t> try: 5 failed 1st attempts * 6 second attempts</a:t>
+            </a:r>
+          </a:p>
+          <a:p>
+            <a:pPr>
+              <a:defRPr/>
+            </a:pPr>
+            <a:r>
+              <a:rPr lang="en-US" altLang="en-US" dirty="0">
+                <a:ea typeface="ＭＳ Ｐゴシック" pitchFamily="34" charset="-128"/>
+              </a:rPr>
+              <a:t>3</a:t>
+            </a:r>
+            <a:r>
+              <a:rPr lang="en-US" altLang="en-US" baseline="30000" dirty="0">
+                <a:ea typeface="ＭＳ Ｐゴシック" pitchFamily="34" charset="-128"/>
+              </a:rPr>
+              <a:t>rd</a:t>
+            </a:r>
+            <a:r>
+              <a:rPr lang="en-US" altLang="en-US" dirty="0">
+                <a:ea typeface="ＭＳ Ｐゴシック" pitchFamily="34" charset="-128"/>
+              </a:rPr>
+              <a:t> try: 25 failed 1</a:t>
+            </a:r>
+            <a:r>
+              <a:rPr lang="en-US" altLang="en-US" baseline="30000" dirty="0">
+                <a:ea typeface="ＭＳ Ｐゴシック" pitchFamily="34" charset="-128"/>
+              </a:rPr>
+              <a:t>st</a:t>
+            </a:r>
+            <a:r>
+              <a:rPr lang="en-US" altLang="en-US" dirty="0">
+                <a:ea typeface="ＭＳ Ｐゴシック" pitchFamily="34" charset="-128"/>
+              </a:rPr>
+              <a:t> and 2</a:t>
+            </a:r>
+            <a:r>
+              <a:rPr lang="en-US" altLang="en-US" baseline="30000" dirty="0">
+                <a:ea typeface="ＭＳ Ｐゴシック" pitchFamily="34" charset="-128"/>
+              </a:rPr>
+              <a:t>nd</a:t>
+            </a:r>
+            <a:r>
+              <a:rPr lang="en-US" altLang="en-US" dirty="0">
+                <a:ea typeface="ＭＳ Ｐゴシック" pitchFamily="34" charset="-128"/>
+              </a:rPr>
+              <a:t> attempts * six third attempts</a:t>
+            </a:r>
+          </a:p>
+          <a:p>
+            <a:pPr>
+              <a:defRPr/>
+            </a:pPr>
+            <a:r>
+              <a:rPr lang="en-US" altLang="en-US" dirty="0">
+                <a:ea typeface="ＭＳ Ｐゴシック" pitchFamily="34" charset="-128"/>
+              </a:rPr>
+              <a:t>Do we really want to test all of these? </a:t>
+            </a:r>
+          </a:p>
+          <a:p>
+            <a:pPr>
+              <a:defRPr/>
+            </a:pPr>
+            <a:r>
+              <a:rPr lang="en-US" altLang="en-US" dirty="0">
+                <a:ea typeface="ＭＳ Ｐゴシック" pitchFamily="34" charset="-128"/>
+              </a:rPr>
+              <a:t> This foreshadows the question of </a:t>
+            </a:r>
+            <a:r>
+              <a:rPr lang="ja-JP" altLang="en-US" dirty="0">
+                <a:ea typeface="ＭＳ Ｐゴシック" pitchFamily="34" charset="-128"/>
+              </a:rPr>
+              <a:t>“</a:t>
+            </a:r>
+            <a:r>
+              <a:rPr lang="en-US" altLang="ja-JP" dirty="0">
+                <a:ea typeface="ＭＳ Ｐゴシック" pitchFamily="34" charset="-128"/>
+              </a:rPr>
+              <a:t>long</a:t>
+            </a:r>
+            <a:r>
+              <a:rPr lang="ja-JP" altLang="en-US" dirty="0">
+                <a:ea typeface="ＭＳ Ｐゴシック" pitchFamily="34" charset="-128"/>
+              </a:rPr>
+              <a:t>”</a:t>
+            </a:r>
+            <a:r>
+              <a:rPr lang="en-US" altLang="ja-JP" dirty="0">
+                <a:ea typeface="ＭＳ Ｐゴシック" pitchFamily="34" charset="-128"/>
+              </a:rPr>
+              <a:t> versus </a:t>
+            </a:r>
+            <a:r>
+              <a:rPr lang="ja-JP" altLang="en-US" dirty="0">
+                <a:ea typeface="ＭＳ Ｐゴシック" pitchFamily="34" charset="-128"/>
+              </a:rPr>
+              <a:t>“</a:t>
+            </a:r>
+            <a:r>
+              <a:rPr lang="en-US" altLang="ja-JP" dirty="0">
+                <a:ea typeface="ＭＳ Ｐゴシック" pitchFamily="34" charset="-128"/>
+              </a:rPr>
+              <a:t>short</a:t>
+            </a:r>
+            <a:r>
+              <a:rPr lang="ja-JP" altLang="en-US" dirty="0">
+                <a:ea typeface="ＭＳ Ｐゴシック" pitchFamily="34" charset="-128"/>
+              </a:rPr>
+              <a:t>”</a:t>
+            </a:r>
+            <a:r>
+              <a:rPr lang="en-US" altLang="ja-JP" dirty="0">
+                <a:ea typeface="ＭＳ Ｐゴシック" pitchFamily="34" charset="-128"/>
+              </a:rPr>
+              <a:t> use cases. </a:t>
+            </a:r>
+          </a:p>
+          <a:p>
+            <a:pPr>
+              <a:buFontTx/>
+              <a:buNone/>
+              <a:defRPr/>
+            </a:pPr>
+            <a:endParaRPr lang="en-US" altLang="en-US" dirty="0">
+              <a:ea typeface="ＭＳ Ｐゴシック" pitchFamily="34" charset="-128"/>
+            </a:endParaRPr>
+          </a:p>
+        </p:txBody>
+      </p:sp>
+    </p:spTree>
+    <p:extLst>
+      <p:ext uri="{BB962C8B-B14F-4D97-AF65-F5344CB8AC3E}">
+        <p14:creationId xmlns:p14="http://schemas.microsoft.com/office/powerpoint/2010/main" val="2873545414"/>
+      </p:ext>
+    </p:extLst>
+  </p:cSld>
+  <p:clrMapOvr>
+    <a:masterClrMapping/>
+  </p:clrMapOvr>
+</p:sld>
+</file>
+
+<file path=ppt/slides/slide25.xml><?xml version="1.0" encoding="utf-8"?>
+<p:sld xmlns:a="http://schemas.openxmlformats.org/drawingml/2006/main" xmlns:r="http://schemas.openxmlformats.org/officeDocument/2006/relationships" xmlns:p="http://schemas.openxmlformats.org/presentationml/2006/main">
+  <p:cSld>
+    <p:spTree>
+      <p:nvGrpSpPr>
+        <p:cNvPr id="1" name=""/>
+        <p:cNvGrpSpPr/>
+        <p:nvPr/>
+      </p:nvGrpSpPr>
+      <p:grpSpPr>
+        <a:xfrm>
+          <a:off x="0" y="0"/>
+          <a:ext cx="0" cy="0"/>
+          <a:chOff x="0" y="0"/>
+          <a:chExt cx="0" cy="0"/>
+        </a:xfrm>
+      </p:grpSpPr>
+      <p:sp>
+        <p:nvSpPr>
+          <p:cNvPr id="2" name="Title 1"/>
+          <p:cNvSpPr>
+            <a:spLocks noGrp="1"/>
+          </p:cNvSpPr>
+          <p:nvPr>
+            <p:ph type="title"/>
+          </p:nvPr>
+        </p:nvSpPr>
         <p:spPr/>
         <p:txBody>
           <a:bodyPr/>
@@ -11217,7 +12223,185 @@
 </p:sld>
 </file>
 
-<file path=ppt/slides/slide21.xml><?xml version="1.0" encoding="utf-8"?>
+<file path=ppt/slides/slide26.xml><?xml version="1.0" encoding="utf-8"?>
+<p:sld xmlns:a="http://schemas.openxmlformats.org/drawingml/2006/main" xmlns:r="http://schemas.openxmlformats.org/officeDocument/2006/relationships" xmlns:p="http://schemas.openxmlformats.org/presentationml/2006/main">
+  <p:cSld>
+    <p:spTree>
+      <p:nvGrpSpPr>
+        <p:cNvPr id="1" name=""/>
+        <p:cNvGrpSpPr/>
+        <p:nvPr/>
+      </p:nvGrpSpPr>
+      <p:grpSpPr>
+        <a:xfrm>
+          <a:off x="0" y="0"/>
+          <a:ext cx="0" cy="0"/>
+          <a:chOff x="0" y="0"/>
+          <a:chExt cx="0" cy="0"/>
+        </a:xfrm>
+      </p:grpSpPr>
+      <p:sp>
+        <p:nvSpPr>
+          <p:cNvPr id="13319" name="Rectangle 7"/>
+          <p:cNvSpPr>
+            <a:spLocks noGrp="1" noChangeArrowheads="1"/>
+          </p:cNvSpPr>
+          <p:nvPr>
+            <p:ph type="title" idx="4294967295"/>
+          </p:nvPr>
+        </p:nvSpPr>
+        <p:spPr>
+          <a:xfrm>
+            <a:off x="694944" y="274638"/>
+            <a:ext cx="10652760" cy="1270698"/>
+          </a:xfrm>
+          <a:extLst>
+            <a:ext uri="{AF507438-7753-43E0-B8FC-AC1667EBCBE1}">
+              <a14:hiddenEffects xmlns:a14="http://schemas.microsoft.com/office/drawing/2010/main">
+                <a:effectLst>
+                  <a:outerShdw blurRad="63500" dist="38099" dir="2700000" algn="ctr" rotWithShape="0">
+                    <a:schemeClr val="bg2">
+                      <a:alpha val="74997"/>
+                    </a:schemeClr>
+                  </a:outerShdw>
+                </a:effectLst>
+              </a14:hiddenEffects>
+            </a:ext>
+          </a:extLst>
+        </p:spPr>
+        <p:txBody>
+          <a:bodyPr>
+            <a:noAutofit/>
+          </a:bodyPr>
+          <a:lstStyle/>
+          <a:p>
+            <a:pPr>
+              <a:defRPr/>
+            </a:pPr>
+            <a:r>
+              <a:rPr lang="en-US" altLang="en-US" dirty="0"/>
+              <a:t>Information Content of </a:t>
+            </a:r>
+            <a:r>
+              <a:rPr lang="en-US" altLang="en-US" dirty="0" err="1"/>
+              <a:t>Larman’s</a:t>
+            </a:r>
+            <a:r>
+              <a:rPr lang="en-US" altLang="en-US" dirty="0"/>
+              <a:t> Use Cases</a:t>
+            </a:r>
+          </a:p>
+        </p:txBody>
+      </p:sp>
+      <p:graphicFrame>
+        <p:nvGraphicFramePr>
+          <p:cNvPr id="21507" name="Object 7"/>
+          <p:cNvGraphicFramePr>
+            <a:graphicFrameLocks noChangeAspect="1"/>
+          </p:cNvGraphicFramePr>
+          <p:nvPr/>
+        </p:nvGraphicFramePr>
+        <p:xfrm>
+          <a:off x="2743200" y="2257425"/>
+          <a:ext cx="6096000" cy="2108200"/>
+        </p:xfrm>
+        <a:graphic>
+          <a:graphicData uri="http://schemas.openxmlformats.org/presentationml/2006/ole">
+            <mc:AlternateContent xmlns:mc="http://schemas.openxmlformats.org/markup-compatibility/2006">
+              <mc:Choice xmlns:v="urn:schemas-microsoft-com:vml" Requires="v">
+                <p:oleObj spid="_x0000_s1027" name="Visio" r:id="rId3" imgW="2206211" imgH="764469" progId="Visio.Drawing.11">
+                  <p:embed/>
+                </p:oleObj>
+              </mc:Choice>
+              <mc:Fallback>
+                <p:oleObj name="Visio" r:id="rId3" imgW="2206211" imgH="764469" progId="Visio.Drawing.11">
+                  <p:embed/>
+                  <p:pic>
+                    <p:nvPicPr>
+                      <p:cNvPr id="21507" name="Object 7"/>
+                      <p:cNvPicPr>
+                        <a:picLocks noChangeAspect="1" noChangeArrowheads="1"/>
+                      </p:cNvPicPr>
+                      <p:nvPr/>
+                    </p:nvPicPr>
+                    <p:blipFill>
+                      <a:blip r:embed="rId4">
+                        <a:extLst>
+                          <a:ext uri="{28A0092B-C50C-407E-A947-70E740481C1C}">
+                            <a14:useLocalDpi xmlns:a14="http://schemas.microsoft.com/office/drawing/2010/main" val="0"/>
+                          </a:ext>
+                        </a:extLst>
+                      </a:blip>
+                      <a:srcRect/>
+                      <a:stretch>
+                        <a:fillRect/>
+                      </a:stretch>
+                    </p:blipFill>
+                    <p:spPr bwMode="auto">
+                      <a:xfrm>
+                        <a:off x="2743200" y="2257425"/>
+                        <a:ext cx="6096000" cy="2108200"/>
+                      </a:xfrm>
+                      <a:prstGeom prst="rect">
+                        <a:avLst/>
+                      </a:prstGeom>
+                      <a:noFill/>
+                      <a:ln>
+                        <a:noFill/>
+                      </a:ln>
+                      <a:effectLst/>
+                      <a:extLst>
+                        <a:ext uri="{909E8E84-426E-40DD-AFC4-6F175D3DCCD1}">
+                          <a14:hiddenFill xmlns:a14="http://schemas.microsoft.com/office/drawing/2010/main">
+                            <a:solidFill>
+                              <a:schemeClr val="accent1"/>
+                            </a:solidFill>
+                          </a14:hiddenFill>
+                        </a:ext>
+                        <a:ext uri="{91240B29-F687-4F45-9708-019B960494DF}">
+                          <a14:hiddenLine xmlns:a14="http://schemas.microsoft.com/office/drawing/2010/main" w="9525">
+                            <a:solidFill>
+                              <a:schemeClr val="tx1"/>
+                            </a:solidFill>
+                            <a:miter lim="800000"/>
+                            <a:headEnd/>
+                            <a:tailEnd/>
+                          </a14:hiddenLine>
+                        </a:ext>
+                        <a:ext uri="{AF507438-7753-43E0-B8FC-AC1667EBCBE1}">
+                          <a14:hiddenEffects xmlns:a14="http://schemas.microsoft.com/office/drawing/2010/main">
+                            <a:effectLst>
+                              <a:outerShdw dist="35921" dir="2700000" algn="ctr" rotWithShape="0">
+                                <a:schemeClr val="bg2">
+                                  <a:alpha val="74997"/>
+                                </a:schemeClr>
+                              </a:outerShdw>
+                            </a:effectLst>
+                          </a14:hiddenEffects>
+                        </a:ext>
+                      </a:extLst>
+                    </p:spPr>
+                  </p:pic>
+                </p:oleObj>
+              </mc:Fallback>
+            </mc:AlternateContent>
+          </a:graphicData>
+        </a:graphic>
+      </p:graphicFrame>
+    </p:spTree>
+    <p:extLst>
+      <p:ext uri="{BB962C8B-B14F-4D97-AF65-F5344CB8AC3E}">
+        <p14:creationId xmlns:p14="http://schemas.microsoft.com/office/powerpoint/2010/main" val="882274864"/>
+      </p:ext>
+    </p:extLst>
+  </p:cSld>
+  <p:clrMapOvr>
+    <a:masterClrMapping/>
+  </p:clrMapOvr>
+</p:sld>
+</file>
+
+<file path=ppt/slides/slide27.xml><?xml version="1.0" encoding="utf-8"?>
 <p:sld xmlns:a="http://schemas.openxmlformats.org/drawingml/2006/main" xmlns:r="http://schemas.openxmlformats.org/officeDocument/2006/relationships" xmlns:p="http://schemas.openxmlformats.org/presentationml/2006/main">
   <p:cSld>
     <p:spTree>
@@ -11313,103 +12497,7 @@
 </p:sld>
 </file>
 
-<file path=ppt/slides/slide22.xml><?xml version="1.0" encoding="utf-8"?>
-<p:sld xmlns:a="http://schemas.openxmlformats.org/drawingml/2006/main" xmlns:r="http://schemas.openxmlformats.org/officeDocument/2006/relationships" xmlns:p="http://schemas.openxmlformats.org/presentationml/2006/main">
-  <p:cSld>
-    <p:spTree>
-      <p:nvGrpSpPr>
-        <p:cNvPr id="1" name=""/>
-        <p:cNvGrpSpPr/>
-        <p:nvPr/>
-      </p:nvGrpSpPr>
-      <p:grpSpPr>
-        <a:xfrm>
-          <a:off x="0" y="0"/>
-          <a:ext cx="0" cy="0"/>
-          <a:chOff x="0" y="0"/>
-          <a:chExt cx="0" cy="0"/>
-        </a:xfrm>
-      </p:grpSpPr>
-      <p:sp>
-        <p:nvSpPr>
-          <p:cNvPr id="2" name="Title 1"/>
-          <p:cNvSpPr>
-            <a:spLocks noGrp="1"/>
-          </p:cNvSpPr>
-          <p:nvPr>
-            <p:ph type="title"/>
-          </p:nvPr>
-        </p:nvSpPr>
-        <p:spPr/>
-        <p:txBody>
-          <a:bodyPr/>
-          <a:lstStyle/>
-          <a:p>
-            <a:r>
-              <a:rPr lang="en-US" dirty="0" smtClean="0"/>
-              <a:t>Test Case: Correct PIN on 1st Try</a:t>
-            </a:r>
-            <a:endParaRPr lang="en-US" dirty="0"/>
-          </a:p>
-        </p:txBody>
-      </p:sp>
-      <p:sp>
-        <p:nvSpPr>
-          <p:cNvPr id="3" name="Content Placeholder 2"/>
-          <p:cNvSpPr>
-            <a:spLocks noGrp="1"/>
-          </p:cNvSpPr>
-          <p:nvPr>
-            <p:ph idx="1"/>
-          </p:nvPr>
-        </p:nvSpPr>
-        <p:spPr/>
-        <p:txBody>
-          <a:bodyPr/>
-          <a:lstStyle/>
-          <a:p>
-            <a:endParaRPr lang="en-US"/>
-          </a:p>
-        </p:txBody>
-      </p:sp>
-      <p:pic>
-        <p:nvPicPr>
-          <p:cNvPr id="4" name="Picture 3"/>
-          <p:cNvPicPr>
-            <a:picLocks noChangeAspect="1"/>
-          </p:cNvPicPr>
-          <p:nvPr/>
-        </p:nvPicPr>
-        <p:blipFill>
-          <a:blip r:embed="rId2"/>
-          <a:stretch>
-            <a:fillRect/>
-          </a:stretch>
-        </p:blipFill>
-        <p:spPr>
-          <a:xfrm>
-            <a:off x="2071016" y="1599399"/>
-            <a:ext cx="8326012" cy="5039428"/>
-          </a:xfrm>
-          <a:prstGeom prst="rect">
-            <a:avLst/>
-          </a:prstGeom>
-        </p:spPr>
-      </p:pic>
-    </p:spTree>
-    <p:extLst>
-      <p:ext uri="{BB962C8B-B14F-4D97-AF65-F5344CB8AC3E}">
-        <p14:creationId xmlns:p14="http://schemas.microsoft.com/office/powerpoint/2010/main" val="612325725"/>
-      </p:ext>
-    </p:extLst>
-  </p:cSld>
-  <p:clrMapOvr>
-    <a:masterClrMapping/>
-  </p:clrMapOvr>
-</p:sld>
-</file>
-
-<file path=ppt/slides/slide23.xml><?xml version="1.0" encoding="utf-8"?>
+<file path=ppt/slides/slide28.xml><?xml version="1.0" encoding="utf-8"?>
 <p:sld xmlns:a="http://schemas.openxmlformats.org/drawingml/2006/main" xmlns:r="http://schemas.openxmlformats.org/officeDocument/2006/relationships" xmlns:p="http://schemas.openxmlformats.org/presentationml/2006/main">
   <p:cSld>
     <p:spTree>
@@ -11505,7 +12593,7 @@
 </p:sld>
 </file>
 
-<file path=ppt/slides/slide24.xml><?xml version="1.0" encoding="utf-8"?>
+<file path=ppt/slides/slide29.xml><?xml version="1.0" encoding="utf-8"?>
 <p:sld xmlns:a="http://schemas.openxmlformats.org/drawingml/2006/main" xmlns:r="http://schemas.openxmlformats.org/officeDocument/2006/relationships" xmlns:p="http://schemas.openxmlformats.org/presentationml/2006/main">
   <p:cSld>
     <p:spTree>
@@ -11603,7 +12691,7 @@
 </p:sld>
 </file>
 
-<file path=ppt/slides/slide25.xml><?xml version="1.0" encoding="utf-8"?>
+<file path=ppt/slides/slide3.xml><?xml version="1.0" encoding="utf-8"?>
 <p:sld xmlns:a="http://schemas.openxmlformats.org/drawingml/2006/main" xmlns:r="http://schemas.openxmlformats.org/officeDocument/2006/relationships" xmlns:p="http://schemas.openxmlformats.org/presentationml/2006/main">
   <p:cSld>
     <p:spTree>
@@ -11622,9 +12710,9 @@
       </p:grpSpPr>
       <p:sp>
         <p:nvSpPr>
-          <p:cNvPr id="2" name="Title 1"/>
-          <p:cNvSpPr>
-            <a:spLocks noGrp="1"/>
+          <p:cNvPr id="18436" name="Rectangle 8"/>
+          <p:cNvSpPr>
+            <a:spLocks noGrp="1" noChangeArrowheads="1"/>
           </p:cNvSpPr>
           <p:nvPr>
             <p:ph type="title"/>
@@ -11637,7 +12725,7 @@
           <a:p>
             <a:r>
               <a:rPr lang="en-US" dirty="0" smtClean="0"/>
-              <a:t>Long versus Short Use Cases</a:t>
+              <a:t>Objectives</a:t>
             </a:r>
             <a:endParaRPr lang="en-US" dirty="0"/>
           </a:p>
@@ -11645,9 +12733,9 @@
       </p:sp>
       <p:sp>
         <p:nvSpPr>
-          <p:cNvPr id="3" name="Content Placeholder 2"/>
-          <p:cNvSpPr>
-            <a:spLocks noGrp="1"/>
+          <p:cNvPr id="18437" name="Rectangle 9"/>
+          <p:cNvSpPr>
+            <a:spLocks noGrp="1" noChangeArrowheads="1"/>
           </p:cNvSpPr>
           <p:nvPr>
             <p:ph idx="1"/>
@@ -11655,72 +12743,100 @@
         </p:nvSpPr>
         <p:spPr/>
         <p:txBody>
-          <a:bodyPr>
-            <a:normAutofit/>
-          </a:bodyPr>
-          <a:lstStyle/>
-          <a:p>
-            <a:r>
-              <a:rPr lang="en-US" dirty="0" smtClean="0"/>
-              <a:t>A “Long” use case is typically an end-to-end transaction.</a:t>
-            </a:r>
-          </a:p>
-          <a:p>
-            <a:r>
-              <a:rPr lang="en-US" dirty="0" smtClean="0"/>
-              <a:t>SATM example: A full traversal of the high level finite state machine, from the Welcome screen to the End Session screen: &lt;s1, s2, s3, s4, s5&gt;</a:t>
-            </a:r>
-          </a:p>
-          <a:p>
-            <a:r>
-              <a:rPr lang="en-US" dirty="0" smtClean="0"/>
-              <a:t>A “Short” use case is at the level on an atomic system function.</a:t>
-            </a:r>
-          </a:p>
-          <a:p>
-            <a:r>
-              <a:rPr lang="en-US" dirty="0" smtClean="0"/>
-              <a:t>Examples</a:t>
+          <a:bodyPr/>
+          <a:lstStyle/>
+          <a:p>
+            <a:r>
+              <a:rPr lang="en-US" sz="2600" dirty="0" smtClean="0"/>
+              <a:t>Distinguish system and acceptance testing</a:t>
             </a:r>
           </a:p>
           <a:p>
             <a:pPr lvl="1"/>
             <a:r>
-              <a:rPr lang="en-US" dirty="0" smtClean="0"/>
-              <a:t>PIN Entry</a:t>
+              <a:rPr lang="en-US" sz="2200" dirty="0" smtClean="0"/>
+              <a:t>How and why they differ from each other and from unit and integration testing</a:t>
+            </a:r>
+          </a:p>
+          <a:p>
+            <a:r>
+              <a:rPr lang="en-US" sz="2600" dirty="0" smtClean="0"/>
+              <a:t>Understand basic approaches for quantitative assessment (reliability, performance, ...)</a:t>
+            </a:r>
+          </a:p>
+          <a:p>
+            <a:r>
+              <a:rPr lang="en-US" sz="2600" dirty="0" smtClean="0"/>
+              <a:t>Understand interplay of validation and verification for usability and accessibility</a:t>
             </a:r>
           </a:p>
           <a:p>
             <a:pPr lvl="1"/>
             <a:r>
-              <a:rPr lang="en-US" dirty="0" smtClean="0"/>
-              <a:t>Transaction selection</a:t>
+              <a:rPr lang="en-US" sz="2200" dirty="0" smtClean="0"/>
+              <a:t>How to continuously monitor usability from early design to delivery</a:t>
+            </a:r>
+          </a:p>
+          <a:p>
+            <a:r>
+              <a:rPr lang="en-US" sz="2600" dirty="0" smtClean="0"/>
+              <a:t>Understand basic regression testing approaches</a:t>
             </a:r>
           </a:p>
           <a:p>
             <a:pPr lvl="1"/>
             <a:r>
-              <a:rPr lang="en-US" dirty="0" smtClean="0"/>
-              <a:t>Session closing</a:t>
-            </a:r>
-            <a:endParaRPr lang="en-US" dirty="0"/>
+              <a:rPr lang="en-US" sz="2200" dirty="0" smtClean="0"/>
+              <a:t>Preventing accidental changes</a:t>
+            </a:r>
+            <a:endParaRPr lang="en-US" sz="2200" dirty="0"/>
+          </a:p>
+        </p:txBody>
+      </p:sp>
+      <p:sp>
+        <p:nvSpPr>
+          <p:cNvPr id="2" name="Slide Number Placeholder 1"/>
+          <p:cNvSpPr>
+            <a:spLocks noGrp="1"/>
+          </p:cNvSpPr>
+          <p:nvPr>
+            <p:ph type="sldNum" sz="quarter" idx="12"/>
+          </p:nvPr>
+        </p:nvSpPr>
+        <p:spPr/>
+        <p:txBody>
+          <a:bodyPr/>
+          <a:lstStyle/>
+          <a:p>
+            <a:fld id="{B543A0FD-1CA6-4228-86A2-78061B4844C8}" type="slidenum">
+              <a:rPr lang="en-US" smtClean="0"/>
+              <a:t>3</a:t>
+            </a:fld>
+            <a:endParaRPr lang="en-US"/>
           </a:p>
         </p:txBody>
       </p:sp>
     </p:spTree>
     <p:extLst>
       <p:ext uri="{BB962C8B-B14F-4D97-AF65-F5344CB8AC3E}">
-        <p14:creationId xmlns:p14="http://schemas.microsoft.com/office/powerpoint/2010/main" val="3705513883"/>
+        <p14:creationId xmlns:p14="http://schemas.microsoft.com/office/powerpoint/2010/main" val="95593207"/>
       </p:ext>
     </p:extLst>
   </p:cSld>
   <p:clrMapOvr>
     <a:masterClrMapping/>
   </p:clrMapOvr>
+  <p:timing>
+    <p:tnLst>
+      <p:par>
+        <p:cTn id="1" dur="indefinite" restart="never" nodeType="tmRoot"/>
+      </p:par>
+    </p:tnLst>
+  </p:timing>
 </p:sld>
 </file>
 
-<file path=ppt/slides/slide26.xml><?xml version="1.0" encoding="utf-8"?>
+<file path=ppt/slides/slide30.xml><?xml version="1.0" encoding="utf-8"?>
 <p:sld xmlns:a="http://schemas.openxmlformats.org/drawingml/2006/main" xmlns:r="http://schemas.openxmlformats.org/officeDocument/2006/relationships" xmlns:p="http://schemas.openxmlformats.org/presentationml/2006/main">
   <p:cSld>
     <p:spTree>
@@ -11754,6 +12870,123 @@
           <a:p>
             <a:r>
               <a:rPr lang="en-US" dirty="0" smtClean="0"/>
+              <a:t>Long versus Short Use Cases</a:t>
+            </a:r>
+            <a:endParaRPr lang="en-US" dirty="0"/>
+          </a:p>
+        </p:txBody>
+      </p:sp>
+      <p:sp>
+        <p:nvSpPr>
+          <p:cNvPr id="3" name="Content Placeholder 2"/>
+          <p:cNvSpPr>
+            <a:spLocks noGrp="1"/>
+          </p:cNvSpPr>
+          <p:nvPr>
+            <p:ph idx="1"/>
+          </p:nvPr>
+        </p:nvSpPr>
+        <p:spPr/>
+        <p:txBody>
+          <a:bodyPr>
+            <a:normAutofit/>
+          </a:bodyPr>
+          <a:lstStyle/>
+          <a:p>
+            <a:r>
+              <a:rPr lang="en-US" dirty="0" smtClean="0"/>
+              <a:t>A “Long” use case is typically an end-to-end transaction.</a:t>
+            </a:r>
+          </a:p>
+          <a:p>
+            <a:r>
+              <a:rPr lang="en-US" dirty="0" smtClean="0"/>
+              <a:t>SATM example: A full traversal of the high level finite state machine, from the Welcome screen to the End Session screen: &lt;s1, s2, s3, s4, s5&gt;</a:t>
+            </a:r>
+          </a:p>
+          <a:p>
+            <a:r>
+              <a:rPr lang="en-US" dirty="0" smtClean="0"/>
+              <a:t>A “Short” use case is at the level on an atomic system function.</a:t>
+            </a:r>
+          </a:p>
+          <a:p>
+            <a:r>
+              <a:rPr lang="en-US" dirty="0" smtClean="0"/>
+              <a:t>Examples</a:t>
+            </a:r>
+          </a:p>
+          <a:p>
+            <a:pPr lvl="1"/>
+            <a:r>
+              <a:rPr lang="en-US" dirty="0" smtClean="0"/>
+              <a:t>PIN Entry</a:t>
+            </a:r>
+          </a:p>
+          <a:p>
+            <a:pPr lvl="1"/>
+            <a:r>
+              <a:rPr lang="en-US" dirty="0" smtClean="0"/>
+              <a:t>Transaction selection</a:t>
+            </a:r>
+          </a:p>
+          <a:p>
+            <a:pPr lvl="1"/>
+            <a:r>
+              <a:rPr lang="en-US" dirty="0" smtClean="0"/>
+              <a:t>Session closing</a:t>
+            </a:r>
+            <a:endParaRPr lang="en-US" dirty="0"/>
+          </a:p>
+        </p:txBody>
+      </p:sp>
+    </p:spTree>
+    <p:extLst>
+      <p:ext uri="{BB962C8B-B14F-4D97-AF65-F5344CB8AC3E}">
+        <p14:creationId xmlns:p14="http://schemas.microsoft.com/office/powerpoint/2010/main" val="3705513883"/>
+      </p:ext>
+    </p:extLst>
+  </p:cSld>
+  <p:clrMapOvr>
+    <a:masterClrMapping/>
+  </p:clrMapOvr>
+</p:sld>
+</file>
+
+<file path=ppt/slides/slide31.xml><?xml version="1.0" encoding="utf-8"?>
+<p:sld xmlns:a="http://schemas.openxmlformats.org/drawingml/2006/main" xmlns:r="http://schemas.openxmlformats.org/officeDocument/2006/relationships" xmlns:p="http://schemas.openxmlformats.org/presentationml/2006/main">
+  <p:cSld>
+    <p:spTree>
+      <p:nvGrpSpPr>
+        <p:cNvPr id="1" name=""/>
+        <p:cNvGrpSpPr/>
+        <p:nvPr/>
+      </p:nvGrpSpPr>
+      <p:grpSpPr>
+        <a:xfrm>
+          <a:off x="0" y="0"/>
+          <a:ext cx="0" cy="0"/>
+          <a:chOff x="0" y="0"/>
+          <a:chExt cx="0" cy="0"/>
+        </a:xfrm>
+      </p:grpSpPr>
+      <p:sp>
+        <p:nvSpPr>
+          <p:cNvPr id="2" name="Title 1"/>
+          <p:cNvSpPr>
+            <a:spLocks noGrp="1"/>
+          </p:cNvSpPr>
+          <p:nvPr>
+            <p:ph type="title"/>
+          </p:nvPr>
+        </p:nvSpPr>
+        <p:spPr/>
+        <p:txBody>
+          <a:bodyPr/>
+          <a:lstStyle/>
+          <a:p>
+            <a:r>
+              <a:rPr lang="en-US" dirty="0" smtClean="0"/>
               <a:t>Short Use Cases</a:t>
             </a:r>
             <a:endParaRPr lang="en-US" dirty="0"/>
@@ -11850,7 +13083,7 @@
 </p:sld>
 </file>
 
-<file path=ppt/slides/slide27.xml><?xml version="1.0" encoding="utf-8"?>
+<file path=ppt/slides/slide32.xml><?xml version="1.0" encoding="utf-8"?>
 <p:sld xmlns:a="http://schemas.openxmlformats.org/drawingml/2006/main" xmlns:r="http://schemas.openxmlformats.org/officeDocument/2006/relationships" xmlns:p="http://schemas.openxmlformats.org/presentationml/2006/main">
   <p:cSld>
     <p:spTree>
@@ -11946,7 +13179,7 @@
 </p:sld>
 </file>
 
-<file path=ppt/slides/slide28.xml><?xml version="1.0" encoding="utf-8"?>
+<file path=ppt/slides/slide33.xml><?xml version="1.0" encoding="utf-8"?>
 <p:sld xmlns:a="http://schemas.openxmlformats.org/drawingml/2006/main" xmlns:r="http://schemas.openxmlformats.org/officeDocument/2006/relationships" xmlns:p="http://schemas.openxmlformats.org/presentationml/2006/main">
   <p:cSld>
     <p:spTree>
@@ -12042,7 +13275,7 @@
 </p:sld>
 </file>
 
-<file path=ppt/slides/slide29.xml><?xml version="1.0" encoding="utf-8"?>
+<file path=ppt/slides/slide34.xml><?xml version="1.0" encoding="utf-8"?>
 <p:sld xmlns:a="http://schemas.openxmlformats.org/drawingml/2006/main" xmlns:r="http://schemas.openxmlformats.org/officeDocument/2006/relationships" xmlns:p="http://schemas.openxmlformats.org/presentationml/2006/main">
   <p:cSld>
     <p:spTree>
@@ -12159,152 +13392,7 @@
 </p:sld>
 </file>
 
-<file path=ppt/slides/slide3.xml><?xml version="1.0" encoding="utf-8"?>
-<p:sld xmlns:a="http://schemas.openxmlformats.org/drawingml/2006/main" xmlns:r="http://schemas.openxmlformats.org/officeDocument/2006/relationships" xmlns:p="http://schemas.openxmlformats.org/presentationml/2006/main">
-  <p:cSld>
-    <p:spTree>
-      <p:nvGrpSpPr>
-        <p:cNvPr id="1" name=""/>
-        <p:cNvGrpSpPr/>
-        <p:nvPr/>
-      </p:nvGrpSpPr>
-      <p:grpSpPr>
-        <a:xfrm>
-          <a:off x="0" y="0"/>
-          <a:ext cx="0" cy="0"/>
-          <a:chOff x="0" y="0"/>
-          <a:chExt cx="0" cy="0"/>
-        </a:xfrm>
-      </p:grpSpPr>
-      <p:sp>
-        <p:nvSpPr>
-          <p:cNvPr id="18436" name="Rectangle 8"/>
-          <p:cNvSpPr>
-            <a:spLocks noGrp="1" noChangeArrowheads="1"/>
-          </p:cNvSpPr>
-          <p:nvPr>
-            <p:ph type="title"/>
-          </p:nvPr>
-        </p:nvSpPr>
-        <p:spPr/>
-        <p:txBody>
-          <a:bodyPr/>
-          <a:lstStyle/>
-          <a:p>
-            <a:r>
-              <a:rPr lang="en-US" dirty="0" smtClean="0"/>
-              <a:t>Objectives</a:t>
-            </a:r>
-            <a:endParaRPr lang="en-US" dirty="0"/>
-          </a:p>
-        </p:txBody>
-      </p:sp>
-      <p:sp>
-        <p:nvSpPr>
-          <p:cNvPr id="18437" name="Rectangle 9"/>
-          <p:cNvSpPr>
-            <a:spLocks noGrp="1" noChangeArrowheads="1"/>
-          </p:cNvSpPr>
-          <p:nvPr>
-            <p:ph idx="1"/>
-          </p:nvPr>
-        </p:nvSpPr>
-        <p:spPr/>
-        <p:txBody>
-          <a:bodyPr/>
-          <a:lstStyle/>
-          <a:p>
-            <a:r>
-              <a:rPr lang="en-US" sz="2600" dirty="0" smtClean="0"/>
-              <a:t>Distinguish system and acceptance testing</a:t>
-            </a:r>
-          </a:p>
-          <a:p>
-            <a:pPr lvl="1"/>
-            <a:r>
-              <a:rPr lang="en-US" sz="2200" dirty="0" smtClean="0"/>
-              <a:t>How and why they differ from each other and from unit and integration testing</a:t>
-            </a:r>
-          </a:p>
-          <a:p>
-            <a:r>
-              <a:rPr lang="en-US" sz="2600" dirty="0" smtClean="0"/>
-              <a:t>Understand basic approaches for quantitative assessment (reliability, performance, ...)</a:t>
-            </a:r>
-          </a:p>
-          <a:p>
-            <a:r>
-              <a:rPr lang="en-US" sz="2600" dirty="0" smtClean="0"/>
-              <a:t>Understand interplay of validation and verification for usability and accessibility</a:t>
-            </a:r>
-          </a:p>
-          <a:p>
-            <a:pPr lvl="1"/>
-            <a:r>
-              <a:rPr lang="en-US" sz="2200" dirty="0" smtClean="0"/>
-              <a:t>How to continuously monitor usability from early design to delivery</a:t>
-            </a:r>
-          </a:p>
-          <a:p>
-            <a:r>
-              <a:rPr lang="en-US" sz="2600" dirty="0" smtClean="0"/>
-              <a:t>Understand basic regression testing approaches</a:t>
-            </a:r>
-          </a:p>
-          <a:p>
-            <a:pPr lvl="1"/>
-            <a:r>
-              <a:rPr lang="en-US" sz="2200" dirty="0" smtClean="0"/>
-              <a:t>Preventing accidental changes</a:t>
-            </a:r>
-            <a:endParaRPr lang="en-US" sz="2200" dirty="0"/>
-          </a:p>
-        </p:txBody>
-      </p:sp>
-      <p:sp>
-        <p:nvSpPr>
-          <p:cNvPr id="2" name="Slide Number Placeholder 1"/>
-          <p:cNvSpPr>
-            <a:spLocks noGrp="1"/>
-          </p:cNvSpPr>
-          <p:nvPr>
-            <p:ph type="sldNum" sz="quarter" idx="12"/>
-          </p:nvPr>
-        </p:nvSpPr>
-        <p:spPr/>
-        <p:txBody>
-          <a:bodyPr/>
-          <a:lstStyle/>
-          <a:p>
-            <a:fld id="{B543A0FD-1CA6-4228-86A2-78061B4844C8}" type="slidenum">
-              <a:rPr lang="en-US" smtClean="0"/>
-              <a:t>3</a:t>
-            </a:fld>
-            <a:endParaRPr lang="en-US"/>
-          </a:p>
-        </p:txBody>
-      </p:sp>
-    </p:spTree>
-    <p:extLst>
-      <p:ext uri="{BB962C8B-B14F-4D97-AF65-F5344CB8AC3E}">
-        <p14:creationId xmlns:p14="http://schemas.microsoft.com/office/powerpoint/2010/main" val="95593207"/>
-      </p:ext>
-    </p:extLst>
-  </p:cSld>
-  <p:clrMapOvr>
-    <a:masterClrMapping/>
-  </p:clrMapOvr>
-  <p:timing>
-    <p:tnLst>
-      <p:par>
-        <p:cTn id="1" dur="indefinite" restart="never" nodeType="tmRoot"/>
-      </p:par>
-    </p:tnLst>
-  </p:timing>
-</p:sld>
-</file>
-
-<file path=ppt/slides/slide30.xml><?xml version="1.0" encoding="utf-8"?>
+<file path=ppt/slides/slide35.xml><?xml version="1.0" encoding="utf-8"?>
 <p:sld xmlns:a="http://schemas.openxmlformats.org/drawingml/2006/main" xmlns:r="http://schemas.openxmlformats.org/officeDocument/2006/relationships" xmlns:p="http://schemas.openxmlformats.org/presentationml/2006/main">
   <p:cSld>
     <p:spTree>
@@ -12402,7 +13490,7 @@
 </p:sld>
 </file>
 
-<file path=ppt/slides/slide31.xml><?xml version="1.0" encoding="utf-8"?>
+<file path=ppt/slides/slide36.xml><?xml version="1.0" encoding="utf-8"?>
 <p:sld xmlns:a="http://schemas.openxmlformats.org/drawingml/2006/main" xmlns:r="http://schemas.openxmlformats.org/officeDocument/2006/relationships" xmlns:p="http://schemas.openxmlformats.org/presentationml/2006/main">
   <p:cSld>
     <p:spTree>
@@ -12537,7 +13625,7 @@
 </p:sld>
 </file>
 
-<file path=ppt/slides/slide32.xml><?xml version="1.0" encoding="utf-8"?>
+<file path=ppt/slides/slide37.xml><?xml version="1.0" encoding="utf-8"?>
 <p:sld xmlns:a="http://schemas.openxmlformats.org/drawingml/2006/main" xmlns:r="http://schemas.openxmlformats.org/officeDocument/2006/relationships" xmlns:p="http://schemas.openxmlformats.org/presentationml/2006/main">
   <p:cSld>
     <p:spTree>
@@ -12571,7 +13659,7 @@
           <a:p>
             <a:r>
               <a:rPr lang="en-US" dirty="0" smtClean="0"/>
-              <a:t>Metrics for System Testing</a:t>
+              <a:t>Model-Based Coverage Metrics</a:t>
             </a:r>
             <a:endParaRPr lang="en-US" dirty="0"/>
           </a:p>
@@ -12590,52 +13678,95 @@
         <p:spPr/>
         <p:txBody>
           <a:bodyPr>
-            <a:normAutofit/>
+            <a:normAutofit fontScale="92500" lnSpcReduction="20000"/>
           </a:bodyPr>
           <a:lstStyle/>
           <a:p>
             <a:r>
               <a:rPr lang="en-US" dirty="0" smtClean="0"/>
-              <a:t>In PIN Entry, for a given PIN, there are 156 distinct paths from the First PIN Try state to the two successor states.</a:t>
-            </a:r>
-          </a:p>
-          <a:p>
-            <a:r>
-              <a:rPr lang="en-US" dirty="0" smtClean="0"/>
-              <a:t>Of these, 31 correspond to eventually correct PIN entries.</a:t>
+              <a:t>Decision table metrics</a:t>
             </a:r>
           </a:p>
           <a:p>
             <a:pPr lvl="1"/>
             <a:r>
               <a:rPr lang="en-US" dirty="0" smtClean="0"/>
-              <a:t>1 on the first try</a:t>
+              <a:t>every condition</a:t>
             </a:r>
           </a:p>
           <a:p>
             <a:pPr lvl="1"/>
             <a:r>
               <a:rPr lang="en-US" dirty="0" smtClean="0"/>
-              <a:t>5 on the second try</a:t>
+              <a:t>every action</a:t>
             </a:r>
           </a:p>
           <a:p>
             <a:pPr lvl="1"/>
             <a:r>
               <a:rPr lang="en-US" dirty="0" smtClean="0"/>
-              <a:t>25 on the third try</a:t>
-            </a:r>
-          </a:p>
-          <a:p>
-            <a:r>
-              <a:rPr lang="en-US" dirty="0" smtClean="0"/>
-              <a:t>The other 125 paths correspond to failed PIN attempts/</a:t>
-            </a:r>
-          </a:p>
-          <a:p>
-            <a:r>
-              <a:rPr lang="en-US" dirty="0" smtClean="0"/>
-              <a:t>Model-based coverage metrics can control this.</a:t>
+              <a:t>every rule</a:t>
+            </a:r>
+          </a:p>
+          <a:p>
+            <a:r>
+              <a:rPr lang="en-US" dirty="0" smtClean="0"/>
+              <a:t>Finite state machine metrics</a:t>
+            </a:r>
+          </a:p>
+          <a:p>
+            <a:pPr lvl="1"/>
+            <a:r>
+              <a:rPr lang="en-US" dirty="0" smtClean="0"/>
+              <a:t>every state</a:t>
+            </a:r>
+          </a:p>
+          <a:p>
+            <a:pPr lvl="1"/>
+            <a:r>
+              <a:rPr lang="en-US" dirty="0" smtClean="0"/>
+              <a:t>every transition</a:t>
+            </a:r>
+          </a:p>
+          <a:p>
+            <a:pPr lvl="1"/>
+            <a:r>
+              <a:rPr lang="en-US" dirty="0" smtClean="0"/>
+              <a:t>every path (cycles need to be addressed as in code coverage metrics)</a:t>
+            </a:r>
+          </a:p>
+          <a:p>
+            <a:r>
+              <a:rPr lang="en-US" dirty="0" smtClean="0"/>
+              <a:t>Petri net metrics</a:t>
+            </a:r>
+          </a:p>
+          <a:p>
+            <a:pPr lvl="1"/>
+            <a:r>
+              <a:rPr lang="en-US" dirty="0" smtClean="0"/>
+              <a:t>every place</a:t>
+            </a:r>
+          </a:p>
+          <a:p>
+            <a:pPr lvl="1"/>
+            <a:r>
+              <a:rPr lang="en-US" dirty="0" smtClean="0"/>
+              <a:t>every port event</a:t>
+            </a:r>
+          </a:p>
+          <a:p>
+            <a:pPr lvl="1"/>
+            <a:r>
+              <a:rPr lang="en-US" dirty="0" smtClean="0"/>
+              <a:t>every transition</a:t>
+            </a:r>
+          </a:p>
+          <a:p>
+            <a:pPr lvl="1"/>
+            <a:r>
+              <a:rPr lang="en-US" dirty="0" smtClean="0"/>
+              <a:t>every marking </a:t>
             </a:r>
             <a:endParaRPr lang="en-US" dirty="0"/>
           </a:p>
@@ -12644,7 +13775,7 @@
     </p:spTree>
     <p:extLst>
       <p:ext uri="{BB962C8B-B14F-4D97-AF65-F5344CB8AC3E}">
-        <p14:creationId xmlns:p14="http://schemas.microsoft.com/office/powerpoint/2010/main" val="3297381314"/>
+        <p14:creationId xmlns:p14="http://schemas.microsoft.com/office/powerpoint/2010/main" val="1811685898"/>
       </p:ext>
     </p:extLst>
   </p:cSld>
@@ -12654,7 +13785,7 @@
 </p:sld>
 </file>
 
-<file path=ppt/slides/slide33.xml><?xml version="1.0" encoding="utf-8"?>
+<file path=ppt/slides/slide38.xml><?xml version="1.0" encoding="utf-8"?>
 <p:sld xmlns:a="http://schemas.openxmlformats.org/drawingml/2006/main" xmlns:r="http://schemas.openxmlformats.org/officeDocument/2006/relationships" xmlns:p="http://schemas.openxmlformats.org/presentationml/2006/main">
   <p:cSld>
     <p:spTree>
@@ -12688,166 +13819,6 @@
           <a:p>
             <a:r>
               <a:rPr lang="en-US" dirty="0" smtClean="0"/>
-              <a:t>Model-Based Coverage Metrics</a:t>
-            </a:r>
-            <a:endParaRPr lang="en-US" dirty="0"/>
-          </a:p>
-        </p:txBody>
-      </p:sp>
-      <p:sp>
-        <p:nvSpPr>
-          <p:cNvPr id="3" name="Content Placeholder 2"/>
-          <p:cNvSpPr>
-            <a:spLocks noGrp="1"/>
-          </p:cNvSpPr>
-          <p:nvPr>
-            <p:ph idx="1"/>
-          </p:nvPr>
-        </p:nvSpPr>
-        <p:spPr/>
-        <p:txBody>
-          <a:bodyPr>
-            <a:normAutofit fontScale="92500" lnSpcReduction="20000"/>
-          </a:bodyPr>
-          <a:lstStyle/>
-          <a:p>
-            <a:r>
-              <a:rPr lang="en-US" dirty="0" smtClean="0"/>
-              <a:t>Decision table metrics</a:t>
-            </a:r>
-          </a:p>
-          <a:p>
-            <a:pPr lvl="1"/>
-            <a:r>
-              <a:rPr lang="en-US" dirty="0" smtClean="0"/>
-              <a:t>every condition</a:t>
-            </a:r>
-          </a:p>
-          <a:p>
-            <a:pPr lvl="1"/>
-            <a:r>
-              <a:rPr lang="en-US" dirty="0" smtClean="0"/>
-              <a:t>every action</a:t>
-            </a:r>
-          </a:p>
-          <a:p>
-            <a:pPr lvl="1"/>
-            <a:r>
-              <a:rPr lang="en-US" dirty="0" smtClean="0"/>
-              <a:t>every rule</a:t>
-            </a:r>
-          </a:p>
-          <a:p>
-            <a:r>
-              <a:rPr lang="en-US" dirty="0" smtClean="0"/>
-              <a:t>Finite state machine metrics</a:t>
-            </a:r>
-          </a:p>
-          <a:p>
-            <a:pPr lvl="1"/>
-            <a:r>
-              <a:rPr lang="en-US" dirty="0" smtClean="0"/>
-              <a:t>every state</a:t>
-            </a:r>
-          </a:p>
-          <a:p>
-            <a:pPr lvl="1"/>
-            <a:r>
-              <a:rPr lang="en-US" dirty="0" smtClean="0"/>
-              <a:t>every transition</a:t>
-            </a:r>
-          </a:p>
-          <a:p>
-            <a:pPr lvl="1"/>
-            <a:r>
-              <a:rPr lang="en-US" dirty="0" smtClean="0"/>
-              <a:t>every path (cycles need to be addressed as in code coverage metrics)</a:t>
-            </a:r>
-          </a:p>
-          <a:p>
-            <a:r>
-              <a:rPr lang="en-US" dirty="0" smtClean="0"/>
-              <a:t>Petri net metrics</a:t>
-            </a:r>
-          </a:p>
-          <a:p>
-            <a:pPr lvl="1"/>
-            <a:r>
-              <a:rPr lang="en-US" dirty="0" smtClean="0"/>
-              <a:t>every place</a:t>
-            </a:r>
-          </a:p>
-          <a:p>
-            <a:pPr lvl="1"/>
-            <a:r>
-              <a:rPr lang="en-US" dirty="0" smtClean="0"/>
-              <a:t>every port event</a:t>
-            </a:r>
-          </a:p>
-          <a:p>
-            <a:pPr lvl="1"/>
-            <a:r>
-              <a:rPr lang="en-US" dirty="0" smtClean="0"/>
-              <a:t>every transition</a:t>
-            </a:r>
-          </a:p>
-          <a:p>
-            <a:pPr lvl="1"/>
-            <a:r>
-              <a:rPr lang="en-US" dirty="0" smtClean="0"/>
-              <a:t>every marking </a:t>
-            </a:r>
-            <a:endParaRPr lang="en-US" dirty="0"/>
-          </a:p>
-        </p:txBody>
-      </p:sp>
-    </p:spTree>
-    <p:extLst>
-      <p:ext uri="{BB962C8B-B14F-4D97-AF65-F5344CB8AC3E}">
-        <p14:creationId xmlns:p14="http://schemas.microsoft.com/office/powerpoint/2010/main" val="1811685898"/>
-      </p:ext>
-    </p:extLst>
-  </p:cSld>
-  <p:clrMapOvr>
-    <a:masterClrMapping/>
-  </p:clrMapOvr>
-</p:sld>
-</file>
-
-<file path=ppt/slides/slide34.xml><?xml version="1.0" encoding="utf-8"?>
-<p:sld xmlns:a="http://schemas.openxmlformats.org/drawingml/2006/main" xmlns:r="http://schemas.openxmlformats.org/officeDocument/2006/relationships" xmlns:p="http://schemas.openxmlformats.org/presentationml/2006/main">
-  <p:cSld>
-    <p:spTree>
-      <p:nvGrpSpPr>
-        <p:cNvPr id="1" name=""/>
-        <p:cNvGrpSpPr/>
-        <p:nvPr/>
-      </p:nvGrpSpPr>
-      <p:grpSpPr>
-        <a:xfrm>
-          <a:off x="0" y="0"/>
-          <a:ext cx="0" cy="0"/>
-          <a:chOff x="0" y="0"/>
-          <a:chExt cx="0" cy="0"/>
-        </a:xfrm>
-      </p:grpSpPr>
-      <p:sp>
-        <p:nvSpPr>
-          <p:cNvPr id="2" name="Title 1"/>
-          <p:cNvSpPr>
-            <a:spLocks noGrp="1"/>
-          </p:cNvSpPr>
-          <p:nvPr>
-            <p:ph type="title"/>
-          </p:nvPr>
-        </p:nvSpPr>
-        <p:spPr/>
-        <p:txBody>
-          <a:bodyPr/>
-          <a:lstStyle/>
-          <a:p>
-            <a:r>
-              <a:rPr lang="en-US" dirty="0" smtClean="0"/>
               <a:t>Risk-Based System Testing</a:t>
             </a:r>
             <a:endParaRPr lang="en-US" dirty="0"/>
@@ -12930,7 +13901,7 @@
 </p:sld>
 </file>
 
-<file path=ppt/slides/slide35.xml><?xml version="1.0" encoding="utf-8"?>
+<file path=ppt/slides/slide39.xml><?xml version="1.0" encoding="utf-8"?>
 <p:sld xmlns:a="http://schemas.openxmlformats.org/drawingml/2006/main" xmlns:r="http://schemas.openxmlformats.org/officeDocument/2006/relationships" xmlns:p="http://schemas.openxmlformats.org/presentationml/2006/main">
   <p:cSld>
     <p:spTree>
@@ -13026,704 +13997,6 @@
 </p:sld>
 </file>
 
-<file path=ppt/slides/slide36.xml><?xml version="1.0" encoding="utf-8"?>
-<p:sld xmlns:a="http://schemas.openxmlformats.org/drawingml/2006/main" xmlns:r="http://schemas.openxmlformats.org/officeDocument/2006/relationships" xmlns:p="http://schemas.openxmlformats.org/presentationml/2006/main">
-  <p:cSld>
-    <p:spTree>
-      <p:nvGrpSpPr>
-        <p:cNvPr id="1" name=""/>
-        <p:cNvGrpSpPr/>
-        <p:nvPr/>
-      </p:nvGrpSpPr>
-      <p:grpSpPr>
-        <a:xfrm>
-          <a:off x="0" y="0"/>
-          <a:ext cx="0" cy="0"/>
-          <a:chOff x="0" y="0"/>
-          <a:chExt cx="0" cy="0"/>
-        </a:xfrm>
-      </p:grpSpPr>
-      <p:sp>
-        <p:nvSpPr>
-          <p:cNvPr id="2" name="Title 1"/>
-          <p:cNvSpPr>
-            <a:spLocks noGrp="1"/>
-          </p:cNvSpPr>
-          <p:nvPr>
-            <p:ph type="title"/>
-          </p:nvPr>
-        </p:nvSpPr>
-        <p:spPr/>
-        <p:txBody>
-          <a:bodyPr/>
-          <a:lstStyle/>
-          <a:p>
-            <a:r>
-              <a:rPr lang="en-US" dirty="0" smtClean="0"/>
-              <a:t>Conclusions and Observations</a:t>
-            </a:r>
-            <a:endParaRPr lang="en-US" dirty="0"/>
-          </a:p>
-        </p:txBody>
-      </p:sp>
-      <p:sp>
-        <p:nvSpPr>
-          <p:cNvPr id="3" name="Content Placeholder 2"/>
-          <p:cNvSpPr>
-            <a:spLocks noGrp="1"/>
-          </p:cNvSpPr>
-          <p:nvPr>
-            <p:ph idx="1"/>
-          </p:nvPr>
-        </p:nvSpPr>
-        <p:spPr/>
-        <p:txBody>
-          <a:bodyPr/>
-          <a:lstStyle/>
-          <a:p>
-            <a:r>
-              <a:rPr lang="en-US" dirty="0" smtClean="0"/>
-              <a:t>System testing is based on threads</a:t>
-            </a:r>
-          </a:p>
-          <a:p>
-            <a:pPr lvl="1"/>
-            <a:r>
-              <a:rPr lang="en-US" dirty="0" smtClean="0"/>
-              <a:t>thread identification is the hard part</a:t>
-            </a:r>
-          </a:p>
-          <a:p>
-            <a:pPr lvl="1"/>
-            <a:r>
-              <a:rPr lang="en-US" dirty="0" smtClean="0"/>
-              <a:t>automated thread execution is a good idea</a:t>
-            </a:r>
-          </a:p>
-          <a:p>
-            <a:r>
-              <a:rPr lang="en-US" dirty="0" smtClean="0"/>
-              <a:t>Model-Based system testing works well</a:t>
-            </a:r>
-          </a:p>
-          <a:p>
-            <a:r>
-              <a:rPr lang="en-US" dirty="0" smtClean="0"/>
-              <a:t>Helpful to have system level coverage metrics</a:t>
-            </a:r>
-            <a:endParaRPr lang="en-US" dirty="0"/>
-          </a:p>
-        </p:txBody>
-      </p:sp>
-    </p:spTree>
-    <p:extLst>
-      <p:ext uri="{BB962C8B-B14F-4D97-AF65-F5344CB8AC3E}">
-        <p14:creationId xmlns:p14="http://schemas.microsoft.com/office/powerpoint/2010/main" val="3789418540"/>
-      </p:ext>
-    </p:extLst>
-  </p:cSld>
-  <p:clrMapOvr>
-    <a:masterClrMapping/>
-  </p:clrMapOvr>
-</p:sld>
-</file>
-
-<file path=ppt/slides/slide37.xml><?xml version="1.0" encoding="utf-8"?>
-<p:sld xmlns:a="http://schemas.openxmlformats.org/drawingml/2006/main" xmlns:r="http://schemas.openxmlformats.org/officeDocument/2006/relationships" xmlns:p="http://schemas.openxmlformats.org/presentationml/2006/main">
-  <p:cSld>
-    <p:spTree>
-      <p:nvGrpSpPr>
-        <p:cNvPr id="1" name=""/>
-        <p:cNvGrpSpPr/>
-        <p:nvPr/>
-      </p:nvGrpSpPr>
-      <p:grpSpPr>
-        <a:xfrm>
-          <a:off x="0" y="0"/>
-          <a:ext cx="0" cy="0"/>
-          <a:chOff x="0" y="0"/>
-          <a:chExt cx="0" cy="0"/>
-        </a:xfrm>
-      </p:grpSpPr>
-      <p:sp>
-        <p:nvSpPr>
-          <p:cNvPr id="2" name="Title 1"/>
-          <p:cNvSpPr>
-            <a:spLocks noGrp="1"/>
-          </p:cNvSpPr>
-          <p:nvPr>
-            <p:ph type="title"/>
-          </p:nvPr>
-        </p:nvSpPr>
-        <p:spPr/>
-        <p:txBody>
-          <a:bodyPr/>
-          <a:lstStyle/>
-          <a:p>
-            <a:r>
-              <a:rPr lang="en-US" dirty="0" smtClean="0"/>
-              <a:t>Performance Testing </a:t>
-            </a:r>
-            <a:endParaRPr lang="en-US" dirty="0"/>
-          </a:p>
-        </p:txBody>
-      </p:sp>
-      <p:sp>
-        <p:nvSpPr>
-          <p:cNvPr id="3" name="Content Placeholder 2"/>
-          <p:cNvSpPr>
-            <a:spLocks noGrp="1"/>
-          </p:cNvSpPr>
-          <p:nvPr>
-            <p:ph idx="1"/>
-          </p:nvPr>
-        </p:nvSpPr>
-        <p:spPr/>
-        <p:txBody>
-          <a:bodyPr>
-            <a:normAutofit fontScale="92500" lnSpcReduction="10000"/>
-          </a:bodyPr>
-          <a:lstStyle/>
-          <a:p>
-            <a:r>
-              <a:rPr lang="en-US" dirty="0" smtClean="0"/>
-              <a:t>Stress Testing </a:t>
-            </a:r>
-          </a:p>
-          <a:p>
-            <a:pPr lvl="1"/>
-            <a:r>
-              <a:rPr lang="en-US" dirty="0" smtClean="0"/>
-              <a:t>Checks if the system can respond to many simultaneous requests</a:t>
-            </a:r>
-            <a:br>
-              <a:rPr lang="en-US" dirty="0" smtClean="0"/>
-            </a:br>
-            <a:r>
-              <a:rPr lang="en-US" dirty="0" smtClean="0"/>
-              <a:t>(maximum # of users, peak demands) </a:t>
-            </a:r>
-          </a:p>
-          <a:p>
-            <a:r>
-              <a:rPr lang="en-US" dirty="0" smtClean="0"/>
-              <a:t>Volume testing</a:t>
-            </a:r>
-          </a:p>
-          <a:p>
-            <a:pPr lvl="1"/>
-            <a:r>
-              <a:rPr lang="en-US" dirty="0" smtClean="0"/>
-              <a:t>Test what happens if large amounts of data are handled</a:t>
-            </a:r>
-          </a:p>
-          <a:p>
-            <a:r>
-              <a:rPr lang="en-US" dirty="0" smtClean="0"/>
-              <a:t>Configuration testing </a:t>
-            </a:r>
-          </a:p>
-          <a:p>
-            <a:pPr lvl="1"/>
-            <a:r>
-              <a:rPr lang="en-US" dirty="0" smtClean="0"/>
-              <a:t>Test the various software and hardware configurations </a:t>
-            </a:r>
-          </a:p>
-          <a:p>
-            <a:r>
-              <a:rPr lang="en-US" dirty="0" smtClean="0"/>
-              <a:t>Compatibility test</a:t>
-            </a:r>
-          </a:p>
-          <a:p>
-            <a:pPr lvl="1"/>
-            <a:r>
-              <a:rPr lang="en-US" dirty="0" smtClean="0"/>
-              <a:t>Test backward compatibility with existing systems </a:t>
-            </a:r>
-          </a:p>
-          <a:p>
-            <a:r>
-              <a:rPr lang="en-US" dirty="0" smtClean="0"/>
-              <a:t>Security testing </a:t>
-            </a:r>
-          </a:p>
-          <a:p>
-            <a:pPr lvl="1"/>
-            <a:r>
-              <a:rPr lang="en-US" dirty="0" smtClean="0"/>
-              <a:t>Try to violate security requirements </a:t>
-            </a:r>
-          </a:p>
-          <a:p>
-            <a:endParaRPr lang="en-US" dirty="0"/>
-          </a:p>
-        </p:txBody>
-      </p:sp>
-      <p:sp>
-        <p:nvSpPr>
-          <p:cNvPr id="4" name="Slide Number Placeholder 3"/>
-          <p:cNvSpPr>
-            <a:spLocks noGrp="1"/>
-          </p:cNvSpPr>
-          <p:nvPr>
-            <p:ph type="sldNum" sz="quarter" idx="12"/>
-          </p:nvPr>
-        </p:nvSpPr>
-        <p:spPr/>
-        <p:txBody>
-          <a:bodyPr/>
-          <a:lstStyle/>
-          <a:p>
-            <a:fld id="{B543A0FD-1CA6-4228-86A2-78061B4844C8}" type="slidenum">
-              <a:rPr lang="en-US" smtClean="0"/>
-              <a:t>37</a:t>
-            </a:fld>
-            <a:endParaRPr lang="en-US"/>
-          </a:p>
-        </p:txBody>
-      </p:sp>
-    </p:spTree>
-    <p:extLst>
-      <p:ext uri="{BB962C8B-B14F-4D97-AF65-F5344CB8AC3E}">
-        <p14:creationId xmlns:p14="http://schemas.microsoft.com/office/powerpoint/2010/main" val="4075370307"/>
-      </p:ext>
-    </p:extLst>
-  </p:cSld>
-  <p:clrMapOvr>
-    <a:masterClrMapping/>
-  </p:clrMapOvr>
-  <p:timing>
-    <p:tnLst>
-      <p:par>
-        <p:cTn id="1" dur="indefinite" restart="never" nodeType="tmRoot"/>
-      </p:par>
-    </p:tnLst>
-  </p:timing>
-</p:sld>
-</file>
-
-<file path=ppt/slides/slide38.xml><?xml version="1.0" encoding="utf-8"?>
-<p:sld xmlns:a="http://schemas.openxmlformats.org/drawingml/2006/main" xmlns:r="http://schemas.openxmlformats.org/officeDocument/2006/relationships" xmlns:p="http://schemas.openxmlformats.org/presentationml/2006/main">
-  <p:cSld>
-    <p:spTree>
-      <p:nvGrpSpPr>
-        <p:cNvPr id="1" name=""/>
-        <p:cNvGrpSpPr/>
-        <p:nvPr/>
-      </p:nvGrpSpPr>
-      <p:grpSpPr>
-        <a:xfrm>
-          <a:off x="0" y="0"/>
-          <a:ext cx="0" cy="0"/>
-          <a:chOff x="0" y="0"/>
-          <a:chExt cx="0" cy="0"/>
-        </a:xfrm>
-      </p:grpSpPr>
-      <p:sp>
-        <p:nvSpPr>
-          <p:cNvPr id="2" name="Title 1"/>
-          <p:cNvSpPr>
-            <a:spLocks noGrp="1"/>
-          </p:cNvSpPr>
-          <p:nvPr>
-            <p:ph type="title"/>
-          </p:nvPr>
-        </p:nvSpPr>
-        <p:spPr/>
-        <p:txBody>
-          <a:bodyPr/>
-          <a:lstStyle/>
-          <a:p>
-            <a:r>
-              <a:rPr lang="en-US" dirty="0" smtClean="0"/>
-              <a:t>Performance Testing </a:t>
-            </a:r>
-            <a:endParaRPr lang="en-US" dirty="0"/>
-          </a:p>
-        </p:txBody>
-      </p:sp>
-      <p:sp>
-        <p:nvSpPr>
-          <p:cNvPr id="3" name="Content Placeholder 2"/>
-          <p:cNvSpPr>
-            <a:spLocks noGrp="1"/>
-          </p:cNvSpPr>
-          <p:nvPr>
-            <p:ph idx="1"/>
-          </p:nvPr>
-        </p:nvSpPr>
-        <p:spPr/>
-        <p:txBody>
-          <a:bodyPr>
-            <a:normAutofit lnSpcReduction="10000"/>
-          </a:bodyPr>
-          <a:lstStyle/>
-          <a:p>
-            <a:r>
-              <a:rPr lang="en-US" dirty="0" smtClean="0"/>
-              <a:t>Timing testing</a:t>
-            </a:r>
-          </a:p>
-          <a:p>
-            <a:pPr lvl="1"/>
-            <a:r>
-              <a:rPr lang="en-US" dirty="0" smtClean="0"/>
-              <a:t>Evaluate response times and time to perform a function </a:t>
-            </a:r>
-          </a:p>
-          <a:p>
-            <a:r>
-              <a:rPr lang="en-US" dirty="0" smtClean="0"/>
-              <a:t>Environmental test </a:t>
-            </a:r>
-          </a:p>
-          <a:p>
-            <a:pPr lvl="1"/>
-            <a:r>
-              <a:rPr lang="en-US" dirty="0" smtClean="0"/>
-              <a:t>Test tolerances for heat, humidity, motion, portability </a:t>
-            </a:r>
-          </a:p>
-          <a:p>
-            <a:r>
-              <a:rPr lang="en-US" dirty="0" smtClean="0"/>
-              <a:t>Quality testing</a:t>
-            </a:r>
-          </a:p>
-          <a:p>
-            <a:pPr lvl="1"/>
-            <a:r>
-              <a:rPr lang="en-US" dirty="0" smtClean="0"/>
-              <a:t>Test reliability, maintainability &amp; availability of the system</a:t>
-            </a:r>
-          </a:p>
-          <a:p>
-            <a:r>
-              <a:rPr lang="en-US" dirty="0" smtClean="0"/>
-              <a:t>Recovery testing </a:t>
-            </a:r>
-          </a:p>
-          <a:p>
-            <a:pPr lvl="1"/>
-            <a:r>
-              <a:rPr lang="en-US" dirty="0" smtClean="0"/>
-              <a:t>Tests system’s response to presence of errors or loss of data. </a:t>
-            </a:r>
-          </a:p>
-          <a:p>
-            <a:r>
-              <a:rPr lang="en-US" dirty="0" smtClean="0"/>
-              <a:t>Human factors testing</a:t>
-            </a:r>
-          </a:p>
-          <a:p>
-            <a:pPr lvl="1"/>
-            <a:r>
-              <a:rPr lang="en-US" dirty="0" smtClean="0"/>
-              <a:t>Tests user interface with user </a:t>
-            </a:r>
-          </a:p>
-          <a:p>
-            <a:endParaRPr lang="en-US" dirty="0"/>
-          </a:p>
-        </p:txBody>
-      </p:sp>
-      <p:sp>
-        <p:nvSpPr>
-          <p:cNvPr id="4" name="Slide Number Placeholder 3"/>
-          <p:cNvSpPr>
-            <a:spLocks noGrp="1"/>
-          </p:cNvSpPr>
-          <p:nvPr>
-            <p:ph type="sldNum" sz="quarter" idx="12"/>
-          </p:nvPr>
-        </p:nvSpPr>
-        <p:spPr/>
-        <p:txBody>
-          <a:bodyPr/>
-          <a:lstStyle/>
-          <a:p>
-            <a:fld id="{B543A0FD-1CA6-4228-86A2-78061B4844C8}" type="slidenum">
-              <a:rPr lang="en-US" smtClean="0"/>
-              <a:t>38</a:t>
-            </a:fld>
-            <a:endParaRPr lang="en-US"/>
-          </a:p>
-        </p:txBody>
-      </p:sp>
-    </p:spTree>
-    <p:extLst>
-      <p:ext uri="{BB962C8B-B14F-4D97-AF65-F5344CB8AC3E}">
-        <p14:creationId xmlns:p14="http://schemas.microsoft.com/office/powerpoint/2010/main" val="3190069384"/>
-      </p:ext>
-    </p:extLst>
-  </p:cSld>
-  <p:clrMapOvr>
-    <a:masterClrMapping/>
-  </p:clrMapOvr>
-  <p:timing>
-    <p:tnLst>
-      <p:par>
-        <p:cTn id="1" dur="indefinite" restart="never" nodeType="tmRoot"/>
-      </p:par>
-    </p:tnLst>
-  </p:timing>
-</p:sld>
-</file>
-
-<file path=ppt/slides/slide39.xml><?xml version="1.0" encoding="utf-8"?>
-<p:sld xmlns:a="http://schemas.openxmlformats.org/drawingml/2006/main" xmlns:r="http://schemas.openxmlformats.org/officeDocument/2006/relationships" xmlns:p="http://schemas.openxmlformats.org/presentationml/2006/main">
-  <p:cSld>
-    <p:spTree>
-      <p:nvGrpSpPr>
-        <p:cNvPr id="1" name=""/>
-        <p:cNvGrpSpPr/>
-        <p:nvPr/>
-      </p:nvGrpSpPr>
-      <p:grpSpPr>
-        <a:xfrm>
-          <a:off x="0" y="0"/>
-          <a:ext cx="0" cy="0"/>
-          <a:chOff x="0" y="0"/>
-          <a:chExt cx="0" cy="0"/>
-        </a:xfrm>
-      </p:grpSpPr>
-      <p:sp>
-        <p:nvSpPr>
-          <p:cNvPr id="2" name="Title 1"/>
-          <p:cNvSpPr>
-            <a:spLocks noGrp="1"/>
-          </p:cNvSpPr>
-          <p:nvPr>
-            <p:ph type="title"/>
-          </p:nvPr>
-        </p:nvSpPr>
-        <p:spPr/>
-        <p:txBody>
-          <a:bodyPr/>
-          <a:lstStyle/>
-          <a:p>
-            <a:r>
-              <a:rPr lang="en-US" sz="4000" dirty="0"/>
-              <a:t>Test Cases for Performance Testing </a:t>
-            </a:r>
-          </a:p>
-        </p:txBody>
-      </p:sp>
-      <p:sp>
-        <p:nvSpPr>
-          <p:cNvPr id="11" name="Content Placeholder 10"/>
-          <p:cNvSpPr>
-            <a:spLocks noGrp="1"/>
-          </p:cNvSpPr>
-          <p:nvPr>
-            <p:ph idx="1"/>
-          </p:nvPr>
-        </p:nvSpPr>
-        <p:spPr/>
-        <p:txBody>
-          <a:bodyPr>
-            <a:normAutofit fontScale="92500" lnSpcReduction="20000"/>
-          </a:bodyPr>
-          <a:lstStyle/>
-          <a:p>
-            <a:r>
-              <a:rPr lang="en-US" dirty="0"/>
-              <a:t>Goal: Try to violate non-functional </a:t>
-            </a:r>
-            <a:r>
-              <a:rPr lang="en-US" dirty="0" smtClean="0"/>
-              <a:t>requirements</a:t>
-            </a:r>
-          </a:p>
-          <a:p>
-            <a:r>
-              <a:rPr lang="en-US" dirty="0" smtClean="0"/>
-              <a:t>Push </a:t>
-            </a:r>
-            <a:r>
-              <a:rPr lang="en-US" dirty="0"/>
-              <a:t>the (integrated) system to its limits. </a:t>
-            </a:r>
-          </a:p>
-          <a:p>
-            <a:r>
-              <a:rPr lang="en-US" dirty="0" smtClean="0"/>
-              <a:t>Goal</a:t>
-            </a:r>
-            <a:r>
-              <a:rPr lang="en-US" dirty="0"/>
-              <a:t>: Try to break the subsystem </a:t>
-            </a:r>
-          </a:p>
-          <a:p>
-            <a:r>
-              <a:rPr lang="en-US" dirty="0" smtClean="0"/>
-              <a:t>Test </a:t>
-            </a:r>
-            <a:r>
-              <a:rPr lang="en-US" dirty="0"/>
-              <a:t>how the system behaves when overloaded</a:t>
-            </a:r>
-            <a:r>
-              <a:rPr lang="en-US" dirty="0" smtClean="0"/>
-              <a:t>.</a:t>
-            </a:r>
-          </a:p>
-          <a:p>
-            <a:pPr lvl="1"/>
-            <a:r>
-              <a:rPr lang="en-US" dirty="0" smtClean="0"/>
-              <a:t>Can </a:t>
-            </a:r>
-            <a:r>
-              <a:rPr lang="en-US" dirty="0"/>
-              <a:t>bottlenecks be identified? (First candidates for redesign in </a:t>
-            </a:r>
-            <a:r>
-              <a:rPr lang="en-US" dirty="0" smtClean="0"/>
-              <a:t>the </a:t>
-            </a:r>
-            <a:r>
-              <a:rPr lang="en-US" dirty="0"/>
-              <a:t>next </a:t>
-            </a:r>
-            <a:r>
-              <a:rPr lang="en-US" dirty="0" smtClean="0"/>
-              <a:t>iteration)</a:t>
-            </a:r>
-          </a:p>
-          <a:p>
-            <a:r>
-              <a:rPr lang="en-US" dirty="0" smtClean="0"/>
-              <a:t>Try </a:t>
-            </a:r>
-            <a:r>
-              <a:rPr lang="en-US" dirty="0"/>
-              <a:t>unusual orders of execution </a:t>
-            </a:r>
-          </a:p>
-          <a:p>
-            <a:pPr lvl="1"/>
-            <a:r>
-              <a:rPr lang="en-US" dirty="0" smtClean="0"/>
-              <a:t>Call a receive</a:t>
-            </a:r>
-            <a:r>
-              <a:rPr lang="en-US" dirty="0"/>
-              <a:t>() </a:t>
-            </a:r>
-            <a:r>
-              <a:rPr lang="en-US" dirty="0" smtClean="0"/>
-              <a:t>before send</a:t>
-            </a:r>
-            <a:r>
-              <a:rPr lang="en-US" dirty="0"/>
-              <a:t>(</a:t>
-            </a:r>
-            <a:r>
-              <a:rPr lang="en-US" dirty="0" smtClean="0"/>
-              <a:t>)</a:t>
-            </a:r>
-            <a:endParaRPr lang="en-US" dirty="0"/>
-          </a:p>
-          <a:p>
-            <a:r>
-              <a:rPr lang="en-US" dirty="0" smtClean="0"/>
-              <a:t>Check </a:t>
-            </a:r>
-            <a:r>
-              <a:rPr lang="en-US" dirty="0"/>
-              <a:t>the system’s response to large volumes of data </a:t>
-            </a:r>
-          </a:p>
-          <a:p>
-            <a:pPr lvl="1"/>
-            <a:r>
-              <a:rPr lang="en-US" dirty="0"/>
-              <a:t>If the system is supposed to handle 1000 items, try it with 1001 items. </a:t>
-            </a:r>
-          </a:p>
-          <a:p>
-            <a:r>
-              <a:rPr lang="en-US" dirty="0" smtClean="0"/>
-              <a:t>What </a:t>
-            </a:r>
-            <a:r>
-              <a:rPr lang="en-US" dirty="0"/>
-              <a:t>is the amount of time spent in different use cases? </a:t>
-            </a:r>
-            <a:endParaRPr lang="en-US" dirty="0" smtClean="0"/>
-          </a:p>
-          <a:p>
-            <a:pPr lvl="1"/>
-            <a:r>
-              <a:rPr lang="en-US" dirty="0" smtClean="0"/>
-              <a:t>Are </a:t>
-            </a:r>
-            <a:r>
-              <a:rPr lang="en-US" dirty="0"/>
-              <a:t>typical cases executed in a timely fashion? </a:t>
-            </a:r>
-          </a:p>
-          <a:p>
-            <a:endParaRPr lang="en-US" dirty="0"/>
-          </a:p>
-        </p:txBody>
-      </p:sp>
-      <p:sp>
-        <p:nvSpPr>
-          <p:cNvPr id="3" name="Slide Number Placeholder 2"/>
-          <p:cNvSpPr>
-            <a:spLocks noGrp="1"/>
-          </p:cNvSpPr>
-          <p:nvPr>
-            <p:ph type="sldNum" sz="quarter" idx="12"/>
-          </p:nvPr>
-        </p:nvSpPr>
-        <p:spPr/>
-        <p:txBody>
-          <a:bodyPr/>
-          <a:lstStyle/>
-          <a:p>
-            <a:fld id="{B543A0FD-1CA6-4228-86A2-78061B4844C8}" type="slidenum">
-              <a:rPr lang="en-US" smtClean="0"/>
-              <a:t>39</a:t>
-            </a:fld>
-            <a:endParaRPr lang="en-US"/>
-          </a:p>
-        </p:txBody>
-      </p:sp>
-    </p:spTree>
-    <p:extLst>
-      <p:ext uri="{BB962C8B-B14F-4D97-AF65-F5344CB8AC3E}">
-        <p14:creationId xmlns:p14="http://schemas.microsoft.com/office/powerpoint/2010/main" val="1309730181"/>
-      </p:ext>
-    </p:extLst>
-  </p:cSld>
-  <p:clrMapOvr>
-    <a:masterClrMapping/>
-  </p:clrMapOvr>
-  <mc:AlternateContent xmlns:mc="http://schemas.openxmlformats.org/markup-compatibility/2006" xmlns:p14="http://schemas.microsoft.com/office/powerpoint/2010/main">
-    <mc:Choice Requires="p14">
-      <p:transition spd="slow" p14:dur="2000"/>
-    </mc:Choice>
-    <mc:Fallback xmlns="">
-      <p:transition xmlns:p14="http://schemas.microsoft.com/office/powerpoint/2010/main" spd="slow"/>
-    </mc:Fallback>
-  </mc:AlternateContent>
-  <p:timing>
-    <p:tnLst>
-      <p:par>
-        <p:cTn id="1" dur="indefinite" restart="never" nodeType="tmRoot"/>
-      </p:par>
-    </p:tnLst>
-  </p:timing>
-</p:sld>
-</file>
-
 <file path=ppt/slides/slide4.xml><?xml version="1.0" encoding="utf-8"?>
 <p:sld xmlns:a="http://schemas.openxmlformats.org/drawingml/2006/main" xmlns:r="http://schemas.openxmlformats.org/officeDocument/2006/relationships" xmlns:p="http://schemas.openxmlformats.org/presentationml/2006/main">
   <p:cSld>
@@ -13949,7 +14222,7 @@
       </p:grpSpPr>
       <p:sp>
         <p:nvSpPr>
-          <p:cNvPr id="4" name="Title 3"/>
+          <p:cNvPr id="2" name="Title 1"/>
           <p:cNvSpPr>
             <a:spLocks noGrp="1"/>
           </p:cNvSpPr>
@@ -13964,7 +14237,7 @@
           <a:p>
             <a:r>
               <a:rPr lang="en-US" dirty="0" smtClean="0"/>
-              <a:t>Acceptance Testing</a:t>
+              <a:t>Conclusions and Observations</a:t>
             </a:r>
             <a:endParaRPr lang="en-US" dirty="0"/>
           </a:p>
@@ -13972,26 +14245,202 @@
       </p:sp>
       <p:sp>
         <p:nvSpPr>
-          <p:cNvPr id="3" name="Text Placeholder 2"/>
-          <p:cNvSpPr>
-            <a:spLocks noGrp="1"/>
-          </p:cNvSpPr>
-          <p:nvPr>
-            <p:ph type="body" idx="1"/>
-          </p:nvPr>
-        </p:nvSpPr>
-        <p:spPr/>
-        <p:txBody>
-          <a:bodyPr/>
-          <a:lstStyle/>
-          <a:p>
-            <a:endParaRPr lang="en-US"/>
-          </a:p>
-        </p:txBody>
-      </p:sp>
-      <p:sp>
-        <p:nvSpPr>
-          <p:cNvPr id="2" name="Slide Number Placeholder 1"/>
+          <p:cNvPr id="3" name="Content Placeholder 2"/>
+          <p:cNvSpPr>
+            <a:spLocks noGrp="1"/>
+          </p:cNvSpPr>
+          <p:nvPr>
+            <p:ph idx="1"/>
+          </p:nvPr>
+        </p:nvSpPr>
+        <p:spPr/>
+        <p:txBody>
+          <a:bodyPr/>
+          <a:lstStyle/>
+          <a:p>
+            <a:r>
+              <a:rPr lang="en-US" dirty="0" smtClean="0"/>
+              <a:t>System testing is based on threads</a:t>
+            </a:r>
+          </a:p>
+          <a:p>
+            <a:pPr lvl="1"/>
+            <a:r>
+              <a:rPr lang="en-US" dirty="0" smtClean="0"/>
+              <a:t>thread identification is the hard part</a:t>
+            </a:r>
+          </a:p>
+          <a:p>
+            <a:pPr lvl="1"/>
+            <a:r>
+              <a:rPr lang="en-US" dirty="0" smtClean="0"/>
+              <a:t>automated thread execution is a good idea</a:t>
+            </a:r>
+          </a:p>
+          <a:p>
+            <a:r>
+              <a:rPr lang="en-US" dirty="0" smtClean="0"/>
+              <a:t>Model-Based system testing works well</a:t>
+            </a:r>
+          </a:p>
+          <a:p>
+            <a:r>
+              <a:rPr lang="en-US" dirty="0" smtClean="0"/>
+              <a:t>Helpful to have system level coverage metrics</a:t>
+            </a:r>
+            <a:endParaRPr lang="en-US" dirty="0"/>
+          </a:p>
+        </p:txBody>
+      </p:sp>
+    </p:spTree>
+    <p:extLst>
+      <p:ext uri="{BB962C8B-B14F-4D97-AF65-F5344CB8AC3E}">
+        <p14:creationId xmlns:p14="http://schemas.microsoft.com/office/powerpoint/2010/main" val="3789418540"/>
+      </p:ext>
+    </p:extLst>
+  </p:cSld>
+  <p:clrMapOvr>
+    <a:masterClrMapping/>
+  </p:clrMapOvr>
+</p:sld>
+</file>
+
+<file path=ppt/slides/slide41.xml><?xml version="1.0" encoding="utf-8"?>
+<p:sld xmlns:a="http://schemas.openxmlformats.org/drawingml/2006/main" xmlns:r="http://schemas.openxmlformats.org/officeDocument/2006/relationships" xmlns:p="http://schemas.openxmlformats.org/presentationml/2006/main">
+  <p:cSld>
+    <p:spTree>
+      <p:nvGrpSpPr>
+        <p:cNvPr id="1" name=""/>
+        <p:cNvGrpSpPr/>
+        <p:nvPr/>
+      </p:nvGrpSpPr>
+      <p:grpSpPr>
+        <a:xfrm>
+          <a:off x="0" y="0"/>
+          <a:ext cx="0" cy="0"/>
+          <a:chOff x="0" y="0"/>
+          <a:chExt cx="0" cy="0"/>
+        </a:xfrm>
+      </p:grpSpPr>
+      <p:sp>
+        <p:nvSpPr>
+          <p:cNvPr id="2" name="Title 1"/>
+          <p:cNvSpPr>
+            <a:spLocks noGrp="1"/>
+          </p:cNvSpPr>
+          <p:nvPr>
+            <p:ph type="title"/>
+          </p:nvPr>
+        </p:nvSpPr>
+        <p:spPr/>
+        <p:txBody>
+          <a:bodyPr/>
+          <a:lstStyle/>
+          <a:p>
+            <a:r>
+              <a:rPr lang="en-US" dirty="0" smtClean="0"/>
+              <a:t>Performance Testing </a:t>
+            </a:r>
+            <a:endParaRPr lang="en-US" dirty="0"/>
+          </a:p>
+        </p:txBody>
+      </p:sp>
+      <p:sp>
+        <p:nvSpPr>
+          <p:cNvPr id="3" name="Content Placeholder 2"/>
+          <p:cNvSpPr>
+            <a:spLocks noGrp="1"/>
+          </p:cNvSpPr>
+          <p:nvPr>
+            <p:ph idx="1"/>
+          </p:nvPr>
+        </p:nvSpPr>
+        <p:spPr/>
+        <p:txBody>
+          <a:bodyPr>
+            <a:normAutofit fontScale="92500" lnSpcReduction="10000"/>
+          </a:bodyPr>
+          <a:lstStyle/>
+          <a:p>
+            <a:r>
+              <a:rPr lang="en-US" dirty="0" smtClean="0"/>
+              <a:t>Stress Testing </a:t>
+            </a:r>
+          </a:p>
+          <a:p>
+            <a:pPr lvl="1"/>
+            <a:r>
+              <a:rPr lang="en-US" dirty="0" smtClean="0"/>
+              <a:t>Checks if the system can respond to many simultaneous requests</a:t>
+            </a:r>
+            <a:br>
+              <a:rPr lang="en-US" dirty="0" smtClean="0"/>
+            </a:br>
+            <a:r>
+              <a:rPr lang="en-US" dirty="0" smtClean="0"/>
+              <a:t>(maximum # of users, peak demands) </a:t>
+            </a:r>
+          </a:p>
+          <a:p>
+            <a:r>
+              <a:rPr lang="en-US" dirty="0" smtClean="0"/>
+              <a:t>Volume testing</a:t>
+            </a:r>
+          </a:p>
+          <a:p>
+            <a:pPr lvl="1"/>
+            <a:r>
+              <a:rPr lang="en-US" dirty="0" smtClean="0"/>
+              <a:t>Test what happens if large amounts of data are handled</a:t>
+            </a:r>
+          </a:p>
+          <a:p>
+            <a:r>
+              <a:rPr lang="en-US" dirty="0" smtClean="0"/>
+              <a:t>Configuration testing </a:t>
+            </a:r>
+          </a:p>
+          <a:p>
+            <a:pPr lvl="1"/>
+            <a:r>
+              <a:rPr lang="en-US" dirty="0" smtClean="0"/>
+              <a:t>Test the various software and hardware configurations </a:t>
+            </a:r>
+          </a:p>
+          <a:p>
+            <a:r>
+              <a:rPr lang="en-US" dirty="0" smtClean="0"/>
+              <a:t>Compatibility test</a:t>
+            </a:r>
+          </a:p>
+          <a:p>
+            <a:pPr lvl="1"/>
+            <a:r>
+              <a:rPr lang="en-US" dirty="0" smtClean="0"/>
+              <a:t>Test backward compatibility with existing systems </a:t>
+            </a:r>
+          </a:p>
+          <a:p>
+            <a:r>
+              <a:rPr lang="en-US" dirty="0" smtClean="0"/>
+              <a:t>Security testing </a:t>
+            </a:r>
+          </a:p>
+          <a:p>
+            <a:pPr lvl="1"/>
+            <a:r>
+              <a:rPr lang="en-US" dirty="0" smtClean="0"/>
+              <a:t>Try to violate security requirements </a:t>
+            </a:r>
+          </a:p>
+          <a:p>
+            <a:endParaRPr lang="en-US" dirty="0"/>
+          </a:p>
+        </p:txBody>
+      </p:sp>
+      <p:sp>
+        <p:nvSpPr>
+          <p:cNvPr id="4" name="Slide Number Placeholder 3"/>
           <p:cNvSpPr>
             <a:spLocks noGrp="1"/>
           </p:cNvSpPr>
@@ -14006,7 +14455,529 @@
           <a:p>
             <a:fld id="{B543A0FD-1CA6-4228-86A2-78061B4844C8}" type="slidenum">
               <a:rPr lang="en-US" smtClean="0"/>
-              <a:t>40</a:t>
+              <a:t>41</a:t>
+            </a:fld>
+            <a:endParaRPr lang="en-US"/>
+          </a:p>
+        </p:txBody>
+      </p:sp>
+    </p:spTree>
+    <p:extLst>
+      <p:ext uri="{BB962C8B-B14F-4D97-AF65-F5344CB8AC3E}">
+        <p14:creationId xmlns:p14="http://schemas.microsoft.com/office/powerpoint/2010/main" val="4075370307"/>
+      </p:ext>
+    </p:extLst>
+  </p:cSld>
+  <p:clrMapOvr>
+    <a:masterClrMapping/>
+  </p:clrMapOvr>
+  <p:timing>
+    <p:tnLst>
+      <p:par>
+        <p:cTn id="1" dur="indefinite" restart="never" nodeType="tmRoot"/>
+      </p:par>
+    </p:tnLst>
+  </p:timing>
+</p:sld>
+</file>
+
+<file path=ppt/slides/slide42.xml><?xml version="1.0" encoding="utf-8"?>
+<p:sld xmlns:a="http://schemas.openxmlformats.org/drawingml/2006/main" xmlns:r="http://schemas.openxmlformats.org/officeDocument/2006/relationships" xmlns:p="http://schemas.openxmlformats.org/presentationml/2006/main">
+  <p:cSld>
+    <p:spTree>
+      <p:nvGrpSpPr>
+        <p:cNvPr id="1" name=""/>
+        <p:cNvGrpSpPr/>
+        <p:nvPr/>
+      </p:nvGrpSpPr>
+      <p:grpSpPr>
+        <a:xfrm>
+          <a:off x="0" y="0"/>
+          <a:ext cx="0" cy="0"/>
+          <a:chOff x="0" y="0"/>
+          <a:chExt cx="0" cy="0"/>
+        </a:xfrm>
+      </p:grpSpPr>
+      <p:sp>
+        <p:nvSpPr>
+          <p:cNvPr id="2" name="Title 1"/>
+          <p:cNvSpPr>
+            <a:spLocks noGrp="1"/>
+          </p:cNvSpPr>
+          <p:nvPr>
+            <p:ph type="title"/>
+          </p:nvPr>
+        </p:nvSpPr>
+        <p:spPr/>
+        <p:txBody>
+          <a:bodyPr/>
+          <a:lstStyle/>
+          <a:p>
+            <a:r>
+              <a:rPr lang="en-US" dirty="0" smtClean="0"/>
+              <a:t>Performance Testing </a:t>
+            </a:r>
+            <a:endParaRPr lang="en-US" dirty="0"/>
+          </a:p>
+        </p:txBody>
+      </p:sp>
+      <p:sp>
+        <p:nvSpPr>
+          <p:cNvPr id="3" name="Content Placeholder 2"/>
+          <p:cNvSpPr>
+            <a:spLocks noGrp="1"/>
+          </p:cNvSpPr>
+          <p:nvPr>
+            <p:ph idx="1"/>
+          </p:nvPr>
+        </p:nvSpPr>
+        <p:spPr/>
+        <p:txBody>
+          <a:bodyPr>
+            <a:normAutofit lnSpcReduction="10000"/>
+          </a:bodyPr>
+          <a:lstStyle/>
+          <a:p>
+            <a:r>
+              <a:rPr lang="en-US" dirty="0" smtClean="0"/>
+              <a:t>Timing testing</a:t>
+            </a:r>
+          </a:p>
+          <a:p>
+            <a:pPr lvl="1"/>
+            <a:r>
+              <a:rPr lang="en-US" dirty="0" smtClean="0"/>
+              <a:t>Evaluate response times and time to perform a function </a:t>
+            </a:r>
+          </a:p>
+          <a:p>
+            <a:r>
+              <a:rPr lang="en-US" dirty="0" smtClean="0"/>
+              <a:t>Environmental test </a:t>
+            </a:r>
+          </a:p>
+          <a:p>
+            <a:pPr lvl="1"/>
+            <a:r>
+              <a:rPr lang="en-US" dirty="0" smtClean="0"/>
+              <a:t>Test tolerances for heat, humidity, motion, portability </a:t>
+            </a:r>
+          </a:p>
+          <a:p>
+            <a:r>
+              <a:rPr lang="en-US" dirty="0" smtClean="0"/>
+              <a:t>Quality testing</a:t>
+            </a:r>
+          </a:p>
+          <a:p>
+            <a:pPr lvl="1"/>
+            <a:r>
+              <a:rPr lang="en-US" dirty="0" smtClean="0"/>
+              <a:t>Test reliability, maintainability &amp; availability of the system</a:t>
+            </a:r>
+          </a:p>
+          <a:p>
+            <a:r>
+              <a:rPr lang="en-US" dirty="0" smtClean="0"/>
+              <a:t>Recovery testing </a:t>
+            </a:r>
+          </a:p>
+          <a:p>
+            <a:pPr lvl="1"/>
+            <a:r>
+              <a:rPr lang="en-US" dirty="0" smtClean="0"/>
+              <a:t>Tests system’s response to presence of errors or loss of data. </a:t>
+            </a:r>
+          </a:p>
+          <a:p>
+            <a:r>
+              <a:rPr lang="en-US" dirty="0" smtClean="0"/>
+              <a:t>Human factors testing</a:t>
+            </a:r>
+          </a:p>
+          <a:p>
+            <a:pPr lvl="1"/>
+            <a:r>
+              <a:rPr lang="en-US" dirty="0" smtClean="0"/>
+              <a:t>Tests user interface with user </a:t>
+            </a:r>
+          </a:p>
+          <a:p>
+            <a:endParaRPr lang="en-US" dirty="0"/>
+          </a:p>
+        </p:txBody>
+      </p:sp>
+      <p:sp>
+        <p:nvSpPr>
+          <p:cNvPr id="4" name="Slide Number Placeholder 3"/>
+          <p:cNvSpPr>
+            <a:spLocks noGrp="1"/>
+          </p:cNvSpPr>
+          <p:nvPr>
+            <p:ph type="sldNum" sz="quarter" idx="12"/>
+          </p:nvPr>
+        </p:nvSpPr>
+        <p:spPr/>
+        <p:txBody>
+          <a:bodyPr/>
+          <a:lstStyle/>
+          <a:p>
+            <a:fld id="{B543A0FD-1CA6-4228-86A2-78061B4844C8}" type="slidenum">
+              <a:rPr lang="en-US" smtClean="0"/>
+              <a:t>42</a:t>
+            </a:fld>
+            <a:endParaRPr lang="en-US"/>
+          </a:p>
+        </p:txBody>
+      </p:sp>
+    </p:spTree>
+    <p:extLst>
+      <p:ext uri="{BB962C8B-B14F-4D97-AF65-F5344CB8AC3E}">
+        <p14:creationId xmlns:p14="http://schemas.microsoft.com/office/powerpoint/2010/main" val="3190069384"/>
+      </p:ext>
+    </p:extLst>
+  </p:cSld>
+  <p:clrMapOvr>
+    <a:masterClrMapping/>
+  </p:clrMapOvr>
+  <p:timing>
+    <p:tnLst>
+      <p:par>
+        <p:cTn id="1" dur="indefinite" restart="never" nodeType="tmRoot"/>
+      </p:par>
+    </p:tnLst>
+  </p:timing>
+</p:sld>
+</file>
+
+<file path=ppt/slides/slide43.xml><?xml version="1.0" encoding="utf-8"?>
+<p:sld xmlns:a="http://schemas.openxmlformats.org/drawingml/2006/main" xmlns:r="http://schemas.openxmlformats.org/officeDocument/2006/relationships" xmlns:p="http://schemas.openxmlformats.org/presentationml/2006/main">
+  <p:cSld>
+    <p:spTree>
+      <p:nvGrpSpPr>
+        <p:cNvPr id="1" name=""/>
+        <p:cNvGrpSpPr/>
+        <p:nvPr/>
+      </p:nvGrpSpPr>
+      <p:grpSpPr>
+        <a:xfrm>
+          <a:off x="0" y="0"/>
+          <a:ext cx="0" cy="0"/>
+          <a:chOff x="0" y="0"/>
+          <a:chExt cx="0" cy="0"/>
+        </a:xfrm>
+      </p:grpSpPr>
+      <p:sp>
+        <p:nvSpPr>
+          <p:cNvPr id="2" name="Title 1"/>
+          <p:cNvSpPr>
+            <a:spLocks noGrp="1"/>
+          </p:cNvSpPr>
+          <p:nvPr>
+            <p:ph type="title"/>
+          </p:nvPr>
+        </p:nvSpPr>
+        <p:spPr/>
+        <p:txBody>
+          <a:bodyPr/>
+          <a:lstStyle/>
+          <a:p>
+            <a:r>
+              <a:rPr lang="en-US" sz="4000" dirty="0"/>
+              <a:t>Test Cases for Performance Testing </a:t>
+            </a:r>
+          </a:p>
+        </p:txBody>
+      </p:sp>
+      <p:sp>
+        <p:nvSpPr>
+          <p:cNvPr id="11" name="Content Placeholder 10"/>
+          <p:cNvSpPr>
+            <a:spLocks noGrp="1"/>
+          </p:cNvSpPr>
+          <p:nvPr>
+            <p:ph idx="1"/>
+          </p:nvPr>
+        </p:nvSpPr>
+        <p:spPr/>
+        <p:txBody>
+          <a:bodyPr>
+            <a:normAutofit fontScale="92500" lnSpcReduction="20000"/>
+          </a:bodyPr>
+          <a:lstStyle/>
+          <a:p>
+            <a:r>
+              <a:rPr lang="en-US" dirty="0"/>
+              <a:t>Goal: Try to violate non-functional </a:t>
+            </a:r>
+            <a:r>
+              <a:rPr lang="en-US" dirty="0" smtClean="0"/>
+              <a:t>requirements</a:t>
+            </a:r>
+          </a:p>
+          <a:p>
+            <a:r>
+              <a:rPr lang="en-US" dirty="0" smtClean="0"/>
+              <a:t>Push </a:t>
+            </a:r>
+            <a:r>
+              <a:rPr lang="en-US" dirty="0"/>
+              <a:t>the (integrated) system to its limits. </a:t>
+            </a:r>
+          </a:p>
+          <a:p>
+            <a:r>
+              <a:rPr lang="en-US" dirty="0" smtClean="0"/>
+              <a:t>Goal</a:t>
+            </a:r>
+            <a:r>
+              <a:rPr lang="en-US" dirty="0"/>
+              <a:t>: Try to break the subsystem </a:t>
+            </a:r>
+          </a:p>
+          <a:p>
+            <a:r>
+              <a:rPr lang="en-US" dirty="0" smtClean="0"/>
+              <a:t>Test </a:t>
+            </a:r>
+            <a:r>
+              <a:rPr lang="en-US" dirty="0"/>
+              <a:t>how the system behaves when overloaded</a:t>
+            </a:r>
+            <a:r>
+              <a:rPr lang="en-US" dirty="0" smtClean="0"/>
+              <a:t>.</a:t>
+            </a:r>
+          </a:p>
+          <a:p>
+            <a:pPr lvl="1"/>
+            <a:r>
+              <a:rPr lang="en-US" dirty="0" smtClean="0"/>
+              <a:t>Can </a:t>
+            </a:r>
+            <a:r>
+              <a:rPr lang="en-US" dirty="0"/>
+              <a:t>bottlenecks be identified? (First candidates for redesign in </a:t>
+            </a:r>
+            <a:r>
+              <a:rPr lang="en-US" dirty="0" smtClean="0"/>
+              <a:t>the </a:t>
+            </a:r>
+            <a:r>
+              <a:rPr lang="en-US" dirty="0"/>
+              <a:t>next </a:t>
+            </a:r>
+            <a:r>
+              <a:rPr lang="en-US" dirty="0" smtClean="0"/>
+              <a:t>iteration)</a:t>
+            </a:r>
+          </a:p>
+          <a:p>
+            <a:r>
+              <a:rPr lang="en-US" dirty="0" smtClean="0"/>
+              <a:t>Try </a:t>
+            </a:r>
+            <a:r>
+              <a:rPr lang="en-US" dirty="0"/>
+              <a:t>unusual orders of execution </a:t>
+            </a:r>
+          </a:p>
+          <a:p>
+            <a:pPr lvl="1"/>
+            <a:r>
+              <a:rPr lang="en-US" dirty="0" smtClean="0"/>
+              <a:t>Call a receive</a:t>
+            </a:r>
+            <a:r>
+              <a:rPr lang="en-US" dirty="0"/>
+              <a:t>() </a:t>
+            </a:r>
+            <a:r>
+              <a:rPr lang="en-US" dirty="0" smtClean="0"/>
+              <a:t>before send</a:t>
+            </a:r>
+            <a:r>
+              <a:rPr lang="en-US" dirty="0"/>
+              <a:t>(</a:t>
+            </a:r>
+            <a:r>
+              <a:rPr lang="en-US" dirty="0" smtClean="0"/>
+              <a:t>)</a:t>
+            </a:r>
+            <a:endParaRPr lang="en-US" dirty="0"/>
+          </a:p>
+          <a:p>
+            <a:r>
+              <a:rPr lang="en-US" dirty="0" smtClean="0"/>
+              <a:t>Check </a:t>
+            </a:r>
+            <a:r>
+              <a:rPr lang="en-US" dirty="0"/>
+              <a:t>the system’s response to large volumes of data </a:t>
+            </a:r>
+          </a:p>
+          <a:p>
+            <a:pPr lvl="1"/>
+            <a:r>
+              <a:rPr lang="en-US" dirty="0"/>
+              <a:t>If the system is supposed to handle 1000 items, try it with 1001 items. </a:t>
+            </a:r>
+          </a:p>
+          <a:p>
+            <a:r>
+              <a:rPr lang="en-US" dirty="0" smtClean="0"/>
+              <a:t>What </a:t>
+            </a:r>
+            <a:r>
+              <a:rPr lang="en-US" dirty="0"/>
+              <a:t>is the amount of time spent in different use cases? </a:t>
+            </a:r>
+            <a:endParaRPr lang="en-US" dirty="0" smtClean="0"/>
+          </a:p>
+          <a:p>
+            <a:pPr lvl="1"/>
+            <a:r>
+              <a:rPr lang="en-US" dirty="0" smtClean="0"/>
+              <a:t>Are </a:t>
+            </a:r>
+            <a:r>
+              <a:rPr lang="en-US" dirty="0"/>
+              <a:t>typical cases executed in a timely fashion? </a:t>
+            </a:r>
+          </a:p>
+          <a:p>
+            <a:endParaRPr lang="en-US" dirty="0"/>
+          </a:p>
+        </p:txBody>
+      </p:sp>
+      <p:sp>
+        <p:nvSpPr>
+          <p:cNvPr id="3" name="Slide Number Placeholder 2"/>
+          <p:cNvSpPr>
+            <a:spLocks noGrp="1"/>
+          </p:cNvSpPr>
+          <p:nvPr>
+            <p:ph type="sldNum" sz="quarter" idx="12"/>
+          </p:nvPr>
+        </p:nvSpPr>
+        <p:spPr/>
+        <p:txBody>
+          <a:bodyPr/>
+          <a:lstStyle/>
+          <a:p>
+            <a:fld id="{B543A0FD-1CA6-4228-86A2-78061B4844C8}" type="slidenum">
+              <a:rPr lang="en-US" smtClean="0"/>
+              <a:t>43</a:t>
+            </a:fld>
+            <a:endParaRPr lang="en-US"/>
+          </a:p>
+        </p:txBody>
+      </p:sp>
+    </p:spTree>
+    <p:extLst>
+      <p:ext uri="{BB962C8B-B14F-4D97-AF65-F5344CB8AC3E}">
+        <p14:creationId xmlns:p14="http://schemas.microsoft.com/office/powerpoint/2010/main" val="1309730181"/>
+      </p:ext>
+    </p:extLst>
+  </p:cSld>
+  <p:clrMapOvr>
+    <a:masterClrMapping/>
+  </p:clrMapOvr>
+  <mc:AlternateContent xmlns:mc="http://schemas.openxmlformats.org/markup-compatibility/2006" xmlns:p14="http://schemas.microsoft.com/office/powerpoint/2010/main">
+    <mc:Choice Requires="p14">
+      <p:transition spd="slow" p14:dur="2000"/>
+    </mc:Choice>
+    <mc:Fallback xmlns="">
+      <p:transition xmlns:p14="http://schemas.microsoft.com/office/powerpoint/2010/main" spd="slow"/>
+    </mc:Fallback>
+  </mc:AlternateContent>
+  <p:timing>
+    <p:tnLst>
+      <p:par>
+        <p:cTn id="1" dur="indefinite" restart="never" nodeType="tmRoot"/>
+      </p:par>
+    </p:tnLst>
+  </p:timing>
+</p:sld>
+</file>
+
+<file path=ppt/slides/slide44.xml><?xml version="1.0" encoding="utf-8"?>
+<p:sld xmlns:a="http://schemas.openxmlformats.org/drawingml/2006/main" xmlns:r="http://schemas.openxmlformats.org/officeDocument/2006/relationships" xmlns:p="http://schemas.openxmlformats.org/presentationml/2006/main">
+  <p:cSld>
+    <p:spTree>
+      <p:nvGrpSpPr>
+        <p:cNvPr id="1" name=""/>
+        <p:cNvGrpSpPr/>
+        <p:nvPr/>
+      </p:nvGrpSpPr>
+      <p:grpSpPr>
+        <a:xfrm>
+          <a:off x="0" y="0"/>
+          <a:ext cx="0" cy="0"/>
+          <a:chOff x="0" y="0"/>
+          <a:chExt cx="0" cy="0"/>
+        </a:xfrm>
+      </p:grpSpPr>
+      <p:sp>
+        <p:nvSpPr>
+          <p:cNvPr id="4" name="Title 3"/>
+          <p:cNvSpPr>
+            <a:spLocks noGrp="1"/>
+          </p:cNvSpPr>
+          <p:nvPr>
+            <p:ph type="title"/>
+          </p:nvPr>
+        </p:nvSpPr>
+        <p:spPr/>
+        <p:txBody>
+          <a:bodyPr/>
+          <a:lstStyle/>
+          <a:p>
+            <a:r>
+              <a:rPr lang="en-US" dirty="0" smtClean="0"/>
+              <a:t>Acceptance Testing</a:t>
+            </a:r>
+            <a:endParaRPr lang="en-US" dirty="0"/>
+          </a:p>
+        </p:txBody>
+      </p:sp>
+      <p:sp>
+        <p:nvSpPr>
+          <p:cNvPr id="3" name="Text Placeholder 2"/>
+          <p:cNvSpPr>
+            <a:spLocks noGrp="1"/>
+          </p:cNvSpPr>
+          <p:nvPr>
+            <p:ph type="body" idx="1"/>
+          </p:nvPr>
+        </p:nvSpPr>
+        <p:spPr/>
+        <p:txBody>
+          <a:bodyPr/>
+          <a:lstStyle/>
+          <a:p>
+            <a:endParaRPr lang="en-US"/>
+          </a:p>
+        </p:txBody>
+      </p:sp>
+      <p:sp>
+        <p:nvSpPr>
+          <p:cNvPr id="2" name="Slide Number Placeholder 1"/>
+          <p:cNvSpPr>
+            <a:spLocks noGrp="1"/>
+          </p:cNvSpPr>
+          <p:nvPr>
+            <p:ph type="sldNum" sz="quarter" idx="12"/>
+          </p:nvPr>
+        </p:nvSpPr>
+        <p:spPr/>
+        <p:txBody>
+          <a:bodyPr/>
+          <a:lstStyle/>
+          <a:p>
+            <a:fld id="{B543A0FD-1CA6-4228-86A2-78061B4844C8}" type="slidenum">
+              <a:rPr lang="en-US" smtClean="0"/>
+              <a:t>44</a:t>
             </a:fld>
             <a:endParaRPr lang="en-US"/>
           </a:p>
@@ -14032,7 +15003,7 @@
 </p:sld>
 </file>
 
-<file path=ppt/slides/slide41.xml><?xml version="1.0" encoding="utf-8"?>
+<file path=ppt/slides/slide45.xml><?xml version="1.0" encoding="utf-8"?>
 <p:sld xmlns:a="http://schemas.openxmlformats.org/drawingml/2006/main" xmlns:r="http://schemas.openxmlformats.org/officeDocument/2006/relationships" xmlns:p="http://schemas.openxmlformats.org/presentationml/2006/main">
   <p:cSld>
     <p:spTree>
@@ -14155,7 +15126,7 @@
           <a:p>
             <a:fld id="{B543A0FD-1CA6-4228-86A2-78061B4844C8}" type="slidenum">
               <a:rPr lang="en-US" smtClean="0"/>
-              <a:t>41</a:t>
+              <a:t>45</a:t>
             </a:fld>
             <a:endParaRPr lang="en-US"/>
           </a:p>
@@ -14189,7 +15160,7 @@
 </p:sld>
 </file>
 
-<file path=ppt/slides/slide42.xml><?xml version="1.0" encoding="utf-8"?>
+<file path=ppt/slides/slide46.xml><?xml version="1.0" encoding="utf-8"?>
 <p:sld xmlns:a="http://schemas.openxmlformats.org/drawingml/2006/main" xmlns:r="http://schemas.openxmlformats.org/officeDocument/2006/relationships" xmlns:p="http://schemas.openxmlformats.org/presentationml/2006/main">
   <p:cSld>
     <p:spTree>
@@ -14298,7 +15269,7 @@
           <a:p>
             <a:fld id="{B543A0FD-1CA6-4228-86A2-78061B4844C8}" type="slidenum">
               <a:rPr lang="en-US" smtClean="0"/>
-              <a:t>42</a:t>
+              <a:t>46</a:t>
             </a:fld>
             <a:endParaRPr lang="en-US"/>
           </a:p>
@@ -14332,7 +15303,7 @@
 </p:sld>
 </file>
 
-<file path=ppt/slides/slide43.xml><?xml version="1.0" encoding="utf-8"?>
+<file path=ppt/slides/slide47.xml><?xml version="1.0" encoding="utf-8"?>
 <p:sld xmlns:a="http://schemas.openxmlformats.org/drawingml/2006/main" xmlns:r="http://schemas.openxmlformats.org/officeDocument/2006/relationships" xmlns:p="http://schemas.openxmlformats.org/presentationml/2006/main">
   <p:cSld>
     <p:spTree>
@@ -14393,14 +15364,14 @@
           </a:ln>
           <a:extLst>
             <a:ext uri="{909E8E84-426E-40dd-AFC4-6F175D3DCCD1}">
-              <a14:hiddenFill xmlns="" xmlns:a14="http://schemas.microsoft.com/office/drawing/2010/main">
+              <a14:hiddenFill xmlns:a14="http://schemas.microsoft.com/office/drawing/2010/main" xmlns="">
                 <a:solidFill>
                   <a:srgbClr val="FFFFFF"/>
                 </a:solidFill>
               </a14:hiddenFill>
             </a:ext>
             <a:ext uri="{91240B29-F687-4f45-9708-019B960494DF}">
-              <a14:hiddenLine xmlns="" xmlns:a14="http://schemas.microsoft.com/office/drawing/2010/main" w="9525">
+              <a14:hiddenLine xmlns:a14="http://schemas.microsoft.com/office/drawing/2010/main" xmlns="" w="9525">
                 <a:solidFill>
                   <a:srgbClr val="000000"/>
                 </a:solidFill>
@@ -14410,7 +15381,7 @@
               </a14:hiddenLine>
             </a:ext>
             <a:ext uri="{FAA26D3D-D897-4be2-8F04-BA451C77F1D7}">
-              <ma14:placeholderFlag xmlns="" xmlns:ma14="http://schemas.microsoft.com/office/mac/drawingml/2011/main" val="1"/>
+              <ma14:placeholderFlag xmlns:ma14="http://schemas.microsoft.com/office/mac/drawingml/2011/main" xmlns="" val="1"/>
             </a:ext>
           </a:extLst>
         </p:spPr>
@@ -14781,14 +15752,14 @@
           </a:ln>
           <a:extLst>
             <a:ext uri="{909E8E84-426E-40dd-AFC4-6F175D3DCCD1}">
-              <a14:hiddenFill xmlns="" xmlns:a14="http://schemas.microsoft.com/office/drawing/2010/main">
+              <a14:hiddenFill xmlns:a14="http://schemas.microsoft.com/office/drawing/2010/main" xmlns="">
                 <a:solidFill>
                   <a:srgbClr val="FFFFFF"/>
                 </a:solidFill>
               </a14:hiddenFill>
             </a:ext>
             <a:ext uri="{91240B29-F687-4f45-9708-019B960494DF}">
-              <a14:hiddenLine xmlns="" xmlns:a14="http://schemas.microsoft.com/office/drawing/2010/main" w="9525">
+              <a14:hiddenLine xmlns:a14="http://schemas.microsoft.com/office/drawing/2010/main" xmlns="" w="9525">
                 <a:solidFill>
                   <a:srgbClr val="000000"/>
                 </a:solidFill>
@@ -14798,7 +15769,7 @@
               </a14:hiddenLine>
             </a:ext>
             <a:ext uri="{FAA26D3D-D897-4be2-8F04-BA451C77F1D7}">
-              <ma14:placeholderFlag xmlns="" xmlns:ma14="http://schemas.microsoft.com/office/mac/drawingml/2011/main" val="1"/>
+              <ma14:placeholderFlag xmlns:ma14="http://schemas.microsoft.com/office/mac/drawingml/2011/main" xmlns="" val="1"/>
             </a:ext>
           </a:extLst>
         </p:spPr>
@@ -15140,14 +16111,14 @@
           <a:effectLst/>
           <a:extLst>
             <a:ext uri="{909E8E84-426E-40dd-AFC4-6F175D3DCCD1}">
-              <a14:hiddenFill xmlns="" xmlns:a14="http://schemas.microsoft.com/office/drawing/2010/main">
+              <a14:hiddenFill xmlns:a14="http://schemas.microsoft.com/office/drawing/2010/main" xmlns="">
                 <a:solidFill>
                   <a:schemeClr val="accent1"/>
                 </a:solidFill>
               </a14:hiddenFill>
             </a:ext>
             <a:ext uri="{91240B29-F687-4f45-9708-019B960494DF}">
-              <a14:hiddenLine xmlns="" xmlns:a14="http://schemas.microsoft.com/office/drawing/2010/main" w="12700">
+              <a14:hiddenLine xmlns:a14="http://schemas.microsoft.com/office/drawing/2010/main" xmlns="" w="12700">
                 <a:solidFill>
                   <a:schemeClr val="tx1"/>
                 </a:solidFill>
@@ -15157,7 +16128,7 @@
               </a14:hiddenLine>
             </a:ext>
             <a:ext uri="{AF507438-7753-43e0-B8FC-AC1667EBCBE1}">
-              <a14:hiddenEffects xmlns="" xmlns:a14="http://schemas.microsoft.com/office/drawing/2010/main">
+              <a14:hiddenEffects xmlns:a14="http://schemas.microsoft.com/office/drawing/2010/main" xmlns="">
                 <a:effectLst>
                   <a:outerShdw dist="35921" dir="2700000" algn="ctr" rotWithShape="0">
                     <a:schemeClr val="bg2"/>
@@ -15209,7 +16180,7 @@
           <a:p>
             <a:fld id="{B543A0FD-1CA6-4228-86A2-78061B4844C8}" type="slidenum">
               <a:rPr lang="en-US" smtClean="0"/>
-              <a:t>43</a:t>
+              <a:t>47</a:t>
             </a:fld>
             <a:endParaRPr lang="en-US"/>
           </a:p>
@@ -15243,7 +16214,7 @@
 </p:sld>
 </file>
 
-<file path=ppt/slides/slide44.xml><?xml version="1.0" encoding="utf-8"?>
+<file path=ppt/slides/slide48.xml><?xml version="1.0" encoding="utf-8"?>
 <p:sld xmlns:a="http://schemas.openxmlformats.org/drawingml/2006/main" xmlns:r="http://schemas.openxmlformats.org/officeDocument/2006/relationships" xmlns:p="http://schemas.openxmlformats.org/presentationml/2006/main">
   <p:cSld>
     <p:spTree>
@@ -15304,14 +16275,14 @@
           </a:ln>
           <a:extLst>
             <a:ext uri="{909E8E84-426E-40dd-AFC4-6F175D3DCCD1}">
-              <a14:hiddenFill xmlns="" xmlns:a14="http://schemas.microsoft.com/office/drawing/2010/main">
+              <a14:hiddenFill xmlns:a14="http://schemas.microsoft.com/office/drawing/2010/main" xmlns="">
                 <a:solidFill>
                   <a:srgbClr val="FFFFFF"/>
                 </a:solidFill>
               </a14:hiddenFill>
             </a:ext>
             <a:ext uri="{91240B29-F687-4f45-9708-019B960494DF}">
-              <a14:hiddenLine xmlns="" xmlns:a14="http://schemas.microsoft.com/office/drawing/2010/main" w="9525">
+              <a14:hiddenLine xmlns:a14="http://schemas.microsoft.com/office/drawing/2010/main" xmlns="" w="9525">
                 <a:solidFill>
                   <a:srgbClr val="000000"/>
                 </a:solidFill>
@@ -15321,7 +16292,7 @@
               </a14:hiddenLine>
             </a:ext>
             <a:ext uri="{FAA26D3D-D897-4be2-8F04-BA451C77F1D7}">
-              <ma14:placeholderFlag xmlns="" xmlns:ma14="http://schemas.microsoft.com/office/mac/drawingml/2011/main" val="1"/>
+              <ma14:placeholderFlag xmlns:ma14="http://schemas.microsoft.com/office/mac/drawingml/2011/main" xmlns="" val="1"/>
             </a:ext>
           </a:extLst>
         </p:spPr>
@@ -15711,7 +16682,7 @@
           <a:p>
             <a:fld id="{B543A0FD-1CA6-4228-86A2-78061B4844C8}" type="slidenum">
               <a:rPr lang="en-US" smtClean="0"/>
-              <a:t>44</a:t>
+              <a:t>48</a:t>
             </a:fld>
             <a:endParaRPr lang="en-US"/>
           </a:p>
@@ -15745,7 +16716,7 @@
 </p:sld>
 </file>
 
-<file path=ppt/slides/slide45.xml><?xml version="1.0" encoding="utf-8"?>
+<file path=ppt/slides/slide49.xml><?xml version="1.0" encoding="utf-8"?>
 <p:sld xmlns:a="http://schemas.openxmlformats.org/drawingml/2006/main" xmlns:r="http://schemas.openxmlformats.org/officeDocument/2006/relationships" xmlns:p="http://schemas.openxmlformats.org/presentationml/2006/main">
   <p:cSld>
     <p:spTree>
@@ -15898,7 +16869,7 @@
           <a:p>
             <a:fld id="{B543A0FD-1CA6-4228-86A2-78061B4844C8}" type="slidenum">
               <a:rPr lang="en-US" smtClean="0"/>
-              <a:t>45</a:t>
+              <a:t>49</a:t>
             </a:fld>
             <a:endParaRPr lang="en-US"/>
           </a:p>
@@ -15924,7 +16895,7 @@
 </p:sld>
 </file>
 
-<file path=ppt/slides/slide46.xml><?xml version="1.0" encoding="utf-8"?>
+<file path=ppt/slides/slide5.xml><?xml version="1.0" encoding="utf-8"?>
 <p:sld xmlns:a="http://schemas.openxmlformats.org/drawingml/2006/main" xmlns:r="http://schemas.openxmlformats.org/officeDocument/2006/relationships" xmlns:p="http://schemas.openxmlformats.org/presentationml/2006/main">
   <p:cSld>
     <p:spTree>
@@ -15943,7 +16914,7 @@
       </p:grpSpPr>
       <p:sp>
         <p:nvSpPr>
-          <p:cNvPr id="4" name="Title 3"/>
+          <p:cNvPr id="2" name="Title 1"/>
           <p:cNvSpPr>
             <a:spLocks noGrp="1"/>
           </p:cNvSpPr>
@@ -15958,7 +16929,7 @@
           <a:p>
             <a:r>
               <a:rPr lang="en-US" dirty="0" smtClean="0"/>
-              <a:t>System Testing</a:t>
+              <a:t>Functional Testing </a:t>
             </a:r>
             <a:endParaRPr lang="en-US" dirty="0"/>
           </a:p>
@@ -15966,26 +16937,65 @@
       </p:sp>
       <p:sp>
         <p:nvSpPr>
-          <p:cNvPr id="3" name="Text Placeholder 2"/>
-          <p:cNvSpPr>
-            <a:spLocks noGrp="1"/>
-          </p:cNvSpPr>
-          <p:nvPr>
-            <p:ph type="body" idx="1"/>
-          </p:nvPr>
-        </p:nvSpPr>
-        <p:spPr/>
-        <p:txBody>
-          <a:bodyPr/>
-          <a:lstStyle/>
-          <a:p>
-            <a:endParaRPr lang="en-US"/>
-          </a:p>
-        </p:txBody>
-      </p:sp>
-      <p:sp>
-        <p:nvSpPr>
-          <p:cNvPr id="2" name="Slide Number Placeholder 1"/>
+          <p:cNvPr id="3" name="Content Placeholder 2"/>
+          <p:cNvSpPr>
+            <a:spLocks noGrp="1"/>
+          </p:cNvSpPr>
+          <p:nvPr>
+            <p:ph idx="1"/>
+          </p:nvPr>
+        </p:nvSpPr>
+        <p:spPr/>
+        <p:txBody>
+          <a:bodyPr>
+            <a:normAutofit lnSpcReduction="10000"/>
+          </a:bodyPr>
+          <a:lstStyle/>
+          <a:p>
+            <a:r>
+              <a:rPr lang="en-US" dirty="0" smtClean="0"/>
+              <a:t>Functional testing finds differences between functional requirements and the implemented system </a:t>
+            </a:r>
+          </a:p>
+          <a:p>
+            <a:r>
+              <a:rPr lang="en-US" dirty="0" smtClean="0"/>
+              <a:t>Essentially the same as black box testing </a:t>
+            </a:r>
+          </a:p>
+          <a:p>
+            <a:r>
+              <a:rPr lang="en-US" dirty="0" smtClean="0"/>
+              <a:t>Goal: Test functionality of system </a:t>
+            </a:r>
+          </a:p>
+          <a:p>
+            <a:r>
+              <a:rPr lang="en-US" dirty="0" smtClean="0"/>
+              <a:t>Test cases are designed from the requirements analysis document (better: user manual) and centered around requirements and key functions (use cases) </a:t>
+            </a:r>
+          </a:p>
+          <a:p>
+            <a:r>
+              <a:rPr lang="en-US" dirty="0" smtClean="0"/>
+              <a:t>Select tests that are relevant to the user and have a high probability of uncovering a failure </a:t>
+            </a:r>
+          </a:p>
+          <a:p>
+            <a:pPr lvl="1"/>
+            <a:r>
+              <a:rPr lang="en-US" dirty="0" smtClean="0"/>
+              <a:t>Use techniques like equivalence tests </a:t>
+            </a:r>
+          </a:p>
+          <a:p>
+            <a:endParaRPr lang="en-US" dirty="0"/>
+          </a:p>
+        </p:txBody>
+      </p:sp>
+      <p:sp>
+        <p:nvSpPr>
+          <p:cNvPr id="4" name="Slide Number Placeholder 3"/>
           <p:cNvSpPr>
             <a:spLocks noGrp="1"/>
           </p:cNvSpPr>
@@ -16000,7 +17010,109 @@
           <a:p>
             <a:fld id="{B543A0FD-1CA6-4228-86A2-78061B4844C8}" type="slidenum">
               <a:rPr lang="en-US" smtClean="0"/>
-              <a:t>46</a:t>
+              <a:t>5</a:t>
+            </a:fld>
+            <a:endParaRPr lang="en-US"/>
+          </a:p>
+        </p:txBody>
+      </p:sp>
+    </p:spTree>
+    <p:extLst>
+      <p:ext uri="{BB962C8B-B14F-4D97-AF65-F5344CB8AC3E}">
+        <p14:creationId xmlns:p14="http://schemas.microsoft.com/office/powerpoint/2010/main" val="172728179"/>
+      </p:ext>
+    </p:extLst>
+  </p:cSld>
+  <p:clrMapOvr>
+    <a:masterClrMapping/>
+  </p:clrMapOvr>
+  <p:timing>
+    <p:tnLst>
+      <p:par>
+        <p:cTn id="1" dur="indefinite" restart="never" nodeType="tmRoot"/>
+      </p:par>
+    </p:tnLst>
+  </p:timing>
+</p:sld>
+</file>
+
+<file path=ppt/slides/slide50.xml><?xml version="1.0" encoding="utf-8"?>
+<p:sld xmlns:a="http://schemas.openxmlformats.org/drawingml/2006/main" xmlns:r="http://schemas.openxmlformats.org/officeDocument/2006/relationships" xmlns:p="http://schemas.openxmlformats.org/presentationml/2006/main">
+  <p:cSld>
+    <p:spTree>
+      <p:nvGrpSpPr>
+        <p:cNvPr id="1" name=""/>
+        <p:cNvGrpSpPr/>
+        <p:nvPr/>
+      </p:nvGrpSpPr>
+      <p:grpSpPr>
+        <a:xfrm>
+          <a:off x="0" y="0"/>
+          <a:ext cx="0" cy="0"/>
+          <a:chOff x="0" y="0"/>
+          <a:chExt cx="0" cy="0"/>
+        </a:xfrm>
+      </p:grpSpPr>
+      <p:sp>
+        <p:nvSpPr>
+          <p:cNvPr id="4" name="Title 3"/>
+          <p:cNvSpPr>
+            <a:spLocks noGrp="1"/>
+          </p:cNvSpPr>
+          <p:nvPr>
+            <p:ph type="title"/>
+          </p:nvPr>
+        </p:nvSpPr>
+        <p:spPr/>
+        <p:txBody>
+          <a:bodyPr/>
+          <a:lstStyle/>
+          <a:p>
+            <a:r>
+              <a:rPr lang="en-US" dirty="0" smtClean="0"/>
+              <a:t>System Testing</a:t>
+            </a:r>
+            <a:endParaRPr lang="en-US" dirty="0"/>
+          </a:p>
+        </p:txBody>
+      </p:sp>
+      <p:sp>
+        <p:nvSpPr>
+          <p:cNvPr id="3" name="Text Placeholder 2"/>
+          <p:cNvSpPr>
+            <a:spLocks noGrp="1"/>
+          </p:cNvSpPr>
+          <p:nvPr>
+            <p:ph type="body" idx="1"/>
+          </p:nvPr>
+        </p:nvSpPr>
+        <p:spPr/>
+        <p:txBody>
+          <a:bodyPr/>
+          <a:lstStyle/>
+          <a:p>
+            <a:endParaRPr lang="en-US"/>
+          </a:p>
+        </p:txBody>
+      </p:sp>
+      <p:sp>
+        <p:nvSpPr>
+          <p:cNvPr id="2" name="Slide Number Placeholder 1"/>
+          <p:cNvSpPr>
+            <a:spLocks noGrp="1"/>
+          </p:cNvSpPr>
+          <p:nvPr>
+            <p:ph type="sldNum" sz="quarter" idx="12"/>
+          </p:nvPr>
+        </p:nvSpPr>
+        <p:spPr/>
+        <p:txBody>
+          <a:bodyPr/>
+          <a:lstStyle/>
+          <a:p>
+            <a:fld id="{B543A0FD-1CA6-4228-86A2-78061B4844C8}" type="slidenum">
+              <a:rPr lang="en-US" smtClean="0"/>
+              <a:t>50</a:t>
             </a:fld>
             <a:endParaRPr lang="en-US"/>
           </a:p>
@@ -16026,7 +17138,7 @@
 </p:sld>
 </file>
 
-<file path=ppt/slides/slide47.xml><?xml version="1.0" encoding="utf-8"?>
+<file path=ppt/slides/slide51.xml><?xml version="1.0" encoding="utf-8"?>
 <p:sld xmlns:a="http://schemas.openxmlformats.org/drawingml/2006/main" xmlns:r="http://schemas.openxmlformats.org/officeDocument/2006/relationships" xmlns:p="http://schemas.openxmlformats.org/presentationml/2006/main">
   <p:cSld>
     <p:spTree>
@@ -16141,7 +17253,7 @@
           <a:p>
             <a:fld id="{B543A0FD-1CA6-4228-86A2-78061B4844C8}" type="slidenum">
               <a:rPr lang="en-US" smtClean="0"/>
-              <a:t>47</a:t>
+              <a:t>51</a:t>
             </a:fld>
             <a:endParaRPr lang="en-US"/>
           </a:p>
@@ -16167,7 +17279,7 @@
 </p:sld>
 </file>
 
-<file path=ppt/slides/slide48.xml><?xml version="1.0" encoding="utf-8"?>
+<file path=ppt/slides/slide52.xml><?xml version="1.0" encoding="utf-8"?>
 <p:sld xmlns:a="http://schemas.openxmlformats.org/drawingml/2006/main" xmlns:r="http://schemas.openxmlformats.org/officeDocument/2006/relationships" xmlns:p="http://schemas.openxmlformats.org/presentationml/2006/main">
   <p:cSld>
     <p:spTree>
@@ -17670,14 +18782,14 @@
           </a:ln>
           <a:extLst>
             <a:ext uri="{909E8E84-426E-40dd-AFC4-6F175D3DCCD1}">
-              <a14:hiddenFill xmlns="" xmlns:a14="http://schemas.microsoft.com/office/drawing/2010/main">
+              <a14:hiddenFill xmlns:a14="http://schemas.microsoft.com/office/drawing/2010/main" xmlns="">
                 <a:solidFill>
                   <a:srgbClr val="FFFFFF"/>
                 </a:solidFill>
               </a14:hiddenFill>
             </a:ext>
             <a:ext uri="{91240B29-F687-4f45-9708-019B960494DF}">
-              <a14:hiddenLine xmlns="" xmlns:a14="http://schemas.microsoft.com/office/drawing/2010/main" w="9525">
+              <a14:hiddenLine xmlns:a14="http://schemas.microsoft.com/office/drawing/2010/main" xmlns="" w="9525">
                 <a:solidFill>
                   <a:srgbClr val="000000"/>
                 </a:solidFill>
@@ -17718,7 +18830,7 @@
           <a:p>
             <a:fld id="{B543A0FD-1CA6-4228-86A2-78061B4844C8}" type="slidenum">
               <a:rPr lang="en-US" smtClean="0"/>
-              <a:t>48</a:t>
+              <a:t>52</a:t>
             </a:fld>
             <a:endParaRPr lang="en-US"/>
           </a:p>
@@ -17734,829 +18846,6 @@
   <p:clrMapOvr>
     <a:masterClrMapping/>
   </p:clrMapOvr>
-  <p:timing>
-    <p:tnLst>
-      <p:par>
-        <p:cTn id="1" dur="indefinite" restart="never" nodeType="tmRoot"/>
-      </p:par>
-    </p:tnLst>
-  </p:timing>
-</p:sld>
-</file>
-
-<file path=ppt/slides/slide49.xml><?xml version="1.0" encoding="utf-8"?>
-<p:sld xmlns:a="http://schemas.openxmlformats.org/drawingml/2006/main" xmlns:r="http://schemas.openxmlformats.org/officeDocument/2006/relationships" xmlns:p="http://schemas.openxmlformats.org/presentationml/2006/main">
-  <p:cSld>
-    <p:spTree>
-      <p:nvGrpSpPr>
-        <p:cNvPr id="1" name=""/>
-        <p:cNvGrpSpPr/>
-        <p:nvPr/>
-      </p:nvGrpSpPr>
-      <p:grpSpPr>
-        <a:xfrm>
-          <a:off x="0" y="0"/>
-          <a:ext cx="0" cy="0"/>
-          <a:chOff x="0" y="0"/>
-          <a:chExt cx="0" cy="0"/>
-        </a:xfrm>
-      </p:grpSpPr>
-      <p:sp>
-        <p:nvSpPr>
-          <p:cNvPr id="22532" name="Title 1"/>
-          <p:cNvSpPr>
-            <a:spLocks noGrp="1"/>
-          </p:cNvSpPr>
-          <p:nvPr>
-            <p:ph type="title"/>
-          </p:nvPr>
-        </p:nvSpPr>
-        <p:spPr/>
-        <p:txBody>
-          <a:bodyPr/>
-          <a:lstStyle/>
-          <a:p>
-            <a:r>
-              <a:rPr lang="en-US" dirty="0" smtClean="0"/>
-              <a:t>Independent V&amp;V</a:t>
-            </a:r>
-            <a:endParaRPr lang="en-US" dirty="0"/>
-          </a:p>
-        </p:txBody>
-      </p:sp>
-      <p:sp>
-        <p:nvSpPr>
-          <p:cNvPr id="22533" name="Content Placeholder 2"/>
-          <p:cNvSpPr>
-            <a:spLocks noGrp="1"/>
-          </p:cNvSpPr>
-          <p:nvPr>
-            <p:ph idx="1"/>
-          </p:nvPr>
-        </p:nvSpPr>
-        <p:spPr/>
-        <p:txBody>
-          <a:bodyPr>
-            <a:normAutofit lnSpcReduction="10000"/>
-          </a:bodyPr>
-          <a:lstStyle/>
-          <a:p>
-            <a:r>
-              <a:rPr lang="en-US" dirty="0" smtClean="0"/>
-              <a:t>One strategy for maximizing independence: </a:t>
-            </a:r>
-          </a:p>
-          <a:p>
-            <a:pPr lvl="1"/>
-            <a:r>
-              <a:rPr lang="en-US" dirty="0" smtClean="0"/>
-              <a:t>System (and acceptance) test performed by a different organization</a:t>
-            </a:r>
-          </a:p>
-          <a:p>
-            <a:r>
-              <a:rPr lang="en-US" dirty="0" smtClean="0"/>
-              <a:t>Organizationally isolated from developers </a:t>
-            </a:r>
-          </a:p>
-          <a:p>
-            <a:pPr lvl="1"/>
-            <a:r>
-              <a:rPr lang="en-US" dirty="0" smtClean="0"/>
-              <a:t>no pressure to say </a:t>
-            </a:r>
-            <a:r>
-              <a:rPr lang="ja-JP" altLang="en-US" smtClean="0"/>
-              <a:t>“</a:t>
-            </a:r>
-            <a:r>
-              <a:rPr lang="en-US" altLang="ja-JP" dirty="0" smtClean="0"/>
-              <a:t>ok</a:t>
-            </a:r>
-            <a:r>
-              <a:rPr lang="ja-JP" altLang="en-US" smtClean="0"/>
-              <a:t>”</a:t>
-            </a:r>
-            <a:endParaRPr lang="en-US" altLang="ja-JP" dirty="0" smtClean="0"/>
-          </a:p>
-          <a:p>
-            <a:r>
-              <a:rPr lang="en-US" dirty="0" smtClean="0"/>
-              <a:t>Sometimes outsourced to another company or agency</a:t>
-            </a:r>
-          </a:p>
-          <a:p>
-            <a:pPr lvl="1"/>
-            <a:r>
-              <a:rPr lang="en-US" dirty="0" smtClean="0"/>
-              <a:t>Especially for critical systems</a:t>
-            </a:r>
-          </a:p>
-          <a:p>
-            <a:pPr lvl="1"/>
-            <a:r>
-              <a:rPr lang="en-US" dirty="0" smtClean="0"/>
-              <a:t>Outsourcing for independent judgment, not to save money</a:t>
-            </a:r>
-          </a:p>
-          <a:p>
-            <a:pPr lvl="1"/>
-            <a:r>
-              <a:rPr lang="en-US" dirty="0" smtClean="0"/>
-              <a:t>May be additional system test, not replacing internal V&amp;V</a:t>
-            </a:r>
-          </a:p>
-          <a:p>
-            <a:r>
-              <a:rPr lang="en-US" dirty="0" smtClean="0"/>
-              <a:t>Not all outsourced testing is IV&amp;V</a:t>
-            </a:r>
-          </a:p>
-          <a:p>
-            <a:pPr lvl="1"/>
-            <a:r>
-              <a:rPr lang="en-US" dirty="0" smtClean="0"/>
-              <a:t>Not independent if controlled by development organization</a:t>
-            </a:r>
-            <a:endParaRPr lang="en-US" dirty="0"/>
-          </a:p>
-        </p:txBody>
-      </p:sp>
-      <p:sp>
-        <p:nvSpPr>
-          <p:cNvPr id="2" name="Slide Number Placeholder 1"/>
-          <p:cNvSpPr>
-            <a:spLocks noGrp="1"/>
-          </p:cNvSpPr>
-          <p:nvPr>
-            <p:ph type="sldNum" sz="quarter" idx="12"/>
-          </p:nvPr>
-        </p:nvSpPr>
-        <p:spPr/>
-        <p:txBody>
-          <a:bodyPr/>
-          <a:lstStyle/>
-          <a:p>
-            <a:fld id="{B543A0FD-1CA6-4228-86A2-78061B4844C8}" type="slidenum">
-              <a:rPr lang="en-US" smtClean="0"/>
-              <a:t>49</a:t>
-            </a:fld>
-            <a:endParaRPr lang="en-US"/>
-          </a:p>
-        </p:txBody>
-      </p:sp>
-    </p:spTree>
-    <p:extLst>
-      <p:ext uri="{BB962C8B-B14F-4D97-AF65-F5344CB8AC3E}">
-        <p14:creationId xmlns:p14="http://schemas.microsoft.com/office/powerpoint/2010/main" val="3275539735"/>
-      </p:ext>
-    </p:extLst>
-  </p:cSld>
-  <p:clrMapOvr>
-    <a:masterClrMapping/>
-  </p:clrMapOvr>
-  <mc:AlternateContent xmlns:mc="http://schemas.openxmlformats.org/markup-compatibility/2006" xmlns:p14="http://schemas.microsoft.com/office/powerpoint/2010/main">
-    <mc:Choice Requires="p14">
-      <p:transition spd="slow" p14:dur="2000"/>
-    </mc:Choice>
-    <mc:Fallback xmlns="">
-      <p:transition spd="slow"/>
-    </mc:Fallback>
-  </mc:AlternateContent>
-  <p:timing>
-    <p:tnLst>
-      <p:par>
-        <p:cTn id="1" dur="indefinite" restart="never" nodeType="tmRoot"/>
-      </p:par>
-    </p:tnLst>
-  </p:timing>
-</p:sld>
-</file>
-
-<file path=ppt/slides/slide5.xml><?xml version="1.0" encoding="utf-8"?>
-<p:sld xmlns:a="http://schemas.openxmlformats.org/drawingml/2006/main" xmlns:r="http://schemas.openxmlformats.org/officeDocument/2006/relationships" xmlns:p="http://schemas.openxmlformats.org/presentationml/2006/main">
-  <p:cSld>
-    <p:spTree>
-      <p:nvGrpSpPr>
-        <p:cNvPr id="1" name=""/>
-        <p:cNvGrpSpPr/>
-        <p:nvPr/>
-      </p:nvGrpSpPr>
-      <p:grpSpPr>
-        <a:xfrm>
-          <a:off x="0" y="0"/>
-          <a:ext cx="0" cy="0"/>
-          <a:chOff x="0" y="0"/>
-          <a:chExt cx="0" cy="0"/>
-        </a:xfrm>
-      </p:grpSpPr>
-      <p:sp>
-        <p:nvSpPr>
-          <p:cNvPr id="2" name="Title 1"/>
-          <p:cNvSpPr>
-            <a:spLocks noGrp="1"/>
-          </p:cNvSpPr>
-          <p:nvPr>
-            <p:ph type="title"/>
-          </p:nvPr>
-        </p:nvSpPr>
-        <p:spPr/>
-        <p:txBody>
-          <a:bodyPr/>
-          <a:lstStyle/>
-          <a:p>
-            <a:r>
-              <a:rPr lang="en-US" dirty="0" smtClean="0"/>
-              <a:t>Functional Testing </a:t>
-            </a:r>
-            <a:endParaRPr lang="en-US" dirty="0"/>
-          </a:p>
-        </p:txBody>
-      </p:sp>
-      <p:sp>
-        <p:nvSpPr>
-          <p:cNvPr id="3" name="Content Placeholder 2"/>
-          <p:cNvSpPr>
-            <a:spLocks noGrp="1"/>
-          </p:cNvSpPr>
-          <p:nvPr>
-            <p:ph idx="1"/>
-          </p:nvPr>
-        </p:nvSpPr>
-        <p:spPr/>
-        <p:txBody>
-          <a:bodyPr>
-            <a:normAutofit lnSpcReduction="10000"/>
-          </a:bodyPr>
-          <a:lstStyle/>
-          <a:p>
-            <a:r>
-              <a:rPr lang="en-US" dirty="0" smtClean="0"/>
-              <a:t>Functional testing finds differences between functional requirements and the implemented system </a:t>
-            </a:r>
-          </a:p>
-          <a:p>
-            <a:r>
-              <a:rPr lang="en-US" dirty="0" smtClean="0"/>
-              <a:t>Essentially the same as black box testing </a:t>
-            </a:r>
-          </a:p>
-          <a:p>
-            <a:r>
-              <a:rPr lang="en-US" dirty="0" smtClean="0"/>
-              <a:t>Goal: Test functionality of system </a:t>
-            </a:r>
-          </a:p>
-          <a:p>
-            <a:r>
-              <a:rPr lang="en-US" dirty="0" smtClean="0"/>
-              <a:t>Test cases are designed from the requirements analysis document (better: user manual) and centered around requirements and key functions (use cases) </a:t>
-            </a:r>
-          </a:p>
-          <a:p>
-            <a:r>
-              <a:rPr lang="en-US" dirty="0" smtClean="0"/>
-              <a:t>Select tests that are relevant to the user and have a high probability of uncovering a failure </a:t>
-            </a:r>
-          </a:p>
-          <a:p>
-            <a:pPr lvl="1"/>
-            <a:r>
-              <a:rPr lang="en-US" dirty="0" smtClean="0"/>
-              <a:t>Use techniques like equivalence tests </a:t>
-            </a:r>
-          </a:p>
-          <a:p>
-            <a:endParaRPr lang="en-US" dirty="0"/>
-          </a:p>
-        </p:txBody>
-      </p:sp>
-      <p:sp>
-        <p:nvSpPr>
-          <p:cNvPr id="4" name="Slide Number Placeholder 3"/>
-          <p:cNvSpPr>
-            <a:spLocks noGrp="1"/>
-          </p:cNvSpPr>
-          <p:nvPr>
-            <p:ph type="sldNum" sz="quarter" idx="12"/>
-          </p:nvPr>
-        </p:nvSpPr>
-        <p:spPr/>
-        <p:txBody>
-          <a:bodyPr/>
-          <a:lstStyle/>
-          <a:p>
-            <a:fld id="{B543A0FD-1CA6-4228-86A2-78061B4844C8}" type="slidenum">
-              <a:rPr lang="en-US" smtClean="0"/>
-              <a:t>5</a:t>
-            </a:fld>
-            <a:endParaRPr lang="en-US"/>
-          </a:p>
-        </p:txBody>
-      </p:sp>
-    </p:spTree>
-    <p:extLst>
-      <p:ext uri="{BB962C8B-B14F-4D97-AF65-F5344CB8AC3E}">
-        <p14:creationId xmlns:p14="http://schemas.microsoft.com/office/powerpoint/2010/main" val="172728179"/>
-      </p:ext>
-    </p:extLst>
-  </p:cSld>
-  <p:clrMapOvr>
-    <a:masterClrMapping/>
-  </p:clrMapOvr>
-  <p:timing>
-    <p:tnLst>
-      <p:par>
-        <p:cTn id="1" dur="indefinite" restart="never" nodeType="tmRoot"/>
-      </p:par>
-    </p:tnLst>
-  </p:timing>
-</p:sld>
-</file>
-
-<file path=ppt/slides/slide50.xml><?xml version="1.0" encoding="utf-8"?>
-<p:sld xmlns:a="http://schemas.openxmlformats.org/drawingml/2006/main" xmlns:r="http://schemas.openxmlformats.org/officeDocument/2006/relationships" xmlns:p="http://schemas.openxmlformats.org/presentationml/2006/main">
-  <p:cSld>
-    <p:spTree>
-      <p:nvGrpSpPr>
-        <p:cNvPr id="1" name=""/>
-        <p:cNvGrpSpPr/>
-        <p:nvPr/>
-      </p:nvGrpSpPr>
-      <p:grpSpPr>
-        <a:xfrm>
-          <a:off x="0" y="0"/>
-          <a:ext cx="0" cy="0"/>
-          <a:chOff x="0" y="0"/>
-          <a:chExt cx="0" cy="0"/>
-        </a:xfrm>
-      </p:grpSpPr>
-      <p:sp>
-        <p:nvSpPr>
-          <p:cNvPr id="23556" name="Title 1"/>
-          <p:cNvSpPr>
-            <a:spLocks noGrp="1"/>
-          </p:cNvSpPr>
-          <p:nvPr>
-            <p:ph type="title"/>
-          </p:nvPr>
-        </p:nvSpPr>
-        <p:spPr/>
-        <p:txBody>
-          <a:bodyPr anchor="ctr"/>
-          <a:lstStyle/>
-          <a:p>
-            <a:pPr eaLnBrk="1" hangingPunct="1"/>
-            <a:r>
-              <a:rPr lang="en-US" sz="3200" dirty="0"/>
-              <a:t>Achieving Independence Without Changing Staff</a:t>
-            </a:r>
-          </a:p>
-        </p:txBody>
-      </p:sp>
-      <p:sp>
-        <p:nvSpPr>
-          <p:cNvPr id="23557" name="Content Placeholder 2"/>
-          <p:cNvSpPr>
-            <a:spLocks noGrp="1"/>
-          </p:cNvSpPr>
-          <p:nvPr>
-            <p:ph idx="1"/>
-          </p:nvPr>
-        </p:nvSpPr>
-        <p:spPr/>
-        <p:txBody>
-          <a:bodyPr>
-            <a:normAutofit lnSpcReduction="10000"/>
-          </a:bodyPr>
-          <a:lstStyle/>
-          <a:p>
-            <a:pPr marL="342900" indent="-342900"/>
-            <a:r>
-              <a:rPr lang="en-US" sz="3200" dirty="0"/>
-              <a:t>If the development organization controls system testing ...</a:t>
-            </a:r>
-          </a:p>
-          <a:p>
-            <a:pPr marL="742950" lvl="1" indent="-285750"/>
-            <a:r>
-              <a:rPr lang="en-US" sz="2800" dirty="0"/>
-              <a:t>Perfect independence may be unattainable, but we can reduce undue influence</a:t>
-            </a:r>
-          </a:p>
-          <a:p>
-            <a:pPr marL="342900" indent="-342900"/>
-            <a:r>
-              <a:rPr lang="en-US" sz="3200" dirty="0"/>
-              <a:t>Develop system test cases early</a:t>
-            </a:r>
-          </a:p>
-          <a:p>
-            <a:pPr marL="742950" lvl="1" indent="-285750"/>
-            <a:r>
-              <a:rPr lang="en-US" sz="2800" dirty="0"/>
-              <a:t>As part of requirements specification, before major design decisions have been made</a:t>
-            </a:r>
-          </a:p>
-          <a:p>
-            <a:pPr lvl="2"/>
-            <a:r>
-              <a:rPr lang="en-US" sz="2400" dirty="0"/>
-              <a:t>Agile </a:t>
-            </a:r>
-            <a:r>
-              <a:rPr lang="ja-JP" altLang="en-US" sz="2400" dirty="0"/>
-              <a:t>“</a:t>
-            </a:r>
-            <a:r>
-              <a:rPr lang="en-US" altLang="ja-JP" sz="2400" dirty="0"/>
-              <a:t>test first</a:t>
-            </a:r>
-            <a:r>
-              <a:rPr lang="ja-JP" altLang="en-US" sz="2400" dirty="0"/>
-              <a:t>”</a:t>
-            </a:r>
-            <a:r>
-              <a:rPr lang="en-US" altLang="ja-JP" sz="2400" dirty="0"/>
-              <a:t> </a:t>
-            </a:r>
-          </a:p>
-          <a:p>
-            <a:pPr lvl="2"/>
-            <a:r>
-              <a:rPr lang="en-US" altLang="ja-JP" sz="2400" dirty="0"/>
-              <a:t>Conventional </a:t>
-            </a:r>
-            <a:r>
-              <a:rPr lang="ja-JP" altLang="en-US" sz="2400" dirty="0"/>
-              <a:t>“</a:t>
-            </a:r>
-            <a:r>
-              <a:rPr lang="en-US" altLang="ja-JP" sz="2400" dirty="0"/>
-              <a:t>V model</a:t>
-            </a:r>
-            <a:r>
-              <a:rPr lang="ja-JP" altLang="en-US" sz="2400" dirty="0"/>
-              <a:t>”</a:t>
-            </a:r>
-            <a:endParaRPr lang="en-US" altLang="ja-JP" sz="2400" dirty="0"/>
-          </a:p>
-          <a:p>
-            <a:pPr lvl="2"/>
-            <a:r>
-              <a:rPr lang="en-US" altLang="ja-JP" sz="2400" dirty="0"/>
-              <a:t>Critical system testing early in project</a:t>
-            </a:r>
-            <a:endParaRPr lang="en-US" sz="2400" dirty="0"/>
-          </a:p>
-        </p:txBody>
-      </p:sp>
-      <p:sp>
-        <p:nvSpPr>
-          <p:cNvPr id="2" name="Slide Number Placeholder 1"/>
-          <p:cNvSpPr>
-            <a:spLocks noGrp="1"/>
-          </p:cNvSpPr>
-          <p:nvPr>
-            <p:ph type="sldNum" sz="quarter" idx="12"/>
-          </p:nvPr>
-        </p:nvSpPr>
-        <p:spPr/>
-        <p:txBody>
-          <a:bodyPr/>
-          <a:lstStyle/>
-          <a:p>
-            <a:fld id="{B543A0FD-1CA6-4228-86A2-78061B4844C8}" type="slidenum">
-              <a:rPr lang="en-US" smtClean="0"/>
-              <a:t>50</a:t>
-            </a:fld>
-            <a:endParaRPr lang="en-US"/>
-          </a:p>
-        </p:txBody>
-      </p:sp>
-    </p:spTree>
-    <p:extLst>
-      <p:ext uri="{BB962C8B-B14F-4D97-AF65-F5344CB8AC3E}">
-        <p14:creationId xmlns:p14="http://schemas.microsoft.com/office/powerpoint/2010/main" val="882088098"/>
-      </p:ext>
-    </p:extLst>
-  </p:cSld>
-  <p:clrMapOvr>
-    <a:masterClrMapping/>
-  </p:clrMapOvr>
-  <mc:AlternateContent xmlns:mc="http://schemas.openxmlformats.org/markup-compatibility/2006" xmlns:p14="http://schemas.microsoft.com/office/powerpoint/2010/main">
-    <mc:Choice Requires="p14">
-      <p:transition spd="slow" p14:dur="2000"/>
-    </mc:Choice>
-    <mc:Fallback xmlns="">
-      <p:transition spd="slow"/>
-    </mc:Fallback>
-  </mc:AlternateContent>
-  <p:timing>
-    <p:tnLst>
-      <p:par>
-        <p:cTn id="1" dur="indefinite" restart="never" nodeType="tmRoot"/>
-      </p:par>
-    </p:tnLst>
-  </p:timing>
-</p:sld>
-</file>
-
-<file path=ppt/slides/slide51.xml><?xml version="1.0" encoding="utf-8"?>
-<p:sld xmlns:a="http://schemas.openxmlformats.org/drawingml/2006/main" xmlns:r="http://schemas.openxmlformats.org/officeDocument/2006/relationships" xmlns:p="http://schemas.openxmlformats.org/presentationml/2006/main">
-  <p:cSld>
-    <p:spTree>
-      <p:nvGrpSpPr>
-        <p:cNvPr id="1" name=""/>
-        <p:cNvGrpSpPr/>
-        <p:nvPr/>
-      </p:nvGrpSpPr>
-      <p:grpSpPr>
-        <a:xfrm>
-          <a:off x="0" y="0"/>
-          <a:ext cx="0" cy="0"/>
-          <a:chOff x="0" y="0"/>
-          <a:chExt cx="0" cy="0"/>
-        </a:xfrm>
-      </p:grpSpPr>
-      <p:sp>
-        <p:nvSpPr>
-          <p:cNvPr id="24580" name="Title 1"/>
-          <p:cNvSpPr>
-            <a:spLocks noGrp="1"/>
-          </p:cNvSpPr>
-          <p:nvPr>
-            <p:ph type="title"/>
-          </p:nvPr>
-        </p:nvSpPr>
-        <p:spPr/>
-        <p:txBody>
-          <a:bodyPr/>
-          <a:lstStyle/>
-          <a:p>
-            <a:r>
-              <a:rPr lang="en-US" dirty="0" smtClean="0"/>
-              <a:t>Incremental System Testing</a:t>
-            </a:r>
-            <a:endParaRPr lang="en-US" dirty="0"/>
-          </a:p>
-        </p:txBody>
-      </p:sp>
-      <p:sp>
-        <p:nvSpPr>
-          <p:cNvPr id="24581" name="Content Placeholder 2"/>
-          <p:cNvSpPr>
-            <a:spLocks noGrp="1"/>
-          </p:cNvSpPr>
-          <p:nvPr>
-            <p:ph type="body" idx="1"/>
-          </p:nvPr>
-        </p:nvSpPr>
-        <p:spPr/>
-        <p:txBody>
-          <a:bodyPr/>
-          <a:lstStyle/>
-          <a:p>
-            <a:r>
-              <a:rPr lang="en-US" dirty="0" smtClean="0"/>
-              <a:t>System tests are often used to measure progress</a:t>
-            </a:r>
-          </a:p>
-          <a:p>
-            <a:pPr lvl="1"/>
-            <a:r>
-              <a:rPr lang="en-US" dirty="0" smtClean="0"/>
-              <a:t>System test suite covers all features and scenarios of use</a:t>
-            </a:r>
-          </a:p>
-          <a:p>
-            <a:pPr lvl="1"/>
-            <a:r>
-              <a:rPr lang="en-US" dirty="0" smtClean="0"/>
-              <a:t>As project progresses, the system passes more and more system tests</a:t>
-            </a:r>
-          </a:p>
-          <a:p>
-            <a:r>
-              <a:rPr lang="en-US" dirty="0" smtClean="0"/>
-              <a:t>Assumes a </a:t>
-            </a:r>
-            <a:r>
-              <a:rPr lang="ja-JP" altLang="en-US" smtClean="0"/>
-              <a:t>“</a:t>
-            </a:r>
-            <a:r>
-              <a:rPr lang="en-US" altLang="ja-JP" dirty="0" smtClean="0"/>
-              <a:t>threaded</a:t>
-            </a:r>
-            <a:r>
-              <a:rPr lang="ja-JP" altLang="en-US" smtClean="0"/>
-              <a:t>”</a:t>
-            </a:r>
-            <a:r>
-              <a:rPr lang="en-US" altLang="ja-JP" dirty="0" smtClean="0"/>
-              <a:t> incremental build plan: </a:t>
-            </a:r>
-          </a:p>
-          <a:p>
-            <a:pPr lvl="1"/>
-            <a:r>
-              <a:rPr lang="en-US" dirty="0" smtClean="0"/>
-              <a:t>Features exposed at top level as they are developed</a:t>
-            </a:r>
-            <a:endParaRPr lang="en-US" dirty="0"/>
-          </a:p>
-        </p:txBody>
-      </p:sp>
-      <p:sp>
-        <p:nvSpPr>
-          <p:cNvPr id="2" name="Slide Number Placeholder 1"/>
-          <p:cNvSpPr>
-            <a:spLocks noGrp="1"/>
-          </p:cNvSpPr>
-          <p:nvPr>
-            <p:ph type="sldNum" sz="quarter" idx="12"/>
-          </p:nvPr>
-        </p:nvSpPr>
-        <p:spPr/>
-        <p:txBody>
-          <a:bodyPr/>
-          <a:lstStyle/>
-          <a:p>
-            <a:fld id="{B543A0FD-1CA6-4228-86A2-78061B4844C8}" type="slidenum">
-              <a:rPr lang="en-US" smtClean="0"/>
-              <a:t>51</a:t>
-            </a:fld>
-            <a:endParaRPr lang="en-US"/>
-          </a:p>
-        </p:txBody>
-      </p:sp>
-    </p:spTree>
-    <p:extLst>
-      <p:ext uri="{BB962C8B-B14F-4D97-AF65-F5344CB8AC3E}">
-        <p14:creationId xmlns:p14="http://schemas.microsoft.com/office/powerpoint/2010/main" val="610539682"/>
-      </p:ext>
-    </p:extLst>
-  </p:cSld>
-  <p:clrMapOvr>
-    <a:masterClrMapping/>
-  </p:clrMapOvr>
-  <mc:AlternateContent xmlns:mc="http://schemas.openxmlformats.org/markup-compatibility/2006" xmlns:p14="http://schemas.microsoft.com/office/powerpoint/2010/main">
-    <mc:Choice Requires="p14">
-      <p:transition spd="slow" p14:dur="2000"/>
-    </mc:Choice>
-    <mc:Fallback xmlns="">
-      <p:transition spd="slow"/>
-    </mc:Fallback>
-  </mc:AlternateContent>
-  <p:timing>
-    <p:tnLst>
-      <p:par>
-        <p:cTn id="1" dur="indefinite" restart="never" nodeType="tmRoot"/>
-      </p:par>
-    </p:tnLst>
-  </p:timing>
-</p:sld>
-</file>
-
-<file path=ppt/slides/slide52.xml><?xml version="1.0" encoding="utf-8"?>
-<p:sld xmlns:a="http://schemas.openxmlformats.org/drawingml/2006/main" xmlns:r="http://schemas.openxmlformats.org/officeDocument/2006/relationships" xmlns:p="http://schemas.openxmlformats.org/presentationml/2006/main">
-  <p:cSld>
-    <p:spTree>
-      <p:nvGrpSpPr>
-        <p:cNvPr id="1" name=""/>
-        <p:cNvGrpSpPr/>
-        <p:nvPr/>
-      </p:nvGrpSpPr>
-      <p:grpSpPr>
-        <a:xfrm>
-          <a:off x="0" y="0"/>
-          <a:ext cx="0" cy="0"/>
-          <a:chOff x="0" y="0"/>
-          <a:chExt cx="0" cy="0"/>
-        </a:xfrm>
-      </p:grpSpPr>
-      <p:sp>
-        <p:nvSpPr>
-          <p:cNvPr id="25604" name="Title 1"/>
-          <p:cNvSpPr>
-            <a:spLocks noGrp="1"/>
-          </p:cNvSpPr>
-          <p:nvPr>
-            <p:ph type="title"/>
-          </p:nvPr>
-        </p:nvSpPr>
-        <p:spPr/>
-        <p:txBody>
-          <a:bodyPr/>
-          <a:lstStyle/>
-          <a:p>
-            <a:r>
-              <a:rPr lang="en-US" dirty="0" smtClean="0"/>
-              <a:t>Global Properties</a:t>
-            </a:r>
-            <a:endParaRPr lang="en-US" dirty="0"/>
-          </a:p>
-        </p:txBody>
-      </p:sp>
-      <p:sp>
-        <p:nvSpPr>
-          <p:cNvPr id="25605" name="Content Placeholder 2"/>
-          <p:cNvSpPr>
-            <a:spLocks noGrp="1"/>
-          </p:cNvSpPr>
-          <p:nvPr>
-            <p:ph type="body" idx="1"/>
-          </p:nvPr>
-        </p:nvSpPr>
-        <p:spPr/>
-        <p:txBody>
-          <a:bodyPr/>
-          <a:lstStyle/>
-          <a:p>
-            <a:r>
-              <a:rPr lang="en-US" dirty="0" smtClean="0"/>
-              <a:t>Some system properties are inherently global</a:t>
-            </a:r>
-          </a:p>
-          <a:p>
-            <a:pPr lvl="1"/>
-            <a:r>
-              <a:rPr lang="en-US" dirty="0" smtClean="0"/>
-              <a:t>Performance, latency, reliability, ... </a:t>
-            </a:r>
-          </a:p>
-          <a:p>
-            <a:pPr lvl="1"/>
-            <a:r>
-              <a:rPr lang="en-US" dirty="0" smtClean="0"/>
-              <a:t>Early and incremental testing is still necessary, but provide only estimates</a:t>
-            </a:r>
-          </a:p>
-          <a:p>
-            <a:r>
-              <a:rPr lang="en-US" dirty="0" smtClean="0"/>
-              <a:t>A major focus of system testing</a:t>
-            </a:r>
-          </a:p>
-          <a:p>
-            <a:pPr lvl="1"/>
-            <a:r>
-              <a:rPr lang="en-US" dirty="0" smtClean="0"/>
-              <a:t>The only opportunity to verify global properties against actual system specifications</a:t>
-            </a:r>
-          </a:p>
-          <a:p>
-            <a:pPr lvl="1"/>
-            <a:r>
-              <a:rPr lang="en-US" dirty="0" smtClean="0"/>
-              <a:t>Especially to find unanticipated effects, e.g., an unexpected performance bottleneck</a:t>
-            </a:r>
-            <a:endParaRPr lang="en-US" dirty="0"/>
-          </a:p>
-        </p:txBody>
-      </p:sp>
-      <p:sp>
-        <p:nvSpPr>
-          <p:cNvPr id="2" name="Slide Number Placeholder 1"/>
-          <p:cNvSpPr>
-            <a:spLocks noGrp="1"/>
-          </p:cNvSpPr>
-          <p:nvPr>
-            <p:ph type="sldNum" sz="quarter" idx="12"/>
-          </p:nvPr>
-        </p:nvSpPr>
-        <p:spPr/>
-        <p:txBody>
-          <a:bodyPr/>
-          <a:lstStyle/>
-          <a:p>
-            <a:fld id="{B543A0FD-1CA6-4228-86A2-78061B4844C8}" type="slidenum">
-              <a:rPr lang="en-US" smtClean="0"/>
-              <a:t>52</a:t>
-            </a:fld>
-            <a:endParaRPr lang="en-US"/>
-          </a:p>
-        </p:txBody>
-      </p:sp>
-    </p:spTree>
-    <p:extLst>
-      <p:ext uri="{BB962C8B-B14F-4D97-AF65-F5344CB8AC3E}">
-        <p14:creationId xmlns:p14="http://schemas.microsoft.com/office/powerpoint/2010/main" val="3973466461"/>
-      </p:ext>
-    </p:extLst>
-  </p:cSld>
-  <p:clrMapOvr>
-    <a:masterClrMapping/>
-  </p:clrMapOvr>
-  <mc:AlternateContent xmlns:mc="http://schemas.openxmlformats.org/markup-compatibility/2006" xmlns:p14="http://schemas.microsoft.com/office/powerpoint/2010/main">
-    <mc:Choice Requires="p14">
-      <p:transition spd="slow" p14:dur="2000"/>
-    </mc:Choice>
-    <mc:Fallback xmlns="">
-      <p:transition spd="slow"/>
-    </mc:Fallback>
-  </mc:AlternateContent>
   <p:timing>
     <p:tnLst>
       <p:par>
@@ -18586,7 +18875,7 @@
       </p:grpSpPr>
       <p:sp>
         <p:nvSpPr>
-          <p:cNvPr id="26628" name="Title 1"/>
+          <p:cNvPr id="22532" name="Title 1"/>
           <p:cNvSpPr>
             <a:spLocks noGrp="1"/>
           </p:cNvSpPr>
@@ -18601,7 +18890,7 @@
           <a:p>
             <a:r>
               <a:rPr lang="en-US" dirty="0" smtClean="0"/>
-              <a:t>Context-Dependent Properties</a:t>
+              <a:t>Independent V&amp;V</a:t>
             </a:r>
             <a:endParaRPr lang="en-US" dirty="0"/>
           </a:p>
@@ -18609,63 +18898,97 @@
       </p:sp>
       <p:sp>
         <p:nvSpPr>
-          <p:cNvPr id="26629" name="Content Placeholder 2"/>
-          <p:cNvSpPr>
-            <a:spLocks noGrp="1"/>
-          </p:cNvSpPr>
-          <p:nvPr>
-            <p:ph type="body" idx="1"/>
-          </p:nvPr>
-        </p:nvSpPr>
-        <p:spPr/>
-        <p:txBody>
-          <a:bodyPr/>
-          <a:lstStyle/>
-          <a:p>
-            <a:r>
-              <a:rPr lang="en-US" dirty="0" smtClean="0"/>
-              <a:t>Beyond system-global: Some properties depend on the system context and use</a:t>
+          <p:cNvPr id="22533" name="Content Placeholder 2"/>
+          <p:cNvSpPr>
+            <a:spLocks noGrp="1"/>
+          </p:cNvSpPr>
+          <p:nvPr>
+            <p:ph idx="1"/>
+          </p:nvPr>
+        </p:nvSpPr>
+        <p:spPr/>
+        <p:txBody>
+          <a:bodyPr>
+            <a:normAutofit lnSpcReduction="10000"/>
+          </a:bodyPr>
+          <a:lstStyle/>
+          <a:p>
+            <a:r>
+              <a:rPr lang="en-US" dirty="0" smtClean="0"/>
+              <a:t>One strategy for maximizing independence: </a:t>
             </a:r>
           </a:p>
           <a:p>
             <a:pPr lvl="1"/>
             <a:r>
               <a:rPr lang="en-US" dirty="0" smtClean="0"/>
-              <a:t>Example: Performance properties depend on environment and configuration </a:t>
+              <a:t>System (and acceptance) test performed by a different organization</a:t>
+            </a:r>
+          </a:p>
+          <a:p>
+            <a:r>
+              <a:rPr lang="en-US" dirty="0" smtClean="0"/>
+              <a:t>Organizationally isolated from developers </a:t>
             </a:r>
           </a:p>
           <a:p>
             <a:pPr lvl="1"/>
             <a:r>
               <a:rPr lang="en-US" dirty="0" smtClean="0"/>
-              <a:t>Example: Privacy depends both on system and how it is used</a:t>
-            </a:r>
-          </a:p>
-          <a:p>
-            <a:pPr lvl="2"/>
-            <a:r>
-              <a:rPr lang="en-US" dirty="0" smtClean="0"/>
-              <a:t>Medical records system must protect against unauthorized use, and authorization must be provided only as needed</a:t>
+              <a:t>no pressure to say </a:t>
+            </a:r>
+            <a:r>
+              <a:rPr lang="ja-JP" altLang="en-US" smtClean="0"/>
+              <a:t>“</a:t>
+            </a:r>
+            <a:r>
+              <a:rPr lang="en-US" altLang="ja-JP" dirty="0" smtClean="0"/>
+              <a:t>ok</a:t>
+            </a:r>
+            <a:r>
+              <a:rPr lang="ja-JP" altLang="en-US" smtClean="0"/>
+              <a:t>”</a:t>
+            </a:r>
+            <a:endParaRPr lang="en-US" altLang="ja-JP" dirty="0" smtClean="0"/>
+          </a:p>
+          <a:p>
+            <a:r>
+              <a:rPr lang="en-US" dirty="0" smtClean="0"/>
+              <a:t>Sometimes outsourced to another company or agency</a:t>
             </a:r>
           </a:p>
           <a:p>
             <a:pPr lvl="1"/>
             <a:r>
               <a:rPr lang="en-US" dirty="0" smtClean="0"/>
-              <a:t>Example: Security depends on threat profiles</a:t>
-            </a:r>
-          </a:p>
-          <a:p>
-            <a:pPr lvl="2"/>
-            <a:r>
-              <a:rPr lang="en-US" dirty="0" smtClean="0"/>
-              <a:t>And threats change! </a:t>
-            </a:r>
-          </a:p>
-          <a:p>
-            <a:r>
-              <a:rPr lang="en-US" dirty="0" smtClean="0"/>
-              <a:t>Testing is just one part of the approach </a:t>
+              <a:t>Especially for critical systems</a:t>
+            </a:r>
+          </a:p>
+          <a:p>
+            <a:pPr lvl="1"/>
+            <a:r>
+              <a:rPr lang="en-US" dirty="0" smtClean="0"/>
+              <a:t>Outsourcing for independent judgment, not to save money</a:t>
+            </a:r>
+          </a:p>
+          <a:p>
+            <a:pPr lvl="1"/>
+            <a:r>
+              <a:rPr lang="en-US" dirty="0" smtClean="0"/>
+              <a:t>May be additional system test, not replacing internal V&amp;V</a:t>
+            </a:r>
+          </a:p>
+          <a:p>
+            <a:r>
+              <a:rPr lang="en-US" dirty="0" smtClean="0"/>
+              <a:t>Not all outsourced testing is IV&amp;V</a:t>
+            </a:r>
+          </a:p>
+          <a:p>
+            <a:pPr lvl="1"/>
+            <a:r>
+              <a:rPr lang="en-US" dirty="0" smtClean="0"/>
+              <a:t>Not independent if controlled by development organization</a:t>
             </a:r>
             <a:endParaRPr lang="en-US" dirty="0"/>
           </a:p>
@@ -18697,7 +19020,7 @@
     </p:spTree>
     <p:extLst>
       <p:ext uri="{BB962C8B-B14F-4D97-AF65-F5344CB8AC3E}">
-        <p14:creationId xmlns:p14="http://schemas.microsoft.com/office/powerpoint/2010/main" val="3102467698"/>
+        <p14:creationId xmlns:p14="http://schemas.microsoft.com/office/powerpoint/2010/main" val="3275539735"/>
       </p:ext>
     </p:extLst>
   </p:cSld>
@@ -18741,7 +19064,7 @@
       </p:grpSpPr>
       <p:sp>
         <p:nvSpPr>
-          <p:cNvPr id="27652" name="Title 1"/>
+          <p:cNvPr id="23556" name="Title 1"/>
           <p:cNvSpPr>
             <a:spLocks noGrp="1"/>
           </p:cNvSpPr>
@@ -18756,15 +19079,15 @@
           <a:p>
             <a:pPr eaLnBrk="1" hangingPunct="1"/>
             <a:r>
-              <a:rPr lang="en-US" sz="4000" dirty="0"/>
-              <a:t>Establishing an Operational Envelope</a:t>
-            </a:r>
-          </a:p>
-        </p:txBody>
-      </p:sp>
-      <p:sp>
-        <p:nvSpPr>
-          <p:cNvPr id="27653" name="Content Placeholder 2"/>
+              <a:rPr lang="en-US" sz="3200" dirty="0"/>
+              <a:t>Achieving Independence Without Changing Staff</a:t>
+            </a:r>
+          </a:p>
+        </p:txBody>
+      </p:sp>
+      <p:sp>
+        <p:nvSpPr>
+          <p:cNvPr id="23557" name="Content Placeholder 2"/>
           <p:cNvSpPr>
             <a:spLocks noGrp="1"/>
           </p:cNvSpPr>
@@ -18774,79 +19097,88 @@
         </p:nvSpPr>
         <p:spPr/>
         <p:txBody>
-          <a:bodyPr/>
+          <a:bodyPr>
+            <a:normAutofit lnSpcReduction="10000"/>
+          </a:bodyPr>
           <a:lstStyle/>
           <a:p>
             <a:pPr marL="342900" indent="-342900"/>
             <a:r>
-              <a:rPr lang="en-US" dirty="0"/>
-              <a:t>When a property (e.g., performance or real-time response) is parameterized by use ... </a:t>
+              <a:rPr lang="en-US" sz="3200" dirty="0"/>
+              <a:t>If the development organization controls system testing ...</a:t>
             </a:r>
           </a:p>
           <a:p>
             <a:pPr marL="742950" lvl="1" indent="-285750"/>
             <a:r>
-              <a:rPr lang="en-US" dirty="0"/>
-              <a:t>requests per second, size of database, ... </a:t>
+              <a:rPr lang="en-US" sz="2800" dirty="0"/>
+              <a:t>Perfect independence may be unattainable, but we can reduce undue influence</a:t>
             </a:r>
           </a:p>
           <a:p>
             <a:pPr marL="342900" indent="-342900"/>
             <a:r>
-              <a:rPr lang="en-US" dirty="0"/>
-              <a:t>Extensive stress testing is required</a:t>
+              <a:rPr lang="en-US" sz="3200" dirty="0"/>
+              <a:t>Develop system test cases early</a:t>
             </a:r>
           </a:p>
           <a:p>
             <a:pPr marL="742950" lvl="1" indent="-285750"/>
             <a:r>
-              <a:rPr lang="en-US" dirty="0"/>
-              <a:t>varying parameters within the envelope, near the bounds, and beyond</a:t>
-            </a:r>
-          </a:p>
-          <a:p>
-            <a:pPr marL="342900" indent="-342900"/>
-            <a:r>
-              <a:rPr lang="en-US" dirty="0"/>
-              <a:t>Goal: A well-understood model of how the property varies with the parameter</a:t>
-            </a:r>
-          </a:p>
-          <a:p>
-            <a:pPr marL="742950" lvl="1" indent="-285750"/>
-            <a:r>
-              <a:rPr lang="en-US" dirty="0"/>
-              <a:t>How sensitive is the property to the parameter?</a:t>
-            </a:r>
-          </a:p>
-          <a:p>
-            <a:pPr marL="742950" lvl="1" indent="-285750"/>
-            <a:r>
-              <a:rPr lang="en-US" dirty="0"/>
-              <a:t>Where is the </a:t>
-            </a:r>
-            <a:r>
-              <a:rPr lang="ja-JP" altLang="en-US" dirty="0"/>
+              <a:rPr lang="en-US" sz="2800" dirty="0"/>
+              <a:t>As part of requirements specification, before major design decisions have been made</a:t>
+            </a:r>
+          </a:p>
+          <a:p>
+            <a:pPr lvl="2"/>
+            <a:r>
+              <a:rPr lang="en-US" sz="2400" dirty="0"/>
+              <a:t>Agile </a:t>
+            </a:r>
+            <a:r>
+              <a:rPr lang="ja-JP" altLang="en-US" sz="2400" dirty="0"/>
               <a:t>“</a:t>
             </a:r>
             <a:r>
-              <a:rPr lang="en-US" altLang="ja-JP" dirty="0"/>
-              <a:t>edge of the envelope</a:t>
-            </a:r>
-            <a:r>
-              <a:rPr lang="ja-JP" altLang="en-US" dirty="0"/>
+              <a:rPr lang="en-US" altLang="ja-JP" sz="2400" dirty="0"/>
+              <a:t>test first</a:t>
+            </a:r>
+            <a:r>
+              <a:rPr lang="ja-JP" altLang="en-US" sz="2400" dirty="0"/>
               <a:t>”</a:t>
             </a:r>
             <a:r>
-              <a:rPr lang="en-US" altLang="ja-JP" dirty="0"/>
-              <a:t>? </a:t>
-            </a:r>
-          </a:p>
-          <a:p>
-            <a:pPr marL="742950" lvl="1" indent="-285750"/>
-            <a:r>
-              <a:rPr lang="en-US" dirty="0"/>
-              <a:t>What can we expect when the envelope is exceeded?</a:t>
-            </a:r>
+              <a:rPr lang="en-US" altLang="ja-JP" sz="2400" dirty="0"/>
+              <a:t> </a:t>
+            </a:r>
+          </a:p>
+          <a:p>
+            <a:pPr lvl="2"/>
+            <a:r>
+              <a:rPr lang="en-US" altLang="ja-JP" sz="2400" dirty="0"/>
+              <a:t>Conventional </a:t>
+            </a:r>
+            <a:r>
+              <a:rPr lang="ja-JP" altLang="en-US" sz="2400" dirty="0"/>
+              <a:t>“</a:t>
+            </a:r>
+            <a:r>
+              <a:rPr lang="en-US" altLang="ja-JP" sz="2400" dirty="0"/>
+              <a:t>V model</a:t>
+            </a:r>
+            <a:r>
+              <a:rPr lang="ja-JP" altLang="en-US" sz="2400" dirty="0"/>
+              <a:t>”</a:t>
+            </a:r>
+            <a:endParaRPr lang="en-US" altLang="ja-JP" sz="2400" dirty="0"/>
+          </a:p>
+          <a:p>
+            <a:pPr lvl="2"/>
+            <a:r>
+              <a:rPr lang="en-US" altLang="ja-JP" sz="2400" dirty="0"/>
+              <a:t>Critical system testing early in project</a:t>
+            </a:r>
+            <a:endParaRPr lang="en-US" sz="2400" dirty="0"/>
           </a:p>
         </p:txBody>
       </p:sp>
@@ -18876,7 +19208,7 @@
     </p:spTree>
     <p:extLst>
       <p:ext uri="{BB962C8B-B14F-4D97-AF65-F5344CB8AC3E}">
-        <p14:creationId xmlns:p14="http://schemas.microsoft.com/office/powerpoint/2010/main" val="1334193548"/>
+        <p14:creationId xmlns:p14="http://schemas.microsoft.com/office/powerpoint/2010/main" val="882088098"/>
       </p:ext>
     </p:extLst>
   </p:cSld>
@@ -18920,7 +19252,7 @@
       </p:grpSpPr>
       <p:sp>
         <p:nvSpPr>
-          <p:cNvPr id="28676" name="Title 1"/>
+          <p:cNvPr id="24580" name="Title 1"/>
           <p:cNvSpPr>
             <a:spLocks noGrp="1"/>
           </p:cNvSpPr>
@@ -18935,7 +19267,7 @@
           <a:p>
             <a:r>
               <a:rPr lang="en-US" dirty="0" smtClean="0"/>
-              <a:t>Stress Testing</a:t>
+              <a:t>Incremental System Testing</a:t>
             </a:r>
             <a:endParaRPr lang="en-US" dirty="0"/>
           </a:p>
@@ -18943,7 +19275,7 @@
       </p:sp>
       <p:sp>
         <p:nvSpPr>
-          <p:cNvPr id="28677" name="Content Placeholder 2"/>
+          <p:cNvPr id="24581" name="Content Placeholder 2"/>
           <p:cNvSpPr>
             <a:spLocks noGrp="1"/>
           </p:cNvSpPr>
@@ -18958,48 +19290,50 @@
           <a:p>
             <a:r>
               <a:rPr lang="en-US" dirty="0" smtClean="0"/>
-              <a:t>Often requires extensive simulation of the execution environment</a:t>
+              <a:t>System tests are often used to measure progress</a:t>
             </a:r>
           </a:p>
           <a:p>
             <a:pPr lvl="1"/>
             <a:r>
               <a:rPr lang="en-US" dirty="0" smtClean="0"/>
-              <a:t>With systematic variation:  What happens when we push the parameters?  What if the number of users or requests is 10 times more, or 1000 times more?</a:t>
-            </a:r>
-          </a:p>
-          <a:p>
-            <a:r>
-              <a:rPr lang="en-US" dirty="0" smtClean="0"/>
-              <a:t>Often requires more resources (human and machine) than typical test cases</a:t>
+              <a:t>System test suite covers all features and scenarios of use</a:t>
             </a:r>
           </a:p>
           <a:p>
             <a:pPr lvl="1"/>
             <a:r>
               <a:rPr lang="en-US" dirty="0" smtClean="0"/>
-              <a:t>Separate from regular feature tests</a:t>
+              <a:t>As project progresses, the system passes more and more system tests</a:t>
+            </a:r>
+          </a:p>
+          <a:p>
+            <a:r>
+              <a:rPr lang="en-US" dirty="0" smtClean="0"/>
+              <a:t>Assumes a </a:t>
+            </a:r>
+            <a:r>
+              <a:rPr lang="ja-JP" altLang="en-US" smtClean="0"/>
+              <a:t>“</a:t>
+            </a:r>
+            <a:r>
+              <a:rPr lang="en-US" altLang="ja-JP" dirty="0" smtClean="0"/>
+              <a:t>threaded</a:t>
+            </a:r>
+            <a:r>
+              <a:rPr lang="ja-JP" altLang="en-US" smtClean="0"/>
+              <a:t>”</a:t>
+            </a:r>
+            <a:r>
+              <a:rPr lang="en-US" altLang="ja-JP" dirty="0" smtClean="0"/>
+              <a:t> incremental build plan: </a:t>
             </a:r>
           </a:p>
           <a:p>
             <a:pPr lvl="1"/>
             <a:r>
               <a:rPr lang="en-US" dirty="0" smtClean="0"/>
-              <a:t>Run less often, with more manual control</a:t>
-            </a:r>
-          </a:p>
-          <a:p>
-            <a:pPr lvl="1"/>
-            <a:r>
-              <a:rPr lang="en-US" dirty="0" smtClean="0"/>
-              <a:t>Diagnose deviations from expectation</a:t>
-            </a:r>
-          </a:p>
-          <a:p>
-            <a:pPr lvl="2"/>
-            <a:r>
-              <a:rPr lang="en-US" dirty="0" smtClean="0"/>
-              <a:t>Which may include difficult debugging of latent faults! </a:t>
+              <a:t>Features exposed at top level as they are developed</a:t>
             </a:r>
             <a:endParaRPr lang="en-US" dirty="0"/>
           </a:p>
@@ -19031,7 +19365,7 @@
     </p:spTree>
     <p:extLst>
       <p:ext uri="{BB962C8B-B14F-4D97-AF65-F5344CB8AC3E}">
-        <p14:creationId xmlns:p14="http://schemas.microsoft.com/office/powerpoint/2010/main" val="2157151813"/>
+        <p14:creationId xmlns:p14="http://schemas.microsoft.com/office/powerpoint/2010/main" val="610539682"/>
       </p:ext>
     </p:extLst>
   </p:cSld>
@@ -19075,7 +19409,7 @@
       </p:grpSpPr>
       <p:sp>
         <p:nvSpPr>
-          <p:cNvPr id="29700" name="Title 5"/>
+          <p:cNvPr id="25604" name="Title 1"/>
           <p:cNvSpPr>
             <a:spLocks noGrp="1"/>
           </p:cNvSpPr>
@@ -19090,7 +19424,7 @@
           <a:p>
             <a:r>
               <a:rPr lang="en-US" dirty="0" smtClean="0"/>
-              <a:t>Acceptance Testing</a:t>
+              <a:t>Global Properties</a:t>
             </a:r>
             <a:endParaRPr lang="en-US" dirty="0"/>
           </a:p>
@@ -19098,7 +19432,7 @@
       </p:sp>
       <p:sp>
         <p:nvSpPr>
-          <p:cNvPr id="29701" name="Content Placeholder 6"/>
+          <p:cNvPr id="25605" name="Content Placeholder 2"/>
           <p:cNvSpPr>
             <a:spLocks noGrp="1"/>
           </p:cNvSpPr>
@@ -19108,74 +19442,46 @@
         </p:nvSpPr>
         <p:spPr/>
         <p:txBody>
-          <a:bodyPr>
-            <a:normAutofit lnSpcReduction="10000"/>
-          </a:bodyPr>
-          <a:lstStyle/>
-          <a:p>
-            <a:r>
-              <a:rPr lang="en-US" dirty="0" smtClean="0"/>
-              <a:t>Estimating dependability</a:t>
-            </a:r>
-          </a:p>
-          <a:p>
-            <a:r>
-              <a:rPr lang="en-US" dirty="0" smtClean="0"/>
-              <a:t>Measuring quality, not searching for faults</a:t>
+          <a:bodyPr/>
+          <a:lstStyle/>
+          <a:p>
+            <a:r>
+              <a:rPr lang="en-US" dirty="0" smtClean="0"/>
+              <a:t>Some system properties are inherently global</a:t>
             </a:r>
           </a:p>
           <a:p>
             <a:pPr lvl="1"/>
             <a:r>
               <a:rPr lang="en-US" dirty="0" smtClean="0"/>
-              <a:t>Fundamentally different goal than systematic testing</a:t>
-            </a:r>
-          </a:p>
-          <a:p>
-            <a:r>
-              <a:rPr lang="en-US" dirty="0" smtClean="0"/>
-              <a:t>Quantitative dependability goals are statistical</a:t>
+              <a:t>Performance, latency, reliability, ... </a:t>
             </a:r>
           </a:p>
           <a:p>
             <a:pPr lvl="1"/>
             <a:r>
               <a:rPr lang="en-US" dirty="0" smtClean="0"/>
-              <a:t>Reliability</a:t>
+              <a:t>Early and incremental testing is still necessary, but provide only estimates</a:t>
+            </a:r>
+          </a:p>
+          <a:p>
+            <a:r>
+              <a:rPr lang="en-US" dirty="0" smtClean="0"/>
+              <a:t>A major focus of system testing</a:t>
             </a:r>
           </a:p>
           <a:p>
             <a:pPr lvl="1"/>
             <a:r>
               <a:rPr lang="en-US" dirty="0" smtClean="0"/>
-              <a:t>Availability</a:t>
+              <a:t>The only opportunity to verify global properties against actual system specifications</a:t>
             </a:r>
           </a:p>
           <a:p>
             <a:pPr lvl="1"/>
             <a:r>
               <a:rPr lang="en-US" dirty="0" smtClean="0"/>
-              <a:t>Mean time to failure</a:t>
-            </a:r>
-          </a:p>
-          <a:p>
-            <a:pPr lvl="1"/>
-            <a:r>
-              <a:rPr lang="en-US" dirty="0" smtClean="0"/>
-              <a:t>...</a:t>
-            </a:r>
-          </a:p>
-          <a:p>
-            <a:r>
-              <a:rPr lang="en-US" dirty="0" smtClean="0"/>
-              <a:t>Requires valid statistical samples from operational profile</a:t>
-            </a:r>
-          </a:p>
-          <a:p>
-            <a:pPr lvl="1"/>
-            <a:r>
-              <a:rPr lang="en-US" dirty="0" smtClean="0"/>
-              <a:t>Fundamentally different from systematic testing</a:t>
+              <a:t>Especially to find unanticipated effects, e.g., an unexpected performance bottleneck</a:t>
             </a:r>
             <a:endParaRPr lang="en-US" dirty="0"/>
           </a:p>
@@ -19207,7 +19513,7 @@
     </p:spTree>
     <p:extLst>
       <p:ext uri="{BB962C8B-B14F-4D97-AF65-F5344CB8AC3E}">
-        <p14:creationId xmlns:p14="http://schemas.microsoft.com/office/powerpoint/2010/main" val="300985690"/>
+        <p14:creationId xmlns:p14="http://schemas.microsoft.com/office/powerpoint/2010/main" val="3973466461"/>
       </p:ext>
     </p:extLst>
   </p:cSld>
@@ -19251,7 +19557,7 @@
       </p:grpSpPr>
       <p:sp>
         <p:nvSpPr>
-          <p:cNvPr id="31748" name="Title 1"/>
+          <p:cNvPr id="26628" name="Title 1"/>
           <p:cNvSpPr>
             <a:spLocks noGrp="1"/>
           </p:cNvSpPr>
@@ -19266,7 +19572,7 @@
           <a:p>
             <a:r>
               <a:rPr lang="en-US" dirty="0" smtClean="0"/>
-              <a:t>Statistical Sampling</a:t>
+              <a:t>Context-Dependent Properties</a:t>
             </a:r>
             <a:endParaRPr lang="en-US" dirty="0"/>
           </a:p>
@@ -19274,74 +19580,63 @@
       </p:sp>
       <p:sp>
         <p:nvSpPr>
-          <p:cNvPr id="31749" name="Content Placeholder 2"/>
-          <p:cNvSpPr>
-            <a:spLocks noGrp="1"/>
-          </p:cNvSpPr>
-          <p:nvPr>
-            <p:ph idx="1"/>
-          </p:nvPr>
-        </p:nvSpPr>
-        <p:spPr>
-          <a:xfrm>
-            <a:off x="838200" y="1825625"/>
-            <a:ext cx="10610088" cy="4351338"/>
-          </a:xfrm>
-        </p:spPr>
-        <p:txBody>
-          <a:bodyPr/>
-          <a:lstStyle/>
-          <a:p>
-            <a:r>
-              <a:rPr lang="en-US" dirty="0" smtClean="0"/>
-              <a:t>We need a valid operational profile (model)</a:t>
+          <p:cNvPr id="26629" name="Content Placeholder 2"/>
+          <p:cNvSpPr>
+            <a:spLocks noGrp="1"/>
+          </p:cNvSpPr>
+          <p:nvPr>
+            <p:ph type="body" idx="1"/>
+          </p:nvPr>
+        </p:nvSpPr>
+        <p:spPr/>
+        <p:txBody>
+          <a:bodyPr/>
+          <a:lstStyle/>
+          <a:p>
+            <a:r>
+              <a:rPr lang="en-US" dirty="0" smtClean="0"/>
+              <a:t>Beyond system-global: Some properties depend on the system context and use</a:t>
             </a:r>
           </a:p>
           <a:p>
             <a:pPr lvl="1"/>
             <a:r>
               <a:rPr lang="en-US" dirty="0" smtClean="0"/>
-              <a:t>Sometimes from an older version of the system</a:t>
+              <a:t>Example: Performance properties depend on environment and configuration </a:t>
             </a:r>
           </a:p>
           <a:p>
             <a:pPr lvl="1"/>
             <a:r>
               <a:rPr lang="en-US" dirty="0" smtClean="0"/>
-              <a:t>Sometimes from operational environment (e.g., for an embedded controller)</a:t>
+              <a:t>Example: Privacy depends both on system and how it is used</a:t>
+            </a:r>
+          </a:p>
+          <a:p>
+            <a:pPr lvl="2"/>
+            <a:r>
+              <a:rPr lang="en-US" dirty="0" smtClean="0"/>
+              <a:t>Medical records system must protect against unauthorized use, and authorization must be provided only as needed</a:t>
             </a:r>
           </a:p>
           <a:p>
             <a:pPr lvl="1"/>
             <a:r>
               <a:rPr lang="en-US" dirty="0" smtClean="0"/>
-              <a:t>Sensitivity testing reveals which parameters are most important, and which can be rough guesses</a:t>
-            </a:r>
-          </a:p>
-          <a:p>
-            <a:r>
-              <a:rPr lang="en-US" dirty="0" smtClean="0"/>
-              <a:t>And a clear, precise definition of what is being measured</a:t>
-            </a:r>
-          </a:p>
-          <a:p>
-            <a:pPr lvl="1"/>
-            <a:r>
-              <a:rPr lang="en-US" dirty="0" smtClean="0"/>
-              <a:t>Failure rate?  Per session, per hour, per operation?</a:t>
-            </a:r>
-          </a:p>
-          <a:p>
-            <a:r>
-              <a:rPr lang="en-US" dirty="0" smtClean="0"/>
-              <a:t>And many, many random samples</a:t>
-            </a:r>
-          </a:p>
-          <a:p>
-            <a:pPr lvl="1"/>
-            <a:r>
-              <a:rPr lang="en-US" dirty="0" smtClean="0"/>
-              <a:t>Especially for high reliability measures</a:t>
+              <a:t>Example: Security depends on threat profiles</a:t>
+            </a:r>
+          </a:p>
+          <a:p>
+            <a:pPr lvl="2"/>
+            <a:r>
+              <a:rPr lang="en-US" dirty="0" smtClean="0"/>
+              <a:t>And threats change! </a:t>
+            </a:r>
+          </a:p>
+          <a:p>
+            <a:r>
+              <a:rPr lang="en-US" dirty="0" smtClean="0"/>
+              <a:t>Testing is just one part of the approach </a:t>
             </a:r>
             <a:endParaRPr lang="en-US" dirty="0"/>
           </a:p>
@@ -19373,7 +19668,7 @@
     </p:spTree>
     <p:extLst>
       <p:ext uri="{BB962C8B-B14F-4D97-AF65-F5344CB8AC3E}">
-        <p14:creationId xmlns:p14="http://schemas.microsoft.com/office/powerpoint/2010/main" val="3261212313"/>
+        <p14:creationId xmlns:p14="http://schemas.microsoft.com/office/powerpoint/2010/main" val="3102467698"/>
       </p:ext>
     </p:extLst>
   </p:cSld>
@@ -19417,7 +19712,7 @@
       </p:grpSpPr>
       <p:sp>
         <p:nvSpPr>
-          <p:cNvPr id="32772" name="Title 1"/>
+          <p:cNvPr id="27652" name="Title 1"/>
           <p:cNvSpPr>
             <a:spLocks noGrp="1"/>
           </p:cNvSpPr>
@@ -19427,20 +19722,20 @@
         </p:nvSpPr>
         <p:spPr/>
         <p:txBody>
-          <a:bodyPr/>
-          <a:lstStyle/>
-          <a:p>
-            <a:r>
-              <a:rPr lang="en-US" dirty="0" smtClean="0"/>
-              <a:t>Is Statistical Testing Worthwhile?</a:t>
-            </a:r>
-            <a:endParaRPr lang="en-US" dirty="0"/>
-          </a:p>
-        </p:txBody>
-      </p:sp>
-      <p:sp>
-        <p:nvSpPr>
-          <p:cNvPr id="32773" name="Content Placeholder 2"/>
+          <a:bodyPr anchor="ctr"/>
+          <a:lstStyle/>
+          <a:p>
+            <a:pPr eaLnBrk="1" hangingPunct="1"/>
+            <a:r>
+              <a:rPr lang="en-US" sz="4000" dirty="0"/>
+              <a:t>Establishing an Operational Envelope</a:t>
+            </a:r>
+          </a:p>
+        </p:txBody>
+      </p:sp>
+      <p:sp>
+        <p:nvSpPr>
+          <p:cNvPr id="27653" name="Content Placeholder 2"/>
           <p:cNvSpPr>
             <a:spLocks noGrp="1"/>
           </p:cNvSpPr>
@@ -19448,76 +19743,81 @@
             <p:ph idx="1"/>
           </p:nvPr>
         </p:nvSpPr>
-        <p:spPr>
-          <a:xfrm>
-            <a:off x="838200" y="1690688"/>
-            <a:ext cx="10515600" cy="4665661"/>
-          </a:xfrm>
-        </p:spPr>
-        <p:txBody>
-          <a:bodyPr/>
-          <a:lstStyle/>
-          <a:p>
-            <a:r>
-              <a:rPr lang="en-US" dirty="0" smtClean="0"/>
-              <a:t>Necessary for ... </a:t>
-            </a:r>
-          </a:p>
-          <a:p>
-            <a:pPr lvl="1"/>
-            <a:r>
-              <a:rPr lang="en-US" dirty="0" smtClean="0"/>
-              <a:t>Critical systems (safety critical, infrastructure, ...)</a:t>
-            </a:r>
-          </a:p>
-          <a:p>
-            <a:r>
-              <a:rPr lang="en-US" dirty="0" smtClean="0"/>
-              <a:t>But difficult or impossible when ... </a:t>
-            </a:r>
-          </a:p>
-          <a:p>
-            <a:pPr lvl="1"/>
-            <a:r>
-              <a:rPr lang="en-US" dirty="0" smtClean="0"/>
-              <a:t>Operational profile is unavailable or just a guess</a:t>
-            </a:r>
-          </a:p>
-          <a:p>
-            <a:pPr lvl="2"/>
-            <a:r>
-              <a:rPr lang="en-US" dirty="0" smtClean="0"/>
-              <a:t>Often for new functionality involving human interaction</a:t>
-            </a:r>
-          </a:p>
-          <a:p>
-            <a:pPr lvl="3"/>
-            <a:r>
-              <a:rPr lang="en-US" dirty="0" smtClean="0"/>
-              <a:t>But we may factor critical functions from overall use to obtain a good model of only the critical properties</a:t>
-            </a:r>
-          </a:p>
-          <a:p>
-            <a:pPr lvl="1"/>
-            <a:r>
-              <a:rPr lang="en-US" dirty="0" smtClean="0"/>
-              <a:t>Reliability requirement is very high</a:t>
-            </a:r>
-          </a:p>
-          <a:p>
-            <a:pPr lvl="2"/>
-            <a:r>
-              <a:rPr lang="en-US" dirty="0" smtClean="0"/>
-              <a:t>Required sample size (number of test cases) might require years of test execution</a:t>
-            </a:r>
-          </a:p>
-          <a:p>
-            <a:pPr lvl="2"/>
-            <a:r>
-              <a:rPr lang="en-US" dirty="0" smtClean="0"/>
-              <a:t>Ultra-reliability can seldom be demonstrated by testing</a:t>
-            </a:r>
-            <a:endParaRPr lang="en-US" dirty="0"/>
+        <p:spPr/>
+        <p:txBody>
+          <a:bodyPr/>
+          <a:lstStyle/>
+          <a:p>
+            <a:pPr marL="342900" indent="-342900"/>
+            <a:r>
+              <a:rPr lang="en-US" dirty="0"/>
+              <a:t>When a property (e.g., performance or real-time response) is parameterized by use ... </a:t>
+            </a:r>
+          </a:p>
+          <a:p>
+            <a:pPr marL="742950" lvl="1" indent="-285750"/>
+            <a:r>
+              <a:rPr lang="en-US" dirty="0"/>
+              <a:t>requests per second, size of database, ... </a:t>
+            </a:r>
+          </a:p>
+          <a:p>
+            <a:pPr marL="342900" indent="-342900"/>
+            <a:r>
+              <a:rPr lang="en-US" dirty="0"/>
+              <a:t>Extensive stress testing is required</a:t>
+            </a:r>
+          </a:p>
+          <a:p>
+            <a:pPr marL="742950" lvl="1" indent="-285750"/>
+            <a:r>
+              <a:rPr lang="en-US" dirty="0"/>
+              <a:t>varying parameters within the envelope, near the bounds, and beyond</a:t>
+            </a:r>
+          </a:p>
+          <a:p>
+            <a:pPr marL="342900" indent="-342900"/>
+            <a:r>
+              <a:rPr lang="en-US" dirty="0"/>
+              <a:t>Goal: A well-understood model of how the property varies with the parameter</a:t>
+            </a:r>
+          </a:p>
+          <a:p>
+            <a:pPr marL="742950" lvl="1" indent="-285750"/>
+            <a:r>
+              <a:rPr lang="en-US" dirty="0"/>
+              <a:t>How sensitive is the property to the parameter?</a:t>
+            </a:r>
+          </a:p>
+          <a:p>
+            <a:pPr marL="742950" lvl="1" indent="-285750"/>
+            <a:r>
+              <a:rPr lang="en-US" dirty="0"/>
+              <a:t>Where is the </a:t>
+            </a:r>
+            <a:r>
+              <a:rPr lang="ja-JP" altLang="en-US" dirty="0"/>
+              <a:t>“</a:t>
+            </a:r>
+            <a:r>
+              <a:rPr lang="en-US" altLang="ja-JP" dirty="0"/>
+              <a:t>edge of the envelope</a:t>
+            </a:r>
+            <a:r>
+              <a:rPr lang="ja-JP" altLang="en-US" dirty="0"/>
+              <a:t>”</a:t>
+            </a:r>
+            <a:r>
+              <a:rPr lang="en-US" altLang="ja-JP" dirty="0"/>
+              <a:t>? </a:t>
+            </a:r>
+          </a:p>
+          <a:p>
+            <a:pPr marL="742950" lvl="1" indent="-285750"/>
+            <a:r>
+              <a:rPr lang="en-US" dirty="0"/>
+              <a:t>What can we expect when the envelope is exceeded?</a:t>
+            </a:r>
           </a:p>
         </p:txBody>
       </p:sp>
@@ -19547,7 +19847,7 @@
     </p:spTree>
     <p:extLst>
       <p:ext uri="{BB962C8B-B14F-4D97-AF65-F5344CB8AC3E}">
-        <p14:creationId xmlns:p14="http://schemas.microsoft.com/office/powerpoint/2010/main" val="1697649804"/>
+        <p14:creationId xmlns:p14="http://schemas.microsoft.com/office/powerpoint/2010/main" val="1334193548"/>
       </p:ext>
     </p:extLst>
   </p:cSld>
@@ -19591,7 +19891,7 @@
       </p:grpSpPr>
       <p:sp>
         <p:nvSpPr>
-          <p:cNvPr id="33796" name="Title 1"/>
+          <p:cNvPr id="28676" name="Title 1"/>
           <p:cNvSpPr>
             <a:spLocks noGrp="1"/>
           </p:cNvSpPr>
@@ -19606,7 +19906,7 @@
           <a:p>
             <a:r>
               <a:rPr lang="en-US" dirty="0" smtClean="0"/>
-              <a:t>Process-Based Measures</a:t>
+              <a:t>Stress Testing</a:t>
             </a:r>
             <a:endParaRPr lang="en-US" dirty="0"/>
           </a:p>
@@ -19614,76 +19914,63 @@
       </p:sp>
       <p:sp>
         <p:nvSpPr>
-          <p:cNvPr id="33797" name="Content Placeholder 2"/>
-          <p:cNvSpPr>
-            <a:spLocks noGrp="1"/>
-          </p:cNvSpPr>
-          <p:nvPr>
-            <p:ph idx="1"/>
-          </p:nvPr>
-        </p:nvSpPr>
-        <p:spPr/>
-        <p:txBody>
-          <a:bodyPr/>
-          <a:lstStyle/>
-          <a:p>
-            <a:r>
-              <a:rPr lang="en-US" dirty="0" smtClean="0"/>
-              <a:t>Less rigorous than statistical testing</a:t>
+          <p:cNvPr id="28677" name="Content Placeholder 2"/>
+          <p:cNvSpPr>
+            <a:spLocks noGrp="1"/>
+          </p:cNvSpPr>
+          <p:nvPr>
+            <p:ph type="body" idx="1"/>
+          </p:nvPr>
+        </p:nvSpPr>
+        <p:spPr/>
+        <p:txBody>
+          <a:bodyPr/>
+          <a:lstStyle/>
+          <a:p>
+            <a:r>
+              <a:rPr lang="en-US" dirty="0" smtClean="0"/>
+              <a:t>Often requires extensive simulation of the execution environment</a:t>
             </a:r>
           </a:p>
           <a:p>
             <a:pPr lvl="1"/>
             <a:r>
               <a:rPr lang="en-US" dirty="0" smtClean="0"/>
-              <a:t>Based on similarity with prior projects</a:t>
-            </a:r>
-          </a:p>
-          <a:p>
-            <a:r>
-              <a:rPr lang="en-US" dirty="0" smtClean="0"/>
-              <a:t>System testing process</a:t>
+              <a:t>With systematic variation:  What happens when we push the parameters?  What if the number of users or requests is 10 times more, or 1000 times more?</a:t>
+            </a:r>
+          </a:p>
+          <a:p>
+            <a:r>
+              <a:rPr lang="en-US" dirty="0" smtClean="0"/>
+              <a:t>Often requires more resources (human and machine) than typical test cases</a:t>
             </a:r>
           </a:p>
           <a:p>
             <a:pPr lvl="1"/>
             <a:r>
               <a:rPr lang="en-US" dirty="0" smtClean="0"/>
-              <a:t>Expected history of bugs found and resolved</a:t>
-            </a:r>
-          </a:p>
-          <a:p>
-            <a:r>
-              <a:rPr lang="en-US" dirty="0" smtClean="0"/>
-              <a:t>Alpha, beta testing</a:t>
+              <a:t>Separate from regular feature tests</a:t>
             </a:r>
           </a:p>
           <a:p>
             <a:pPr lvl="1"/>
             <a:r>
               <a:rPr lang="en-US" dirty="0" smtClean="0"/>
-              <a:t>Alpha testing:  Real users, controlled environment</a:t>
+              <a:t>Run less often, with more manual control</a:t>
             </a:r>
           </a:p>
           <a:p>
             <a:pPr lvl="1"/>
             <a:r>
               <a:rPr lang="en-US" dirty="0" smtClean="0"/>
-              <a:t>Beta testing: Real users, real (uncontrolled) environment</a:t>
-            </a:r>
-          </a:p>
-          <a:p>
-            <a:pPr lvl="1"/>
-            <a:r>
-              <a:rPr lang="en-US" dirty="0" smtClean="0"/>
-              <a:t>May statistically sample users rather than uses</a:t>
-            </a:r>
-          </a:p>
-          <a:p>
-            <a:pPr lvl="1"/>
-            <a:r>
-              <a:rPr lang="en-US" dirty="0" smtClean="0"/>
-              <a:t>Expected history of bug reports</a:t>
+              <a:t>Diagnose deviations from expectation</a:t>
+            </a:r>
+          </a:p>
+          <a:p>
+            <a:pPr lvl="2"/>
+            <a:r>
+              <a:rPr lang="en-US" dirty="0" smtClean="0"/>
+              <a:t>Which may include difficult debugging of latent faults! </a:t>
             </a:r>
             <a:endParaRPr lang="en-US" dirty="0"/>
           </a:p>
@@ -19715,7 +20002,7 @@
     </p:spTree>
     <p:extLst>
       <p:ext uri="{BB962C8B-B14F-4D97-AF65-F5344CB8AC3E}">
-        <p14:creationId xmlns:p14="http://schemas.microsoft.com/office/powerpoint/2010/main" val="2239560198"/>
+        <p14:creationId xmlns:p14="http://schemas.microsoft.com/office/powerpoint/2010/main" val="2157151813"/>
       </p:ext>
     </p:extLst>
   </p:cSld>
@@ -19897,9 +20184,9 @@
       </p:grpSpPr>
       <p:sp>
         <p:nvSpPr>
-          <p:cNvPr id="1608706" name="Rectangle 2"/>
-          <p:cNvSpPr>
-            <a:spLocks noGrp="1" noChangeArrowheads="1"/>
+          <p:cNvPr id="29700" name="Title 5"/>
+          <p:cNvSpPr>
+            <a:spLocks noGrp="1"/>
           </p:cNvSpPr>
           <p:nvPr>
             <p:ph type="title"/>
@@ -19912,7 +20199,7 @@
           <a:p>
             <a:r>
               <a:rPr lang="en-US" dirty="0" smtClean="0"/>
-              <a:t>UI testing ("acceptance")</a:t>
+              <a:t>Acceptance Testing</a:t>
             </a:r>
             <a:endParaRPr lang="en-US" dirty="0"/>
           </a:p>
@@ -19920,72 +20207,85 @@
       </p:sp>
       <p:sp>
         <p:nvSpPr>
-          <p:cNvPr id="1608707" name="Rectangle 3"/>
-          <p:cNvSpPr>
-            <a:spLocks noGrp="1" noChangeArrowheads="1"/>
-          </p:cNvSpPr>
-          <p:nvPr>
-            <p:ph idx="1"/>
-          </p:nvPr>
-        </p:nvSpPr>
-        <p:spPr/>
-        <p:txBody>
-          <a:bodyPr/>
-          <a:lstStyle/>
-          <a:p>
-            <a:r>
-              <a:rPr lang="en-US" dirty="0" smtClean="0"/>
-              <a:t>Automated UI testing ("automation")</a:t>
+          <p:cNvPr id="29701" name="Content Placeholder 6"/>
+          <p:cNvSpPr>
+            <a:spLocks noGrp="1"/>
+          </p:cNvSpPr>
+          <p:nvPr>
+            <p:ph type="body" idx="1"/>
+          </p:nvPr>
+        </p:nvSpPr>
+        <p:spPr/>
+        <p:txBody>
+          <a:bodyPr>
+            <a:normAutofit lnSpcReduction="10000"/>
+          </a:bodyPr>
+          <a:lstStyle/>
+          <a:p>
+            <a:r>
+              <a:rPr lang="en-US" dirty="0" smtClean="0"/>
+              <a:t>Estimating dependability</a:t>
+            </a:r>
+          </a:p>
+          <a:p>
+            <a:r>
+              <a:rPr lang="en-US" dirty="0" smtClean="0"/>
+              <a:t>Measuring quality, not searching for faults</a:t>
             </a:r>
           </a:p>
           <a:p>
             <a:pPr lvl="1"/>
             <a:r>
               <a:rPr lang="en-US" dirty="0" smtClean="0"/>
-              <a:t>Scripts and such that use your app and look for failures</a:t>
+              <a:t>Fundamentally different goal than systematic testing</a:t>
+            </a:r>
+          </a:p>
+          <a:p>
+            <a:r>
+              <a:rPr lang="en-US" dirty="0" smtClean="0"/>
+              <a:t>Quantitative dependability goals are statistical</a:t>
             </a:r>
           </a:p>
           <a:p>
             <a:pPr lvl="1"/>
             <a:r>
               <a:rPr lang="en-US" dirty="0" smtClean="0"/>
-              <a:t>A black-box system test</a:t>
-            </a:r>
-          </a:p>
-          <a:p>
-            <a:r>
-              <a:rPr lang="en-US" dirty="0" smtClean="0"/>
-              <a:t>Manual tests</a:t>
+              <a:t>Reliability</a:t>
             </a:r>
           </a:p>
           <a:p>
             <a:pPr lvl="1"/>
             <a:r>
               <a:rPr lang="en-US" dirty="0" smtClean="0"/>
-              <a:t>Human beings click through predetermined paths</a:t>
+              <a:t>Availability</a:t>
             </a:r>
           </a:p>
           <a:p>
             <a:pPr lvl="1"/>
             <a:r>
               <a:rPr lang="en-US" dirty="0" smtClean="0"/>
-              <a:t>Need to write down the specific tests each time</a:t>
-            </a:r>
-          </a:p>
-          <a:p>
-            <a:r>
-              <a:rPr lang="en-US" dirty="0" smtClean="0"/>
-              <a:t>Ad-hoc tests</a:t>
+              <a:t>Mean time to failure</a:t>
             </a:r>
           </a:p>
           <a:p>
             <a:pPr lvl="1"/>
             <a:r>
               <a:rPr lang="en-US" dirty="0" smtClean="0"/>
-              <a:t>Human beings are "turned loose" on the app to see if they can break it</a:t>
-            </a:r>
-          </a:p>
-          <a:p>
+              <a:t>...</a:t>
+            </a:r>
+          </a:p>
+          <a:p>
+            <a:r>
+              <a:rPr lang="en-US" dirty="0" smtClean="0"/>
+              <a:t>Requires valid statistical samples from operational profile</a:t>
+            </a:r>
+          </a:p>
+          <a:p>
+            <a:pPr lvl="1"/>
+            <a:r>
+              <a:rPr lang="en-US" dirty="0" smtClean="0"/>
+              <a:t>Fundamentally different from systematic testing</a:t>
+            </a:r>
             <a:endParaRPr lang="en-US" dirty="0"/>
           </a:p>
         </p:txBody>
@@ -20016,7 +20316,7 @@
     </p:spTree>
     <p:extLst>
       <p:ext uri="{BB962C8B-B14F-4D97-AF65-F5344CB8AC3E}">
-        <p14:creationId xmlns:p14="http://schemas.microsoft.com/office/powerpoint/2010/main" val="194988878"/>
+        <p14:creationId xmlns:p14="http://schemas.microsoft.com/office/powerpoint/2010/main" val="300985690"/>
       </p:ext>
     </p:extLst>
   </p:cSld>
@@ -20031,6 +20331,13 @@
       <p:transition spd="slow"/>
     </mc:Fallback>
   </mc:AlternateContent>
+  <p:timing>
+    <p:tnLst>
+      <p:par>
+        <p:cTn id="1" dur="indefinite" restart="never" nodeType="tmRoot"/>
+      </p:par>
+    </p:tnLst>
+  </p:timing>
 </p:sld>
 </file>
 
@@ -20053,7 +20360,7 @@
       </p:grpSpPr>
       <p:sp>
         <p:nvSpPr>
-          <p:cNvPr id="35844" name="Rectangle 6"/>
+          <p:cNvPr id="31748" name="Title 1"/>
           <p:cNvSpPr>
             <a:spLocks noGrp="1"/>
           </p:cNvSpPr>
@@ -20068,7 +20375,7 @@
           <a:p>
             <a:r>
               <a:rPr lang="en-US" dirty="0" smtClean="0"/>
-              <a:t>Usability Test</a:t>
+              <a:t>Statistical Sampling</a:t>
             </a:r>
             <a:endParaRPr lang="en-US" dirty="0"/>
           </a:p>
@@ -20076,7 +20383,7 @@
       </p:sp>
       <p:sp>
         <p:nvSpPr>
-          <p:cNvPr id="35845" name="Rectangle 7"/>
+          <p:cNvPr id="31749" name="Content Placeholder 2"/>
           <p:cNvSpPr>
             <a:spLocks noGrp="1"/>
           </p:cNvSpPr>
@@ -20084,61 +20391,66 @@
             <p:ph idx="1"/>
           </p:nvPr>
         </p:nvSpPr>
-        <p:spPr/>
-        <p:txBody>
-          <a:bodyPr/>
-          <a:lstStyle/>
-          <a:p>
-            <a:r>
-              <a:rPr lang="en-US" dirty="0" smtClean="0"/>
-              <a:t>A usable product </a:t>
+        <p:spPr>
+          <a:xfrm>
+            <a:off x="838200" y="1825625"/>
+            <a:ext cx="10610088" cy="4351338"/>
+          </a:xfrm>
+        </p:spPr>
+        <p:txBody>
+          <a:bodyPr/>
+          <a:lstStyle/>
+          <a:p>
+            <a:r>
+              <a:rPr lang="en-US" dirty="0" smtClean="0"/>
+              <a:t>We need a valid operational profile (model)</a:t>
             </a:r>
           </a:p>
           <a:p>
             <a:pPr lvl="1"/>
             <a:r>
               <a:rPr lang="en-US" dirty="0" smtClean="0"/>
-              <a:t>is quickly learned</a:t>
+              <a:t>Sometimes from an older version of the system</a:t>
             </a:r>
           </a:p>
           <a:p>
             <a:pPr lvl="1"/>
             <a:r>
               <a:rPr lang="en-US" dirty="0" smtClean="0"/>
-              <a:t>allows users to work efficiently</a:t>
+              <a:t>Sometimes from operational environment (e.g., for an embedded controller)</a:t>
             </a:r>
           </a:p>
           <a:p>
             <a:pPr lvl="1"/>
             <a:r>
               <a:rPr lang="en-US" dirty="0" smtClean="0"/>
-              <a:t>is pleasant to use </a:t>
-            </a:r>
-          </a:p>
-          <a:p>
-            <a:r>
-              <a:rPr lang="en-US" dirty="0" smtClean="0"/>
-              <a:t>Objective criteria</a:t>
+              <a:t>Sensitivity testing reveals which parameters are most important, and which can be rough guesses</a:t>
+            </a:r>
+          </a:p>
+          <a:p>
+            <a:r>
+              <a:rPr lang="en-US" dirty="0" smtClean="0"/>
+              <a:t>And a clear, precise definition of what is being measured</a:t>
             </a:r>
           </a:p>
           <a:p>
             <a:pPr lvl="1"/>
             <a:r>
               <a:rPr lang="en-US" dirty="0" smtClean="0"/>
-              <a:t>Time and number of operations to perform a task</a:t>
+              <a:t>Failure rate?  Per session, per hour, per operation?</a:t>
+            </a:r>
+          </a:p>
+          <a:p>
+            <a:r>
+              <a:rPr lang="en-US" dirty="0" smtClean="0"/>
+              <a:t>And many, many random samples</a:t>
             </a:r>
           </a:p>
           <a:p>
             <a:pPr lvl="1"/>
             <a:r>
               <a:rPr lang="en-US" dirty="0" smtClean="0"/>
-              <a:t>Frequency of user error</a:t>
-            </a:r>
-          </a:p>
-          <a:p>
-            <a:r>
-              <a:rPr lang="en-US" dirty="0" smtClean="0"/>
-              <a:t>Plus overall, subjective satisfaction</a:t>
+              <a:t>Especially for high reliability measures</a:t>
             </a:r>
             <a:endParaRPr lang="en-US" dirty="0"/>
           </a:p>
@@ -20170,7 +20482,7 @@
     </p:spTree>
     <p:extLst>
       <p:ext uri="{BB962C8B-B14F-4D97-AF65-F5344CB8AC3E}">
-        <p14:creationId xmlns:p14="http://schemas.microsoft.com/office/powerpoint/2010/main" val="2207561207"/>
+        <p14:creationId xmlns:p14="http://schemas.microsoft.com/office/powerpoint/2010/main" val="3261212313"/>
       </p:ext>
     </p:extLst>
   </p:cSld>
@@ -20214,9 +20526,9 @@
       </p:grpSpPr>
       <p:sp>
         <p:nvSpPr>
-          <p:cNvPr id="1605634" name="Rectangle 2"/>
-          <p:cNvSpPr>
-            <a:spLocks noGrp="1" noChangeArrowheads="1"/>
+          <p:cNvPr id="32772" name="Title 1"/>
+          <p:cNvSpPr>
+            <a:spLocks noGrp="1"/>
           </p:cNvSpPr>
           <p:nvPr>
             <p:ph type="title"/>
@@ -20228,48 +20540,91 @@
           <a:lstStyle/>
           <a:p>
             <a:r>
-              <a:rPr lang="en-US" dirty="0"/>
-              <a:t>Load testing</a:t>
-            </a:r>
-          </a:p>
-        </p:txBody>
-      </p:sp>
-      <p:sp>
-        <p:nvSpPr>
-          <p:cNvPr id="1605635" name="Rectangle 3"/>
-          <p:cNvSpPr>
-            <a:spLocks noGrp="1" noChangeArrowheads="1"/>
-          </p:cNvSpPr>
-          <p:nvPr>
-            <p:ph type="body" idx="1"/>
-          </p:nvPr>
-        </p:nvSpPr>
-        <p:spPr/>
-        <p:txBody>
-          <a:bodyPr/>
-          <a:lstStyle/>
-          <a:p>
-            <a:r>
-              <a:rPr lang="en-US" dirty="0"/>
-              <a:t>load testing</a:t>
+              <a:rPr lang="en-US" dirty="0" smtClean="0"/>
+              <a:t>Is Statistical Testing Worthwhile?</a:t>
+            </a:r>
+            <a:endParaRPr lang="en-US" dirty="0"/>
+          </a:p>
+        </p:txBody>
+      </p:sp>
+      <p:sp>
+        <p:nvSpPr>
+          <p:cNvPr id="32773" name="Content Placeholder 2"/>
+          <p:cNvSpPr>
+            <a:spLocks noGrp="1"/>
+          </p:cNvSpPr>
+          <p:nvPr>
+            <p:ph idx="1"/>
+          </p:nvPr>
+        </p:nvSpPr>
+        <p:spPr>
+          <a:xfrm>
+            <a:off x="838200" y="1690688"/>
+            <a:ext cx="10515600" cy="4665661"/>
+          </a:xfrm>
+        </p:spPr>
+        <p:txBody>
+          <a:bodyPr/>
+          <a:lstStyle/>
+          <a:p>
+            <a:r>
+              <a:rPr lang="en-US" dirty="0" smtClean="0"/>
+              <a:t>Necessary for ... </a:t>
             </a:r>
           </a:p>
           <a:p>
             <a:pPr lvl="1"/>
             <a:r>
-              <a:rPr lang="en-US" dirty="0"/>
-              <a:t>How many hits/requests should the system be able to handle?</a:t>
+              <a:rPr lang="en-US" dirty="0" smtClean="0"/>
+              <a:t>Critical systems (safety critical, infrastructure, ...)</a:t>
+            </a:r>
+          </a:p>
+          <a:p>
+            <a:r>
+              <a:rPr lang="en-US" dirty="0" smtClean="0"/>
+              <a:t>But difficult or impossible when ... </a:t>
             </a:r>
           </a:p>
           <a:p>
             <a:pPr lvl="1"/>
             <a:r>
-              <a:rPr lang="en-US" dirty="0"/>
-              <a:t>What should be its performance under these circumstances</a:t>
-            </a:r>
-            <a:r>
-              <a:rPr lang="en-US" dirty="0" smtClean="0"/>
-              <a:t>?</a:t>
+              <a:rPr lang="en-US" dirty="0" smtClean="0"/>
+              <a:t>Operational profile is unavailable or just a guess</a:t>
+            </a:r>
+          </a:p>
+          <a:p>
+            <a:pPr lvl="2"/>
+            <a:r>
+              <a:rPr lang="en-US" dirty="0" smtClean="0"/>
+              <a:t>Often for new functionality involving human interaction</a:t>
+            </a:r>
+          </a:p>
+          <a:p>
+            <a:pPr lvl="3"/>
+            <a:r>
+              <a:rPr lang="en-US" dirty="0" smtClean="0"/>
+              <a:t>But we may factor critical functions from overall use to obtain a good model of only the critical properties</a:t>
+            </a:r>
+          </a:p>
+          <a:p>
+            <a:pPr lvl="1"/>
+            <a:r>
+              <a:rPr lang="en-US" dirty="0" smtClean="0"/>
+              <a:t>Reliability requirement is very high</a:t>
+            </a:r>
+          </a:p>
+          <a:p>
+            <a:pPr lvl="2"/>
+            <a:r>
+              <a:rPr lang="en-US" dirty="0" smtClean="0"/>
+              <a:t>Required sample size (number of test cases) might require years of test execution</a:t>
+            </a:r>
+          </a:p>
+          <a:p>
+            <a:pPr lvl="2"/>
+            <a:r>
+              <a:rPr lang="en-US" dirty="0" smtClean="0"/>
+              <a:t>Ultra-reliability can seldom be demonstrated by testing</a:t>
             </a:r>
             <a:endParaRPr lang="en-US" dirty="0"/>
           </a:p>
@@ -20301,7 +20656,7 @@
     </p:spTree>
     <p:extLst>
       <p:ext uri="{BB962C8B-B14F-4D97-AF65-F5344CB8AC3E}">
-        <p14:creationId xmlns:p14="http://schemas.microsoft.com/office/powerpoint/2010/main" val="3253322863"/>
+        <p14:creationId xmlns:p14="http://schemas.microsoft.com/office/powerpoint/2010/main" val="1697649804"/>
       </p:ext>
     </p:extLst>
   </p:cSld>
@@ -20316,6 +20671,13 @@
       <p:transition spd="slow"/>
     </mc:Fallback>
   </mc:AlternateContent>
+  <p:timing>
+    <p:tnLst>
+      <p:par>
+        <p:cTn id="1" dur="indefinite" restart="never" nodeType="tmRoot"/>
+      </p:par>
+    </p:tnLst>
+  </p:timing>
 </p:sld>
 </file>
 
@@ -20338,7 +20700,7 @@
       </p:grpSpPr>
       <p:sp>
         <p:nvSpPr>
-          <p:cNvPr id="36868" name="Title 1"/>
+          <p:cNvPr id="33796" name="Title 1"/>
           <p:cNvSpPr>
             <a:spLocks noGrp="1"/>
           </p:cNvSpPr>
@@ -20353,7 +20715,7 @@
           <a:p>
             <a:r>
               <a:rPr lang="en-US" dirty="0" smtClean="0"/>
-              <a:t>Accessibility Testing</a:t>
+              <a:t>Process-Based Measures</a:t>
             </a:r>
             <a:endParaRPr lang="en-US" dirty="0"/>
           </a:p>
@@ -20361,85 +20723,76 @@
       </p:sp>
       <p:sp>
         <p:nvSpPr>
-          <p:cNvPr id="36869" name="Content Placeholder 2"/>
-          <p:cNvSpPr>
-            <a:spLocks noGrp="1"/>
-          </p:cNvSpPr>
-          <p:nvPr>
-            <p:ph type="body" idx="1"/>
-          </p:nvPr>
-        </p:nvSpPr>
-        <p:spPr/>
-        <p:txBody>
-          <a:bodyPr/>
-          <a:lstStyle/>
-          <a:p>
-            <a:r>
-              <a:rPr lang="en-US" dirty="0" smtClean="0"/>
-              <a:t>Check usability by people with disabilities</a:t>
+          <p:cNvPr id="33797" name="Content Placeholder 2"/>
+          <p:cNvSpPr>
+            <a:spLocks noGrp="1"/>
+          </p:cNvSpPr>
+          <p:nvPr>
+            <p:ph idx="1"/>
+          </p:nvPr>
+        </p:nvSpPr>
+        <p:spPr/>
+        <p:txBody>
+          <a:bodyPr/>
+          <a:lstStyle/>
+          <a:p>
+            <a:r>
+              <a:rPr lang="en-US" dirty="0" smtClean="0"/>
+              <a:t>Less rigorous than statistical testing</a:t>
             </a:r>
           </a:p>
           <a:p>
             <a:pPr lvl="1"/>
             <a:r>
               <a:rPr lang="en-US" dirty="0" smtClean="0"/>
-              <a:t>Blind and low vision, deaf, color-blind, ...</a:t>
-            </a:r>
-          </a:p>
-          <a:p>
-            <a:r>
-              <a:rPr lang="en-US" dirty="0" smtClean="0"/>
-              <a:t>Use accessibility guidelines</a:t>
+              <a:t>Based on similarity with prior projects</a:t>
+            </a:r>
+          </a:p>
+          <a:p>
+            <a:r>
+              <a:rPr lang="en-US" dirty="0" smtClean="0"/>
+              <a:t>System testing process</a:t>
             </a:r>
           </a:p>
           <a:p>
             <a:pPr lvl="1"/>
             <a:r>
               <a:rPr lang="en-US" dirty="0" smtClean="0"/>
-              <a:t>Direct usability testing with all relevant groups is usually impractical; checking compliance to guidelines is practical and often reveals problems</a:t>
-            </a:r>
-          </a:p>
-          <a:p>
-            <a:r>
-              <a:rPr lang="en-US" dirty="0" smtClean="0"/>
-              <a:t>Example: W3C Web Content Accessibility Guidelines</a:t>
+              <a:t>Expected history of bugs found and resolved</a:t>
+            </a:r>
+          </a:p>
+          <a:p>
+            <a:r>
+              <a:rPr lang="en-US" dirty="0" smtClean="0"/>
+              <a:t>Alpha, beta testing</a:t>
             </a:r>
           </a:p>
           <a:p>
             <a:pPr lvl="1"/>
             <a:r>
               <a:rPr lang="en-US" dirty="0" smtClean="0"/>
-              <a:t>Parts can be checked automatically</a:t>
+              <a:t>Alpha testing:  Real users, controlled environment</a:t>
             </a:r>
           </a:p>
           <a:p>
             <a:pPr lvl="1"/>
             <a:r>
               <a:rPr lang="en-US" dirty="0" smtClean="0"/>
-              <a:t>but manual check is still required</a:t>
-            </a:r>
-          </a:p>
-          <a:p>
-            <a:pPr lvl="2"/>
-            <a:r>
-              <a:rPr lang="en-US" dirty="0" smtClean="0"/>
-              <a:t>e.g., is the </a:t>
-            </a:r>
-            <a:r>
-              <a:rPr lang="ja-JP" altLang="en-US" dirty="0" smtClean="0"/>
-              <a:t>“</a:t>
-            </a:r>
-            <a:r>
-              <a:rPr lang="en-US" altLang="ja-JP" dirty="0" smtClean="0"/>
-              <a:t>alt</a:t>
-            </a:r>
-            <a:r>
-              <a:rPr lang="ja-JP" altLang="en-US" dirty="0" smtClean="0"/>
-              <a:t>”</a:t>
-            </a:r>
-            <a:r>
-              <a:rPr lang="en-US" altLang="ja-JP" dirty="0" smtClean="0"/>
-              <a:t> tag of the image meaningful? </a:t>
+              <a:t>Beta testing: Real users, real (uncontrolled) environment</a:t>
+            </a:r>
+          </a:p>
+          <a:p>
+            <a:pPr lvl="1"/>
+            <a:r>
+              <a:rPr lang="en-US" dirty="0" smtClean="0"/>
+              <a:t>May statistically sample users rather than uses</a:t>
+            </a:r>
+          </a:p>
+          <a:p>
+            <a:pPr lvl="1"/>
+            <a:r>
+              <a:rPr lang="en-US" dirty="0" smtClean="0"/>
+              <a:t>Expected history of bug reports</a:t>
             </a:r>
             <a:endParaRPr lang="en-US" dirty="0"/>
           </a:p>
@@ -20471,7 +20824,7 @@
     </p:spTree>
     <p:extLst>
       <p:ext uri="{BB962C8B-B14F-4D97-AF65-F5344CB8AC3E}">
-        <p14:creationId xmlns:p14="http://schemas.microsoft.com/office/powerpoint/2010/main" val="89117169"/>
+        <p14:creationId xmlns:p14="http://schemas.microsoft.com/office/powerpoint/2010/main" val="2239560198"/>
       </p:ext>
     </p:extLst>
   </p:cSld>
@@ -20515,9 +20868,9 @@
       </p:grpSpPr>
       <p:sp>
         <p:nvSpPr>
-          <p:cNvPr id="4" name="Title 3"/>
-          <p:cNvSpPr>
-            <a:spLocks noGrp="1"/>
+          <p:cNvPr id="1608706" name="Rectangle 2"/>
+          <p:cNvSpPr>
+            <a:spLocks noGrp="1" noChangeArrowheads="1"/>
           </p:cNvSpPr>
           <p:nvPr>
             <p:ph type="title"/>
@@ -20530,7 +20883,7 @@
           <a:p>
             <a:r>
               <a:rPr lang="en-US" dirty="0" smtClean="0"/>
-              <a:t>Installation Testing</a:t>
+              <a:t>UI testing ("acceptance")</a:t>
             </a:r>
             <a:endParaRPr lang="en-US" dirty="0"/>
           </a:p>
@@ -20538,9 +20891,9 @@
       </p:sp>
       <p:sp>
         <p:nvSpPr>
-          <p:cNvPr id="5" name="Content Placeholder 4"/>
-          <p:cNvSpPr>
-            <a:spLocks noGrp="1"/>
+          <p:cNvPr id="1608707" name="Rectangle 3"/>
+          <p:cNvSpPr>
+            <a:spLocks noGrp="1" noChangeArrowheads="1"/>
           </p:cNvSpPr>
           <p:nvPr>
             <p:ph idx="1"/>
@@ -20553,41 +20906,54 @@
           <a:p>
             <a:r>
               <a:rPr lang="en-US" dirty="0" smtClean="0"/>
-              <a:t>Before the testing</a:t>
+              <a:t>Automated UI testing ("automation")</a:t>
             </a:r>
           </a:p>
           <a:p>
             <a:pPr lvl="1"/>
             <a:r>
               <a:rPr lang="en-US" dirty="0" smtClean="0"/>
-              <a:t>Configure the system</a:t>
+              <a:t>Scripts and such that use your app and look for failures</a:t>
             </a:r>
           </a:p>
           <a:p>
             <a:pPr lvl="1"/>
             <a:r>
               <a:rPr lang="en-US" dirty="0" smtClean="0"/>
-              <a:t>Attach proper number and kind of devices</a:t>
+              <a:t>A black-box system test</a:t>
+            </a:r>
+          </a:p>
+          <a:p>
+            <a:r>
+              <a:rPr lang="en-US" dirty="0" smtClean="0"/>
+              <a:t>Manual tests</a:t>
             </a:r>
           </a:p>
           <a:p>
             <a:pPr lvl="1"/>
             <a:r>
               <a:rPr lang="en-US" dirty="0" smtClean="0"/>
-              <a:t>Establish communication with other system</a:t>
-            </a:r>
-          </a:p>
-          <a:p>
-            <a:r>
-              <a:rPr lang="en-US" dirty="0" smtClean="0"/>
-              <a:t>The testing</a:t>
+              <a:t>Human beings click through predetermined paths</a:t>
             </a:r>
           </a:p>
           <a:p>
             <a:pPr lvl="1"/>
             <a:r>
               <a:rPr lang="en-US" dirty="0" smtClean="0"/>
-              <a:t>Regression tests: to verify that the system has been installed properly and works</a:t>
+              <a:t>Need to write down the specific tests each time</a:t>
+            </a:r>
+          </a:p>
+          <a:p>
+            <a:r>
+              <a:rPr lang="en-US" dirty="0" smtClean="0"/>
+              <a:t>Ad-hoc tests</a:t>
+            </a:r>
+          </a:p>
+          <a:p>
+            <a:pPr lvl="1"/>
+            <a:r>
+              <a:rPr lang="en-US" dirty="0" smtClean="0"/>
+              <a:t>Human beings are "turned loose" on the app to see if they can break it</a:t>
             </a:r>
           </a:p>
           <a:p>
@@ -20613,6 +20979,611 @@
             <a:fld id="{B543A0FD-1CA6-4228-86A2-78061B4844C8}" type="slidenum">
               <a:rPr lang="en-US" smtClean="0"/>
               <a:t>64</a:t>
+            </a:fld>
+            <a:endParaRPr lang="en-US"/>
+          </a:p>
+        </p:txBody>
+      </p:sp>
+    </p:spTree>
+    <p:extLst>
+      <p:ext uri="{BB962C8B-B14F-4D97-AF65-F5344CB8AC3E}">
+        <p14:creationId xmlns:p14="http://schemas.microsoft.com/office/powerpoint/2010/main" val="194988878"/>
+      </p:ext>
+    </p:extLst>
+  </p:cSld>
+  <p:clrMapOvr>
+    <a:masterClrMapping/>
+  </p:clrMapOvr>
+  <mc:AlternateContent xmlns:mc="http://schemas.openxmlformats.org/markup-compatibility/2006" xmlns:p14="http://schemas.microsoft.com/office/powerpoint/2010/main">
+    <mc:Choice Requires="p14">
+      <p:transition spd="slow" p14:dur="2000"/>
+    </mc:Choice>
+    <mc:Fallback xmlns="">
+      <p:transition spd="slow"/>
+    </mc:Fallback>
+  </mc:AlternateContent>
+</p:sld>
+</file>
+
+<file path=ppt/slides/slide65.xml><?xml version="1.0" encoding="utf-8"?>
+<p:sld xmlns:a="http://schemas.openxmlformats.org/drawingml/2006/main" xmlns:r="http://schemas.openxmlformats.org/officeDocument/2006/relationships" xmlns:p="http://schemas.openxmlformats.org/presentationml/2006/main">
+  <p:cSld>
+    <p:spTree>
+      <p:nvGrpSpPr>
+        <p:cNvPr id="1" name=""/>
+        <p:cNvGrpSpPr/>
+        <p:nvPr/>
+      </p:nvGrpSpPr>
+      <p:grpSpPr>
+        <a:xfrm>
+          <a:off x="0" y="0"/>
+          <a:ext cx="0" cy="0"/>
+          <a:chOff x="0" y="0"/>
+          <a:chExt cx="0" cy="0"/>
+        </a:xfrm>
+      </p:grpSpPr>
+      <p:sp>
+        <p:nvSpPr>
+          <p:cNvPr id="35844" name="Rectangle 6"/>
+          <p:cNvSpPr>
+            <a:spLocks noGrp="1"/>
+          </p:cNvSpPr>
+          <p:nvPr>
+            <p:ph type="title"/>
+          </p:nvPr>
+        </p:nvSpPr>
+        <p:spPr/>
+        <p:txBody>
+          <a:bodyPr/>
+          <a:lstStyle/>
+          <a:p>
+            <a:r>
+              <a:rPr lang="en-US" dirty="0" smtClean="0"/>
+              <a:t>Usability Test</a:t>
+            </a:r>
+            <a:endParaRPr lang="en-US" dirty="0"/>
+          </a:p>
+        </p:txBody>
+      </p:sp>
+      <p:sp>
+        <p:nvSpPr>
+          <p:cNvPr id="35845" name="Rectangle 7"/>
+          <p:cNvSpPr>
+            <a:spLocks noGrp="1"/>
+          </p:cNvSpPr>
+          <p:nvPr>
+            <p:ph idx="1"/>
+          </p:nvPr>
+        </p:nvSpPr>
+        <p:spPr/>
+        <p:txBody>
+          <a:bodyPr/>
+          <a:lstStyle/>
+          <a:p>
+            <a:r>
+              <a:rPr lang="en-US" dirty="0" smtClean="0"/>
+              <a:t>A usable product </a:t>
+            </a:r>
+          </a:p>
+          <a:p>
+            <a:pPr lvl="1"/>
+            <a:r>
+              <a:rPr lang="en-US" dirty="0" smtClean="0"/>
+              <a:t>is quickly learned</a:t>
+            </a:r>
+          </a:p>
+          <a:p>
+            <a:pPr lvl="1"/>
+            <a:r>
+              <a:rPr lang="en-US" dirty="0" smtClean="0"/>
+              <a:t>allows users to work efficiently</a:t>
+            </a:r>
+          </a:p>
+          <a:p>
+            <a:pPr lvl="1"/>
+            <a:r>
+              <a:rPr lang="en-US" dirty="0" smtClean="0"/>
+              <a:t>is pleasant to use </a:t>
+            </a:r>
+          </a:p>
+          <a:p>
+            <a:r>
+              <a:rPr lang="en-US" dirty="0" smtClean="0"/>
+              <a:t>Objective criteria</a:t>
+            </a:r>
+          </a:p>
+          <a:p>
+            <a:pPr lvl="1"/>
+            <a:r>
+              <a:rPr lang="en-US" dirty="0" smtClean="0"/>
+              <a:t>Time and number of operations to perform a task</a:t>
+            </a:r>
+          </a:p>
+          <a:p>
+            <a:pPr lvl="1"/>
+            <a:r>
+              <a:rPr lang="en-US" dirty="0" smtClean="0"/>
+              <a:t>Frequency of user error</a:t>
+            </a:r>
+          </a:p>
+          <a:p>
+            <a:r>
+              <a:rPr lang="en-US" dirty="0" smtClean="0"/>
+              <a:t>Plus overall, subjective satisfaction</a:t>
+            </a:r>
+            <a:endParaRPr lang="en-US" dirty="0"/>
+          </a:p>
+        </p:txBody>
+      </p:sp>
+      <p:sp>
+        <p:nvSpPr>
+          <p:cNvPr id="2" name="Slide Number Placeholder 1"/>
+          <p:cNvSpPr>
+            <a:spLocks noGrp="1"/>
+          </p:cNvSpPr>
+          <p:nvPr>
+            <p:ph type="sldNum" sz="quarter" idx="12"/>
+          </p:nvPr>
+        </p:nvSpPr>
+        <p:spPr/>
+        <p:txBody>
+          <a:bodyPr/>
+          <a:lstStyle/>
+          <a:p>
+            <a:fld id="{B543A0FD-1CA6-4228-86A2-78061B4844C8}" type="slidenum">
+              <a:rPr lang="en-US" smtClean="0"/>
+              <a:t>65</a:t>
+            </a:fld>
+            <a:endParaRPr lang="en-US"/>
+          </a:p>
+        </p:txBody>
+      </p:sp>
+    </p:spTree>
+    <p:extLst>
+      <p:ext uri="{BB962C8B-B14F-4D97-AF65-F5344CB8AC3E}">
+        <p14:creationId xmlns:p14="http://schemas.microsoft.com/office/powerpoint/2010/main" val="2207561207"/>
+      </p:ext>
+    </p:extLst>
+  </p:cSld>
+  <p:clrMapOvr>
+    <a:masterClrMapping/>
+  </p:clrMapOvr>
+  <mc:AlternateContent xmlns:mc="http://schemas.openxmlformats.org/markup-compatibility/2006" xmlns:p14="http://schemas.microsoft.com/office/powerpoint/2010/main">
+    <mc:Choice Requires="p14">
+      <p:transition spd="slow" p14:dur="2000"/>
+    </mc:Choice>
+    <mc:Fallback xmlns="">
+      <p:transition spd="slow"/>
+    </mc:Fallback>
+  </mc:AlternateContent>
+  <p:timing>
+    <p:tnLst>
+      <p:par>
+        <p:cTn id="1" dur="indefinite" restart="never" nodeType="tmRoot"/>
+      </p:par>
+    </p:tnLst>
+  </p:timing>
+</p:sld>
+</file>
+
+<file path=ppt/slides/slide66.xml><?xml version="1.0" encoding="utf-8"?>
+<p:sld xmlns:a="http://schemas.openxmlformats.org/drawingml/2006/main" xmlns:r="http://schemas.openxmlformats.org/officeDocument/2006/relationships" xmlns:p="http://schemas.openxmlformats.org/presentationml/2006/main">
+  <p:cSld>
+    <p:spTree>
+      <p:nvGrpSpPr>
+        <p:cNvPr id="1" name=""/>
+        <p:cNvGrpSpPr/>
+        <p:nvPr/>
+      </p:nvGrpSpPr>
+      <p:grpSpPr>
+        <a:xfrm>
+          <a:off x="0" y="0"/>
+          <a:ext cx="0" cy="0"/>
+          <a:chOff x="0" y="0"/>
+          <a:chExt cx="0" cy="0"/>
+        </a:xfrm>
+      </p:grpSpPr>
+      <p:sp>
+        <p:nvSpPr>
+          <p:cNvPr id="1605634" name="Rectangle 2"/>
+          <p:cNvSpPr>
+            <a:spLocks noGrp="1" noChangeArrowheads="1"/>
+          </p:cNvSpPr>
+          <p:nvPr>
+            <p:ph type="title"/>
+          </p:nvPr>
+        </p:nvSpPr>
+        <p:spPr/>
+        <p:txBody>
+          <a:bodyPr/>
+          <a:lstStyle/>
+          <a:p>
+            <a:r>
+              <a:rPr lang="en-US" dirty="0"/>
+              <a:t>Load testing</a:t>
+            </a:r>
+          </a:p>
+        </p:txBody>
+      </p:sp>
+      <p:sp>
+        <p:nvSpPr>
+          <p:cNvPr id="1605635" name="Rectangle 3"/>
+          <p:cNvSpPr>
+            <a:spLocks noGrp="1" noChangeArrowheads="1"/>
+          </p:cNvSpPr>
+          <p:nvPr>
+            <p:ph type="body" idx="1"/>
+          </p:nvPr>
+        </p:nvSpPr>
+        <p:spPr/>
+        <p:txBody>
+          <a:bodyPr/>
+          <a:lstStyle/>
+          <a:p>
+            <a:r>
+              <a:rPr lang="en-US" dirty="0"/>
+              <a:t>load testing</a:t>
+            </a:r>
+          </a:p>
+          <a:p>
+            <a:pPr lvl="1"/>
+            <a:r>
+              <a:rPr lang="en-US" dirty="0"/>
+              <a:t>How many hits/requests should the system be able to handle?</a:t>
+            </a:r>
+          </a:p>
+          <a:p>
+            <a:pPr lvl="1"/>
+            <a:r>
+              <a:rPr lang="en-US" dirty="0"/>
+              <a:t>What should be its performance under these circumstances</a:t>
+            </a:r>
+            <a:r>
+              <a:rPr lang="en-US" dirty="0" smtClean="0"/>
+              <a:t>?</a:t>
+            </a:r>
+            <a:endParaRPr lang="en-US" dirty="0"/>
+          </a:p>
+        </p:txBody>
+      </p:sp>
+      <p:sp>
+        <p:nvSpPr>
+          <p:cNvPr id="2" name="Slide Number Placeholder 1"/>
+          <p:cNvSpPr>
+            <a:spLocks noGrp="1"/>
+          </p:cNvSpPr>
+          <p:nvPr>
+            <p:ph type="sldNum" sz="quarter" idx="12"/>
+          </p:nvPr>
+        </p:nvSpPr>
+        <p:spPr/>
+        <p:txBody>
+          <a:bodyPr/>
+          <a:lstStyle/>
+          <a:p>
+            <a:fld id="{B543A0FD-1CA6-4228-86A2-78061B4844C8}" type="slidenum">
+              <a:rPr lang="en-US" smtClean="0"/>
+              <a:t>66</a:t>
+            </a:fld>
+            <a:endParaRPr lang="en-US"/>
+          </a:p>
+        </p:txBody>
+      </p:sp>
+    </p:spTree>
+    <p:extLst>
+      <p:ext uri="{BB962C8B-B14F-4D97-AF65-F5344CB8AC3E}">
+        <p14:creationId xmlns:p14="http://schemas.microsoft.com/office/powerpoint/2010/main" val="3253322863"/>
+      </p:ext>
+    </p:extLst>
+  </p:cSld>
+  <p:clrMapOvr>
+    <a:masterClrMapping/>
+  </p:clrMapOvr>
+  <mc:AlternateContent xmlns:mc="http://schemas.openxmlformats.org/markup-compatibility/2006" xmlns:p14="http://schemas.microsoft.com/office/powerpoint/2010/main">
+    <mc:Choice Requires="p14">
+      <p:transition spd="slow" p14:dur="2000"/>
+    </mc:Choice>
+    <mc:Fallback xmlns="">
+      <p:transition spd="slow"/>
+    </mc:Fallback>
+  </mc:AlternateContent>
+</p:sld>
+</file>
+
+<file path=ppt/slides/slide67.xml><?xml version="1.0" encoding="utf-8"?>
+<p:sld xmlns:a="http://schemas.openxmlformats.org/drawingml/2006/main" xmlns:r="http://schemas.openxmlformats.org/officeDocument/2006/relationships" xmlns:p="http://schemas.openxmlformats.org/presentationml/2006/main">
+  <p:cSld>
+    <p:spTree>
+      <p:nvGrpSpPr>
+        <p:cNvPr id="1" name=""/>
+        <p:cNvGrpSpPr/>
+        <p:nvPr/>
+      </p:nvGrpSpPr>
+      <p:grpSpPr>
+        <a:xfrm>
+          <a:off x="0" y="0"/>
+          <a:ext cx="0" cy="0"/>
+          <a:chOff x="0" y="0"/>
+          <a:chExt cx="0" cy="0"/>
+        </a:xfrm>
+      </p:grpSpPr>
+      <p:sp>
+        <p:nvSpPr>
+          <p:cNvPr id="36868" name="Title 1"/>
+          <p:cNvSpPr>
+            <a:spLocks noGrp="1"/>
+          </p:cNvSpPr>
+          <p:nvPr>
+            <p:ph type="title"/>
+          </p:nvPr>
+        </p:nvSpPr>
+        <p:spPr/>
+        <p:txBody>
+          <a:bodyPr/>
+          <a:lstStyle/>
+          <a:p>
+            <a:r>
+              <a:rPr lang="en-US" dirty="0" smtClean="0"/>
+              <a:t>Accessibility Testing</a:t>
+            </a:r>
+            <a:endParaRPr lang="en-US" dirty="0"/>
+          </a:p>
+        </p:txBody>
+      </p:sp>
+      <p:sp>
+        <p:nvSpPr>
+          <p:cNvPr id="36869" name="Content Placeholder 2"/>
+          <p:cNvSpPr>
+            <a:spLocks noGrp="1"/>
+          </p:cNvSpPr>
+          <p:nvPr>
+            <p:ph type="body" idx="1"/>
+          </p:nvPr>
+        </p:nvSpPr>
+        <p:spPr/>
+        <p:txBody>
+          <a:bodyPr/>
+          <a:lstStyle/>
+          <a:p>
+            <a:r>
+              <a:rPr lang="en-US" dirty="0" smtClean="0"/>
+              <a:t>Check usability by people with disabilities</a:t>
+            </a:r>
+          </a:p>
+          <a:p>
+            <a:pPr lvl="1"/>
+            <a:r>
+              <a:rPr lang="en-US" dirty="0" smtClean="0"/>
+              <a:t>Blind and low vision, deaf, color-blind, ...</a:t>
+            </a:r>
+          </a:p>
+          <a:p>
+            <a:r>
+              <a:rPr lang="en-US" dirty="0" smtClean="0"/>
+              <a:t>Use accessibility guidelines</a:t>
+            </a:r>
+          </a:p>
+          <a:p>
+            <a:pPr lvl="1"/>
+            <a:r>
+              <a:rPr lang="en-US" dirty="0" smtClean="0"/>
+              <a:t>Direct usability testing with all relevant groups is usually impractical; checking compliance to guidelines is practical and often reveals problems</a:t>
+            </a:r>
+          </a:p>
+          <a:p>
+            <a:r>
+              <a:rPr lang="en-US" dirty="0" smtClean="0"/>
+              <a:t>Example: W3C Web Content Accessibility Guidelines</a:t>
+            </a:r>
+          </a:p>
+          <a:p>
+            <a:pPr lvl="1"/>
+            <a:r>
+              <a:rPr lang="en-US" dirty="0" smtClean="0"/>
+              <a:t>Parts can be checked automatically</a:t>
+            </a:r>
+          </a:p>
+          <a:p>
+            <a:pPr lvl="1"/>
+            <a:r>
+              <a:rPr lang="en-US" dirty="0" smtClean="0"/>
+              <a:t>but manual check is still required</a:t>
+            </a:r>
+          </a:p>
+          <a:p>
+            <a:pPr lvl="2"/>
+            <a:r>
+              <a:rPr lang="en-US" dirty="0" smtClean="0"/>
+              <a:t>e.g., is the </a:t>
+            </a:r>
+            <a:r>
+              <a:rPr lang="ja-JP" altLang="en-US" dirty="0" smtClean="0"/>
+              <a:t>“</a:t>
+            </a:r>
+            <a:r>
+              <a:rPr lang="en-US" altLang="ja-JP" dirty="0" smtClean="0"/>
+              <a:t>alt</a:t>
+            </a:r>
+            <a:r>
+              <a:rPr lang="ja-JP" altLang="en-US" dirty="0" smtClean="0"/>
+              <a:t>”</a:t>
+            </a:r>
+            <a:r>
+              <a:rPr lang="en-US" altLang="ja-JP" dirty="0" smtClean="0"/>
+              <a:t> tag of the image meaningful? </a:t>
+            </a:r>
+            <a:endParaRPr lang="en-US" dirty="0"/>
+          </a:p>
+        </p:txBody>
+      </p:sp>
+      <p:sp>
+        <p:nvSpPr>
+          <p:cNvPr id="2" name="Slide Number Placeholder 1"/>
+          <p:cNvSpPr>
+            <a:spLocks noGrp="1"/>
+          </p:cNvSpPr>
+          <p:nvPr>
+            <p:ph type="sldNum" sz="quarter" idx="12"/>
+          </p:nvPr>
+        </p:nvSpPr>
+        <p:spPr/>
+        <p:txBody>
+          <a:bodyPr/>
+          <a:lstStyle/>
+          <a:p>
+            <a:fld id="{B543A0FD-1CA6-4228-86A2-78061B4844C8}" type="slidenum">
+              <a:rPr lang="en-US" smtClean="0"/>
+              <a:t>67</a:t>
+            </a:fld>
+            <a:endParaRPr lang="en-US"/>
+          </a:p>
+        </p:txBody>
+      </p:sp>
+    </p:spTree>
+    <p:extLst>
+      <p:ext uri="{BB962C8B-B14F-4D97-AF65-F5344CB8AC3E}">
+        <p14:creationId xmlns:p14="http://schemas.microsoft.com/office/powerpoint/2010/main" val="89117169"/>
+      </p:ext>
+    </p:extLst>
+  </p:cSld>
+  <p:clrMapOvr>
+    <a:masterClrMapping/>
+  </p:clrMapOvr>
+  <mc:AlternateContent xmlns:mc="http://schemas.openxmlformats.org/markup-compatibility/2006" xmlns:p14="http://schemas.microsoft.com/office/powerpoint/2010/main">
+    <mc:Choice Requires="p14">
+      <p:transition spd="slow" p14:dur="2000"/>
+    </mc:Choice>
+    <mc:Fallback xmlns="">
+      <p:transition spd="slow"/>
+    </mc:Fallback>
+  </mc:AlternateContent>
+  <p:timing>
+    <p:tnLst>
+      <p:par>
+        <p:cTn id="1" dur="indefinite" restart="never" nodeType="tmRoot"/>
+      </p:par>
+    </p:tnLst>
+  </p:timing>
+</p:sld>
+</file>
+
+<file path=ppt/slides/slide68.xml><?xml version="1.0" encoding="utf-8"?>
+<p:sld xmlns:a="http://schemas.openxmlformats.org/drawingml/2006/main" xmlns:r="http://schemas.openxmlformats.org/officeDocument/2006/relationships" xmlns:p="http://schemas.openxmlformats.org/presentationml/2006/main">
+  <p:cSld>
+    <p:spTree>
+      <p:nvGrpSpPr>
+        <p:cNvPr id="1" name=""/>
+        <p:cNvGrpSpPr/>
+        <p:nvPr/>
+      </p:nvGrpSpPr>
+      <p:grpSpPr>
+        <a:xfrm>
+          <a:off x="0" y="0"/>
+          <a:ext cx="0" cy="0"/>
+          <a:chOff x="0" y="0"/>
+          <a:chExt cx="0" cy="0"/>
+        </a:xfrm>
+      </p:grpSpPr>
+      <p:sp>
+        <p:nvSpPr>
+          <p:cNvPr id="4" name="Title 3"/>
+          <p:cNvSpPr>
+            <a:spLocks noGrp="1"/>
+          </p:cNvSpPr>
+          <p:nvPr>
+            <p:ph type="title"/>
+          </p:nvPr>
+        </p:nvSpPr>
+        <p:spPr/>
+        <p:txBody>
+          <a:bodyPr/>
+          <a:lstStyle/>
+          <a:p>
+            <a:r>
+              <a:rPr lang="en-US" dirty="0" smtClean="0"/>
+              <a:t>Installation Testing</a:t>
+            </a:r>
+            <a:endParaRPr lang="en-US" dirty="0"/>
+          </a:p>
+        </p:txBody>
+      </p:sp>
+      <p:sp>
+        <p:nvSpPr>
+          <p:cNvPr id="5" name="Content Placeholder 4"/>
+          <p:cNvSpPr>
+            <a:spLocks noGrp="1"/>
+          </p:cNvSpPr>
+          <p:nvPr>
+            <p:ph idx="1"/>
+          </p:nvPr>
+        </p:nvSpPr>
+        <p:spPr/>
+        <p:txBody>
+          <a:bodyPr/>
+          <a:lstStyle/>
+          <a:p>
+            <a:r>
+              <a:rPr lang="en-US" dirty="0" smtClean="0"/>
+              <a:t>Before the testing</a:t>
+            </a:r>
+          </a:p>
+          <a:p>
+            <a:pPr lvl="1"/>
+            <a:r>
+              <a:rPr lang="en-US" dirty="0" smtClean="0"/>
+              <a:t>Configure the system</a:t>
+            </a:r>
+          </a:p>
+          <a:p>
+            <a:pPr lvl="1"/>
+            <a:r>
+              <a:rPr lang="en-US" dirty="0" smtClean="0"/>
+              <a:t>Attach proper number and kind of devices</a:t>
+            </a:r>
+          </a:p>
+          <a:p>
+            <a:pPr lvl="1"/>
+            <a:r>
+              <a:rPr lang="en-US" dirty="0" smtClean="0"/>
+              <a:t>Establish communication with other system</a:t>
+            </a:r>
+          </a:p>
+          <a:p>
+            <a:r>
+              <a:rPr lang="en-US" dirty="0" smtClean="0"/>
+              <a:t>The testing</a:t>
+            </a:r>
+          </a:p>
+          <a:p>
+            <a:pPr lvl="1"/>
+            <a:r>
+              <a:rPr lang="en-US" dirty="0" smtClean="0"/>
+              <a:t>Regression tests: to verify that the system has been installed properly and works</a:t>
+            </a:r>
+          </a:p>
+          <a:p>
+            <a:endParaRPr lang="en-US" dirty="0"/>
+          </a:p>
+        </p:txBody>
+      </p:sp>
+      <p:sp>
+        <p:nvSpPr>
+          <p:cNvPr id="2" name="Slide Number Placeholder 1"/>
+          <p:cNvSpPr>
+            <a:spLocks noGrp="1"/>
+          </p:cNvSpPr>
+          <p:nvPr>
+            <p:ph type="sldNum" sz="quarter" idx="12"/>
+          </p:nvPr>
+        </p:nvSpPr>
+        <p:spPr/>
+        <p:txBody>
+          <a:bodyPr/>
+          <a:lstStyle/>
+          <a:p>
+            <a:fld id="{B543A0FD-1CA6-4228-86A2-78061B4844C8}" type="slidenum">
+              <a:rPr lang="en-US" smtClean="0"/>
+              <a:t>68</a:t>
             </a:fld>
             <a:endParaRPr lang="en-US"/>
           </a:p>
@@ -20659,7 +21630,7 @@
 </p:sld>
 </file>
 
-<file path=ppt/slides/slide65.xml><?xml version="1.0" encoding="utf-8"?>
+<file path=ppt/slides/slide69.xml><?xml version="1.0" encoding="utf-8"?>
 <p:sld xmlns:a="http://schemas.openxmlformats.org/drawingml/2006/main" xmlns:r="http://schemas.openxmlformats.org/officeDocument/2006/relationships" xmlns:p="http://schemas.openxmlformats.org/presentationml/2006/main">
   <p:cSld>
     <p:spTree>
@@ -20693,7 +21664,7 @@
           <a:p>
             <a:fld id="{B543A0FD-1CA6-4228-86A2-78061B4844C8}" type="slidenum">
               <a:rPr lang="en-US" smtClean="0"/>
-              <a:t>65</a:t>
+              <a:t>69</a:t>
             </a:fld>
             <a:endParaRPr lang="en-US"/>
           </a:p>
@@ -20736,7 +21707,7 @@
 </p:sld>
 </file>
 
-<file path=ppt/slides/slide66.xml><?xml version="1.0" encoding="utf-8"?>
+<file path=ppt/slides/slide7.xml><?xml version="1.0" encoding="utf-8"?>
 <p:sld xmlns:a="http://schemas.openxmlformats.org/drawingml/2006/main" xmlns:r="http://schemas.openxmlformats.org/officeDocument/2006/relationships" xmlns:p="http://schemas.openxmlformats.org/presentationml/2006/main">
   <p:cSld>
     <p:spTree>
@@ -20755,6 +21726,122 @@
       </p:grpSpPr>
       <p:sp>
         <p:nvSpPr>
+          <p:cNvPr id="2" name="Title 1"/>
+          <p:cNvSpPr>
+            <a:spLocks noGrp="1"/>
+          </p:cNvSpPr>
+          <p:nvPr>
+            <p:ph type="title"/>
+          </p:nvPr>
+        </p:nvSpPr>
+        <p:spPr/>
+        <p:txBody>
+          <a:bodyPr/>
+          <a:lstStyle/>
+          <a:p>
+            <a:r>
+              <a:rPr lang="en-US" dirty="0" smtClean="0"/>
+              <a:t>Threads...</a:t>
+            </a:r>
+            <a:endParaRPr lang="en-US" dirty="0"/>
+          </a:p>
+        </p:txBody>
+      </p:sp>
+      <p:sp>
+        <p:nvSpPr>
+          <p:cNvPr id="3" name="Content Placeholder 2"/>
+          <p:cNvSpPr>
+            <a:spLocks noGrp="1"/>
+          </p:cNvSpPr>
+          <p:nvPr>
+            <p:ph idx="1"/>
+          </p:nvPr>
+        </p:nvSpPr>
+        <p:spPr/>
+        <p:txBody>
+          <a:bodyPr>
+            <a:normAutofit/>
+          </a:bodyPr>
+          <a:lstStyle/>
+          <a:p>
+            <a:r>
+              <a:rPr lang="en-US" dirty="0" smtClean="0"/>
+              <a:t>An execution time concept</a:t>
+            </a:r>
+          </a:p>
+          <a:p>
+            <a:r>
+              <a:rPr lang="en-US" dirty="0" smtClean="0"/>
+              <a:t>Per the definition, a thread can be understood as a sequence of atomic system functions.</a:t>
+            </a:r>
+          </a:p>
+          <a:p>
+            <a:r>
+              <a:rPr lang="en-US" dirty="0" smtClean="0"/>
+              <a:t>When a system test case executes</a:t>
+            </a:r>
+          </a:p>
+          <a:p>
+            <a:pPr lvl="1"/>
+            <a:r>
+              <a:rPr lang="en-US" dirty="0" smtClean="0"/>
+              <a:t>a thread occurs, and</a:t>
+            </a:r>
+          </a:p>
+          <a:p>
+            <a:pPr lvl="1"/>
+            <a:r>
+              <a:rPr lang="en-US" dirty="0" smtClean="0"/>
+              <a:t>can be observed at the port boundary of the system</a:t>
+            </a:r>
+          </a:p>
+          <a:p>
+            <a:r>
+              <a:rPr lang="en-US" dirty="0" smtClean="0"/>
+              <a:t>The BIG Question: where do we find (or how do we identify) threads?</a:t>
+            </a:r>
+          </a:p>
+          <a:p>
+            <a:r>
+              <a:rPr lang="en-US" dirty="0" smtClean="0"/>
+              <a:t>Our approach—Model-Based Testing</a:t>
+            </a:r>
+            <a:endParaRPr lang="en-US" dirty="0"/>
+          </a:p>
+        </p:txBody>
+      </p:sp>
+    </p:spTree>
+    <p:extLst>
+      <p:ext uri="{BB962C8B-B14F-4D97-AF65-F5344CB8AC3E}">
+        <p14:creationId xmlns:p14="http://schemas.microsoft.com/office/powerpoint/2010/main" val="1315087610"/>
+      </p:ext>
+    </p:extLst>
+  </p:cSld>
+  <p:clrMapOvr>
+    <a:masterClrMapping/>
+  </p:clrMapOvr>
+</p:sld>
+</file>
+
+<file path=ppt/slides/slide70.xml><?xml version="1.0" encoding="utf-8"?>
+<p:sld xmlns:a="http://schemas.openxmlformats.org/drawingml/2006/main" xmlns:r="http://schemas.openxmlformats.org/officeDocument/2006/relationships" xmlns:p="http://schemas.openxmlformats.org/presentationml/2006/main">
+  <p:cSld>
+    <p:spTree>
+      <p:nvGrpSpPr>
+        <p:cNvPr id="1" name=""/>
+        <p:cNvGrpSpPr/>
+        <p:nvPr/>
+      </p:nvGrpSpPr>
+      <p:grpSpPr>
+        <a:xfrm>
+          <a:off x="0" y="0"/>
+          <a:ext cx="0" cy="0"/>
+          <a:chOff x="0" y="0"/>
+          <a:chExt cx="0" cy="0"/>
+        </a:xfrm>
+      </p:grpSpPr>
+      <p:sp>
+        <p:nvSpPr>
           <p:cNvPr id="47108" name="Rectangle 6"/>
           <p:cNvSpPr>
             <a:spLocks noGrp="1" noChangeArrowheads="1"/>
@@ -20860,7 +21947,7 @@
           <a:p>
             <a:fld id="{B543A0FD-1CA6-4228-86A2-78061B4844C8}" type="slidenum">
               <a:rPr lang="en-US" smtClean="0"/>
-              <a:t>66</a:t>
+              <a:t>70</a:t>
             </a:fld>
             <a:endParaRPr lang="en-US"/>
           </a:p>
@@ -20883,122 +21970,6 @@
       </p:par>
     </p:tnLst>
   </p:timing>
-</p:sld>
-</file>
-
-<file path=ppt/slides/slide7.xml><?xml version="1.0" encoding="utf-8"?>
-<p:sld xmlns:a="http://schemas.openxmlformats.org/drawingml/2006/main" xmlns:r="http://schemas.openxmlformats.org/officeDocument/2006/relationships" xmlns:p="http://schemas.openxmlformats.org/presentationml/2006/main">
-  <p:cSld>
-    <p:spTree>
-      <p:nvGrpSpPr>
-        <p:cNvPr id="1" name=""/>
-        <p:cNvGrpSpPr/>
-        <p:nvPr/>
-      </p:nvGrpSpPr>
-      <p:grpSpPr>
-        <a:xfrm>
-          <a:off x="0" y="0"/>
-          <a:ext cx="0" cy="0"/>
-          <a:chOff x="0" y="0"/>
-          <a:chExt cx="0" cy="0"/>
-        </a:xfrm>
-      </p:grpSpPr>
-      <p:sp>
-        <p:nvSpPr>
-          <p:cNvPr id="2" name="Title 1"/>
-          <p:cNvSpPr>
-            <a:spLocks noGrp="1"/>
-          </p:cNvSpPr>
-          <p:nvPr>
-            <p:ph type="title"/>
-          </p:nvPr>
-        </p:nvSpPr>
-        <p:spPr/>
-        <p:txBody>
-          <a:bodyPr/>
-          <a:lstStyle/>
-          <a:p>
-            <a:r>
-              <a:rPr lang="en-US" dirty="0" smtClean="0"/>
-              <a:t>Threads...</a:t>
-            </a:r>
-            <a:endParaRPr lang="en-US" dirty="0"/>
-          </a:p>
-        </p:txBody>
-      </p:sp>
-      <p:sp>
-        <p:nvSpPr>
-          <p:cNvPr id="3" name="Content Placeholder 2"/>
-          <p:cNvSpPr>
-            <a:spLocks noGrp="1"/>
-          </p:cNvSpPr>
-          <p:nvPr>
-            <p:ph idx="1"/>
-          </p:nvPr>
-        </p:nvSpPr>
-        <p:spPr/>
-        <p:txBody>
-          <a:bodyPr>
-            <a:normAutofit/>
-          </a:bodyPr>
-          <a:lstStyle/>
-          <a:p>
-            <a:r>
-              <a:rPr lang="en-US" dirty="0" smtClean="0"/>
-              <a:t>An execution time concept</a:t>
-            </a:r>
-          </a:p>
-          <a:p>
-            <a:r>
-              <a:rPr lang="en-US" dirty="0" smtClean="0"/>
-              <a:t>Per the definition, a thread can be understood as a sequence of atomic system functions.</a:t>
-            </a:r>
-          </a:p>
-          <a:p>
-            <a:r>
-              <a:rPr lang="en-US" dirty="0" smtClean="0"/>
-              <a:t>When a system test case executes</a:t>
-            </a:r>
-          </a:p>
-          <a:p>
-            <a:pPr lvl="1"/>
-            <a:r>
-              <a:rPr lang="en-US" dirty="0" smtClean="0"/>
-              <a:t>a thread occurs, and</a:t>
-            </a:r>
-          </a:p>
-          <a:p>
-            <a:pPr lvl="1"/>
-            <a:r>
-              <a:rPr lang="en-US" dirty="0" smtClean="0"/>
-              <a:t>can be observed at the port boundary of the system</a:t>
-            </a:r>
-          </a:p>
-          <a:p>
-            <a:r>
-              <a:rPr lang="en-US" dirty="0" smtClean="0"/>
-              <a:t>The BIG Question: where do we find (or how do we identify) threads?</a:t>
-            </a:r>
-          </a:p>
-          <a:p>
-            <a:r>
-              <a:rPr lang="en-US" dirty="0" smtClean="0"/>
-              <a:t>Our approach—Model-Based Testing</a:t>
-            </a:r>
-            <a:endParaRPr lang="en-US" dirty="0"/>
-          </a:p>
-        </p:txBody>
-      </p:sp>
-    </p:spTree>
-    <p:extLst>
-      <p:ext uri="{BB962C8B-B14F-4D97-AF65-F5344CB8AC3E}">
-        <p14:creationId xmlns:p14="http://schemas.microsoft.com/office/powerpoint/2010/main" val="1315087610"/>
-      </p:ext>
-    </p:extLst>
-  </p:cSld>
-  <p:clrMapOvr>
-    <a:masterClrMapping/>
-  </p:clrMapOvr>
 </p:sld>
 </file>
 
@@ -21054,14 +22025,14 @@
           </a:ln>
           <a:extLst>
             <a:ext uri="{909E8E84-426E-40dd-AFC4-6F175D3DCCD1}">
-              <a14:hiddenFill xmlns="" xmlns:a14="http://schemas.microsoft.com/office/drawing/2010/main">
+              <a14:hiddenFill xmlns:a14="http://schemas.microsoft.com/office/drawing/2010/main" xmlns="">
                 <a:solidFill>
                   <a:srgbClr val="FFFFFF"/>
                 </a:solidFill>
               </a14:hiddenFill>
             </a:ext>
             <a:ext uri="{91240B29-F687-4f45-9708-019B960494DF}">
-              <a14:hiddenLine xmlns="" xmlns:a14="http://schemas.microsoft.com/office/drawing/2010/main" w="9525">
+              <a14:hiddenLine xmlns:a14="http://schemas.microsoft.com/office/drawing/2010/main" xmlns="" w="9525">
                 <a:solidFill>
                   <a:srgbClr val="000000"/>
                 </a:solidFill>
@@ -21119,14 +22090,14 @@
           </a:ln>
           <a:extLst>
             <a:ext uri="{909E8E84-426E-40dd-AFC4-6F175D3DCCD1}">
-              <a14:hiddenFill xmlns="" xmlns:a14="http://schemas.microsoft.com/office/drawing/2010/main">
+              <a14:hiddenFill xmlns:a14="http://schemas.microsoft.com/office/drawing/2010/main" xmlns="">
                 <a:solidFill>
                   <a:srgbClr val="FFFFFF"/>
                 </a:solidFill>
               </a14:hiddenFill>
             </a:ext>
             <a:ext uri="{91240B29-F687-4f45-9708-019B960494DF}">
-              <a14:hiddenLine xmlns="" xmlns:a14="http://schemas.microsoft.com/office/drawing/2010/main" w="9525">
+              <a14:hiddenLine xmlns:a14="http://schemas.microsoft.com/office/drawing/2010/main" xmlns="" w="9525">
                 <a:solidFill>
                   <a:srgbClr val="000000"/>
                 </a:solidFill>
@@ -21966,4 +22937,47 @@
     </a:ext>
   </a:extLst>
 </a:theme>
+</file>
+
+<file path=ppt/theme/themeOverride1.xml><?xml version="1.0" encoding="utf-8"?>
+<a:themeOverride xmlns:a="http://schemas.openxmlformats.org/drawingml/2006/main">
+  <a:clrScheme name="Office">
+    <a:dk1>
+      <a:sysClr val="windowText" lastClr="000000"/>
+    </a:dk1>
+    <a:lt1>
+      <a:sysClr val="window" lastClr="FFFFFF"/>
+    </a:lt1>
+    <a:dk2>
+      <a:srgbClr val="44546A"/>
+    </a:dk2>
+    <a:lt2>
+      <a:srgbClr val="E7E6E6"/>
+    </a:lt2>
+    <a:accent1>
+      <a:srgbClr val="5B9BD5"/>
+    </a:accent1>
+    <a:accent2>
+      <a:srgbClr val="ED7D31"/>
+    </a:accent2>
+    <a:accent3>
+      <a:srgbClr val="A5A5A5"/>
+    </a:accent3>
+    <a:accent4>
+      <a:srgbClr val="FFC000"/>
+    </a:accent4>
+    <a:accent5>
+      <a:srgbClr val="4472C4"/>
+    </a:accent5>
+    <a:accent6>
+      <a:srgbClr val="70AD47"/>
+    </a:accent6>
+    <a:hlink>
+      <a:srgbClr val="0563C1"/>
+    </a:hlink>
+    <a:folHlink>
+      <a:srgbClr val="954F72"/>
+    </a:folHlink>
+  </a:clrScheme>
+</a:themeOverride>
 </file>
--- a/SE401/Lectures/8-Integration, System and Regression Testing/2-System Testing.pptx
+++ b/SE401/Lectures/8-Integration, System and Regression Testing/2-System Testing.pptx
@@ -266,7 +266,7 @@
           <a:p>
             <a:fld id="{29DC965F-4EE6-424F-87B9-6E4E065EFA1D}" type="datetimeFigureOut">
               <a:rPr lang="en-US" smtClean="0"/>
-              <a:t>11/15/2021</a:t>
+              <a:t>11/16/2021</a:t>
             </a:fld>
             <a:endParaRPr lang="en-US"/>
           </a:p>
@@ -2477,14 +2477,14 @@
           </a:ln>
           <a:extLst>
             <a:ext uri="{909E8E84-426E-40dd-AFC4-6F175D3DCCD1}">
-              <a14:hiddenFill xmlns:a14="http://schemas.microsoft.com/office/drawing/2010/main" xmlns="">
+              <a14:hiddenFill xmlns="" xmlns:a14="http://schemas.microsoft.com/office/drawing/2010/main">
                 <a:solidFill>
                   <a:srgbClr val="FFFFFF"/>
                 </a:solidFill>
               </a14:hiddenFill>
             </a:ext>
             <a:ext uri="{91240B29-F687-4f45-9708-019B960494DF}">
-              <a14:hiddenLine xmlns:a14="http://schemas.microsoft.com/office/drawing/2010/main" xmlns="" w="9525">
+              <a14:hiddenLine xmlns="" xmlns:a14="http://schemas.microsoft.com/office/drawing/2010/main" w="9525">
                 <a:solidFill>
                   <a:srgbClr val="000000"/>
                 </a:solidFill>
@@ -2660,14 +2660,14 @@
           </a:ln>
           <a:extLst>
             <a:ext uri="{909E8E84-426E-40dd-AFC4-6F175D3DCCD1}">
-              <a14:hiddenFill xmlns:a14="http://schemas.microsoft.com/office/drawing/2010/main" xmlns="">
+              <a14:hiddenFill xmlns="" xmlns:a14="http://schemas.microsoft.com/office/drawing/2010/main">
                 <a:solidFill>
                   <a:srgbClr val="FFFFFF"/>
                 </a:solidFill>
               </a14:hiddenFill>
             </a:ext>
             <a:ext uri="{FAA26D3D-D897-4be2-8F04-BA451C77F1D7}">
-              <ma14:placeholderFlag xmlns:ma14="http://schemas.microsoft.com/office/mac/drawingml/2011/main" xmlns="" val="1"/>
+              <ma14:placeholderFlag xmlns="" xmlns:ma14="http://schemas.microsoft.com/office/mac/drawingml/2011/main" val="1"/>
             </a:ext>
           </a:extLst>
         </p:spPr>
@@ -3379,7 +3379,7 @@
           </a:ln>
           <a:extLst>
             <a:ext uri="{909E8E84-426E-40dd-AFC4-6F175D3DCCD1}">
-              <a14:hiddenFill xmlns:a14="http://schemas.microsoft.com/office/drawing/2010/main" xmlns="">
+              <a14:hiddenFill xmlns="" xmlns:a14="http://schemas.microsoft.com/office/drawing/2010/main">
                 <a:solidFill>
                   <a:srgbClr val="FFFFFF"/>
                 </a:solidFill>
@@ -3985,7 +3985,7 @@
           </a:ln>
           <a:extLst>
             <a:ext uri="{909E8E84-426E-40dd-AFC4-6F175D3DCCD1}">
-              <a14:hiddenFill xmlns:a14="http://schemas.microsoft.com/office/drawing/2010/main" xmlns="">
+              <a14:hiddenFill xmlns="" xmlns:a14="http://schemas.microsoft.com/office/drawing/2010/main">
                 <a:solidFill>
                   <a:srgbClr val="FFFFFF"/>
                 </a:solidFill>
@@ -4279,7 +4279,7 @@
           </a:ln>
           <a:extLst>
             <a:ext uri="{AF507438-7753-43e0-B8FC-AC1667EBCBE1}">
-              <a14:hiddenEffects xmlns:a14="http://schemas.microsoft.com/office/drawing/2010/main" xmlns="">
+              <a14:hiddenEffects xmlns="" xmlns:a14="http://schemas.microsoft.com/office/drawing/2010/main">
                 <a:effectLst>
                   <a:outerShdw blurRad="63500" dist="38099" dir="2700000" algn="ctr" rotWithShape="0">
                     <a:srgbClr val="000000">
@@ -4314,14 +4314,14 @@
           <a:ln/>
           <a:extLst>
             <a:ext uri="{909E8E84-426E-40dd-AFC4-6F175D3DCCD1}">
-              <a14:hiddenFill xmlns:a14="http://schemas.microsoft.com/office/drawing/2010/main" xmlns="">
+              <a14:hiddenFill xmlns="" xmlns:a14="http://schemas.microsoft.com/office/drawing/2010/main">
                 <a:solidFill>
                   <a:srgbClr val="FFFFFF"/>
                 </a:solidFill>
               </a14:hiddenFill>
             </a:ext>
             <a:ext uri="{91240B29-F687-4f45-9708-019B960494DF}">
-              <a14:hiddenLine xmlns:a14="http://schemas.microsoft.com/office/drawing/2010/main" xmlns="" w="9525">
+              <a14:hiddenLine xmlns="" xmlns:a14="http://schemas.microsoft.com/office/drawing/2010/main" w="9525">
                 <a:solidFill>
                   <a:srgbClr val="000000"/>
                 </a:solidFill>
@@ -4331,7 +4331,7 @@
               </a14:hiddenLine>
             </a:ext>
             <a:ext uri="{AF507438-7753-43e0-B8FC-AC1667EBCBE1}">
-              <a14:hiddenEffects xmlns:a14="http://schemas.microsoft.com/office/drawing/2010/main" xmlns="">
+              <a14:hiddenEffects xmlns="" xmlns:a14="http://schemas.microsoft.com/office/drawing/2010/main">
                 <a:effectLst>
                   <a:outerShdw blurRad="63500" dist="38099" dir="2700000" algn="ctr" rotWithShape="0">
                     <a:srgbClr val="000000">
@@ -4777,14 +4777,14 @@
           </a:ln>
           <a:extLst>
             <a:ext uri="{909E8E84-426E-40dd-AFC4-6F175D3DCCD1}">
-              <a14:hiddenFill xmlns:a14="http://schemas.microsoft.com/office/drawing/2010/main" xmlns="">
+              <a14:hiddenFill xmlns="" xmlns:a14="http://schemas.microsoft.com/office/drawing/2010/main">
                 <a:solidFill>
                   <a:srgbClr val="FFFFFF"/>
                 </a:solidFill>
               </a14:hiddenFill>
             </a:ext>
             <a:ext uri="{91240B29-F687-4f45-9708-019B960494DF}">
-              <a14:hiddenLine xmlns:a14="http://schemas.microsoft.com/office/drawing/2010/main" xmlns="" w="9525">
+              <a14:hiddenLine xmlns="" xmlns:a14="http://schemas.microsoft.com/office/drawing/2010/main" w="9525">
                 <a:solidFill>
                   <a:srgbClr val="000000"/>
                 </a:solidFill>
@@ -4960,14 +4960,14 @@
           </a:ln>
           <a:extLst>
             <a:ext uri="{909E8E84-426E-40dd-AFC4-6F175D3DCCD1}">
-              <a14:hiddenFill xmlns:a14="http://schemas.microsoft.com/office/drawing/2010/main" xmlns="">
+              <a14:hiddenFill xmlns="" xmlns:a14="http://schemas.microsoft.com/office/drawing/2010/main">
                 <a:solidFill>
                   <a:srgbClr val="FFFFFF"/>
                 </a:solidFill>
               </a14:hiddenFill>
             </a:ext>
             <a:ext uri="{FAA26D3D-D897-4be2-8F04-BA451C77F1D7}">
-              <ma14:placeholderFlag xmlns:ma14="http://schemas.microsoft.com/office/mac/drawingml/2011/main" xmlns="" val="1"/>
+              <ma14:placeholderFlag xmlns="" xmlns:ma14="http://schemas.microsoft.com/office/mac/drawingml/2011/main" val="1"/>
             </a:ext>
           </a:extLst>
         </p:spPr>
@@ -6534,7 +6534,7 @@
           <a:p>
             <a:fld id="{37F25EE3-3670-48A1-BD38-BCF07B338F77}" type="datetime1">
               <a:rPr lang="en-US" smtClean="0"/>
-              <a:t>11/15/2021</a:t>
+              <a:t>11/16/2021</a:t>
             </a:fld>
             <a:endParaRPr lang="en-US"/>
           </a:p>
@@ -6785,7 +6785,7 @@
           <a:p>
             <a:fld id="{BD3F448D-36D0-425B-A768-748E58DED954}" type="datetime1">
               <a:rPr lang="en-US" smtClean="0"/>
-              <a:t>11/15/2021</a:t>
+              <a:t>11/16/2021</a:t>
             </a:fld>
             <a:endParaRPr lang="en-US"/>
           </a:p>
@@ -6965,7 +6965,7 @@
           <a:p>
             <a:fld id="{518D97EF-B8A1-4C50-8FE1-7FFDFF5821BA}" type="datetime1">
               <a:rPr lang="en-US" smtClean="0"/>
-              <a:t>11/15/2021</a:t>
+              <a:t>11/16/2021</a:t>
             </a:fld>
             <a:endParaRPr lang="en-US"/>
           </a:p>
@@ -7135,7 +7135,7 @@
           <a:p>
             <a:fld id="{4DC2A4DD-90EF-49ED-B7E8-A04E775244AF}" type="datetime1">
               <a:rPr lang="en-US" smtClean="0"/>
-              <a:t>11/15/2021</a:t>
+              <a:t>11/16/2021</a:t>
             </a:fld>
             <a:endParaRPr lang="en-US"/>
           </a:p>
@@ -7381,7 +7381,7 @@
           <a:p>
             <a:fld id="{C49C64D8-BE90-47C2-AB4E-17E7A8E25C0F}" type="datetime1">
               <a:rPr lang="en-US" smtClean="0"/>
-              <a:t>11/15/2021</a:t>
+              <a:t>11/16/2021</a:t>
             </a:fld>
             <a:endParaRPr lang="en-US"/>
           </a:p>
@@ -7613,7 +7613,7 @@
           <a:p>
             <a:fld id="{05213E12-4916-4425-9F48-0C7B001002A2}" type="datetime1">
               <a:rPr lang="en-US" smtClean="0"/>
-              <a:t>11/15/2021</a:t>
+              <a:t>11/16/2021</a:t>
             </a:fld>
             <a:endParaRPr lang="en-US"/>
           </a:p>
@@ -7980,7 +7980,7 @@
           <a:p>
             <a:fld id="{57750A7D-6440-471E-9A62-EE9D52F00272}" type="datetime1">
               <a:rPr lang="en-US" smtClean="0"/>
-              <a:t>11/15/2021</a:t>
+              <a:t>11/16/2021</a:t>
             </a:fld>
             <a:endParaRPr lang="en-US"/>
           </a:p>
@@ -8098,7 +8098,7 @@
           <a:p>
             <a:fld id="{29AB0C40-7BF5-441B-959D-CAA8EAEC1D8F}" type="datetime1">
               <a:rPr lang="en-US" smtClean="0"/>
-              <a:t>11/15/2021</a:t>
+              <a:t>11/16/2021</a:t>
             </a:fld>
             <a:endParaRPr lang="en-US"/>
           </a:p>
@@ -8193,7 +8193,7 @@
           <a:p>
             <a:fld id="{56CB15C1-50CD-4D8E-87FD-09A53995B887}" type="datetime1">
               <a:rPr lang="en-US" smtClean="0"/>
-              <a:t>11/15/2021</a:t>
+              <a:t>11/16/2021</a:t>
             </a:fld>
             <a:endParaRPr lang="en-US"/>
           </a:p>
@@ -8470,7 +8470,7 @@
           <a:p>
             <a:fld id="{2D6BD592-F12F-46F8-9E79-6E07B872F689}" type="datetime1">
               <a:rPr lang="en-US" smtClean="0"/>
-              <a:t>11/15/2021</a:t>
+              <a:t>11/16/2021</a:t>
             </a:fld>
             <a:endParaRPr lang="en-US"/>
           </a:p>
@@ -8723,7 +8723,7 @@
           <a:p>
             <a:fld id="{D4AED46E-27F9-446C-A84F-62508097E734}" type="datetime1">
               <a:rPr lang="en-US" smtClean="0"/>
-              <a:t>11/15/2021</a:t>
+              <a:t>11/16/2021</a:t>
             </a:fld>
             <a:endParaRPr lang="en-US"/>
           </a:p>
@@ -8937,7 +8937,7 @@
           <a:p>
             <a:fld id="{8DDD7842-5CB9-4704-8601-0697C48BE99A}" type="datetime1">
               <a:rPr lang="en-US" smtClean="0"/>
-              <a:t>11/15/2021</a:t>
+              <a:t>11/16/2021</a:t>
             </a:fld>
             <a:endParaRPr lang="en-US"/>
           </a:p>
@@ -11168,7 +11168,6 @@
               <a:rPr lang="en-US" dirty="0"/>
               <a:t>Uppermost level SAT M finite state machine.</a:t>
             </a:r>
-            <a:endParaRPr lang="en-US" dirty="0"/>
           </a:p>
         </p:txBody>
       </p:sp>
@@ -11273,7 +11272,6 @@
               <a:rPr lang="en-US" dirty="0"/>
               <a:t>Decomposition of PIN entry state.</a:t>
             </a:r>
-            <a:endParaRPr lang="en-US" dirty="0"/>
           </a:p>
         </p:txBody>
       </p:sp>
@@ -11380,7 +11378,6 @@
               <a:rPr lang="en-US" dirty="0"/>
               <a:t>Decomposition of transaction processing state</a:t>
             </a:r>
-            <a:endParaRPr lang="en-US" dirty="0"/>
           </a:p>
         </p:txBody>
       </p:sp>
@@ -12309,7 +12306,7 @@
           <a:graphicData uri="http://schemas.openxmlformats.org/presentationml/2006/ole">
             <mc:AlternateContent xmlns:mc="http://schemas.openxmlformats.org/markup-compatibility/2006">
               <mc:Choice xmlns:v="urn:schemas-microsoft-com:vml" Requires="v">
-                <p:oleObj spid="_x0000_s1027" name="Visio" r:id="rId3" imgW="2206211" imgH="764469" progId="Visio.Drawing.11">
+                <p:oleObj spid="_x0000_s1028" name="Visio" r:id="rId3" imgW="2206211" imgH="764469" progId="Visio.Drawing.11">
                   <p:embed/>
                 </p:oleObj>
               </mc:Choice>
@@ -13596,19 +13593,17 @@
             <a:pPr lvl="1"/>
             <a:r>
               <a:rPr lang="en-US" dirty="0" smtClean="0"/>
-              <a:t>from short use cases</a:t>
-            </a:r>
-          </a:p>
-          <a:p>
-            <a:r>
-              <a:rPr lang="en-US" dirty="0" smtClean="0"/>
-              <a:t>Example: the integration version of </a:t>
-            </a:r>
-            <a:r>
-              <a:rPr lang="en-US" dirty="0" err="1" smtClean="0"/>
-              <a:t>NextDate</a:t>
-            </a:r>
-            <a:endParaRPr lang="en-US" dirty="0"/>
+              <a:t>from short </a:t>
+            </a:r>
+            <a:r>
+              <a:rPr lang="en-US" smtClean="0"/>
+              <a:t>use </a:t>
+            </a:r>
+            <a:r>
+              <a:rPr lang="en-US" smtClean="0"/>
+              <a:t>cases</a:t>
+            </a:r>
+            <a:endParaRPr lang="en-US" dirty="0" smtClean="0"/>
           </a:p>
         </p:txBody>
       </p:sp>
@@ -15364,14 +15359,14 @@
           </a:ln>
           <a:extLst>
             <a:ext uri="{909E8E84-426E-40dd-AFC4-6F175D3DCCD1}">
-              <a14:hiddenFill xmlns:a14="http://schemas.microsoft.com/office/drawing/2010/main" xmlns="">
+              <a14:hiddenFill xmlns="" xmlns:a14="http://schemas.microsoft.com/office/drawing/2010/main">
                 <a:solidFill>
                   <a:srgbClr val="FFFFFF"/>
                 </a:solidFill>
               </a14:hiddenFill>
             </a:ext>
             <a:ext uri="{91240B29-F687-4f45-9708-019B960494DF}">
-              <a14:hiddenLine xmlns:a14="http://schemas.microsoft.com/office/drawing/2010/main" xmlns="" w="9525">
+              <a14:hiddenLine xmlns="" xmlns:a14="http://schemas.microsoft.com/office/drawing/2010/main" w="9525">
                 <a:solidFill>
                   <a:srgbClr val="000000"/>
                 </a:solidFill>
@@ -15381,7 +15376,7 @@
               </a14:hiddenLine>
             </a:ext>
             <a:ext uri="{FAA26D3D-D897-4be2-8F04-BA451C77F1D7}">
-              <ma14:placeholderFlag xmlns:ma14="http://schemas.microsoft.com/office/mac/drawingml/2011/main" xmlns="" val="1"/>
+              <ma14:placeholderFlag xmlns="" xmlns:ma14="http://schemas.microsoft.com/office/mac/drawingml/2011/main" val="1"/>
             </a:ext>
           </a:extLst>
         </p:spPr>
@@ -15752,14 +15747,14 @@
           </a:ln>
           <a:extLst>
             <a:ext uri="{909E8E84-426E-40dd-AFC4-6F175D3DCCD1}">
-              <a14:hiddenFill xmlns:a14="http://schemas.microsoft.com/office/drawing/2010/main" xmlns="">
+              <a14:hiddenFill xmlns="" xmlns:a14="http://schemas.microsoft.com/office/drawing/2010/main">
                 <a:solidFill>
                   <a:srgbClr val="FFFFFF"/>
                 </a:solidFill>
               </a14:hiddenFill>
             </a:ext>
             <a:ext uri="{91240B29-F687-4f45-9708-019B960494DF}">
-              <a14:hiddenLine xmlns:a14="http://schemas.microsoft.com/office/drawing/2010/main" xmlns="" w="9525">
+              <a14:hiddenLine xmlns="" xmlns:a14="http://schemas.microsoft.com/office/drawing/2010/main" w="9525">
                 <a:solidFill>
                   <a:srgbClr val="000000"/>
                 </a:solidFill>
@@ -15769,7 +15764,7 @@
               </a14:hiddenLine>
             </a:ext>
             <a:ext uri="{FAA26D3D-D897-4be2-8F04-BA451C77F1D7}">
-              <ma14:placeholderFlag xmlns:ma14="http://schemas.microsoft.com/office/mac/drawingml/2011/main" xmlns="" val="1"/>
+              <ma14:placeholderFlag xmlns="" xmlns:ma14="http://schemas.microsoft.com/office/mac/drawingml/2011/main" val="1"/>
             </a:ext>
           </a:extLst>
         </p:spPr>
@@ -16111,14 +16106,14 @@
           <a:effectLst/>
           <a:extLst>
             <a:ext uri="{909E8E84-426E-40dd-AFC4-6F175D3DCCD1}">
-              <a14:hiddenFill xmlns:a14="http://schemas.microsoft.com/office/drawing/2010/main" xmlns="">
+              <a14:hiddenFill xmlns="" xmlns:a14="http://schemas.microsoft.com/office/drawing/2010/main">
                 <a:solidFill>
                   <a:schemeClr val="accent1"/>
                 </a:solidFill>
               </a14:hiddenFill>
             </a:ext>
             <a:ext uri="{91240B29-F687-4f45-9708-019B960494DF}">
-              <a14:hiddenLine xmlns:a14="http://schemas.microsoft.com/office/drawing/2010/main" xmlns="" w="12700">
+              <a14:hiddenLine xmlns="" xmlns:a14="http://schemas.microsoft.com/office/drawing/2010/main" w="12700">
                 <a:solidFill>
                   <a:schemeClr val="tx1"/>
                 </a:solidFill>
@@ -16128,7 +16123,7 @@
               </a14:hiddenLine>
             </a:ext>
             <a:ext uri="{AF507438-7753-43e0-B8FC-AC1667EBCBE1}">
-              <a14:hiddenEffects xmlns:a14="http://schemas.microsoft.com/office/drawing/2010/main" xmlns="">
+              <a14:hiddenEffects xmlns="" xmlns:a14="http://schemas.microsoft.com/office/drawing/2010/main">
                 <a:effectLst>
                   <a:outerShdw dist="35921" dir="2700000" algn="ctr" rotWithShape="0">
                     <a:schemeClr val="bg2"/>
@@ -16275,14 +16270,14 @@
           </a:ln>
           <a:extLst>
             <a:ext uri="{909E8E84-426E-40dd-AFC4-6F175D3DCCD1}">
-              <a14:hiddenFill xmlns:a14="http://schemas.microsoft.com/office/drawing/2010/main" xmlns="">
+              <a14:hiddenFill xmlns="" xmlns:a14="http://schemas.microsoft.com/office/drawing/2010/main">
                 <a:solidFill>
                   <a:srgbClr val="FFFFFF"/>
                 </a:solidFill>
               </a14:hiddenFill>
             </a:ext>
             <a:ext uri="{91240B29-F687-4f45-9708-019B960494DF}">
-              <a14:hiddenLine xmlns:a14="http://schemas.microsoft.com/office/drawing/2010/main" xmlns="" w="9525">
+              <a14:hiddenLine xmlns="" xmlns:a14="http://schemas.microsoft.com/office/drawing/2010/main" w="9525">
                 <a:solidFill>
                   <a:srgbClr val="000000"/>
                 </a:solidFill>
@@ -16292,7 +16287,7 @@
               </a14:hiddenLine>
             </a:ext>
             <a:ext uri="{FAA26D3D-D897-4be2-8F04-BA451C77F1D7}">
-              <ma14:placeholderFlag xmlns:ma14="http://schemas.microsoft.com/office/mac/drawingml/2011/main" xmlns="" val="1"/>
+              <ma14:placeholderFlag xmlns="" xmlns:ma14="http://schemas.microsoft.com/office/mac/drawingml/2011/main" val="1"/>
             </a:ext>
           </a:extLst>
         </p:spPr>
@@ -18782,14 +18777,14 @@
           </a:ln>
           <a:extLst>
             <a:ext uri="{909E8E84-426E-40dd-AFC4-6F175D3DCCD1}">
-              <a14:hiddenFill xmlns:a14="http://schemas.microsoft.com/office/drawing/2010/main" xmlns="">
+              <a14:hiddenFill xmlns="" xmlns:a14="http://schemas.microsoft.com/office/drawing/2010/main">
                 <a:solidFill>
                   <a:srgbClr val="FFFFFF"/>
                 </a:solidFill>
               </a14:hiddenFill>
             </a:ext>
             <a:ext uri="{91240B29-F687-4f45-9708-019B960494DF}">
-              <a14:hiddenLine xmlns:a14="http://schemas.microsoft.com/office/drawing/2010/main" xmlns="" w="9525">
+              <a14:hiddenLine xmlns="" xmlns:a14="http://schemas.microsoft.com/office/drawing/2010/main" w="9525">
                 <a:solidFill>
                   <a:srgbClr val="000000"/>
                 </a:solidFill>
@@ -22025,14 +22020,14 @@
           </a:ln>
           <a:extLst>
             <a:ext uri="{909E8E84-426E-40dd-AFC4-6F175D3DCCD1}">
-              <a14:hiddenFill xmlns:a14="http://schemas.microsoft.com/office/drawing/2010/main" xmlns="">
+              <a14:hiddenFill xmlns="" xmlns:a14="http://schemas.microsoft.com/office/drawing/2010/main">
                 <a:solidFill>
                   <a:srgbClr val="FFFFFF"/>
                 </a:solidFill>
               </a14:hiddenFill>
             </a:ext>
             <a:ext uri="{91240B29-F687-4f45-9708-019B960494DF}">
-              <a14:hiddenLine xmlns:a14="http://schemas.microsoft.com/office/drawing/2010/main" xmlns="" w="9525">
+              <a14:hiddenLine xmlns="" xmlns:a14="http://schemas.microsoft.com/office/drawing/2010/main" w="9525">
                 <a:solidFill>
                   <a:srgbClr val="000000"/>
                 </a:solidFill>
@@ -22090,14 +22085,14 @@
           </a:ln>
           <a:extLst>
             <a:ext uri="{909E8E84-426E-40dd-AFC4-6F175D3DCCD1}">
-              <a14:hiddenFill xmlns:a14="http://schemas.microsoft.com/office/drawing/2010/main" xmlns="">
+              <a14:hiddenFill xmlns="" xmlns:a14="http://schemas.microsoft.com/office/drawing/2010/main">
                 <a:solidFill>
                   <a:srgbClr val="FFFFFF"/>
                 </a:solidFill>
               </a14:hiddenFill>
             </a:ext>
             <a:ext uri="{91240B29-F687-4f45-9708-019B960494DF}">
-              <a14:hiddenLine xmlns:a14="http://schemas.microsoft.com/office/drawing/2010/main" xmlns="" w="9525">
+              <a14:hiddenLine xmlns="" xmlns:a14="http://schemas.microsoft.com/office/drawing/2010/main" w="9525">
                 <a:solidFill>
                   <a:srgbClr val="000000"/>
                 </a:solidFill>
